--- a/Proposta progetto.pptx
+++ b/Proposta progetto.pptx
@@ -9,8 +9,11 @@
     <p:sldId id="261" r:id="rId3"/>
     <p:sldId id="262" r:id="rId4"/>
     <p:sldId id="263" r:id="rId5"/>
-    <p:sldId id="264" r:id="rId6"/>
-    <p:sldId id="265" r:id="rId7"/>
+    <p:sldId id="265" r:id="rId6"/>
+    <p:sldId id="264" r:id="rId7"/>
+    <p:sldId id="268" r:id="rId8"/>
+    <p:sldId id="266" r:id="rId9"/>
+    <p:sldId id="267" r:id="rId10"/>
   </p:sldIdLst>
   <p:sldSz cx="12192000" cy="6858000"/>
   <p:notesSz cx="6858000" cy="9144000"/>
@@ -109,7 +112,1804 @@
       </a:defRPr>
     </a:lvl9pPr>
   </p:defaultTextStyle>
+  <p:extLst>
+    <p:ext uri="{EFAFB233-063F-42B5-8137-9DF3F51BA10A}">
+      <p15:sldGuideLst xmlns:p15="http://schemas.microsoft.com/office/powerpoint/2012/main"/>
+    </p:ext>
+  </p:extLst>
 </p:presentation>
+</file>
+
+<file path=ppt/ink/ink1.xml><?xml version="1.0" encoding="utf-8"?>
+<inkml:ink xmlns:inkml="http://www.w3.org/2003/InkML">
+  <inkml:definitions>
+    <inkml:context xml:id="ctx0">
+      <inkml:inkSource xml:id="inkSrc0">
+        <inkml:traceFormat>
+          <inkml:channel name="X" type="integer" min="-2.14748E9" max="2.14748E9" units="cm"/>
+          <inkml:channel name="Y" type="integer" min="-2.14748E9" max="2.14748E9" units="cm"/>
+          <inkml:channel name="F" type="integer" max="32767" units="dev"/>
+        </inkml:traceFormat>
+        <inkml:channelProperties>
+          <inkml:channelProperty channel="X" name="resolution" value="1000" units="1/cm"/>
+          <inkml:channelProperty channel="Y" name="resolution" value="1000" units="1/cm"/>
+          <inkml:channelProperty channel="F" name="resolution" value="0" units="1/dev"/>
+        </inkml:channelProperties>
+      </inkml:inkSource>
+      <inkml:timestamp xml:id="ts0" timeString="2021-12-02T15:53:35.279"/>
+    </inkml:context>
+    <inkml:brush xml:id="br0">
+      <inkml:brushProperty name="width" value="0.05" units="cm"/>
+      <inkml:brushProperty name="height" value="0.05" units="cm"/>
+      <inkml:brushProperty name="color" value="#FFFFFF"/>
+    </inkml:brush>
+  </inkml:definitions>
+  <inkml:trace contextRef="#ctx0" brushRef="#br0">7 89 24575,'4'0'0,"2"-8"0,0-8 0,-6-6 0,-7 2 0,-3 12 0,6 8 0,2 8 0,7 3 0,6 0 0,7-3 0,-1-6 0,-3-8 0,-8-4 0,-5-4 0,-12 1 0,-3 1-8191</inkml:trace>
+</inkml:ink>
+</file>
+
+<file path=ppt/ink/ink10.xml><?xml version="1.0" encoding="utf-8"?>
+<inkml:ink xmlns:inkml="http://www.w3.org/2003/InkML">
+  <inkml:definitions>
+    <inkml:context xml:id="ctx0">
+      <inkml:inkSource xml:id="inkSrc0">
+        <inkml:traceFormat>
+          <inkml:channel name="X" type="integer" min="-2.14748E9" max="2.14748E9" units="cm"/>
+          <inkml:channel name="Y" type="integer" min="-2.14748E9" max="2.14748E9" units="cm"/>
+          <inkml:channel name="F" type="integer" max="32767" units="dev"/>
+        </inkml:traceFormat>
+        <inkml:channelProperties>
+          <inkml:channelProperty channel="X" name="resolution" value="1000" units="1/cm"/>
+          <inkml:channelProperty channel="Y" name="resolution" value="1000" units="1/cm"/>
+          <inkml:channelProperty channel="F" name="resolution" value="0" units="1/dev"/>
+        </inkml:channelProperties>
+      </inkml:inkSource>
+      <inkml:timestamp xml:id="ts0" timeString="2021-12-02T16:07:25.635"/>
+    </inkml:context>
+    <inkml:brush xml:id="br0">
+      <inkml:brushProperty name="width" value="0.05" units="cm"/>
+      <inkml:brushProperty name="height" value="0.05" units="cm"/>
+      <inkml:brushProperty name="color" value="#FFFFFF"/>
+    </inkml:brush>
+  </inkml:definitions>
+  <inkml:trace contextRef="#ctx0" brushRef="#br0">1 1 24575</inkml:trace>
+</inkml:ink>
+</file>
+
+<file path=ppt/ink/ink11.xml><?xml version="1.0" encoding="utf-8"?>
+<inkml:ink xmlns:inkml="http://www.w3.org/2003/InkML">
+  <inkml:definitions>
+    <inkml:context xml:id="ctx0">
+      <inkml:inkSource xml:id="inkSrc0">
+        <inkml:traceFormat>
+          <inkml:channel name="X" type="integer" min="-2.14748E9" max="2.14748E9" units="cm"/>
+          <inkml:channel name="Y" type="integer" min="-2.14748E9" max="2.14748E9" units="cm"/>
+          <inkml:channel name="F" type="integer" max="32767" units="dev"/>
+        </inkml:traceFormat>
+        <inkml:channelProperties>
+          <inkml:channelProperty channel="X" name="resolution" value="1000" units="1/cm"/>
+          <inkml:channelProperty channel="Y" name="resolution" value="1000" units="1/cm"/>
+          <inkml:channelProperty channel="F" name="resolution" value="0" units="1/dev"/>
+        </inkml:channelProperties>
+      </inkml:inkSource>
+      <inkml:timestamp xml:id="ts0" timeString="2021-12-02T16:07:26.187"/>
+    </inkml:context>
+    <inkml:brush xml:id="br0">
+      <inkml:brushProperty name="width" value="0.05" units="cm"/>
+      <inkml:brushProperty name="height" value="0.05" units="cm"/>
+      <inkml:brushProperty name="color" value="#FFFFFF"/>
+    </inkml:brush>
+  </inkml:definitions>
+  <inkml:trace contextRef="#ctx0" brushRef="#br0">1 0 24575</inkml:trace>
+</inkml:ink>
+</file>
+
+<file path=ppt/ink/ink12.xml><?xml version="1.0" encoding="utf-8"?>
+<inkml:ink xmlns:inkml="http://www.w3.org/2003/InkML">
+  <inkml:definitions>
+    <inkml:context xml:id="ctx0">
+      <inkml:inkSource xml:id="inkSrc0">
+        <inkml:traceFormat>
+          <inkml:channel name="X" type="integer" min="-2.14748E9" max="2.14748E9" units="cm"/>
+          <inkml:channel name="Y" type="integer" min="-2.14748E9" max="2.14748E9" units="cm"/>
+          <inkml:channel name="F" type="integer" max="32767" units="dev"/>
+        </inkml:traceFormat>
+        <inkml:channelProperties>
+          <inkml:channelProperty channel="X" name="resolution" value="1000" units="1/cm"/>
+          <inkml:channelProperty channel="Y" name="resolution" value="1000" units="1/cm"/>
+          <inkml:channelProperty channel="F" name="resolution" value="0" units="1/dev"/>
+        </inkml:channelProperties>
+      </inkml:inkSource>
+      <inkml:timestamp xml:id="ts0" timeString="2021-12-02T16:07:26.776"/>
+    </inkml:context>
+    <inkml:brush xml:id="br0">
+      <inkml:brushProperty name="width" value="0.05" units="cm"/>
+      <inkml:brushProperty name="height" value="0.05" units="cm"/>
+      <inkml:brushProperty name="color" value="#FFFFFF"/>
+    </inkml:brush>
+  </inkml:definitions>
+  <inkml:trace contextRef="#ctx0" brushRef="#br0">0 1 24575,'0'3'0,"2"2"0,0 1 0</inkml:trace>
+</inkml:ink>
+</file>
+
+<file path=ppt/ink/ink13.xml><?xml version="1.0" encoding="utf-8"?>
+<inkml:ink xmlns:inkml="http://www.w3.org/2003/InkML">
+  <inkml:definitions>
+    <inkml:context xml:id="ctx0">
+      <inkml:inkSource xml:id="inkSrc0">
+        <inkml:traceFormat>
+          <inkml:channel name="X" type="integer" min="-2.14748E9" max="2.14748E9" units="cm"/>
+          <inkml:channel name="Y" type="integer" min="-2.14748E9" max="2.14748E9" units="cm"/>
+          <inkml:channel name="F" type="integer" max="32767" units="dev"/>
+        </inkml:traceFormat>
+        <inkml:channelProperties>
+          <inkml:channelProperty channel="X" name="resolution" value="1000" units="1/cm"/>
+          <inkml:channelProperty channel="Y" name="resolution" value="1000" units="1/cm"/>
+          <inkml:channelProperty channel="F" name="resolution" value="0" units="1/dev"/>
+        </inkml:channelProperties>
+      </inkml:inkSource>
+      <inkml:timestamp xml:id="ts0" timeString="2021-12-02T16:07:27.358"/>
+    </inkml:context>
+    <inkml:brush xml:id="br0">
+      <inkml:brushProperty name="width" value="0.05" units="cm"/>
+      <inkml:brushProperty name="height" value="0.05" units="cm"/>
+      <inkml:brushProperty name="color" value="#FFFFFF"/>
+    </inkml:brush>
+  </inkml:definitions>
+  <inkml:trace contextRef="#ctx0" brushRef="#br0">1 0 24575</inkml:trace>
+</inkml:ink>
+</file>
+
+<file path=ppt/ink/ink14.xml><?xml version="1.0" encoding="utf-8"?>
+<inkml:ink xmlns:inkml="http://www.w3.org/2003/InkML">
+  <inkml:definitions>
+    <inkml:context xml:id="ctx0">
+      <inkml:inkSource xml:id="inkSrc0">
+        <inkml:traceFormat>
+          <inkml:channel name="X" type="integer" min="-2.14748E9" max="2.14748E9" units="cm"/>
+          <inkml:channel name="Y" type="integer" min="-2.14748E9" max="2.14748E9" units="cm"/>
+          <inkml:channel name="F" type="integer" max="32767" units="dev"/>
+        </inkml:traceFormat>
+        <inkml:channelProperties>
+          <inkml:channelProperty channel="X" name="resolution" value="1000" units="1/cm"/>
+          <inkml:channelProperty channel="Y" name="resolution" value="1000" units="1/cm"/>
+          <inkml:channelProperty channel="F" name="resolution" value="0" units="1/dev"/>
+        </inkml:channelProperties>
+      </inkml:inkSource>
+      <inkml:timestamp xml:id="ts0" timeString="2021-12-02T16:07:27.759"/>
+    </inkml:context>
+    <inkml:brush xml:id="br0">
+      <inkml:brushProperty name="width" value="0.05" units="cm"/>
+      <inkml:brushProperty name="height" value="0.05" units="cm"/>
+      <inkml:brushProperty name="color" value="#FFFFFF"/>
+    </inkml:brush>
+  </inkml:definitions>
+  <inkml:trace contextRef="#ctx0" brushRef="#br0">0 0 24575,'4'0'0,"2"0"0,3 0 0,1 0 0,3 0 0,0 0 0,1 0 0,-3 0-8191</inkml:trace>
+</inkml:ink>
+</file>
+
+<file path=ppt/ink/ink15.xml><?xml version="1.0" encoding="utf-8"?>
+<inkml:ink xmlns:inkml="http://www.w3.org/2003/InkML">
+  <inkml:definitions>
+    <inkml:context xml:id="ctx0">
+      <inkml:inkSource xml:id="inkSrc0">
+        <inkml:traceFormat>
+          <inkml:channel name="X" type="integer" min="-2.14748E9" max="2.14748E9" units="cm"/>
+          <inkml:channel name="Y" type="integer" min="-2.14748E9" max="2.14748E9" units="cm"/>
+          <inkml:channel name="F" type="integer" max="32767" units="dev"/>
+        </inkml:traceFormat>
+        <inkml:channelProperties>
+          <inkml:channelProperty channel="X" name="resolution" value="1000" units="1/cm"/>
+          <inkml:channelProperty channel="Y" name="resolution" value="1000" units="1/cm"/>
+          <inkml:channelProperty channel="F" name="resolution" value="0" units="1/dev"/>
+        </inkml:channelProperties>
+      </inkml:inkSource>
+      <inkml:timestamp xml:id="ts0" timeString="2021-12-02T16:07:28.230"/>
+    </inkml:context>
+    <inkml:brush xml:id="br0">
+      <inkml:brushProperty name="width" value="0.05" units="cm"/>
+      <inkml:brushProperty name="height" value="0.05" units="cm"/>
+      <inkml:brushProperty name="color" value="#FFFFFF"/>
+    </inkml:brush>
+  </inkml:definitions>
+  <inkml:trace contextRef="#ctx0" brushRef="#br0">1 1 24575,'0'1'0</inkml:trace>
+</inkml:ink>
+</file>
+
+<file path=ppt/ink/ink16.xml><?xml version="1.0" encoding="utf-8"?>
+<inkml:ink xmlns:inkml="http://www.w3.org/2003/InkML">
+  <inkml:definitions>
+    <inkml:context xml:id="ctx0">
+      <inkml:inkSource xml:id="inkSrc0">
+        <inkml:traceFormat>
+          <inkml:channel name="X" type="integer" min="-2.14748E9" max="2.14748E9" units="cm"/>
+          <inkml:channel name="Y" type="integer" min="-2.14748E9" max="2.14748E9" units="cm"/>
+          <inkml:channel name="F" type="integer" max="32767" units="dev"/>
+        </inkml:traceFormat>
+        <inkml:channelProperties>
+          <inkml:channelProperty channel="X" name="resolution" value="1000" units="1/cm"/>
+          <inkml:channelProperty channel="Y" name="resolution" value="1000" units="1/cm"/>
+          <inkml:channelProperty channel="F" name="resolution" value="0" units="1/dev"/>
+        </inkml:channelProperties>
+      </inkml:inkSource>
+      <inkml:timestamp xml:id="ts0" timeString="2021-12-02T16:07:28.819"/>
+    </inkml:context>
+    <inkml:brush xml:id="br0">
+      <inkml:brushProperty name="width" value="0.05" units="cm"/>
+      <inkml:brushProperty name="height" value="0.05" units="cm"/>
+      <inkml:brushProperty name="color" value="#FFFFFF"/>
+    </inkml:brush>
+  </inkml:definitions>
+  <inkml:trace contextRef="#ctx0" brushRef="#br0">0 0 24575</inkml:trace>
+</inkml:ink>
+</file>
+
+<file path=ppt/ink/ink17.xml><?xml version="1.0" encoding="utf-8"?>
+<inkml:ink xmlns:inkml="http://www.w3.org/2003/InkML">
+  <inkml:definitions>
+    <inkml:context xml:id="ctx0">
+      <inkml:inkSource xml:id="inkSrc0">
+        <inkml:traceFormat>
+          <inkml:channel name="X" type="integer" min="-2.14748E9" max="2.14748E9" units="cm"/>
+          <inkml:channel name="Y" type="integer" min="-2.14748E9" max="2.14748E9" units="cm"/>
+          <inkml:channel name="F" type="integer" max="32767" units="dev"/>
+        </inkml:traceFormat>
+        <inkml:channelProperties>
+          <inkml:channelProperty channel="X" name="resolution" value="1000" units="1/cm"/>
+          <inkml:channelProperty channel="Y" name="resolution" value="1000" units="1/cm"/>
+          <inkml:channelProperty channel="F" name="resolution" value="0" units="1/dev"/>
+        </inkml:channelProperties>
+      </inkml:inkSource>
+      <inkml:timestamp xml:id="ts0" timeString="2021-12-02T16:07:29.545"/>
+    </inkml:context>
+    <inkml:brush xml:id="br0">
+      <inkml:brushProperty name="width" value="0.05" units="cm"/>
+      <inkml:brushProperty name="height" value="0.05" units="cm"/>
+      <inkml:brushProperty name="color" value="#FFFFFF"/>
+    </inkml:brush>
+  </inkml:definitions>
+  <inkml:trace contextRef="#ctx0" brushRef="#br0">1 0 24575</inkml:trace>
+</inkml:ink>
+</file>
+
+<file path=ppt/ink/ink18.xml><?xml version="1.0" encoding="utf-8"?>
+<inkml:ink xmlns:inkml="http://www.w3.org/2003/InkML">
+  <inkml:definitions>
+    <inkml:context xml:id="ctx0">
+      <inkml:inkSource xml:id="inkSrc0">
+        <inkml:traceFormat>
+          <inkml:channel name="X" type="integer" min="-2.14748E9" max="2.14748E9" units="cm"/>
+          <inkml:channel name="Y" type="integer" min="-2.14748E9" max="2.14748E9" units="cm"/>
+          <inkml:channel name="F" type="integer" max="32767" units="dev"/>
+        </inkml:traceFormat>
+        <inkml:channelProperties>
+          <inkml:channelProperty channel="X" name="resolution" value="1000" units="1/cm"/>
+          <inkml:channelProperty channel="Y" name="resolution" value="1000" units="1/cm"/>
+          <inkml:channelProperty channel="F" name="resolution" value="0" units="1/dev"/>
+        </inkml:channelProperties>
+      </inkml:inkSource>
+      <inkml:timestamp xml:id="ts0" timeString="2021-12-02T16:07:30.061"/>
+    </inkml:context>
+    <inkml:brush xml:id="br0">
+      <inkml:brushProperty name="width" value="0.05" units="cm"/>
+      <inkml:brushProperty name="height" value="0.05" units="cm"/>
+      <inkml:brushProperty name="color" value="#FFFFFF"/>
+    </inkml:brush>
+  </inkml:definitions>
+  <inkml:trace contextRef="#ctx0" brushRef="#br0">0 9 24575,'2'-2'0,"0"-4"0</inkml:trace>
+</inkml:ink>
+</file>
+
+<file path=ppt/ink/ink19.xml><?xml version="1.0" encoding="utf-8"?>
+<inkml:ink xmlns:inkml="http://www.w3.org/2003/InkML">
+  <inkml:definitions>
+    <inkml:context xml:id="ctx0">
+      <inkml:inkSource xml:id="inkSrc0">
+        <inkml:traceFormat>
+          <inkml:channel name="X" type="integer" min="-2.14748E9" max="2.14748E9" units="cm"/>
+          <inkml:channel name="Y" type="integer" min="-2.14748E9" max="2.14748E9" units="cm"/>
+          <inkml:channel name="F" type="integer" max="32767" units="dev"/>
+        </inkml:traceFormat>
+        <inkml:channelProperties>
+          <inkml:channelProperty channel="X" name="resolution" value="1000" units="1/cm"/>
+          <inkml:channelProperty channel="Y" name="resolution" value="1000" units="1/cm"/>
+          <inkml:channelProperty channel="F" name="resolution" value="0" units="1/dev"/>
+        </inkml:channelProperties>
+      </inkml:inkSource>
+      <inkml:timestamp xml:id="ts0" timeString="2021-12-02T16:07:30.603"/>
+    </inkml:context>
+    <inkml:brush xml:id="br0">
+      <inkml:brushProperty name="width" value="0.05" units="cm"/>
+      <inkml:brushProperty name="height" value="0.05" units="cm"/>
+      <inkml:brushProperty name="color" value="#FFFFFF"/>
+    </inkml:brush>
+  </inkml:definitions>
+  <inkml:trace contextRef="#ctx0" brushRef="#br0">0 0 24575,'0'2'0,"0"2"0,0 3 0</inkml:trace>
+</inkml:ink>
+</file>
+
+<file path=ppt/ink/ink2.xml><?xml version="1.0" encoding="utf-8"?>
+<inkml:ink xmlns:inkml="http://www.w3.org/2003/InkML">
+  <inkml:definitions>
+    <inkml:context xml:id="ctx0">
+      <inkml:inkSource xml:id="inkSrc0">
+        <inkml:traceFormat>
+          <inkml:channel name="X" type="integer" min="-2.14748E9" max="2.14748E9" units="cm"/>
+          <inkml:channel name="Y" type="integer" min="-2.14748E9" max="2.14748E9" units="cm"/>
+          <inkml:channel name="F" type="integer" max="32767" units="dev"/>
+        </inkml:traceFormat>
+        <inkml:channelProperties>
+          <inkml:channelProperty channel="X" name="resolution" value="1000" units="1/cm"/>
+          <inkml:channelProperty channel="Y" name="resolution" value="1000" units="1/cm"/>
+          <inkml:channelProperty channel="F" name="resolution" value="0" units="1/dev"/>
+        </inkml:channelProperties>
+      </inkml:inkSource>
+      <inkml:timestamp xml:id="ts0" timeString="2021-12-02T15:53:41.513"/>
+    </inkml:context>
+    <inkml:brush xml:id="br0">
+      <inkml:brushProperty name="width" value="0.05" units="cm"/>
+      <inkml:brushProperty name="height" value="0.05" units="cm"/>
+      <inkml:brushProperty name="color" value="#FFFFFF"/>
+    </inkml:brush>
+  </inkml:definitions>
+  <inkml:trace contextRef="#ctx0" brushRef="#br0">119 133 24575,'-2'0'0,"1"0"0,-1 0 0,0 0 0,1 0 0,-1 0 0,0 1 0,1-1 0,-1 1 0,1-1 0,-1 1 0,1-1 0,-1 1 0,1 0 0,0 0 0,-1 0 0,1 0 0,0 0 0,-1 0 0,1 0 0,0 0 0,0 0 0,-1 2 0,1 0 0,-1-1 0,1 1 0,1-1 0,-1 1 0,0 0 0,0-1 0,1 1 0,0 0 0,-1-1 0,1 1 0,0 0 0,1 3 0,-1 0 0,1 0 0,0-1 0,1 1 0,-1-1 0,1 0 0,0 1 0,0-1 0,1 0 0,-1 0 0,1 0 0,0-1 0,7 9 0,-6-10 0,1 0 0,-1 0 0,1 0 0,0-1 0,0 1 0,0-1 0,0 0 0,0-1 0,0 1 0,1-1 0,-1 0 0,0-1 0,1 1 0,-1-1 0,11 0 0,-13-1 0,0 1 0,1 0 0,-1-1 0,0 1 0,0-1 0,0 0 0,1 0 0,-1 0 0,0-1 0,0 1 0,-1-1 0,1 1 0,0-1 0,0 0 0,-1 0 0,1 0 0,-1-1 0,0 1 0,0 0 0,0-1 0,0 0 0,0 1 0,0-1 0,-1 0 0,1 0 0,-1 0 0,2-5 0,0-4 0,-1 0 0,0 0 0,-1 0 0,0 0 0,-1-1 0,0 1 0,-1 0 0,0 0 0,-5-21 0,4 28 0,1 0 0,-1 0 0,0 0 0,0 1 0,0-1 0,-1 1 0,1-1 0,-1 1 0,0 0 0,-1 0 0,1 0 0,-1 0 0,1 1 0,-1-1 0,0 1 0,0 0 0,-1 0 0,1 0 0,-1 1 0,1 0 0,-1 0 0,0 0 0,0 0 0,0 1 0,-6-2 0,2 2 0,1 1 0,-1 0 0,1 0 0,-1 1 0,1 0 0,-1 0 0,1 1 0,-1 0 0,1 1 0,0 0 0,-11 5 0,16-7 0,0 1 0,0-1 0,1 1 0,-1-1 0,0 1 0,1 0 0,-1 0 0,1 0 0,0 0 0,0 0 0,0 0 0,0 1 0,0-1 0,0 1 0,1-1 0,-1 1 0,1 0 0,0 0 0,-1-1 0,1 1 0,1 0 0,-1 0 0,0 0 0,1 0 0,-1 0 0,1 1 0,0-1 0,0 0 0,0 0 0,1 0 0,-1 0 0,1 0 0,-1 0 0,3 5 0,-1-5 0,0 1 0,0-1 0,0 0 0,1 0 0,0 0 0,-1 0 0,1 0 0,0-1 0,0 1 0,0-1 0,1 0 0,-1 0 0,0 0 0,1 0 0,-1-1 0,1 1 0,0-1 0,0 0 0,-1 0 0,1 0 0,0-1 0,0 1 0,0-1 0,0 0 0,4 0 0,-4 0 0,-1 0 0,1 0 0,-1 0 0,1 0 0,-1-1 0,1 0 0,-1 0 0,1 0 0,-1 0 0,0 0 0,1 0 0,-1-1 0,0 0 0,0 1 0,0-1 0,0-1 0,0 1 0,-1 0 0,1-1 0,-1 1 0,1-1 0,-1 0 0,0 1 0,0-1 0,0 0 0,0-1 0,1-4 0,-2 7 0,-1 0 0,1-1 0,-1 1 0,0-1 0,1 1 0,-1 0 0,0-1 0,0 1 0,0-1 0,0 1 0,0-1 0,0 1 0,-1-1 0,1 1 0,0-1 0,-1 1 0,1 0 0,-1-1 0,0 1 0,1 0 0,-1-1 0,0 1 0,0 0 0,0 0 0,0 0 0,0 0 0,0 0 0,0 0 0,0 0 0,0 0 0,0 0 0,-1 0 0,1 1 0,0-1 0,-1 0 0,1 1 0,0-1 0,-1 1 0,-1-1 0,0 1 0,0-1 0,-1 1 0,1-1 0,0 1 0,0 0 0,0 1 0,0-1 0,0 0 0,-1 1 0,1 0 0,0 0 0,0 0 0,0 0 0,0 0 0,1 0 0,-1 1 0,-4 2 0,2 1 0,1 0 0,0 0 0,0 0 0,0 0 0,1 0 0,0 1 0,0 0 0,0-1 0,1 1 0,-1 0 0,1 0 0,1 1 0,-2 8 0,2-11 0,0-1 0,1 1 0,-1-1 0,1 1 0,0 0 0,0-1 0,0 1 0,1 0 0,-1-1 0,1 1 0,0-1 0,0 1 0,0-1 0,0 1 0,1-1 0,-1 1 0,1-1 0,0 0 0,0 0 0,0 0 0,0 0 0,1 0 0,-1-1 0,5 4 0,-5-5 0,1 1 0,0-1 0,-1 0 0,1 0 0,0 0 0,-1-1 0,1 1 0,0-1 0,0 1 0,0-1 0,0 0 0,0 0 0,-1 0 0,1-1 0,0 1 0,0-1 0,0 1 0,-1-1 0,1 0 0,0 0 0,-1 0 0,1 0 0,0-1 0,-1 1 0,0-1 0,1 0 0,2-2 0,0 0 0,-1 0 0,0 0 0,0 0 0,0 0 0,0-1 0,0 0 0,-1 1 0,0-1 0,0-1 0,-1 1 0,1 0 0,1-8 0,-2 6 0,-1 1 0,0-1 0,0 0 0,0 0 0,-1 1 0,0-1 0,-1 0 0,1 0 0,-1 0 0,-3-8 0,3 13 0,1-1 0,-1 1 0,0 0 0,0 0 0,-1 0 0,1 0 0,0 0 0,-1 1 0,1-1 0,-1 0 0,0 0 0,1 1 0,-1-1 0,0 1 0,0 0 0,0-1 0,0 1 0,0 0 0,0 0 0,-1 1 0,1-1 0,0 0 0,0 1 0,-1-1 0,1 1 0,0-1 0,-1 1 0,1 0 0,0 0 0,-1 0 0,1 1 0,0-1 0,-4 1 0,0 1 0,0 0 0,1 0 0,-1 1 0,0-1 0,1 1 0,0 0 0,0 1 0,0-1 0,0 1 0,0 0 0,1 0 0,-1 1 0,-5 7 0,9-10 0,-1 0 0,0 0 0,0 0 0,1 0 0,-1 0 0,1 0 0,0 1 0,0-1 0,-1 1 0,2-1 0,-1 1 0,0-1 0,0 1 0,1 0 0,0-1 0,-1 1 0,1 0 0,0-1 0,0 1 0,0 0 0,1 0 0,-1-1 0,1 1 0,-1-1 0,1 1 0,0 0 0,0-1 0,0 0 0,0 1 0,1-1 0,-1 1 0,4 2 0,-3-3 0,0 0 0,0-1 0,0 1 0,1-1 0,-1 0 0,0 1 0,1-1 0,-1 0 0,1-1 0,-1 1 0,1 0 0,0-1 0,-1 1 0,1-1 0,0 0 0,-1 0 0,1 0 0,0 0 0,-1-1 0,1 1 0,0-1 0,-1 1 0,1-1 0,-1 0 0,1 0 0,-1 0 0,1 0 0,-1-1 0,0 1 0,0-1 0,1 1 0,2-4 0,-3 4 0,0-1 0,0 0 0,0 0 0,1 1 0,-2-2 0,1 1 0,0 0 0,0 0 0,-1 0 0,1-1 0,-1 1 0,0-1 0,0 1 0,1-1 0,-2 0 0,1 1 0,0-1 0,-1 0 0,1 0 0,-1 0 0,0 1 0,0-1 0,0 0 0,0 0 0,0 0 0,-1 1 0,1-1 0,-1 0 0,0 0 0,-1-4 0,-1 4 0,1 1 0,0-1 0,-1 1 0,0 0 0,1 0 0,-1 0 0,0 0 0,0 0 0,0 1 0,-1-1 0,1 1 0,0 0 0,0-1 0,-1 2 0,1-1 0,-1 0 0,-4 0 0,-2 0 0,-1 0 0,1 1 0,-1 0 0,-15 2 0,23-2 11,-1 1 0,1 0 0,-1 1 0,1-1 0,-1 1 0,1-1-1,0 1 1,0 0 0,0 0 0,-4 3 0,6-4-51,0 0 0,0-1 0,0 1-1,1 0 1,-1 0 0,0 0 0,0 0 0,1-1 0,-1 1 0,1 0-1,-1 0 1,1 0 0,-1 0 0,1 0 0,0 0 0,-1 0 0,1 0 0,0 1-1,0-1 1,0 0 0,0 0 0,0 0 0,0 0 0,0 0 0,0 0-1,0 0 1,0 0 0,1 0 0,-1 0 0,0 0 0,1 0 0,-1 0 0,1 0-1,-1 0 1,1 0 0,1 2 0,11 9-6786</inkml:trace>
+</inkml:ink>
+</file>
+
+<file path=ppt/ink/ink20.xml><?xml version="1.0" encoding="utf-8"?>
+<inkml:ink xmlns:inkml="http://www.w3.org/2003/InkML">
+  <inkml:definitions>
+    <inkml:context xml:id="ctx0">
+      <inkml:inkSource xml:id="inkSrc0">
+        <inkml:traceFormat>
+          <inkml:channel name="X" type="integer" min="-2.14748E9" max="2.14748E9" units="cm"/>
+          <inkml:channel name="Y" type="integer" min="-2.14748E9" max="2.14748E9" units="cm"/>
+          <inkml:channel name="F" type="integer" max="32767" units="dev"/>
+        </inkml:traceFormat>
+        <inkml:channelProperties>
+          <inkml:channelProperty channel="X" name="resolution" value="1000" units="1/cm"/>
+          <inkml:channelProperty channel="Y" name="resolution" value="1000" units="1/cm"/>
+          <inkml:channelProperty channel="F" name="resolution" value="0" units="1/dev"/>
+        </inkml:channelProperties>
+      </inkml:inkSource>
+      <inkml:timestamp xml:id="ts0" timeString="2021-12-02T16:07:31.326"/>
+    </inkml:context>
+    <inkml:brush xml:id="br0">
+      <inkml:brushProperty name="width" value="0.05" units="cm"/>
+      <inkml:brushProperty name="height" value="0.05" units="cm"/>
+      <inkml:brushProperty name="color" value="#FFFFFF"/>
+    </inkml:brush>
+  </inkml:definitions>
+  <inkml:trace contextRef="#ctx0" brushRef="#br0">8 1 24575,'-2'0'0,"-4"0"0</inkml:trace>
+</inkml:ink>
+</file>
+
+<file path=ppt/ink/ink21.xml><?xml version="1.0" encoding="utf-8"?>
+<inkml:ink xmlns:inkml="http://www.w3.org/2003/InkML">
+  <inkml:definitions>
+    <inkml:context xml:id="ctx0">
+      <inkml:inkSource xml:id="inkSrc0">
+        <inkml:traceFormat>
+          <inkml:channel name="X" type="integer" min="-2.14748E9" max="2.14748E9" units="cm"/>
+          <inkml:channel name="Y" type="integer" min="-2.14748E9" max="2.14748E9" units="cm"/>
+          <inkml:channel name="F" type="integer" max="32767" units="dev"/>
+        </inkml:traceFormat>
+        <inkml:channelProperties>
+          <inkml:channelProperty channel="X" name="resolution" value="1000" units="1/cm"/>
+          <inkml:channelProperty channel="Y" name="resolution" value="1000" units="1/cm"/>
+          <inkml:channelProperty channel="F" name="resolution" value="0" units="1/dev"/>
+        </inkml:channelProperties>
+      </inkml:inkSource>
+      <inkml:timestamp xml:id="ts0" timeString="2021-12-02T16:07:31.978"/>
+    </inkml:context>
+    <inkml:brush xml:id="br0">
+      <inkml:brushProperty name="width" value="0.05" units="cm"/>
+      <inkml:brushProperty name="height" value="0.05" units="cm"/>
+      <inkml:brushProperty name="color" value="#FFFFFF"/>
+    </inkml:brush>
+  </inkml:definitions>
+  <inkml:trace contextRef="#ctx0" brushRef="#br0">0 0 24575,'4'2'0</inkml:trace>
+</inkml:ink>
+</file>
+
+<file path=ppt/ink/ink22.xml><?xml version="1.0" encoding="utf-8"?>
+<inkml:ink xmlns:inkml="http://www.w3.org/2003/InkML">
+  <inkml:definitions>
+    <inkml:context xml:id="ctx0">
+      <inkml:inkSource xml:id="inkSrc0">
+        <inkml:traceFormat>
+          <inkml:channel name="X" type="integer" min="-2.14748E9" max="2.14748E9" units="cm"/>
+          <inkml:channel name="Y" type="integer" min="-2.14748E9" max="2.14748E9" units="cm"/>
+          <inkml:channel name="F" type="integer" max="32767" units="dev"/>
+        </inkml:traceFormat>
+        <inkml:channelProperties>
+          <inkml:channelProperty channel="X" name="resolution" value="1000" units="1/cm"/>
+          <inkml:channelProperty channel="Y" name="resolution" value="1000" units="1/cm"/>
+          <inkml:channelProperty channel="F" name="resolution" value="0" units="1/dev"/>
+        </inkml:channelProperties>
+      </inkml:inkSource>
+      <inkml:timestamp xml:id="ts0" timeString="2021-12-02T16:07:32.503"/>
+    </inkml:context>
+    <inkml:brush xml:id="br0">
+      <inkml:brushProperty name="width" value="0.05" units="cm"/>
+      <inkml:brushProperty name="height" value="0.05" units="cm"/>
+      <inkml:brushProperty name="color" value="#FFFFFF"/>
+    </inkml:brush>
+  </inkml:definitions>
+  <inkml:trace contextRef="#ctx0" brushRef="#br0">1 1 24575</inkml:trace>
+</inkml:ink>
+</file>
+
+<file path=ppt/ink/ink23.xml><?xml version="1.0" encoding="utf-8"?>
+<inkml:ink xmlns:inkml="http://www.w3.org/2003/InkML">
+  <inkml:definitions>
+    <inkml:context xml:id="ctx0">
+      <inkml:inkSource xml:id="inkSrc0">
+        <inkml:traceFormat>
+          <inkml:channel name="X" type="integer" min="-2.14748E9" max="2.14748E9" units="cm"/>
+          <inkml:channel name="Y" type="integer" min="-2.14748E9" max="2.14748E9" units="cm"/>
+          <inkml:channel name="F" type="integer" max="32767" units="dev"/>
+        </inkml:traceFormat>
+        <inkml:channelProperties>
+          <inkml:channelProperty channel="X" name="resolution" value="1000" units="1/cm"/>
+          <inkml:channelProperty channel="Y" name="resolution" value="1000" units="1/cm"/>
+          <inkml:channelProperty channel="F" name="resolution" value="0" units="1/dev"/>
+        </inkml:channelProperties>
+      </inkml:inkSource>
+      <inkml:timestamp xml:id="ts0" timeString="2021-12-02T16:07:33.087"/>
+    </inkml:context>
+    <inkml:brush xml:id="br0">
+      <inkml:brushProperty name="width" value="0.05" units="cm"/>
+      <inkml:brushProperty name="height" value="0.05" units="cm"/>
+      <inkml:brushProperty name="color" value="#FFFFFF"/>
+    </inkml:brush>
+  </inkml:definitions>
+  <inkml:trace contextRef="#ctx0" brushRef="#br0">0 0 24575</inkml:trace>
+</inkml:ink>
+</file>
+
+<file path=ppt/ink/ink24.xml><?xml version="1.0" encoding="utf-8"?>
+<inkml:ink xmlns:inkml="http://www.w3.org/2003/InkML">
+  <inkml:definitions>
+    <inkml:context xml:id="ctx0">
+      <inkml:inkSource xml:id="inkSrc0">
+        <inkml:traceFormat>
+          <inkml:channel name="X" type="integer" min="-2.14748E9" max="2.14748E9" units="cm"/>
+          <inkml:channel name="Y" type="integer" min="-2.14748E9" max="2.14748E9" units="cm"/>
+          <inkml:channel name="F" type="integer" max="32767" units="dev"/>
+        </inkml:traceFormat>
+        <inkml:channelProperties>
+          <inkml:channelProperty channel="X" name="resolution" value="1000" units="1/cm"/>
+          <inkml:channelProperty channel="Y" name="resolution" value="1000" units="1/cm"/>
+          <inkml:channelProperty channel="F" name="resolution" value="0" units="1/dev"/>
+        </inkml:channelProperties>
+      </inkml:inkSource>
+      <inkml:timestamp xml:id="ts0" timeString="2021-12-02T16:07:33.624"/>
+    </inkml:context>
+    <inkml:brush xml:id="br0">
+      <inkml:brushProperty name="width" value="0.05" units="cm"/>
+      <inkml:brushProperty name="height" value="0.05" units="cm"/>
+      <inkml:brushProperty name="color" value="#FFFFFF"/>
+    </inkml:brush>
+  </inkml:definitions>
+  <inkml:trace contextRef="#ctx0" brushRef="#br0">0 0 24575</inkml:trace>
+</inkml:ink>
+</file>
+
+<file path=ppt/ink/ink25.xml><?xml version="1.0" encoding="utf-8"?>
+<inkml:ink xmlns:inkml="http://www.w3.org/2003/InkML">
+  <inkml:definitions>
+    <inkml:context xml:id="ctx0">
+      <inkml:inkSource xml:id="inkSrc0">
+        <inkml:traceFormat>
+          <inkml:channel name="X" type="integer" min="-2.14748E9" max="2.14748E9" units="cm"/>
+          <inkml:channel name="Y" type="integer" min="-2.14748E9" max="2.14748E9" units="cm"/>
+          <inkml:channel name="F" type="integer" max="32767" units="dev"/>
+        </inkml:traceFormat>
+        <inkml:channelProperties>
+          <inkml:channelProperty channel="X" name="resolution" value="1000" units="1/cm"/>
+          <inkml:channelProperty channel="Y" name="resolution" value="1000" units="1/cm"/>
+          <inkml:channelProperty channel="F" name="resolution" value="0" units="1/dev"/>
+        </inkml:channelProperties>
+      </inkml:inkSource>
+      <inkml:timestamp xml:id="ts0" timeString="2021-12-02T16:07:34.058"/>
+    </inkml:context>
+    <inkml:brush xml:id="br0">
+      <inkml:brushProperty name="width" value="0.05" units="cm"/>
+      <inkml:brushProperty name="height" value="0.05" units="cm"/>
+      <inkml:brushProperty name="color" value="#FFFFFF"/>
+    </inkml:brush>
+  </inkml:definitions>
+  <inkml:trace contextRef="#ctx0" brushRef="#br0">1 1 24575</inkml:trace>
+</inkml:ink>
+</file>
+
+<file path=ppt/ink/ink26.xml><?xml version="1.0" encoding="utf-8"?>
+<inkml:ink xmlns:inkml="http://www.w3.org/2003/InkML">
+  <inkml:definitions>
+    <inkml:context xml:id="ctx0">
+      <inkml:inkSource xml:id="inkSrc0">
+        <inkml:traceFormat>
+          <inkml:channel name="X" type="integer" min="-2.14748E9" max="2.14748E9" units="cm"/>
+          <inkml:channel name="Y" type="integer" min="-2.14748E9" max="2.14748E9" units="cm"/>
+          <inkml:channel name="F" type="integer" max="32767" units="dev"/>
+        </inkml:traceFormat>
+        <inkml:channelProperties>
+          <inkml:channelProperty channel="X" name="resolution" value="1000" units="1/cm"/>
+          <inkml:channelProperty channel="Y" name="resolution" value="1000" units="1/cm"/>
+          <inkml:channelProperty channel="F" name="resolution" value="0" units="1/dev"/>
+        </inkml:channelProperties>
+      </inkml:inkSource>
+      <inkml:timestamp xml:id="ts0" timeString="2021-12-02T16:07:34.604"/>
+    </inkml:context>
+    <inkml:brush xml:id="br0">
+      <inkml:brushProperty name="width" value="0.05" units="cm"/>
+      <inkml:brushProperty name="height" value="0.05" units="cm"/>
+      <inkml:brushProperty name="color" value="#FFFFFF"/>
+    </inkml:brush>
+  </inkml:definitions>
+  <inkml:trace contextRef="#ctx0" brushRef="#br0">0 0 24575</inkml:trace>
+</inkml:ink>
+</file>
+
+<file path=ppt/ink/ink27.xml><?xml version="1.0" encoding="utf-8"?>
+<inkml:ink xmlns:inkml="http://www.w3.org/2003/InkML">
+  <inkml:definitions>
+    <inkml:context xml:id="ctx0">
+      <inkml:inkSource xml:id="inkSrc0">
+        <inkml:traceFormat>
+          <inkml:channel name="X" type="integer" min="-2.14748E9" max="2.14748E9" units="cm"/>
+          <inkml:channel name="Y" type="integer" min="-2.14748E9" max="2.14748E9" units="cm"/>
+          <inkml:channel name="F" type="integer" max="32767" units="dev"/>
+        </inkml:traceFormat>
+        <inkml:channelProperties>
+          <inkml:channelProperty channel="X" name="resolution" value="1000" units="1/cm"/>
+          <inkml:channelProperty channel="Y" name="resolution" value="1000" units="1/cm"/>
+          <inkml:channelProperty channel="F" name="resolution" value="0" units="1/dev"/>
+        </inkml:channelProperties>
+      </inkml:inkSource>
+      <inkml:timestamp xml:id="ts0" timeString="2021-12-02T16:07:35.076"/>
+    </inkml:context>
+    <inkml:brush xml:id="br0">
+      <inkml:brushProperty name="width" value="0.05" units="cm"/>
+      <inkml:brushProperty name="height" value="0.05" units="cm"/>
+      <inkml:brushProperty name="color" value="#FFFFFF"/>
+    </inkml:brush>
+  </inkml:definitions>
+  <inkml:trace contextRef="#ctx0" brushRef="#br0">0 1 24575</inkml:trace>
+</inkml:ink>
+</file>
+
+<file path=ppt/ink/ink28.xml><?xml version="1.0" encoding="utf-8"?>
+<inkml:ink xmlns:inkml="http://www.w3.org/2003/InkML">
+  <inkml:definitions>
+    <inkml:context xml:id="ctx0">
+      <inkml:inkSource xml:id="inkSrc0">
+        <inkml:traceFormat>
+          <inkml:channel name="X" type="integer" min="-2.14748E9" max="2.14748E9" units="cm"/>
+          <inkml:channel name="Y" type="integer" min="-2.14748E9" max="2.14748E9" units="cm"/>
+          <inkml:channel name="F" type="integer" max="32767" units="dev"/>
+        </inkml:traceFormat>
+        <inkml:channelProperties>
+          <inkml:channelProperty channel="X" name="resolution" value="1000" units="1/cm"/>
+          <inkml:channelProperty channel="Y" name="resolution" value="1000" units="1/cm"/>
+          <inkml:channelProperty channel="F" name="resolution" value="0" units="1/dev"/>
+        </inkml:channelProperties>
+      </inkml:inkSource>
+      <inkml:timestamp xml:id="ts0" timeString="2021-12-02T16:07:35.633"/>
+    </inkml:context>
+    <inkml:brush xml:id="br0">
+      <inkml:brushProperty name="width" value="0.05" units="cm"/>
+      <inkml:brushProperty name="height" value="0.05" units="cm"/>
+      <inkml:brushProperty name="color" value="#FFFFFF"/>
+    </inkml:brush>
+  </inkml:definitions>
+  <inkml:trace contextRef="#ctx0" brushRef="#br0">1 1 24575</inkml:trace>
+</inkml:ink>
+</file>
+
+<file path=ppt/ink/ink29.xml><?xml version="1.0" encoding="utf-8"?>
+<inkml:ink xmlns:inkml="http://www.w3.org/2003/InkML">
+  <inkml:definitions>
+    <inkml:context xml:id="ctx0">
+      <inkml:inkSource xml:id="inkSrc0">
+        <inkml:traceFormat>
+          <inkml:channel name="X" type="integer" min="-2.14748E9" max="2.14748E9" units="cm"/>
+          <inkml:channel name="Y" type="integer" min="-2.14748E9" max="2.14748E9" units="cm"/>
+          <inkml:channel name="F" type="integer" max="32767" units="dev"/>
+        </inkml:traceFormat>
+        <inkml:channelProperties>
+          <inkml:channelProperty channel="X" name="resolution" value="1000" units="1/cm"/>
+          <inkml:channelProperty channel="Y" name="resolution" value="1000" units="1/cm"/>
+          <inkml:channelProperty channel="F" name="resolution" value="0" units="1/dev"/>
+        </inkml:channelProperties>
+      </inkml:inkSource>
+      <inkml:timestamp xml:id="ts0" timeString="2021-12-02T16:07:36.101"/>
+    </inkml:context>
+    <inkml:brush xml:id="br0">
+      <inkml:brushProperty name="width" value="0.05" units="cm"/>
+      <inkml:brushProperty name="height" value="0.05" units="cm"/>
+      <inkml:brushProperty name="color" value="#FFFFFF"/>
+    </inkml:brush>
+  </inkml:definitions>
+  <inkml:trace contextRef="#ctx0" brushRef="#br0">1 1 24575</inkml:trace>
+</inkml:ink>
+</file>
+
+<file path=ppt/ink/ink3.xml><?xml version="1.0" encoding="utf-8"?>
+<inkml:ink xmlns:inkml="http://www.w3.org/2003/InkML">
+  <inkml:definitions>
+    <inkml:context xml:id="ctx0">
+      <inkml:inkSource xml:id="inkSrc0">
+        <inkml:traceFormat>
+          <inkml:channel name="X" type="integer" min="-2.14748E9" max="2.14748E9" units="cm"/>
+          <inkml:channel name="Y" type="integer" min="-2.14748E9" max="2.14748E9" units="cm"/>
+          <inkml:channel name="F" type="integer" max="32767" units="dev"/>
+        </inkml:traceFormat>
+        <inkml:channelProperties>
+          <inkml:channelProperty channel="X" name="resolution" value="1000" units="1/cm"/>
+          <inkml:channelProperty channel="Y" name="resolution" value="1000" units="1/cm"/>
+          <inkml:channelProperty channel="F" name="resolution" value="0" units="1/dev"/>
+        </inkml:channelProperties>
+      </inkml:inkSource>
+      <inkml:timestamp xml:id="ts0" timeString="2021-12-02T15:53:48.363"/>
+    </inkml:context>
+    <inkml:brush xml:id="br0">
+      <inkml:brushProperty name="width" value="0.05" units="cm"/>
+      <inkml:brushProperty name="height" value="0.05" units="cm"/>
+      <inkml:brushProperty name="color" value="#FFFFFF"/>
+    </inkml:brush>
+  </inkml:definitions>
+  <inkml:trace contextRef="#ctx0" brushRef="#br0">1 117 24575,'2'0'0,"-1"-1"0,1 1 0,0-1 0,0 1 0,-1-1 0,1 0 0,0 0 0,-1 0 0,1 0 0,-1 0 0,1 0 0,-1-1 0,0 1 0,0 0 0,1-1 0,-1 1 0,0-1 0,0 1 0,0-1 0,0 0 0,-1 1 0,1-1 0,0 0 0,-1 1 0,1-4 0,7-8 0,-7 14 0,0-1 0,0 0 0,0 0 0,0 0 0,-1 0 0,1-1 0,0 1 0,0 0 0,0 0 0,0-1 0,0 1 0,0 0 0,-1-1 0,1 1 0,0 0 0,0-1 0,-1 0 0,1 1 0,0-1 0,-1 1 0,1-1 0,0 0 0,-1 1 0,1-1 0,-1 0 0,1 0 0,-1 1 0,1-1 0,-1 0 0,0 0 0,1 0 0,-1 0 0,0 1 0,0-1 0,0 0 0,1 0 0,-1 0 0,0 0 0,0 0 0,0 0 0,-1 0 0,1 1 0,0-3 0,0 3 0,0-1 0,0 0 0,0 1 0,-1-1 0,1 1 0,0-1 0,0 0 0,0 1 0,-1-1 0,1 1 0,0-1 0,0 1 0,-1-1 0,1 0 0,-1 1 0,1-1 0,0 1 0,-1 0 0,1-1 0,-1 1 0,0-1 0,0 1 0,0 0 0,1 0 0,-1 0 0,1 0 0,-1 0 0,0 0 0,1 1 0,-1-1 0,1 0 0,-1 0 0,1 1 0,-1-1 0,1 0 0,-1 1 0,1-1 0,-1 0 0,1 1 0,-1-1 0,1 1 0,-1-1 0,1 1 0,0-1 0,-1 1 0,1-1 0,0 1 0,0-1 0,-1 1 0,1-1 0,0 2 0,-7 30 0,10-16 0,-3-15 0,0-1 0,0 0 0,0 1 0,1-1 0,-1 0 0,0 1 0,1-1 0,-1 0 0,0 1 0,0-1 0,1 0 0,-1 0 0,1 0 0,-1 1 0,0-1 0,1 0 0,-1 0 0,0 0 0,1 0 0,-1 0 0,1 0 0,-1 1 0,0-1 0,1 0 0,-1 0 0,1 0 0,-1-1 0,0 1 0,1 0 0,-1 0 0,1 0 0,0 0 0,-1 0 0,1-1 0,-1 1 0,1 0 0,0 0 0,-1-1 0,1 1 0,-1 0 0,1-1 0,-1 1 0,1-1 0,-1 1 0,1-1 0,-1 1 0,1-1 0,-1 1 0,0-1 0,1 1 0,-1-1 0,0 0 0,1 1 0,-1-1 0,0 0 0,0 1 0,0-1 0,0 1 0,0-1 0,1 0 0,-1 1 0,0-1 0,-1-1 0,1 0 0,0 0 0,0 0 0,-1-1 0,1 1 0,-1 0 0,0 0 0,1 0 0,-1 0 0,-2-4 0,2 4 0,0 1 0,0 0 0,0-1 0,0 1 0,0-1 0,-1 1 0,1 0 0,0 0 0,-1 0 0,1 0 0,0 0 0,-4-1 0,5 1 0,-1 1 0,0 0 0,0 0 0,1 0 0,-1 0 0,0 0 0,1 0 0,-1 0 0,0 0 0,0 0 0,1 0 0,-1 0 0,0 0 0,1 0 0,-1 1 0,0-1 0,1 0 0,-1 0 0,0 1 0,1-1 0,-1 1 0,0-1 0,1 0 0,-1 1 0,1-1 0,-1 1 0,1 0 0,-1-1 0,1 1 0,-1 0 0,-1 2 0,1-1 0,0 0 0,0 0 0,0 1 0,0-1 0,0 0 0,1 1 0,-1-1 0,0 1 0,1-1 0,0 1 0,0-1 0,0 1 0,0-1 0,0 1 0,0-1 0,1 1 0,-1-1 0,1 1 0,-1-1 0,1 0 0,0 1 0,0-1 0,0 0 0,1 0 0,-1 1 0,0-1 0,4 3 0,-3-2 0,0-1 0,0 0 0,0 0 0,0 0 0,0 0 0,1-1 0,-1 1 0,1-1 0,-1 1 0,1-1 0,-1 0 0,1 0 0,0 0 0,0 0 0,0 0 0,-1-1 0,1 0 0,0 1 0,0-1 0,0 0 0,0 0 0,0 0 0,0-1 0,0 1 0,3-2 0,-3 1 0,-1 0 0,1-1 0,-1 1 0,0-1 0,1 1 0,-1-1 0,0 0 0,0 0 0,0 0 0,0 0 0,-1-1 0,1 1 0,-1 0 0,1-1 0,-1 1 0,0-1 0,0 0 0,0 1 0,0-1 0,0 0 0,0 1 0,-1-1 0,1 0 0,-1 0 0,0 0 0,0 0 0,0 1 0,0-1 0,-1 0 0,0-4 0,1 4 0,-1 0 0,1 1 0,-1-1 0,1 0 0,-1 0 0,0 1 0,0-1 0,0 0 0,0 1 0,-1-1 0,1 1 0,-1-1 0,0 1 0,1 0 0,-1 0 0,0 0 0,0 0 0,0 0 0,-1 0 0,1 0 0,0 1 0,-1-1 0,1 1 0,-1-1 0,1 1 0,-1 0 0,0 0 0,0 0 0,-5 0 0,7 1 0,-1 0 0,1 0 0,0 0 0,-1 0 0,1 1 0,-1-1 0,1 1 0,-1-1 0,1 1 0,0-1 0,-1 1 0,1 0 0,0-1 0,0 1 0,0 0 0,-1 0 0,1 0 0,0 0 0,0 0 0,0 0 0,0 0 0,1 1 0,-1-1 0,0 0 0,0 0 0,1 1 0,-1-1 0,1 0 0,-1 1 0,1-1 0,0 1 0,-1 1 0,1-1 0,-1 0 0,1 0 0,0 0 0,0-1 0,0 1 0,0 0 0,0 0 0,1 0 0,-1 0 0,0 0 0,1 0 0,0 0 0,-1 0 0,1 0 0,0-1 0,0 1 0,0 0 0,0 0 0,0-1 0,0 1 0,1-1 0,-1 1 0,3 1 0,-2-2-36,-1 0 0,1 1 0,-1-1 1,1-1-1,0 1 0,0 0 0,-1 0 0,1-1 0,0 1 0,0-1 0,0 1 0,0-1 0,0 0 0,0 0 0,-1 0 0,1 0 0,0 0 1,0 0-1,0 0 0,0-1 0,0 1 0,0-1 0,0 1 0,-1-1 0,1 0 0,0 0 0,0 0 0,-1 0 0,1 0 0,-1 0 0,1 0 1,-1 0-1,1-1 0,-1 1 0,0 0 0,1-1 0,0-2 0,7-12-6790</inkml:trace>
+</inkml:ink>
+</file>
+
+<file path=ppt/ink/ink30.xml><?xml version="1.0" encoding="utf-8"?>
+<inkml:ink xmlns:inkml="http://www.w3.org/2003/InkML">
+  <inkml:definitions>
+    <inkml:context xml:id="ctx0">
+      <inkml:inkSource xml:id="inkSrc0">
+        <inkml:traceFormat>
+          <inkml:channel name="X" type="integer" min="-2.14748E9" max="2.14748E9" units="cm"/>
+          <inkml:channel name="Y" type="integer" min="-2.14748E9" max="2.14748E9" units="cm"/>
+          <inkml:channel name="F" type="integer" max="32767" units="dev"/>
+        </inkml:traceFormat>
+        <inkml:channelProperties>
+          <inkml:channelProperty channel="X" name="resolution" value="1000" units="1/cm"/>
+          <inkml:channelProperty channel="Y" name="resolution" value="1000" units="1/cm"/>
+          <inkml:channelProperty channel="F" name="resolution" value="0" units="1/dev"/>
+        </inkml:channelProperties>
+      </inkml:inkSource>
+      <inkml:timestamp xml:id="ts0" timeString="2021-12-02T16:07:36.598"/>
+    </inkml:context>
+    <inkml:brush xml:id="br0">
+      <inkml:brushProperty name="width" value="0.05" units="cm"/>
+      <inkml:brushProperty name="height" value="0.05" units="cm"/>
+      <inkml:brushProperty name="color" value="#FFFFFF"/>
+    </inkml:brush>
+  </inkml:definitions>
+  <inkml:trace contextRef="#ctx0" brushRef="#br0">1 0 24575</inkml:trace>
+</inkml:ink>
+</file>
+
+<file path=ppt/ink/ink31.xml><?xml version="1.0" encoding="utf-8"?>
+<inkml:ink xmlns:inkml="http://www.w3.org/2003/InkML">
+  <inkml:definitions>
+    <inkml:context xml:id="ctx0">
+      <inkml:inkSource xml:id="inkSrc0">
+        <inkml:traceFormat>
+          <inkml:channel name="X" type="integer" min="-2.14748E9" max="2.14748E9" units="cm"/>
+          <inkml:channel name="Y" type="integer" min="-2.14748E9" max="2.14748E9" units="cm"/>
+          <inkml:channel name="F" type="integer" max="32767" units="dev"/>
+        </inkml:traceFormat>
+        <inkml:channelProperties>
+          <inkml:channelProperty channel="X" name="resolution" value="1000" units="1/cm"/>
+          <inkml:channelProperty channel="Y" name="resolution" value="1000" units="1/cm"/>
+          <inkml:channelProperty channel="F" name="resolution" value="0" units="1/dev"/>
+        </inkml:channelProperties>
+      </inkml:inkSource>
+      <inkml:timestamp xml:id="ts0" timeString="2021-12-02T16:07:37.159"/>
+    </inkml:context>
+    <inkml:brush xml:id="br0">
+      <inkml:brushProperty name="width" value="0.05" units="cm"/>
+      <inkml:brushProperty name="height" value="0.05" units="cm"/>
+      <inkml:brushProperty name="color" value="#FFFFFF"/>
+    </inkml:brush>
+  </inkml:definitions>
+  <inkml:trace contextRef="#ctx0" brushRef="#br0">1 0 24575</inkml:trace>
+</inkml:ink>
+</file>
+
+<file path=ppt/ink/ink32.xml><?xml version="1.0" encoding="utf-8"?>
+<inkml:ink xmlns:inkml="http://www.w3.org/2003/InkML">
+  <inkml:definitions>
+    <inkml:context xml:id="ctx0">
+      <inkml:inkSource xml:id="inkSrc0">
+        <inkml:traceFormat>
+          <inkml:channel name="X" type="integer" min="-2.14748E9" max="2.14748E9" units="cm"/>
+          <inkml:channel name="Y" type="integer" min="-2.14748E9" max="2.14748E9" units="cm"/>
+          <inkml:channel name="F" type="integer" max="32767" units="dev"/>
+        </inkml:traceFormat>
+        <inkml:channelProperties>
+          <inkml:channelProperty channel="X" name="resolution" value="1000" units="1/cm"/>
+          <inkml:channelProperty channel="Y" name="resolution" value="1000" units="1/cm"/>
+          <inkml:channelProperty channel="F" name="resolution" value="0" units="1/dev"/>
+        </inkml:channelProperties>
+      </inkml:inkSource>
+      <inkml:timestamp xml:id="ts0" timeString="2021-12-02T16:07:37.775"/>
+    </inkml:context>
+    <inkml:brush xml:id="br0">
+      <inkml:brushProperty name="width" value="0.05" units="cm"/>
+      <inkml:brushProperty name="height" value="0.05" units="cm"/>
+      <inkml:brushProperty name="color" value="#FFFFFF"/>
+    </inkml:brush>
+  </inkml:definitions>
+  <inkml:trace contextRef="#ctx0" brushRef="#br0">1 1 24575</inkml:trace>
+</inkml:ink>
+</file>
+
+<file path=ppt/ink/ink33.xml><?xml version="1.0" encoding="utf-8"?>
+<inkml:ink xmlns:inkml="http://www.w3.org/2003/InkML">
+  <inkml:definitions>
+    <inkml:context xml:id="ctx0">
+      <inkml:inkSource xml:id="inkSrc0">
+        <inkml:traceFormat>
+          <inkml:channel name="X" type="integer" min="-2.14748E9" max="2.14748E9" units="cm"/>
+          <inkml:channel name="Y" type="integer" min="-2.14748E9" max="2.14748E9" units="cm"/>
+          <inkml:channel name="F" type="integer" max="32767" units="dev"/>
+        </inkml:traceFormat>
+        <inkml:channelProperties>
+          <inkml:channelProperty channel="X" name="resolution" value="1000" units="1/cm"/>
+          <inkml:channelProperty channel="Y" name="resolution" value="1000" units="1/cm"/>
+          <inkml:channelProperty channel="F" name="resolution" value="0" units="1/dev"/>
+        </inkml:channelProperties>
+      </inkml:inkSource>
+      <inkml:timestamp xml:id="ts0" timeString="2021-12-02T16:07:38.276"/>
+    </inkml:context>
+    <inkml:brush xml:id="br0">
+      <inkml:brushProperty name="width" value="0.05" units="cm"/>
+      <inkml:brushProperty name="height" value="0.05" units="cm"/>
+      <inkml:brushProperty name="color" value="#FFFFFF"/>
+    </inkml:brush>
+  </inkml:definitions>
+  <inkml:trace contextRef="#ctx0" brushRef="#br0">0 1 24575</inkml:trace>
+</inkml:ink>
+</file>
+
+<file path=ppt/ink/ink34.xml><?xml version="1.0" encoding="utf-8"?>
+<inkml:ink xmlns:inkml="http://www.w3.org/2003/InkML">
+  <inkml:definitions>
+    <inkml:context xml:id="ctx0">
+      <inkml:inkSource xml:id="inkSrc0">
+        <inkml:traceFormat>
+          <inkml:channel name="X" type="integer" min="-2.14748E9" max="2.14748E9" units="cm"/>
+          <inkml:channel name="Y" type="integer" min="-2.14748E9" max="2.14748E9" units="cm"/>
+          <inkml:channel name="F" type="integer" max="32767" units="dev"/>
+        </inkml:traceFormat>
+        <inkml:channelProperties>
+          <inkml:channelProperty channel="X" name="resolution" value="1000" units="1/cm"/>
+          <inkml:channelProperty channel="Y" name="resolution" value="1000" units="1/cm"/>
+          <inkml:channelProperty channel="F" name="resolution" value="0" units="1/dev"/>
+        </inkml:channelProperties>
+      </inkml:inkSource>
+      <inkml:timestamp xml:id="ts0" timeString="2021-12-02T16:07:38.769"/>
+    </inkml:context>
+    <inkml:brush xml:id="br0">
+      <inkml:brushProperty name="width" value="0.05" units="cm"/>
+      <inkml:brushProperty name="height" value="0.05" units="cm"/>
+      <inkml:brushProperty name="color" value="#FFFFFF"/>
+    </inkml:brush>
+  </inkml:definitions>
+  <inkml:trace contextRef="#ctx0" brushRef="#br0">0 1 24575</inkml:trace>
+</inkml:ink>
+</file>
+
+<file path=ppt/ink/ink35.xml><?xml version="1.0" encoding="utf-8"?>
+<inkml:ink xmlns:inkml="http://www.w3.org/2003/InkML">
+  <inkml:definitions>
+    <inkml:context xml:id="ctx0">
+      <inkml:inkSource xml:id="inkSrc0">
+        <inkml:traceFormat>
+          <inkml:channel name="X" type="integer" min="-2.14748E9" max="2.14748E9" units="cm"/>
+          <inkml:channel name="Y" type="integer" min="-2.14748E9" max="2.14748E9" units="cm"/>
+          <inkml:channel name="F" type="integer" max="32767" units="dev"/>
+        </inkml:traceFormat>
+        <inkml:channelProperties>
+          <inkml:channelProperty channel="X" name="resolution" value="1000" units="1/cm"/>
+          <inkml:channelProperty channel="Y" name="resolution" value="1000" units="1/cm"/>
+          <inkml:channelProperty channel="F" name="resolution" value="0" units="1/dev"/>
+        </inkml:channelProperties>
+      </inkml:inkSource>
+      <inkml:timestamp xml:id="ts0" timeString="2021-12-02T16:07:39.273"/>
+    </inkml:context>
+    <inkml:brush xml:id="br0">
+      <inkml:brushProperty name="width" value="0.05" units="cm"/>
+      <inkml:brushProperty name="height" value="0.05" units="cm"/>
+      <inkml:brushProperty name="color" value="#FFFFFF"/>
+    </inkml:brush>
+  </inkml:definitions>
+  <inkml:trace contextRef="#ctx0" brushRef="#br0">0 0 24575</inkml:trace>
+</inkml:ink>
+</file>
+
+<file path=ppt/ink/ink36.xml><?xml version="1.0" encoding="utf-8"?>
+<inkml:ink xmlns:inkml="http://www.w3.org/2003/InkML">
+  <inkml:definitions>
+    <inkml:context xml:id="ctx0">
+      <inkml:inkSource xml:id="inkSrc0">
+        <inkml:traceFormat>
+          <inkml:channel name="X" type="integer" min="-2.14748E9" max="2.14748E9" units="cm"/>
+          <inkml:channel name="Y" type="integer" min="-2.14748E9" max="2.14748E9" units="cm"/>
+          <inkml:channel name="F" type="integer" max="32767" units="dev"/>
+        </inkml:traceFormat>
+        <inkml:channelProperties>
+          <inkml:channelProperty channel="X" name="resolution" value="1000" units="1/cm"/>
+          <inkml:channelProperty channel="Y" name="resolution" value="1000" units="1/cm"/>
+          <inkml:channelProperty channel="F" name="resolution" value="0" units="1/dev"/>
+        </inkml:channelProperties>
+      </inkml:inkSource>
+      <inkml:timestamp xml:id="ts0" timeString="2021-12-02T16:07:40.228"/>
+    </inkml:context>
+    <inkml:brush xml:id="br0">
+      <inkml:brushProperty name="width" value="0.05" units="cm"/>
+      <inkml:brushProperty name="height" value="0.05" units="cm"/>
+      <inkml:brushProperty name="color" value="#FFFFFF"/>
+    </inkml:brush>
+  </inkml:definitions>
+  <inkml:trace contextRef="#ctx0" brushRef="#br0">1 0 24575</inkml:trace>
+</inkml:ink>
+</file>
+
+<file path=ppt/ink/ink37.xml><?xml version="1.0" encoding="utf-8"?>
+<inkml:ink xmlns:inkml="http://www.w3.org/2003/InkML">
+  <inkml:definitions>
+    <inkml:context xml:id="ctx0">
+      <inkml:inkSource xml:id="inkSrc0">
+        <inkml:traceFormat>
+          <inkml:channel name="X" type="integer" min="-2.14748E9" max="2.14748E9" units="cm"/>
+          <inkml:channel name="Y" type="integer" min="-2.14748E9" max="2.14748E9" units="cm"/>
+          <inkml:channel name="F" type="integer" max="32767" units="dev"/>
+        </inkml:traceFormat>
+        <inkml:channelProperties>
+          <inkml:channelProperty channel="X" name="resolution" value="1000" units="1/cm"/>
+          <inkml:channelProperty channel="Y" name="resolution" value="1000" units="1/cm"/>
+          <inkml:channelProperty channel="F" name="resolution" value="0" units="1/dev"/>
+        </inkml:channelProperties>
+      </inkml:inkSource>
+      <inkml:timestamp xml:id="ts0" timeString="2021-12-02T16:07:40.958"/>
+    </inkml:context>
+    <inkml:brush xml:id="br0">
+      <inkml:brushProperty name="width" value="0.05" units="cm"/>
+      <inkml:brushProperty name="height" value="0.05" units="cm"/>
+      <inkml:brushProperty name="color" value="#FFFFFF"/>
+    </inkml:brush>
+  </inkml:definitions>
+  <inkml:trace contextRef="#ctx0" brushRef="#br0">1 0 24575</inkml:trace>
+</inkml:ink>
+</file>
+
+<file path=ppt/ink/ink38.xml><?xml version="1.0" encoding="utf-8"?>
+<inkml:ink xmlns:inkml="http://www.w3.org/2003/InkML">
+  <inkml:definitions>
+    <inkml:context xml:id="ctx0">
+      <inkml:inkSource xml:id="inkSrc0">
+        <inkml:traceFormat>
+          <inkml:channel name="X" type="integer" min="-2.14748E9" max="2.14748E9" units="cm"/>
+          <inkml:channel name="Y" type="integer" min="-2.14748E9" max="2.14748E9" units="cm"/>
+          <inkml:channel name="F" type="integer" max="32767" units="dev"/>
+        </inkml:traceFormat>
+        <inkml:channelProperties>
+          <inkml:channelProperty channel="X" name="resolution" value="1000" units="1/cm"/>
+          <inkml:channelProperty channel="Y" name="resolution" value="1000" units="1/cm"/>
+          <inkml:channelProperty channel="F" name="resolution" value="0" units="1/dev"/>
+        </inkml:channelProperties>
+      </inkml:inkSource>
+      <inkml:timestamp xml:id="ts0" timeString="2021-12-02T16:07:41.570"/>
+    </inkml:context>
+    <inkml:brush xml:id="br0">
+      <inkml:brushProperty name="width" value="0.05" units="cm"/>
+      <inkml:brushProperty name="height" value="0.05" units="cm"/>
+      <inkml:brushProperty name="color" value="#FFFFFF"/>
+    </inkml:brush>
+  </inkml:definitions>
+  <inkml:trace contextRef="#ctx0" brushRef="#br0">1 1 24575</inkml:trace>
+</inkml:ink>
+</file>
+
+<file path=ppt/ink/ink39.xml><?xml version="1.0" encoding="utf-8"?>
+<inkml:ink xmlns:inkml="http://www.w3.org/2003/InkML">
+  <inkml:definitions>
+    <inkml:context xml:id="ctx0">
+      <inkml:inkSource xml:id="inkSrc0">
+        <inkml:traceFormat>
+          <inkml:channel name="X" type="integer" min="-2.14748E9" max="2.14748E9" units="cm"/>
+          <inkml:channel name="Y" type="integer" min="-2.14748E9" max="2.14748E9" units="cm"/>
+          <inkml:channel name="F" type="integer" max="32767" units="dev"/>
+        </inkml:traceFormat>
+        <inkml:channelProperties>
+          <inkml:channelProperty channel="X" name="resolution" value="1000" units="1/cm"/>
+          <inkml:channelProperty channel="Y" name="resolution" value="1000" units="1/cm"/>
+          <inkml:channelProperty channel="F" name="resolution" value="0" units="1/dev"/>
+        </inkml:channelProperties>
+      </inkml:inkSource>
+      <inkml:timestamp xml:id="ts0" timeString="2021-12-02T16:07:42.095"/>
+    </inkml:context>
+    <inkml:brush xml:id="br0">
+      <inkml:brushProperty name="width" value="0.05" units="cm"/>
+      <inkml:brushProperty name="height" value="0.05" units="cm"/>
+      <inkml:brushProperty name="color" value="#FFFFFF"/>
+    </inkml:brush>
+  </inkml:definitions>
+  <inkml:trace contextRef="#ctx0" brushRef="#br0">0 1 24575,'4'0'0</inkml:trace>
+</inkml:ink>
+</file>
+
+<file path=ppt/ink/ink4.xml><?xml version="1.0" encoding="utf-8"?>
+<inkml:ink xmlns:inkml="http://www.w3.org/2003/InkML">
+  <inkml:definitions>
+    <inkml:context xml:id="ctx0">
+      <inkml:inkSource xml:id="inkSrc0">
+        <inkml:traceFormat>
+          <inkml:channel name="X" type="integer" min="-2.14748E9" max="2.14748E9" units="cm"/>
+          <inkml:channel name="Y" type="integer" min="-2.14748E9" max="2.14748E9" units="cm"/>
+          <inkml:channel name="F" type="integer" max="32767" units="dev"/>
+        </inkml:traceFormat>
+        <inkml:channelProperties>
+          <inkml:channelProperty channel="X" name="resolution" value="1000" units="1/cm"/>
+          <inkml:channelProperty channel="Y" name="resolution" value="1000" units="1/cm"/>
+          <inkml:channelProperty channel="F" name="resolution" value="0" units="1/dev"/>
+        </inkml:channelProperties>
+      </inkml:inkSource>
+      <inkml:timestamp xml:id="ts0" timeString="2021-12-02T15:53:53.460"/>
+    </inkml:context>
+    <inkml:brush xml:id="br0">
+      <inkml:brushProperty name="width" value="0.05" units="cm"/>
+      <inkml:brushProperty name="height" value="0.05" units="cm"/>
+      <inkml:brushProperty name="color" value="#FFFFFF"/>
+    </inkml:brush>
+  </inkml:definitions>
+  <inkml:trace contextRef="#ctx0" brushRef="#br0">110 112 24575,'0'-1'0,"0"1"0,0 0 0,0-1 0,0 1 0,0-1 0,-1 1 0,1-1 0,0 1 0,0 0 0,0-1 0,0 1 0,0-1 0,0 1 0,-1 0 0,1-1 0,0 1 0,0 0 0,-1-1 0,1 1 0,0 0 0,-1-1 0,1 1 0,0 0 0,-1 0 0,1-1 0,0 1 0,-1 0 0,1 0 0,0 0 0,-1-1 0,1 1 0,-1 0 0,-17 2 0,-15 12 0,12 6 0,20-19 0,1-1 0,0 0 0,-1 1 0,1-1 0,0 0 0,-1 1 0,1-1 0,0 0 0,0 1 0,-1-1 0,1 1 0,0-1 0,0 0 0,0 1 0,0-1 0,0 1 0,0-1 0,-1 0 0,1 1 0,0-1 0,0 1 0,0-1 0,0 1 0,0-1 0,1 1 0,-1-1 0,0 0 0,0 1 0,0-1 0,0 1 0,0-1 0,1 0 0,-1 1 0,0-1 0,0 1 0,1-1 0,-1 0 0,0 1 0,0-1 0,1 0 0,-1 1 0,0-1 0,1 0 0,-1 0 0,1 1 0,-1-1 0,0 0 0,1 0 0,-1 0 0,1 0 0,-1 0 0,1 1 0,-1-1 0,0 0 0,1 0 0,-1 0 0,1 0 0,-1 0 0,1 0 0,2-1 0,0 1 0,0-1 0,0 1 0,-1-1 0,1 0 0,0 0 0,-1 0 0,1 0 0,-1-1 0,1 1 0,-1-1 0,0 1 0,1-1 0,-1 0 0,0 0 0,0 0 0,0 0 0,0 0 0,-1-1 0,1 1 0,-1 0 0,3-6 0,-3 7 0,1-1 0,-1 0 0,0 0 0,0 0 0,0 0 0,0 0 0,-1 0 0,1-1 0,0 1 0,-1 0 0,0 0 0,1 0 0,-1-1 0,0 1 0,0 0 0,0 0 0,0-1 0,-1 1 0,1 0 0,-1 0 0,1 0 0,-1 0 0,0 0 0,0-1 0,0 1 0,0 0 0,0 1 0,-3-5 0,1 4 0,-1 0 0,0 0 0,0 0 0,0 0 0,0 1 0,0-1 0,0 1 0,0 0 0,0 0 0,0 1 0,-7-1 0,9 1 0,1 0 0,0-1 0,0 1 0,-1 0 0,1 0 0,0 0 0,0 0 0,-1 1 0,1-1 0,0 0 0,0 0 0,-1 1 0,1-1 0,0 1 0,0-1 0,0 1 0,0 0 0,0-1 0,0 1 0,0 0 0,0-1 0,0 1 0,0 0 0,0 0 0,0 0 0,0 0 0,1 0 0,-1 0 0,0 0 0,1 0 0,-1 1 0,1-1 0,-1 0 0,1 0 0,0 0 0,-1 1 0,1-1 0,0 0 0,0 0 0,0 1 0,0 1 0,0-1 0,1 0 0,0 0 0,-1 0 0,1 0 0,0 0 0,0 0 0,0-1 0,0 1 0,0 0 0,1-1 0,-1 1 0,1 0 0,-1-1 0,1 0 0,-1 1 0,1-1 0,0 0 0,-1 0 0,1 0 0,0 0 0,0 0 0,0 0 0,0 0 0,0-1 0,0 1 0,0-1 0,3 1 0,-3-1 0,0 1 0,0-1 0,0 0 0,1 1 0,-1-1 0,0 0 0,0-1 0,0 1 0,1 0 0,-1 0 0,0-1 0,0 0 0,0 1 0,0-1 0,0 0 0,0 0 0,0 0 0,0 0 0,0 0 0,-1-1 0,1 1 0,0 0 0,-1-1 0,1 1 0,-1-1 0,3-3 0,-3 1 0,1 1 0,-1-1 0,-1 0 0,1 1 0,0-1 0,-1 0 0,0 0 0,0 1 0,0-1 0,0 0 0,-1 0 0,-1-6 0,2 9 0,0 0 0,0-1 0,-1 1 0,1 0 0,0-1 0,-1 1 0,1 0 0,-1 0 0,1 0 0,-1 0 0,0 0 0,1-1 0,-1 1 0,0 0 0,0 0 0,0 1 0,0-1 0,0 0 0,0 0 0,0 0 0,0 1 0,0-1 0,0 0 0,-1 1 0,1-1 0,0 1 0,0 0 0,0-1 0,-1 1 0,1 0 0,0 0 0,-1-1 0,1 1 0,0 0 0,0 0 0,-1 1 0,1-1 0,0 0 0,-1 0 0,-1 1 0,1 0 7,-1 1 0,0-1 0,1 1 0,-1-1 0,1 1 1,0 0-1,0 0 0,-1 0 0,1 0 0,1 0 0,-1 1 0,0-1 0,0 1 0,1-1 0,-1 1 0,-1 5 0,1-3-193,0 1 1,0-1-1,1 1 0,-1-1 1,1 1-1,1 0 1,-1 9-1,3 5-6640</inkml:trace>
+</inkml:ink>
+</file>
+
+<file path=ppt/ink/ink40.xml><?xml version="1.0" encoding="utf-8"?>
+<inkml:ink xmlns:inkml="http://www.w3.org/2003/InkML">
+  <inkml:definitions>
+    <inkml:context xml:id="ctx0">
+      <inkml:inkSource xml:id="inkSrc0">
+        <inkml:traceFormat>
+          <inkml:channel name="X" type="integer" min="-2.14748E9" max="2.14748E9" units="cm"/>
+          <inkml:channel name="Y" type="integer" min="-2.14748E9" max="2.14748E9" units="cm"/>
+          <inkml:channel name="F" type="integer" max="32767" units="dev"/>
+        </inkml:traceFormat>
+        <inkml:channelProperties>
+          <inkml:channelProperty channel="X" name="resolution" value="1000" units="1/cm"/>
+          <inkml:channelProperty channel="Y" name="resolution" value="1000" units="1/cm"/>
+          <inkml:channelProperty channel="F" name="resolution" value="0" units="1/dev"/>
+        </inkml:channelProperties>
+      </inkml:inkSource>
+      <inkml:timestamp xml:id="ts0" timeString="2021-12-02T16:07:43.238"/>
+    </inkml:context>
+    <inkml:brush xml:id="br0">
+      <inkml:brushProperty name="width" value="0.05" units="cm"/>
+      <inkml:brushProperty name="height" value="0.05" units="cm"/>
+      <inkml:brushProperty name="color" value="#FFFFFF"/>
+    </inkml:brush>
+  </inkml:definitions>
+  <inkml:trace contextRef="#ctx0" brushRef="#br0">1 1 24575</inkml:trace>
+</inkml:ink>
+</file>
+
+<file path=ppt/ink/ink41.xml><?xml version="1.0" encoding="utf-8"?>
+<inkml:ink xmlns:inkml="http://www.w3.org/2003/InkML">
+  <inkml:definitions>
+    <inkml:context xml:id="ctx0">
+      <inkml:inkSource xml:id="inkSrc0">
+        <inkml:traceFormat>
+          <inkml:channel name="X" type="integer" min="-2.14748E9" max="2.14748E9" units="cm"/>
+          <inkml:channel name="Y" type="integer" min="-2.14748E9" max="2.14748E9" units="cm"/>
+          <inkml:channel name="F" type="integer" max="32767" units="dev"/>
+        </inkml:traceFormat>
+        <inkml:channelProperties>
+          <inkml:channelProperty channel="X" name="resolution" value="1000" units="1/cm"/>
+          <inkml:channelProperty channel="Y" name="resolution" value="1000" units="1/cm"/>
+          <inkml:channelProperty channel="F" name="resolution" value="0" units="1/dev"/>
+        </inkml:channelProperties>
+      </inkml:inkSource>
+      <inkml:timestamp xml:id="ts0" timeString="2021-12-02T16:07:43.982"/>
+    </inkml:context>
+    <inkml:brush xml:id="br0">
+      <inkml:brushProperty name="width" value="0.05" units="cm"/>
+      <inkml:brushProperty name="height" value="0.05" units="cm"/>
+      <inkml:brushProperty name="color" value="#FFFFFF"/>
+    </inkml:brush>
+  </inkml:definitions>
+  <inkml:trace contextRef="#ctx0" brushRef="#br0">0 0 24575</inkml:trace>
+</inkml:ink>
+</file>
+
+<file path=ppt/ink/ink42.xml><?xml version="1.0" encoding="utf-8"?>
+<inkml:ink xmlns:inkml="http://www.w3.org/2003/InkML">
+  <inkml:definitions>
+    <inkml:context xml:id="ctx0">
+      <inkml:inkSource xml:id="inkSrc0">
+        <inkml:traceFormat>
+          <inkml:channel name="X" type="integer" min="-2.14748E9" max="2.14748E9" units="cm"/>
+          <inkml:channel name="Y" type="integer" min="-2.14748E9" max="2.14748E9" units="cm"/>
+          <inkml:channel name="F" type="integer" max="32767" units="dev"/>
+        </inkml:traceFormat>
+        <inkml:channelProperties>
+          <inkml:channelProperty channel="X" name="resolution" value="1000" units="1/cm"/>
+          <inkml:channelProperty channel="Y" name="resolution" value="1000" units="1/cm"/>
+          <inkml:channelProperty channel="F" name="resolution" value="0" units="1/dev"/>
+        </inkml:channelProperties>
+      </inkml:inkSource>
+      <inkml:timestamp xml:id="ts0" timeString="2021-12-02T16:07:44.530"/>
+    </inkml:context>
+    <inkml:brush xml:id="br0">
+      <inkml:brushProperty name="width" value="0.05" units="cm"/>
+      <inkml:brushProperty name="height" value="0.05" units="cm"/>
+      <inkml:brushProperty name="color" value="#FFFFFF"/>
+    </inkml:brush>
+  </inkml:definitions>
+  <inkml:trace contextRef="#ctx0" brushRef="#br0">1 0 24575</inkml:trace>
+</inkml:ink>
+</file>
+
+<file path=ppt/ink/ink43.xml><?xml version="1.0" encoding="utf-8"?>
+<inkml:ink xmlns:inkml="http://www.w3.org/2003/InkML">
+  <inkml:definitions>
+    <inkml:context xml:id="ctx0">
+      <inkml:inkSource xml:id="inkSrc0">
+        <inkml:traceFormat>
+          <inkml:channel name="X" type="integer" min="-2.14748E9" max="2.14748E9" units="cm"/>
+          <inkml:channel name="Y" type="integer" min="-2.14748E9" max="2.14748E9" units="cm"/>
+          <inkml:channel name="F" type="integer" max="32767" units="dev"/>
+        </inkml:traceFormat>
+        <inkml:channelProperties>
+          <inkml:channelProperty channel="X" name="resolution" value="1000" units="1/cm"/>
+          <inkml:channelProperty channel="Y" name="resolution" value="1000" units="1/cm"/>
+          <inkml:channelProperty channel="F" name="resolution" value="0" units="1/dev"/>
+        </inkml:channelProperties>
+      </inkml:inkSource>
+      <inkml:timestamp xml:id="ts0" timeString="2021-12-02T16:07:45.612"/>
+    </inkml:context>
+    <inkml:brush xml:id="br0">
+      <inkml:brushProperty name="width" value="0.05" units="cm"/>
+      <inkml:brushProperty name="height" value="0.05" units="cm"/>
+      <inkml:brushProperty name="color" value="#FFFFFF"/>
+    </inkml:brush>
+  </inkml:definitions>
+  <inkml:trace contextRef="#ctx0" brushRef="#br0">0 1 24575</inkml:trace>
+</inkml:ink>
+</file>
+
+<file path=ppt/ink/ink44.xml><?xml version="1.0" encoding="utf-8"?>
+<inkml:ink xmlns:inkml="http://www.w3.org/2003/InkML">
+  <inkml:definitions>
+    <inkml:context xml:id="ctx0">
+      <inkml:inkSource xml:id="inkSrc0">
+        <inkml:traceFormat>
+          <inkml:channel name="X" type="integer" min="-2.14748E9" max="2.14748E9" units="cm"/>
+          <inkml:channel name="Y" type="integer" min="-2.14748E9" max="2.14748E9" units="cm"/>
+          <inkml:channel name="F" type="integer" max="32767" units="dev"/>
+        </inkml:traceFormat>
+        <inkml:channelProperties>
+          <inkml:channelProperty channel="X" name="resolution" value="1000" units="1/cm"/>
+          <inkml:channelProperty channel="Y" name="resolution" value="1000" units="1/cm"/>
+          <inkml:channelProperty channel="F" name="resolution" value="0" units="1/dev"/>
+        </inkml:channelProperties>
+      </inkml:inkSource>
+      <inkml:timestamp xml:id="ts0" timeString="2021-12-02T16:07:46.396"/>
+    </inkml:context>
+    <inkml:brush xml:id="br0">
+      <inkml:brushProperty name="width" value="0.05" units="cm"/>
+      <inkml:brushProperty name="height" value="0.05" units="cm"/>
+      <inkml:brushProperty name="color" value="#FFFFFF"/>
+    </inkml:brush>
+  </inkml:definitions>
+  <inkml:trace contextRef="#ctx0" brushRef="#br0">0 0 24575</inkml:trace>
+</inkml:ink>
+</file>
+
+<file path=ppt/ink/ink45.xml><?xml version="1.0" encoding="utf-8"?>
+<inkml:ink xmlns:inkml="http://www.w3.org/2003/InkML">
+  <inkml:definitions>
+    <inkml:context xml:id="ctx0">
+      <inkml:inkSource xml:id="inkSrc0">
+        <inkml:traceFormat>
+          <inkml:channel name="X" type="integer" min="-2.14748E9" max="2.14748E9" units="cm"/>
+          <inkml:channel name="Y" type="integer" min="-2.14748E9" max="2.14748E9" units="cm"/>
+          <inkml:channel name="F" type="integer" max="32767" units="dev"/>
+        </inkml:traceFormat>
+        <inkml:channelProperties>
+          <inkml:channelProperty channel="X" name="resolution" value="1000" units="1/cm"/>
+          <inkml:channelProperty channel="Y" name="resolution" value="1000" units="1/cm"/>
+          <inkml:channelProperty channel="F" name="resolution" value="0" units="1/dev"/>
+        </inkml:channelProperties>
+      </inkml:inkSource>
+      <inkml:timestamp xml:id="ts0" timeString="2021-12-02T16:07:46.996"/>
+    </inkml:context>
+    <inkml:brush xml:id="br0">
+      <inkml:brushProperty name="width" value="0.05" units="cm"/>
+      <inkml:brushProperty name="height" value="0.05" units="cm"/>
+      <inkml:brushProperty name="color" value="#FFFFFF"/>
+    </inkml:brush>
+  </inkml:definitions>
+  <inkml:trace contextRef="#ctx0" brushRef="#br0">0 1 24575</inkml:trace>
+</inkml:ink>
+</file>
+
+<file path=ppt/ink/ink46.xml><?xml version="1.0" encoding="utf-8"?>
+<inkml:ink xmlns:inkml="http://www.w3.org/2003/InkML">
+  <inkml:definitions>
+    <inkml:context xml:id="ctx0">
+      <inkml:inkSource xml:id="inkSrc0">
+        <inkml:traceFormat>
+          <inkml:channel name="X" type="integer" min="-2.14748E9" max="2.14748E9" units="cm"/>
+          <inkml:channel name="Y" type="integer" min="-2.14748E9" max="2.14748E9" units="cm"/>
+          <inkml:channel name="F" type="integer" max="32767" units="dev"/>
+        </inkml:traceFormat>
+        <inkml:channelProperties>
+          <inkml:channelProperty channel="X" name="resolution" value="1000" units="1/cm"/>
+          <inkml:channelProperty channel="Y" name="resolution" value="1000" units="1/cm"/>
+          <inkml:channelProperty channel="F" name="resolution" value="0" units="1/dev"/>
+        </inkml:channelProperties>
+      </inkml:inkSource>
+      <inkml:timestamp xml:id="ts0" timeString="2021-12-02T16:07:47.544"/>
+    </inkml:context>
+    <inkml:brush xml:id="br0">
+      <inkml:brushProperty name="width" value="0.05" units="cm"/>
+      <inkml:brushProperty name="height" value="0.05" units="cm"/>
+      <inkml:brushProperty name="color" value="#FFFFFF"/>
+    </inkml:brush>
+  </inkml:definitions>
+  <inkml:trace contextRef="#ctx0" brushRef="#br0">1 1 24575</inkml:trace>
+</inkml:ink>
+</file>
+
+<file path=ppt/ink/ink47.xml><?xml version="1.0" encoding="utf-8"?>
+<inkml:ink xmlns:inkml="http://www.w3.org/2003/InkML">
+  <inkml:definitions>
+    <inkml:context xml:id="ctx0">
+      <inkml:inkSource xml:id="inkSrc0">
+        <inkml:traceFormat>
+          <inkml:channel name="X" type="integer" min="-2.14748E9" max="2.14748E9" units="cm"/>
+          <inkml:channel name="Y" type="integer" min="-2.14748E9" max="2.14748E9" units="cm"/>
+          <inkml:channel name="F" type="integer" max="32767" units="dev"/>
+        </inkml:traceFormat>
+        <inkml:channelProperties>
+          <inkml:channelProperty channel="X" name="resolution" value="1000" units="1/cm"/>
+          <inkml:channelProperty channel="Y" name="resolution" value="1000" units="1/cm"/>
+          <inkml:channelProperty channel="F" name="resolution" value="0" units="1/dev"/>
+        </inkml:channelProperties>
+      </inkml:inkSource>
+      <inkml:timestamp xml:id="ts0" timeString="2021-12-02T16:07:48.104"/>
+    </inkml:context>
+    <inkml:brush xml:id="br0">
+      <inkml:brushProperty name="width" value="0.05" units="cm"/>
+      <inkml:brushProperty name="height" value="0.05" units="cm"/>
+      <inkml:brushProperty name="color" value="#FFFFFF"/>
+    </inkml:brush>
+  </inkml:definitions>
+  <inkml:trace contextRef="#ctx0" brushRef="#br0">1 0 24575</inkml:trace>
+</inkml:ink>
+</file>
+
+<file path=ppt/ink/ink48.xml><?xml version="1.0" encoding="utf-8"?>
+<inkml:ink xmlns:inkml="http://www.w3.org/2003/InkML">
+  <inkml:definitions>
+    <inkml:context xml:id="ctx0">
+      <inkml:inkSource xml:id="inkSrc0">
+        <inkml:traceFormat>
+          <inkml:channel name="X" type="integer" min="-2.14748E9" max="2.14748E9" units="cm"/>
+          <inkml:channel name="Y" type="integer" min="-2.14748E9" max="2.14748E9" units="cm"/>
+          <inkml:channel name="F" type="integer" max="32767" units="dev"/>
+        </inkml:traceFormat>
+        <inkml:channelProperties>
+          <inkml:channelProperty channel="X" name="resolution" value="1000" units="1/cm"/>
+          <inkml:channelProperty channel="Y" name="resolution" value="1000" units="1/cm"/>
+          <inkml:channelProperty channel="F" name="resolution" value="0" units="1/dev"/>
+        </inkml:channelProperties>
+      </inkml:inkSource>
+      <inkml:timestamp xml:id="ts0" timeString="2021-12-02T16:07:48.933"/>
+    </inkml:context>
+    <inkml:brush xml:id="br0">
+      <inkml:brushProperty name="width" value="0.05" units="cm"/>
+      <inkml:brushProperty name="height" value="0.05" units="cm"/>
+      <inkml:brushProperty name="color" value="#FFFFFF"/>
+    </inkml:brush>
+  </inkml:definitions>
+  <inkml:trace contextRef="#ctx0" brushRef="#br0">1 1 24575</inkml:trace>
+</inkml:ink>
+</file>
+
+<file path=ppt/ink/ink49.xml><?xml version="1.0" encoding="utf-8"?>
+<inkml:ink xmlns:inkml="http://www.w3.org/2003/InkML">
+  <inkml:definitions>
+    <inkml:context xml:id="ctx0">
+      <inkml:inkSource xml:id="inkSrc0">
+        <inkml:traceFormat>
+          <inkml:channel name="X" type="integer" min="-2.14748E9" max="2.14748E9" units="cm"/>
+          <inkml:channel name="Y" type="integer" min="-2.14748E9" max="2.14748E9" units="cm"/>
+          <inkml:channel name="F" type="integer" max="32767" units="dev"/>
+        </inkml:traceFormat>
+        <inkml:channelProperties>
+          <inkml:channelProperty channel="X" name="resolution" value="1000" units="1/cm"/>
+          <inkml:channelProperty channel="Y" name="resolution" value="1000" units="1/cm"/>
+          <inkml:channelProperty channel="F" name="resolution" value="0" units="1/dev"/>
+        </inkml:channelProperties>
+      </inkml:inkSource>
+      <inkml:timestamp xml:id="ts0" timeString="2021-12-02T16:07:49.722"/>
+    </inkml:context>
+    <inkml:brush xml:id="br0">
+      <inkml:brushProperty name="width" value="0.05" units="cm"/>
+      <inkml:brushProperty name="height" value="0.05" units="cm"/>
+      <inkml:brushProperty name="color" value="#FFFFFF"/>
+    </inkml:brush>
+  </inkml:definitions>
+  <inkml:trace contextRef="#ctx0" brushRef="#br0">0 0 24575</inkml:trace>
+</inkml:ink>
+</file>
+
+<file path=ppt/ink/ink5.xml><?xml version="1.0" encoding="utf-8"?>
+<inkml:ink xmlns:inkml="http://www.w3.org/2003/InkML">
+  <inkml:definitions>
+    <inkml:context xml:id="ctx0">
+      <inkml:inkSource xml:id="inkSrc0">
+        <inkml:traceFormat>
+          <inkml:channel name="X" type="integer" min="-2.14748E9" max="2.14748E9" units="cm"/>
+          <inkml:channel name="Y" type="integer" min="-2.14748E9" max="2.14748E9" units="cm"/>
+          <inkml:channel name="F" type="integer" max="32767" units="dev"/>
+        </inkml:traceFormat>
+        <inkml:channelProperties>
+          <inkml:channelProperty channel="X" name="resolution" value="1000" units="1/cm"/>
+          <inkml:channelProperty channel="Y" name="resolution" value="1000" units="1/cm"/>
+          <inkml:channelProperty channel="F" name="resolution" value="0" units="1/dev"/>
+        </inkml:channelProperties>
+      </inkml:inkSource>
+      <inkml:timestamp xml:id="ts0" timeString="2021-12-02T15:53:58.008"/>
+    </inkml:context>
+    <inkml:brush xml:id="br0">
+      <inkml:brushProperty name="width" value="0.05" units="cm"/>
+      <inkml:brushProperty name="height" value="0.05" units="cm"/>
+      <inkml:brushProperty name="color" value="#FFFFFF"/>
+    </inkml:brush>
+  </inkml:definitions>
+  <inkml:trace contextRef="#ctx0" brushRef="#br0">79 25 24575,'-1'0'0,"-1"0"0,0 0 0,1 1 0,-1-1 0,0 0 0,1 1 0,-1-1 0,0 1 0,1-1 0,-1 1 0,1 0 0,-1 0 0,1 0 0,0 0 0,-1 0 0,1 0 0,0 0 0,0 0 0,-2 2 0,1 0 0,0 0 0,0 1 0,0-1 0,0 1 0,1-1 0,0 1 0,-1-1 0,0 6 0,0 7 0,-1 1 0,2 0 0,1 18 0,0-23 0,-1-1 0,2 0 0,-1 0 0,1 0 0,1 0 0,0 0 0,1-1 0,5 16 0,-6-22 0,0 0 0,0 0 0,0 0 0,0-1 0,0 1 0,1-1 0,0 0 0,0 0 0,0 0 0,0 0 0,0 0 0,0-1 0,1 1 0,0-1 0,-1 0 0,1 0 0,0 0 0,0-1 0,0 1 0,0-1 0,0 0 0,5 1 0,0-1 0,0-1 0,0 0 0,-1 0 0,1-1 0,0 0 0,-1 0 0,1-1 0,-1 0 0,1-1 0,-1 0 0,0 0 0,0-1 0,13-8 0,-15 9 0,0-1 0,0 0 0,-1 0 0,0-1 0,0 1 0,0-1 0,0 0 0,-1 0 0,0-1 0,0 0 0,0 1 0,-1-1 0,0 0 0,0-1 0,0 1 0,-1 0 0,0-1 0,2-8 0,-4 13 0,1 0 0,-1 0 0,0 0 0,1 0 0,-1 0 0,0 0 0,0 0 0,-1 0 0,1 0 0,0 0 0,-1 0 0,1 1 0,-1-1 0,1 0 0,-1 0 0,0 0 0,0 0 0,0 1 0,0-1 0,0 0 0,0 1 0,0-1 0,-1 1 0,1-1 0,-1 1 0,1 0 0,-1-1 0,1 1 0,-1 0 0,0 0 0,1 0 0,-1 0 0,0 1 0,0-1 0,0 0 0,0 1 0,0-1 0,0 1 0,0 0 0,0-1 0,-2 1 0,-3 0 0,1 0 0,-1 1 0,0 0 0,1 0 0,-1 0 0,1 1 0,-1 0 0,1 0 0,0 0 0,0 1 0,-6 4 0,5-3 0,0 1 0,1 0 0,0 1 0,1-1 0,-1 1 0,1 0 0,0 0 0,0 1 0,-6 13 0,9-17 0,0 0 0,1 0 0,-1 0 0,1 0 0,0 0 0,0 0 0,0 1 0,1-1 0,-1 0 0,1 1 0,0-1 0,0 1 0,0-1 0,0 0 0,0 1 0,1-1 0,-1 0 0,1 1 0,0-1 0,0 0 0,1 0 0,-1 0 0,0 0 0,1 0 0,4 6 0,-6-8 0,1 0 0,0 0 0,0 0 0,0 0 0,0 0 0,0 0 0,0 0 0,0-1 0,0 1 0,0 0 0,1 0 0,-1-1 0,0 1 0,0-1 0,1 1 0,-1-1 0,0 0 0,1 1 0,-1-1 0,1 0 0,-1 0 0,0 0 0,1 0 0,2 0 0,-2-1 0,0 0 0,0 0 0,0 0 0,0 0 0,0-1 0,0 1 0,0-1 0,0 1 0,0-1 0,-1 1 0,1-1 0,-1 0 0,2-3 0,2-2 0,0 0 0,-1-1 0,-1 1 0,1-1 0,-1 0 0,-1 0 0,3-10 0,-4 13 0,0 0 0,-1 0 0,1 1 0,-1-1 0,0 0 0,0 0 0,-1 0 0,0 1 0,0-1 0,0 0 0,0 0 0,0 1 0,-1-1 0,0 1 0,0 0 0,-1-1 0,1 1 0,-1 0 0,1 0 0,-1 0 0,-1 1 0,1-1 0,0 1 0,-1 0 0,0 0 0,0 0 0,0 0 0,0 1 0,0-1 0,0 1 0,-1 0 0,1 0 0,-1 1 0,1-1 0,-1 1 0,0 0 0,-8 0 0,6-1 0,0 2 0,0-1 0,0 1 0,0 0 0,0 0 0,0 1 0,0 0 0,0 1 0,-13 3 0,17-4 0,0 1 0,0-1 0,0 1 0,1 0 0,-1 0 0,0 0 0,1 0 0,-1 0 0,1 1 0,0-1 0,0 1 0,0-1 0,0 1 0,0 0 0,0 0 0,1 0 0,0 0 0,-1 0 0,1 0 0,0 0 0,0 0 0,1 0 0,-1 5 0,0-6 0,1 0 0,0 0 0,0 0 0,0 1 0,0-1 0,0 0 0,0 0 0,1 0 0,-1 0 0,1 0 0,0 1 0,-1-1 0,1 0 0,0 0 0,0 0 0,0-1 0,0 1 0,1 0 0,-1 0 0,0-1 0,1 1 0,0 0 0,-1-1 0,1 0 0,0 1 0,-1-1 0,1 0 0,0 0 0,0 0 0,0 0 0,0 0 0,0 0 0,0-1 0,0 1 0,4 0 0,7 1 0,1 0 0,0 0 0,-1-1 0,21-2 0,-24 1 0,5-1 0,-1 0 0,0-1 0,0 0 0,0-1 0,0 0 0,-1-2 0,1 1 0,13-8 0,-21 9 0,-1 0 0,0 0 0,0 0 0,0 0 0,0-1 0,0 0 0,-1 0 0,1 0 0,-1-1 0,0 0 0,-1 1 0,1-1 0,-1 0 0,0-1 0,0 1 0,0-1 0,-1 1 0,0-1 0,0 0 0,0 0 0,0-8 0,-2 11 0,0-1 0,0 1 0,0 0 0,-1-1 0,0 1 0,0-1 0,0 1 0,0 0 0,0 0 0,0 0 0,-1 0 0,0 0 0,0 0 0,1 0 0,-2 0 0,1 0 0,0 1 0,0-1 0,-1 1 0,0 0 0,1 0 0,-1 0 0,0 0 0,0 0 0,0 0 0,0 1 0,0 0 0,-4-2 0,-2 0 0,1 0 0,-1 0 0,1 1 0,-1 0 0,0 0 0,0 1 0,0 0 0,0 1 0,-17 1 0,15 1 0,-1 1 0,1 0 0,0 1 0,-1 0 0,2 1 0,-21 12 0,25-14 0,0 1 0,0 0 0,1 0 0,0 1 0,0-1 0,0 1 0,0 0 0,1 1 0,-1-1 0,1 1 0,1 0 0,-7 12 0,9-16 0,1 0 0,-1 1 0,0-1 0,1 1 0,-1-1 0,1 1 0,0-1 0,0 1 0,0-1 0,0 1 0,0-1 0,0 1 0,1-1 0,-1 1 0,1-1 0,0 0 0,-1 1 0,1-1 0,0 0 0,3 4 0,-2-3 0,1 0 0,-1 0 0,1-1 0,0 1 0,0-1 0,0 1 0,0-1 0,1 0 0,-1-1 0,0 1 0,1 0 0,5 1 0,-1-1 0,0 0 0,0 0 0,0-1 0,0 0 0,0 0 0,0-1 0,0 0 0,0 0 0,1-1 0,-1 0 0,0-1 0,10-2 0,-12 1 0,0 0 0,0 0 0,0 0 0,0-1 0,-1 0 0,0 0 0,1 0 0,-1-1 0,-1 1 0,1-1 0,6-9 0,-10 12 0,0 0 0,1-1 0,-1 1 0,0-1 0,0 1 0,0-1 0,-1 1 0,1-1 0,0 1 0,-1-1 0,0 0 0,0 1 0,0-1 0,0 1 0,0-1 0,0 0 0,-1 1 0,1-1 0,-1 0 0,1 1 0,-1-1 0,0 1 0,0 0 0,-1-1 0,1 1 0,0 0 0,-1-1 0,1 1 0,-1 0 0,0 0 0,1 0 0,-4-1 0,2-1 0,-1 1 0,1 0 0,-1 1 0,0-1 0,0 1 0,0-1 0,-1 1 0,1 0 0,0 1 0,-1-1 0,1 1 0,-1 0 0,0 0 0,1 0 0,-1 1 0,0 0 0,1 0 0,-1 0 0,-8 1 0,10 0 0,0 0 0,0 0 0,0 0 0,0 0 0,0 0 0,0 0 0,0 1 0,1-1 0,-1 1 0,0 0 0,1 0 0,0 0 0,-1 0 0,1 0 0,0 1 0,0-1 0,0 1 0,1-1 0,-1 1 0,1 0 0,-1-1 0,1 1 0,0 0 0,0 0 0,0 0 0,0 0 0,0 0 0,1 0 0,0 0 0,-1 5 0,1-6 0,0 1 0,0-1 0,0 1 0,0-1 0,0 0 0,0 1 0,1-1 0,-1 1 0,1-1 0,0 0 0,-1 1 0,1-1 0,0 0 0,1 0 0,-1 0 0,0 0 0,0 0 0,1 0 0,0 0 0,-1 0 0,1 0 0,0-1 0,-1 1 0,1-1 0,0 1 0,0-1 0,1 0 0,-1 0 0,0 0 0,0 0 0,0 0 0,4 1 0,-1-1 0,1-1 0,-1 1 0,0-1 0,0 0 0,0 0 0,0-1 0,0 1 0,0-1 0,0 0 0,0-1 0,0 1 0,0-1 0,0 0 0,6-4 0,-3 2 20,0-1 0,0 0 0,-1 0 0,0-1 0,7-6 0,-12 10-77,-1 1 0,1-1 0,-1 0 0,0 1-1,0-1 1,1 0 0,-1 0 0,-1 0 0,1 0 0,0 0 0,0 0 0,-1-1-1,1 1 1,-1 0 0,0 0 0,1 0 0,-1-1 0,0 1 0,0 0 0,-1 0 0,1 0-1,0-1 1,-1 1 0,1 0 0,-2-4 0,-6-10-6769</inkml:trace>
+</inkml:ink>
+</file>
+
+<file path=ppt/ink/ink50.xml><?xml version="1.0" encoding="utf-8"?>
+<inkml:ink xmlns:inkml="http://www.w3.org/2003/InkML">
+  <inkml:definitions>
+    <inkml:context xml:id="ctx0">
+      <inkml:inkSource xml:id="inkSrc0">
+        <inkml:traceFormat>
+          <inkml:channel name="X" type="integer" min="-2.14748E9" max="2.14748E9" units="cm"/>
+          <inkml:channel name="Y" type="integer" min="-2.14748E9" max="2.14748E9" units="cm"/>
+          <inkml:channel name="F" type="integer" max="32767" units="dev"/>
+        </inkml:traceFormat>
+        <inkml:channelProperties>
+          <inkml:channelProperty channel="X" name="resolution" value="1000" units="1/cm"/>
+          <inkml:channelProperty channel="Y" name="resolution" value="1000" units="1/cm"/>
+          <inkml:channelProperty channel="F" name="resolution" value="0" units="1/dev"/>
+        </inkml:channelProperties>
+      </inkml:inkSource>
+      <inkml:timestamp xml:id="ts0" timeString="2021-12-02T16:07:50.716"/>
+    </inkml:context>
+    <inkml:brush xml:id="br0">
+      <inkml:brushProperty name="width" value="0.05" units="cm"/>
+      <inkml:brushProperty name="height" value="0.05" units="cm"/>
+      <inkml:brushProperty name="color" value="#FFFFFF"/>
+    </inkml:brush>
+  </inkml:definitions>
+  <inkml:trace contextRef="#ctx0" brushRef="#br0">0 1 24575</inkml:trace>
+</inkml:ink>
+</file>
+
+<file path=ppt/ink/ink51.xml><?xml version="1.0" encoding="utf-8"?>
+<inkml:ink xmlns:inkml="http://www.w3.org/2003/InkML">
+  <inkml:definitions>
+    <inkml:context xml:id="ctx0">
+      <inkml:inkSource xml:id="inkSrc0">
+        <inkml:traceFormat>
+          <inkml:channel name="X" type="integer" min="-2.14748E9" max="2.14748E9" units="cm"/>
+          <inkml:channel name="Y" type="integer" min="-2.14748E9" max="2.14748E9" units="cm"/>
+          <inkml:channel name="F" type="integer" max="32767" units="dev"/>
+        </inkml:traceFormat>
+        <inkml:channelProperties>
+          <inkml:channelProperty channel="X" name="resolution" value="1000" units="1/cm"/>
+          <inkml:channelProperty channel="Y" name="resolution" value="1000" units="1/cm"/>
+          <inkml:channelProperty channel="F" name="resolution" value="0" units="1/dev"/>
+        </inkml:channelProperties>
+      </inkml:inkSource>
+      <inkml:timestamp xml:id="ts0" timeString="2021-12-02T16:07:51.310"/>
+    </inkml:context>
+    <inkml:brush xml:id="br0">
+      <inkml:brushProperty name="width" value="0.05" units="cm"/>
+      <inkml:brushProperty name="height" value="0.05" units="cm"/>
+      <inkml:brushProperty name="color" value="#FFFFFF"/>
+    </inkml:brush>
+  </inkml:definitions>
+  <inkml:trace contextRef="#ctx0" brushRef="#br0">0 0 24575</inkml:trace>
+</inkml:ink>
+</file>
+
+<file path=ppt/ink/ink52.xml><?xml version="1.0" encoding="utf-8"?>
+<inkml:ink xmlns:inkml="http://www.w3.org/2003/InkML">
+  <inkml:definitions>
+    <inkml:context xml:id="ctx0">
+      <inkml:inkSource xml:id="inkSrc0">
+        <inkml:traceFormat>
+          <inkml:channel name="X" type="integer" min="-2.14748E9" max="2.14748E9" units="cm"/>
+          <inkml:channel name="Y" type="integer" min="-2.14748E9" max="2.14748E9" units="cm"/>
+          <inkml:channel name="F" type="integer" max="32767" units="dev"/>
+        </inkml:traceFormat>
+        <inkml:channelProperties>
+          <inkml:channelProperty channel="X" name="resolution" value="1000" units="1/cm"/>
+          <inkml:channelProperty channel="Y" name="resolution" value="1000" units="1/cm"/>
+          <inkml:channelProperty channel="F" name="resolution" value="0" units="1/dev"/>
+        </inkml:channelProperties>
+      </inkml:inkSource>
+      <inkml:timestamp xml:id="ts0" timeString="2021-12-02T16:07:52.121"/>
+    </inkml:context>
+    <inkml:brush xml:id="br0">
+      <inkml:brushProperty name="width" value="0.05" units="cm"/>
+      <inkml:brushProperty name="height" value="0.05" units="cm"/>
+      <inkml:brushProperty name="color" value="#FFFFFF"/>
+    </inkml:brush>
+  </inkml:definitions>
+  <inkml:trace contextRef="#ctx0" brushRef="#br0">0 0 24575</inkml:trace>
+</inkml:ink>
+</file>
+
+<file path=ppt/ink/ink53.xml><?xml version="1.0" encoding="utf-8"?>
+<inkml:ink xmlns:inkml="http://www.w3.org/2003/InkML">
+  <inkml:definitions>
+    <inkml:context xml:id="ctx0">
+      <inkml:inkSource xml:id="inkSrc0">
+        <inkml:traceFormat>
+          <inkml:channel name="X" type="integer" min="-2.14748E9" max="2.14748E9" units="cm"/>
+          <inkml:channel name="Y" type="integer" min="-2.14748E9" max="2.14748E9" units="cm"/>
+          <inkml:channel name="F" type="integer" max="32767" units="dev"/>
+        </inkml:traceFormat>
+        <inkml:channelProperties>
+          <inkml:channelProperty channel="X" name="resolution" value="1000" units="1/cm"/>
+          <inkml:channelProperty channel="Y" name="resolution" value="1000" units="1/cm"/>
+          <inkml:channelProperty channel="F" name="resolution" value="0" units="1/dev"/>
+        </inkml:channelProperties>
+      </inkml:inkSource>
+      <inkml:timestamp xml:id="ts0" timeString="2021-12-02T16:07:52.756"/>
+    </inkml:context>
+    <inkml:brush xml:id="br0">
+      <inkml:brushProperty name="width" value="0.05" units="cm"/>
+      <inkml:brushProperty name="height" value="0.05" units="cm"/>
+      <inkml:brushProperty name="color" value="#FFFFFF"/>
+    </inkml:brush>
+  </inkml:definitions>
+  <inkml:trace contextRef="#ctx0" brushRef="#br0">0 0 24575</inkml:trace>
+</inkml:ink>
+</file>
+
+<file path=ppt/ink/ink54.xml><?xml version="1.0" encoding="utf-8"?>
+<inkml:ink xmlns:inkml="http://www.w3.org/2003/InkML">
+  <inkml:definitions>
+    <inkml:context xml:id="ctx0">
+      <inkml:inkSource xml:id="inkSrc0">
+        <inkml:traceFormat>
+          <inkml:channel name="X" type="integer" min="-2.14748E9" max="2.14748E9" units="cm"/>
+          <inkml:channel name="Y" type="integer" min="-2.14748E9" max="2.14748E9" units="cm"/>
+          <inkml:channel name="F" type="integer" max="32767" units="dev"/>
+        </inkml:traceFormat>
+        <inkml:channelProperties>
+          <inkml:channelProperty channel="X" name="resolution" value="1000" units="1/cm"/>
+          <inkml:channelProperty channel="Y" name="resolution" value="1000" units="1/cm"/>
+          <inkml:channelProperty channel="F" name="resolution" value="0" units="1/dev"/>
+        </inkml:channelProperties>
+      </inkml:inkSource>
+      <inkml:timestamp xml:id="ts0" timeString="2021-12-02T16:07:53.621"/>
+    </inkml:context>
+    <inkml:brush xml:id="br0">
+      <inkml:brushProperty name="width" value="0.05" units="cm"/>
+      <inkml:brushProperty name="height" value="0.05" units="cm"/>
+      <inkml:brushProperty name="color" value="#FFFFFF"/>
+    </inkml:brush>
+  </inkml:definitions>
+  <inkml:trace contextRef="#ctx0" brushRef="#br0">1 0 24575</inkml:trace>
+</inkml:ink>
+</file>
+
+<file path=ppt/ink/ink55.xml><?xml version="1.0" encoding="utf-8"?>
+<inkml:ink xmlns:inkml="http://www.w3.org/2003/InkML">
+  <inkml:definitions>
+    <inkml:context xml:id="ctx0">
+      <inkml:inkSource xml:id="inkSrc0">
+        <inkml:traceFormat>
+          <inkml:channel name="X" type="integer" min="-2.14748E9" max="2.14748E9" units="cm"/>
+          <inkml:channel name="Y" type="integer" min="-2.14748E9" max="2.14748E9" units="cm"/>
+          <inkml:channel name="F" type="integer" max="32767" units="dev"/>
+        </inkml:traceFormat>
+        <inkml:channelProperties>
+          <inkml:channelProperty channel="X" name="resolution" value="1000" units="1/cm"/>
+          <inkml:channelProperty channel="Y" name="resolution" value="1000" units="1/cm"/>
+          <inkml:channelProperty channel="F" name="resolution" value="0" units="1/dev"/>
+        </inkml:channelProperties>
+      </inkml:inkSource>
+      <inkml:timestamp xml:id="ts0" timeString="2021-12-02T16:07:54.527"/>
+    </inkml:context>
+    <inkml:brush xml:id="br0">
+      <inkml:brushProperty name="width" value="0.05" units="cm"/>
+      <inkml:brushProperty name="height" value="0.05" units="cm"/>
+      <inkml:brushProperty name="color" value="#FFFFFF"/>
+    </inkml:brush>
+  </inkml:definitions>
+  <inkml:trace contextRef="#ctx0" brushRef="#br0">1 1 24575</inkml:trace>
+</inkml:ink>
+</file>
+
+<file path=ppt/ink/ink56.xml><?xml version="1.0" encoding="utf-8"?>
+<inkml:ink xmlns:inkml="http://www.w3.org/2003/InkML">
+  <inkml:definitions>
+    <inkml:context xml:id="ctx0">
+      <inkml:inkSource xml:id="inkSrc0">
+        <inkml:traceFormat>
+          <inkml:channel name="X" type="integer" min="-2.14748E9" max="2.14748E9" units="cm"/>
+          <inkml:channel name="Y" type="integer" min="-2.14748E9" max="2.14748E9" units="cm"/>
+          <inkml:channel name="F" type="integer" max="32767" units="dev"/>
+        </inkml:traceFormat>
+        <inkml:channelProperties>
+          <inkml:channelProperty channel="X" name="resolution" value="1000" units="1/cm"/>
+          <inkml:channelProperty channel="Y" name="resolution" value="1000" units="1/cm"/>
+          <inkml:channelProperty channel="F" name="resolution" value="0" units="1/dev"/>
+        </inkml:channelProperties>
+      </inkml:inkSource>
+      <inkml:timestamp xml:id="ts0" timeString="2021-12-02T16:07:55.074"/>
+    </inkml:context>
+    <inkml:brush xml:id="br0">
+      <inkml:brushProperty name="width" value="0.05" units="cm"/>
+      <inkml:brushProperty name="height" value="0.05" units="cm"/>
+      <inkml:brushProperty name="color" value="#FFFFFF"/>
+    </inkml:brush>
+  </inkml:definitions>
+  <inkml:trace contextRef="#ctx0" brushRef="#br0">0 0 24575</inkml:trace>
+</inkml:ink>
+</file>
+
+<file path=ppt/ink/ink57.xml><?xml version="1.0" encoding="utf-8"?>
+<inkml:ink xmlns:inkml="http://www.w3.org/2003/InkML">
+  <inkml:definitions>
+    <inkml:context xml:id="ctx0">
+      <inkml:inkSource xml:id="inkSrc0">
+        <inkml:traceFormat>
+          <inkml:channel name="X" type="integer" min="-2.14748E9" max="2.14748E9" units="cm"/>
+          <inkml:channel name="Y" type="integer" min="-2.14748E9" max="2.14748E9" units="cm"/>
+          <inkml:channel name="F" type="integer" max="32767" units="dev"/>
+        </inkml:traceFormat>
+        <inkml:channelProperties>
+          <inkml:channelProperty channel="X" name="resolution" value="1000" units="1/cm"/>
+          <inkml:channelProperty channel="Y" name="resolution" value="1000" units="1/cm"/>
+          <inkml:channelProperty channel="F" name="resolution" value="0" units="1/dev"/>
+        </inkml:channelProperties>
+      </inkml:inkSource>
+      <inkml:timestamp xml:id="ts0" timeString="2021-12-02T16:07:56.214"/>
+    </inkml:context>
+    <inkml:brush xml:id="br0">
+      <inkml:brushProperty name="width" value="0.05" units="cm"/>
+      <inkml:brushProperty name="height" value="0.05" units="cm"/>
+      <inkml:brushProperty name="color" value="#FFFFFF"/>
+    </inkml:brush>
+  </inkml:definitions>
+  <inkml:trace contextRef="#ctx0" brushRef="#br0">1 1 24575</inkml:trace>
+</inkml:ink>
+</file>
+
+<file path=ppt/ink/ink58.xml><?xml version="1.0" encoding="utf-8"?>
+<inkml:ink xmlns:inkml="http://www.w3.org/2003/InkML">
+  <inkml:definitions>
+    <inkml:context xml:id="ctx0">
+      <inkml:inkSource xml:id="inkSrc0">
+        <inkml:traceFormat>
+          <inkml:channel name="X" type="integer" min="-2.14748E9" max="2.14748E9" units="cm"/>
+          <inkml:channel name="Y" type="integer" min="-2.14748E9" max="2.14748E9" units="cm"/>
+          <inkml:channel name="F" type="integer" max="32767" units="dev"/>
+        </inkml:traceFormat>
+        <inkml:channelProperties>
+          <inkml:channelProperty channel="X" name="resolution" value="1000" units="1/cm"/>
+          <inkml:channelProperty channel="Y" name="resolution" value="1000" units="1/cm"/>
+          <inkml:channelProperty channel="F" name="resolution" value="0" units="1/dev"/>
+        </inkml:channelProperties>
+      </inkml:inkSource>
+      <inkml:timestamp xml:id="ts0" timeString="2021-12-02T16:07:56.816"/>
+    </inkml:context>
+    <inkml:brush xml:id="br0">
+      <inkml:brushProperty name="width" value="0.05" units="cm"/>
+      <inkml:brushProperty name="height" value="0.05" units="cm"/>
+      <inkml:brushProperty name="color" value="#FFFFFF"/>
+    </inkml:brush>
+  </inkml:definitions>
+  <inkml:trace contextRef="#ctx0" brushRef="#br0">0 0 24575</inkml:trace>
+</inkml:ink>
+</file>
+
+<file path=ppt/ink/ink59.xml><?xml version="1.0" encoding="utf-8"?>
+<inkml:ink xmlns:inkml="http://www.w3.org/2003/InkML">
+  <inkml:definitions>
+    <inkml:context xml:id="ctx0">
+      <inkml:inkSource xml:id="inkSrc0">
+        <inkml:traceFormat>
+          <inkml:channel name="X" type="integer" min="-2.14748E9" max="2.14748E9" units="cm"/>
+          <inkml:channel name="Y" type="integer" min="-2.14748E9" max="2.14748E9" units="cm"/>
+          <inkml:channel name="F" type="integer" max="32767" units="dev"/>
+        </inkml:traceFormat>
+        <inkml:channelProperties>
+          <inkml:channelProperty channel="X" name="resolution" value="1000" units="1/cm"/>
+          <inkml:channelProperty channel="Y" name="resolution" value="1000" units="1/cm"/>
+          <inkml:channelProperty channel="F" name="resolution" value="0" units="1/dev"/>
+        </inkml:channelProperties>
+      </inkml:inkSource>
+      <inkml:timestamp xml:id="ts0" timeString="2021-12-02T16:07:57.390"/>
+    </inkml:context>
+    <inkml:brush xml:id="br0">
+      <inkml:brushProperty name="width" value="0.05" units="cm"/>
+      <inkml:brushProperty name="height" value="0.05" units="cm"/>
+      <inkml:brushProperty name="color" value="#FFFFFF"/>
+    </inkml:brush>
+  </inkml:definitions>
+  <inkml:trace contextRef="#ctx0" brushRef="#br0">0 0 24575</inkml:trace>
+</inkml:ink>
+</file>
+
+<file path=ppt/ink/ink6.xml><?xml version="1.0" encoding="utf-8"?>
+<inkml:ink xmlns:inkml="http://www.w3.org/2003/InkML">
+  <inkml:definitions>
+    <inkml:context xml:id="ctx0">
+      <inkml:inkSource xml:id="inkSrc0">
+        <inkml:traceFormat>
+          <inkml:channel name="X" type="integer" min="-2.14748E9" max="2.14748E9" units="cm"/>
+          <inkml:channel name="Y" type="integer" min="-2.14748E9" max="2.14748E9" units="cm"/>
+          <inkml:channel name="F" type="integer" max="32767" units="dev"/>
+        </inkml:traceFormat>
+        <inkml:channelProperties>
+          <inkml:channelProperty channel="X" name="resolution" value="1000" units="1/cm"/>
+          <inkml:channelProperty channel="Y" name="resolution" value="1000" units="1/cm"/>
+          <inkml:channelProperty channel="F" name="resolution" value="0" units="1/dev"/>
+        </inkml:channelProperties>
+      </inkml:inkSource>
+      <inkml:timestamp xml:id="ts0" timeString="2021-12-02T15:54:01.649"/>
+    </inkml:context>
+    <inkml:brush xml:id="br0">
+      <inkml:brushProperty name="width" value="0.05" units="cm"/>
+      <inkml:brushProperty name="height" value="0.05" units="cm"/>
+      <inkml:brushProperty name="color" value="#FFFFFF"/>
+    </inkml:brush>
+  </inkml:definitions>
+  <inkml:trace contextRef="#ctx0" brushRef="#br0">33 55 24575,'-1'0'0,"0"0"0,0 0 0,1 0 0,-1 0 0,0 0 0,0 1 0,1-1 0,-1 0 0,0 0 0,1 1 0,-1-1 0,0 1 0,1-1 0,-1 0 0,0 1 0,1 0 0,-1-1 0,1 1 0,-1-1 0,1 1 0,-1-1 0,1 1 0,-1 0 0,1 0 0,0-1 0,-1 1 0,1 0 0,0-1 0,0 1 0,-1 0 0,1 0 0,0-1 0,0 1 0,0 0 0,0 0 0,0 0 0,0-1 0,0 1 0,0 0 0,0 0 0,1 0 0,-1-1 0,0 1 0,0 0 0,1-1 0,-1 1 0,0 0 0,2 1 0,-1 1 0,0 0 0,0 0 0,1 0 0,-1 0 0,1-1 0,-1 1 0,1 0 0,0-1 0,0 1 0,1-1 0,2 3 0,0-2 0,0-1 0,0 0 0,0 0 0,0 0 0,1-1 0,-1 0 0,0 0 0,1 0 0,-1-1 0,1 0 0,-1 0 0,1 0 0,-1-1 0,0 1 0,1-1 0,8-3 0,-12 3 0,1 0 0,-1 0 0,1 0 0,-1 0 0,0 0 0,1-1 0,-1 1 0,0-1 0,0 0 0,0 1 0,0-1 0,0 0 0,-1 0 0,1 0 0,-1 0 0,1-1 0,-1 1 0,0 0 0,1-1 0,-1 1 0,0-1 0,-1 1 0,1-1 0,0 1 0,-1-1 0,1 0 0,-1 1 0,0-1 0,0 0 0,0 1 0,0-1 0,-1 0 0,1 1 0,-1-1 0,0-2 0,0 2 0,0 1 0,0 0 0,0 0 0,0 0 0,0 0 0,0 0 0,-1 0 0,1 0 0,-1 0 0,1 0 0,-1 0 0,0 1 0,-2-3 0,3 4 0,1-1 0,-1 1 0,0-1 0,1 1 0,-1-1 0,0 1 0,0 0 0,1 0 0,-1-1 0,0 1 0,0 0 0,1 0 0,-1 0 0,0 0 0,0 0 0,0 0 0,1 0 0,-1 0 0,0 0 0,0 0 0,1 0 0,-1 0 0,0 1 0,0-1 0,1 0 0,-1 1 0,0-1 0,1 0 0,-1 1 0,0-1 0,1 1 0,-1-1 0,0 1 0,1-1 0,-1 1 0,1-1 0,-1 1 0,1 0 0,-1-1 0,1 1 0,-1 1 0,1-2 0,-1 0 0,1 1 0,0-1 0,-1 0 0,1 1 0,0-1 0,-1 1 0,1-1 0,0 0 0,0 1 0,-1-1 0,1 1 0,0-1 0,0 1 0,0-1 0,0 1 0,-1-1 0,1 1 0,0-1 0,0 0 0,0 1 0,0-1 0,0 1 0,0-1 0,0 1 0,0-1 0,1 1 0,-1-1 0,0 1 0,0-1 0,0 1 0,0-1 0,1 1 0,-1-1 0,0 0 0,0 1 0,1-1 0,-1 1 0,0-1 0,1 0 0,-1 1 0,0-1 0,1 0 0,-1 1 0,1-1 0,-1 0 0,1 0 0,-1 1 0,0-1 0,1 0 0,-1 0 0,1 0 0,-1 0 0,1 0 0,-1 0 0,1 0 0,-1 0 0,1 0 0,-1 0 0,1 0 0,0 0 0,0 0 0,-1 0 0,1 0 0,-1 0 0,1-1 0,-1 1 0,1 0 0,-1 0 0,1-1 0,-1 1 0,1 0 0,-1-1 0,0 1 0,1 0 0,-1-1 0,0 1 0,1-1 0,-1 1 0,0 0 0,1-1 0,-1 1 0,0-1 0,0 1 0,1-1 0,-1 1 0,0-1 0,0 1 0,0-1 0,0 0 0,0 1 0,0-1 0,0 1 0,0-1 0,0 1 0,0-1 0,0 1 0,0-1 0,0 1 0,0-1 0,0 0 0,-1 1 0,1-1 0,0 1 0,0 0 0,-1-1 0,1 1 0,0-1 0,-1 1 0,1-1 0,0 1 0,-1 0 0,1-1 0,-1 1 0,1-1 0,0 1 0,-1 0 0,1 0 0,-2-1 0,2 0 0,-1 1 0,1-1 0,-1 0 0,0 1 0,1-1 0,-1 1 0,0-1 0,1 1 0,-1-1 0,0 1 0,0 0 0,0-1 0,1 1 0,-1 0 0,0 0 0,0-1 0,0 1 0,0 0 0,0 0 0,1 0 0,-1 0 0,0 0 0,0 0 0,0 0 0,0 0 0,0 1 0,-1-1 0,0 1 0,1 0 0,-1 0 0,1 1 0,-1-1 0,1 0 0,0 0 0,0 1 0,-1-1 0,1 1 0,0-1 0,0 1 0,-1 2 0,0 0 0,0-1 0,1 1 0,-1 0 0,1-1 0,0 1 0,0 0 0,0 0 0,1 0 0,0 0 0,-1 0 0,1 0 0,1 0 0,-1 4 0,0-7 0,1 0 0,-1 0 0,0 0 0,0 0 0,1 0 0,-1 0 0,0 0 0,1 0 0,-1 0 0,1 0 0,-1 0 0,1-1 0,0 1 0,-1 0 0,1 0 0,0 0 0,0-1 0,0 1 0,-1 0 0,1-1 0,0 1 0,0-1 0,0 1 0,0-1 0,0 1 0,0-1 0,0 0 0,0 0 0,0 1 0,0-1 0,0 0 0,0 0 0,0 0 0,0 0 0,0 0 0,0 0 0,0 0 0,0 0 0,0-1 0,0 1 0,2-1 0,-1 0 0,0 0 0,0-1 0,0 1 0,-1 0 0,1-1 0,-1 1 0,1-1 0,-1 0 0,1 1 0,-1-1 0,0 0 0,0 0 0,0 0 0,0 0 0,0 0 0,0 0 0,-1 0 0,1 0 0,-1 0 0,1-4 0,-1 4 4,0-1 0,0 0 0,0 1 0,0-1 0,0 0 0,-1 1 0,0-1 0,1 0 0,-1 1 0,0-1 0,0 1 0,0-1 0,-1 1 0,1 0 0,0-1 0,-1 1 0,0 0 0,1 0 0,-1 0 0,0 0 0,0 0 0,0 0 0,0 1 0,-1-1 0,1 1 0,0-1 0,-1 1 0,1 0 0,-5-1 0,3 0-103,-1 0 0,0 1 0,0 0 0,0 0 0,-1 0 0,1 1 0,0 0 0,0 0 0,0 0 0,0 0 0,0 1 0,-1 0 0,1 0 0,-9 3 0,-7 8-6727</inkml:trace>
+</inkml:ink>
+</file>
+
+<file path=ppt/ink/ink60.xml><?xml version="1.0" encoding="utf-8"?>
+<inkml:ink xmlns:inkml="http://www.w3.org/2003/InkML">
+  <inkml:definitions>
+    <inkml:context xml:id="ctx0">
+      <inkml:inkSource xml:id="inkSrc0">
+        <inkml:traceFormat>
+          <inkml:channel name="X" type="integer" min="-2.14748E9" max="2.14748E9" units="cm"/>
+          <inkml:channel name="Y" type="integer" min="-2.14748E9" max="2.14748E9" units="cm"/>
+          <inkml:channel name="F" type="integer" max="32767" units="dev"/>
+        </inkml:traceFormat>
+        <inkml:channelProperties>
+          <inkml:channelProperty channel="X" name="resolution" value="1000" units="1/cm"/>
+          <inkml:channelProperty channel="Y" name="resolution" value="1000" units="1/cm"/>
+          <inkml:channelProperty channel="F" name="resolution" value="0" units="1/dev"/>
+        </inkml:channelProperties>
+      </inkml:inkSource>
+      <inkml:timestamp xml:id="ts0" timeString="2021-12-02T16:07:58.439"/>
+    </inkml:context>
+    <inkml:brush xml:id="br0">
+      <inkml:brushProperty name="width" value="0.05" units="cm"/>
+      <inkml:brushProperty name="height" value="0.05" units="cm"/>
+      <inkml:brushProperty name="color" value="#FFFFFF"/>
+    </inkml:brush>
+  </inkml:definitions>
+  <inkml:trace contextRef="#ctx0" brushRef="#br0">1 0 24575</inkml:trace>
+</inkml:ink>
+</file>
+
+<file path=ppt/ink/ink61.xml><?xml version="1.0" encoding="utf-8"?>
+<inkml:ink xmlns:inkml="http://www.w3.org/2003/InkML">
+  <inkml:definitions>
+    <inkml:context xml:id="ctx0">
+      <inkml:inkSource xml:id="inkSrc0">
+        <inkml:traceFormat>
+          <inkml:channel name="X" type="integer" min="-2.14748E9" max="2.14748E9" units="cm"/>
+          <inkml:channel name="Y" type="integer" min="-2.14748E9" max="2.14748E9" units="cm"/>
+          <inkml:channel name="F" type="integer" max="32767" units="dev"/>
+        </inkml:traceFormat>
+        <inkml:channelProperties>
+          <inkml:channelProperty channel="X" name="resolution" value="1000" units="1/cm"/>
+          <inkml:channelProperty channel="Y" name="resolution" value="1000" units="1/cm"/>
+          <inkml:channelProperty channel="F" name="resolution" value="0" units="1/dev"/>
+        </inkml:channelProperties>
+      </inkml:inkSource>
+      <inkml:timestamp xml:id="ts0" timeString="2021-12-02T16:07:59.121"/>
+    </inkml:context>
+    <inkml:brush xml:id="br0">
+      <inkml:brushProperty name="width" value="0.05" units="cm"/>
+      <inkml:brushProperty name="height" value="0.05" units="cm"/>
+      <inkml:brushProperty name="color" value="#FFFFFF"/>
+    </inkml:brush>
+  </inkml:definitions>
+  <inkml:trace contextRef="#ctx0" brushRef="#br0">1 1 24575</inkml:trace>
+</inkml:ink>
+</file>
+
+<file path=ppt/ink/ink62.xml><?xml version="1.0" encoding="utf-8"?>
+<inkml:ink xmlns:inkml="http://www.w3.org/2003/InkML">
+  <inkml:definitions>
+    <inkml:context xml:id="ctx0">
+      <inkml:inkSource xml:id="inkSrc0">
+        <inkml:traceFormat>
+          <inkml:channel name="X" type="integer" min="-2.14748E9" max="2.14748E9" units="cm"/>
+          <inkml:channel name="Y" type="integer" min="-2.14748E9" max="2.14748E9" units="cm"/>
+          <inkml:channel name="F" type="integer" max="32767" units="dev"/>
+        </inkml:traceFormat>
+        <inkml:channelProperties>
+          <inkml:channelProperty channel="X" name="resolution" value="1000" units="1/cm"/>
+          <inkml:channelProperty channel="Y" name="resolution" value="1000" units="1/cm"/>
+          <inkml:channelProperty channel="F" name="resolution" value="0" units="1/dev"/>
+        </inkml:channelProperties>
+      </inkml:inkSource>
+      <inkml:timestamp xml:id="ts0" timeString="2021-12-02T16:07:59.729"/>
+    </inkml:context>
+    <inkml:brush xml:id="br0">
+      <inkml:brushProperty name="width" value="0.05" units="cm"/>
+      <inkml:brushProperty name="height" value="0.05" units="cm"/>
+      <inkml:brushProperty name="color" value="#FFFFFF"/>
+    </inkml:brush>
+  </inkml:definitions>
+  <inkml:trace contextRef="#ctx0" brushRef="#br0">0 1 24575</inkml:trace>
+</inkml:ink>
+</file>
+
+<file path=ppt/ink/ink63.xml><?xml version="1.0" encoding="utf-8"?>
+<inkml:ink xmlns:inkml="http://www.w3.org/2003/InkML">
+  <inkml:definitions>
+    <inkml:context xml:id="ctx0">
+      <inkml:inkSource xml:id="inkSrc0">
+        <inkml:traceFormat>
+          <inkml:channel name="X" type="integer" min="-2.14748E9" max="2.14748E9" units="cm"/>
+          <inkml:channel name="Y" type="integer" min="-2.14748E9" max="2.14748E9" units="cm"/>
+          <inkml:channel name="F" type="integer" max="32767" units="dev"/>
+        </inkml:traceFormat>
+        <inkml:channelProperties>
+          <inkml:channelProperty channel="X" name="resolution" value="1000" units="1/cm"/>
+          <inkml:channelProperty channel="Y" name="resolution" value="1000" units="1/cm"/>
+          <inkml:channelProperty channel="F" name="resolution" value="0" units="1/dev"/>
+        </inkml:channelProperties>
+      </inkml:inkSource>
+      <inkml:timestamp xml:id="ts0" timeString="2021-12-02T16:08:00.309"/>
+    </inkml:context>
+    <inkml:brush xml:id="br0">
+      <inkml:brushProperty name="width" value="0.05" units="cm"/>
+      <inkml:brushProperty name="height" value="0.05" units="cm"/>
+      <inkml:brushProperty name="color" value="#FFFFFF"/>
+    </inkml:brush>
+  </inkml:definitions>
+  <inkml:trace contextRef="#ctx0" brushRef="#br0">1 1 24575</inkml:trace>
+</inkml:ink>
+</file>
+
+<file path=ppt/ink/ink64.xml><?xml version="1.0" encoding="utf-8"?>
+<inkml:ink xmlns:inkml="http://www.w3.org/2003/InkML">
+  <inkml:definitions>
+    <inkml:context xml:id="ctx0">
+      <inkml:inkSource xml:id="inkSrc0">
+        <inkml:traceFormat>
+          <inkml:channel name="X" type="integer" min="-2.14748E9" max="2.14748E9" units="cm"/>
+          <inkml:channel name="Y" type="integer" min="-2.14748E9" max="2.14748E9" units="cm"/>
+          <inkml:channel name="F" type="integer" max="32767" units="dev"/>
+        </inkml:traceFormat>
+        <inkml:channelProperties>
+          <inkml:channelProperty channel="X" name="resolution" value="1000" units="1/cm"/>
+          <inkml:channelProperty channel="Y" name="resolution" value="1000" units="1/cm"/>
+          <inkml:channelProperty channel="F" name="resolution" value="0" units="1/dev"/>
+        </inkml:channelProperties>
+      </inkml:inkSource>
+      <inkml:timestamp xml:id="ts0" timeString="2021-12-02T16:08:00.966"/>
+    </inkml:context>
+    <inkml:brush xml:id="br0">
+      <inkml:brushProperty name="width" value="0.05" units="cm"/>
+      <inkml:brushProperty name="height" value="0.05" units="cm"/>
+      <inkml:brushProperty name="color" value="#FFFFFF"/>
+    </inkml:brush>
+  </inkml:definitions>
+  <inkml:trace contextRef="#ctx0" brushRef="#br0">0 1 24575</inkml:trace>
+</inkml:ink>
+</file>
+
+<file path=ppt/ink/ink7.xml><?xml version="1.0" encoding="utf-8"?>
+<inkml:ink xmlns:inkml="http://www.w3.org/2003/InkML">
+  <inkml:definitions>
+    <inkml:context xml:id="ctx0">
+      <inkml:inkSource xml:id="inkSrc0">
+        <inkml:traceFormat>
+          <inkml:channel name="X" type="integer" min="-2.14748E9" max="2.14748E9" units="cm"/>
+          <inkml:channel name="Y" type="integer" min="-2.14748E9" max="2.14748E9" units="cm"/>
+          <inkml:channel name="F" type="integer" max="32767" units="dev"/>
+        </inkml:traceFormat>
+        <inkml:channelProperties>
+          <inkml:channelProperty channel="X" name="resolution" value="1000" units="1/cm"/>
+          <inkml:channelProperty channel="Y" name="resolution" value="1000" units="1/cm"/>
+          <inkml:channelProperty channel="F" name="resolution" value="0" units="1/dev"/>
+        </inkml:channelProperties>
+      </inkml:inkSource>
+      <inkml:timestamp xml:id="ts0" timeString="2021-12-02T15:54:04.493"/>
+    </inkml:context>
+    <inkml:brush xml:id="br0">
+      <inkml:brushProperty name="width" value="0.05" units="cm"/>
+      <inkml:brushProperty name="height" value="0.05" units="cm"/>
+      <inkml:brushProperty name="color" value="#FFFFFF"/>
+    </inkml:brush>
+  </inkml:definitions>
+  <inkml:trace contextRef="#ctx0" brushRef="#br0">69 1 24575,'-4'0'0,"-11"0"0,-2 4 0,1 11 0,4 6 0,7 1 0,11 0 0,7-4 0,11-4 0,1-14 0,-7-6 0,-13-3 0,-6-4 0,-7 0 0,-3 3-8191</inkml:trace>
+</inkml:ink>
+</file>
+
+<file path=ppt/ink/ink8.xml><?xml version="1.0" encoding="utf-8"?>
+<inkml:ink xmlns:inkml="http://www.w3.org/2003/InkML">
+  <inkml:definitions>
+    <inkml:context xml:id="ctx0">
+      <inkml:inkSource xml:id="inkSrc0">
+        <inkml:traceFormat>
+          <inkml:channel name="X" type="integer" min="-2.14748E9" max="2.14748E9" units="cm"/>
+          <inkml:channel name="Y" type="integer" min="-2.14748E9" max="2.14748E9" units="cm"/>
+          <inkml:channel name="F" type="integer" max="32767" units="dev"/>
+        </inkml:traceFormat>
+        <inkml:channelProperties>
+          <inkml:channelProperty channel="X" name="resolution" value="1000" units="1/cm"/>
+          <inkml:channelProperty channel="Y" name="resolution" value="1000" units="1/cm"/>
+          <inkml:channelProperty channel="F" name="resolution" value="0" units="1/dev"/>
+        </inkml:channelProperties>
+      </inkml:inkSource>
+      <inkml:timestamp xml:id="ts0" timeString="2021-12-02T15:54:07.419"/>
+    </inkml:context>
+    <inkml:brush xml:id="br0">
+      <inkml:brushProperty name="width" value="0.05" units="cm"/>
+      <inkml:brushProperty name="height" value="0.05" units="cm"/>
+      <inkml:brushProperty name="color" value="#FFFFFF"/>
+    </inkml:brush>
+  </inkml:definitions>
+  <inkml:trace contextRef="#ctx0" brushRef="#br0">49 12 24575,'1'1'0,"0"-1"0,1 0 0,-1 1 0,0-1 0,0 1 0,0 0 0,0-1 0,0 1 0,0 0 0,-1 0 0,1-1 0,0 1 0,0 0 0,0 0 0,-1 0 0,1 0 0,-1 0 0,1 0 0,0 0 0,-1 0 0,0 0 0,1 1 0,-1-1 0,0 0 0,1 0 0,-1 0 0,0 2 0,5 39 0,-5-35 0,-4-42 0,4 32 0,-1 1 0,0-1 0,1 1 0,-1-1 0,0 1 0,-1-1 0,1 1 0,0 0 0,-1 0 0,1-1 0,-1 1 0,1 0 0,-1 0 0,0 1 0,0-1 0,0 0 0,0 1 0,0-1 0,-1 1 0,1-1 0,-3 0 0,4 2 0,0-1 0,-1 1 0,1 0 0,0 0 0,0 0 0,0 0 0,0 0 0,0 1 0,-1-1 0,1 0 0,0 0 0,0 1 0,0-1 0,0 1 0,0-1 0,0 1 0,0-1 0,0 1 0,0 0 0,0-1 0,0 1 0,0 0 0,1 0 0,-1 0 0,0 0 0,0 0 0,1 0 0,-1-1 0,1 2 0,-1-1 0,1 0 0,-1 0 0,1 0 0,0 0 0,-1 0 0,1 0 0,0 0 0,0 0 0,0 1 0,0-1 0,0 2 0,-1-2 0,1 0 0,0 0 0,-1 1 0,1-1 0,0 0 0,0 1 0,0-1 0,0 0 0,0 0 0,0 1 0,1-1 0,-1 0 0,0 1 0,1-1 0,-1 0 0,0 0 0,1 0 0,0 1 0,-1-1 0,1 0 0,0 0 0,-1 0 0,1 0 0,0 0 0,0 0 0,0 0 0,0 0 0,0 0 0,0-1 0,0 1 0,0 0 0,0-1 0,1 1 0,0 0 0,-1-1 4,0 0-1,0-1 1,0 1-1,0 0 0,0-1 1,-1 1-1,1 0 1,0-1-1,0 1 0,0-1 1,-1 1-1,1-1 1,0 0-1,-1 1 1,1-1-1,0 0 0,-1 1 1,1-1-1,-1 0 1,1 0-1,-1 1 0,1-1 1,-1 0-1,0 0 1,1 0-1,-1 0 1,0 0-1,0 0 0,0 0 1,0 1-1,1-1 1,-1 0-1,0 0 0,-1-1 1,2-1-169,-1-1 0,0 1 0,-1 0 0,1 0 0,0 0 0,-1-1 0,0 1 0,-1-6 0,-7-5-6661</inkml:trace>
+</inkml:ink>
+</file>
+
+<file path=ppt/ink/ink9.xml><?xml version="1.0" encoding="utf-8"?>
+<inkml:ink xmlns:inkml="http://www.w3.org/2003/InkML">
+  <inkml:definitions>
+    <inkml:context xml:id="ctx0">
+      <inkml:inkSource xml:id="inkSrc0">
+        <inkml:traceFormat>
+          <inkml:channel name="X" type="integer" min="-2.14748E9" max="2.14748E9" units="cm"/>
+          <inkml:channel name="Y" type="integer" min="-2.14748E9" max="2.14748E9" units="cm"/>
+          <inkml:channel name="F" type="integer" max="32767" units="dev"/>
+        </inkml:traceFormat>
+        <inkml:channelProperties>
+          <inkml:channelProperty channel="X" name="resolution" value="1000" units="1/cm"/>
+          <inkml:channelProperty channel="Y" name="resolution" value="1000" units="1/cm"/>
+          <inkml:channelProperty channel="F" name="resolution" value="0" units="1/dev"/>
+        </inkml:channelProperties>
+      </inkml:inkSource>
+      <inkml:timestamp xml:id="ts0" timeString="2021-12-02T15:54:09.037"/>
+    </inkml:context>
+    <inkml:brush xml:id="br0">
+      <inkml:brushProperty name="width" value="0.05" units="cm"/>
+      <inkml:brushProperty name="height" value="0.05" units="cm"/>
+      <inkml:brushProperty name="color" value="#FFFFFF"/>
+    </inkml:brush>
+  </inkml:definitions>
+  <inkml:trace contextRef="#ctx0" brushRef="#br0">0 24 24575,'0'4'0,"4"2"0,11 0 0,7-2 0,4-1 0,2-1 0,-4-5 0,-5-7 0,-11-1 0,-16 0 0,-10 3 0,-3 2-8191</inkml:trace>
+</inkml:ink>
 </file>
 
 <file path=ppt/slideLayouts/slideLayout1.xml><?xml version="1.0" encoding="utf-8"?>
@@ -581,7 +2381,7 @@
           <a:p>
             <a:fld id="{EA0C0817-A112-4847-8014-A94B7D2A4EA3}" type="datetime1">
               <a:rPr lang="en-US" smtClean="0"/>
-              <a:t>12/1/2021</a:t>
+              <a:t>12/2/2021</a:t>
             </a:fld>
             <a:endParaRPr lang="en-US" dirty="0"/>
           </a:p>
@@ -783,7 +2583,7 @@
           <a:p>
             <a:fld id="{134F40B7-36AB-4376-BE14-EF7004D79BB9}" type="datetime1">
               <a:rPr lang="en-US" smtClean="0"/>
-              <a:t>12/1/2021</a:t>
+              <a:t>12/2/2021</a:t>
             </a:fld>
             <a:endParaRPr lang="en-US"/>
           </a:p>
@@ -963,7 +2763,7 @@
           <a:p>
             <a:fld id="{FF87CAB8-DCAE-46A5-AADA-B3FAD11A54E0}" type="datetime1">
               <a:rPr lang="en-US" smtClean="0"/>
-              <a:t>12/1/2021</a:t>
+              <a:t>12/2/2021</a:t>
             </a:fld>
             <a:endParaRPr lang="en-US"/>
           </a:p>
@@ -1133,7 +2933,7 @@
           <a:p>
             <a:fld id="{7332B432-ACDA-4023-A761-2BAB76577B62}" type="datetime1">
               <a:rPr lang="en-US" smtClean="0"/>
-              <a:t>12/1/2021</a:t>
+              <a:t>12/2/2021</a:t>
             </a:fld>
             <a:endParaRPr lang="en-US"/>
           </a:p>
@@ -1732,7 +3532,7 @@
           <a:p>
             <a:fld id="{D9C646AA-F36E-4540-911D-FFFC0A0EF24A}" type="datetime1">
               <a:rPr lang="en-US" smtClean="0"/>
-              <a:t>12/1/2021</a:t>
+              <a:t>12/2/2021</a:t>
             </a:fld>
             <a:endParaRPr lang="en-US" dirty="0"/>
           </a:p>
@@ -2052,7 +3852,7 @@
           <a:p>
             <a:fld id="{69186D26-FA5F-4637-B602-B7C2DC34CFD4}" type="datetime1">
               <a:rPr lang="en-US" smtClean="0"/>
-              <a:t>12/1/2021</a:t>
+              <a:t>12/2/2021</a:t>
             </a:fld>
             <a:endParaRPr lang="en-US"/>
           </a:p>
@@ -2487,7 +4287,7 @@
           <a:p>
             <a:fld id="{8A7F15D8-96D1-4781-BC50-CA8A088B2FE4}" type="datetime1">
               <a:rPr lang="en-US" smtClean="0"/>
-              <a:t>12/1/2021</a:t>
+              <a:t>12/2/2021</a:t>
             </a:fld>
             <a:endParaRPr lang="en-US"/>
           </a:p>
@@ -2605,7 +4405,7 @@
           <a:p>
             <a:fld id="{F9A96C99-B8F8-4528-BD05-0E16E943DC09}" type="datetime1">
               <a:rPr lang="en-US" smtClean="0"/>
-              <a:t>12/1/2021</a:t>
+              <a:t>12/2/2021</a:t>
             </a:fld>
             <a:endParaRPr lang="en-US"/>
           </a:p>
@@ -2700,7 +4500,7 @@
           <a:p>
             <a:fld id="{03636942-C211-4B28-8DBD-C953E00AF71B}" type="datetime1">
               <a:rPr lang="en-US" smtClean="0"/>
-              <a:t>12/1/2021</a:t>
+              <a:t>12/2/2021</a:t>
             </a:fld>
             <a:endParaRPr lang="en-US"/>
           </a:p>
@@ -3117,7 +4917,7 @@
           <a:p>
             <a:fld id="{7E8D12A6-918A-48BD-8CB9-CA713993B0EA}" type="datetime1">
               <a:rPr lang="en-US" smtClean="0"/>
-              <a:t>12/1/2021</a:t>
+              <a:t>12/2/2021</a:t>
             </a:fld>
             <a:endParaRPr lang="en-US"/>
           </a:p>
@@ -3379,7 +5179,7 @@
             <a:fld id="{E778CE86-875F-4587-BCF6-FA054AFC0D53}" type="datetime1">
               <a:rPr lang="en-US" smtClean="0"/>
               <a:pPr/>
-              <a:t>12/1/2021</a:t>
+              <a:t>12/2/2021</a:t>
             </a:fld>
             <a:endParaRPr lang="en-US" dirty="0"/>
           </a:p>
@@ -3901,7 +5701,7 @@
           <a:p>
             <a:fld id="{F6FA2B21-3FCD-4721-B95C-427943F61125}" type="datetime1">
               <a:rPr lang="en-US" smtClean="0"/>
-              <a:t>12/1/2021</a:t>
+              <a:t>12/2/2021</a:t>
             </a:fld>
             <a:endParaRPr lang="en-US"/>
           </a:p>
@@ -8387,7 +10187,7 @@
     </p:spTree>
     <p:extLst>
       <p:ext uri="{BB962C8B-B14F-4D97-AF65-F5344CB8AC3E}">
-        <p14:creationId xmlns:p14="http://schemas.microsoft.com/office/powerpoint/2010/main" val="4167743882"/>
+        <p14:creationId xmlns:p14="http://schemas.microsoft.com/office/powerpoint/2010/main" val="2291842543"/>
       </p:ext>
     </p:extLst>
   </p:cSld>
@@ -8841,10 +10641,5664 @@
           </a:p>
         </p:txBody>
       </p:sp>
+      <p:sp>
+        <p:nvSpPr>
+          <p:cNvPr id="38" name="Rettangolo 37">
+            <a:extLst>
+              <a:ext uri="{FF2B5EF4-FFF2-40B4-BE49-F238E27FC236}">
+                <a16:creationId xmlns:a16="http://schemas.microsoft.com/office/drawing/2014/main" id="{538D9B04-0C15-42FA-899A-C93899B1DC7C}"/>
+              </a:ext>
+            </a:extLst>
+          </p:cNvPr>
+          <p:cNvSpPr/>
+          <p:nvPr/>
+        </p:nvSpPr>
+        <p:spPr>
+          <a:xfrm>
+            <a:off x="6848674" y="1095311"/>
+            <a:ext cx="4161453" cy="2277701"/>
+          </a:xfrm>
+          <a:prstGeom prst="rect">
+            <a:avLst/>
+          </a:prstGeom>
+          <a:gradFill flip="none" rotWithShape="1">
+            <a:gsLst>
+              <a:gs pos="0">
+                <a:schemeClr val="tx1"/>
+              </a:gs>
+              <a:gs pos="100000">
+                <a:srgbClr val="002060"/>
+              </a:gs>
+            </a:gsLst>
+            <a:lin ang="5400000" scaled="1"/>
+            <a:tileRect/>
+          </a:gradFill>
+          <a:ln>
+            <a:solidFill>
+              <a:srgbClr val="002060"/>
+            </a:solidFill>
+          </a:ln>
+        </p:spPr>
+        <p:style>
+          <a:lnRef idx="2">
+            <a:schemeClr val="accent1">
+              <a:shade val="50000"/>
+            </a:schemeClr>
+          </a:lnRef>
+          <a:fillRef idx="1">
+            <a:schemeClr val="accent1"/>
+          </a:fillRef>
+          <a:effectRef idx="0">
+            <a:schemeClr val="accent1"/>
+          </a:effectRef>
+          <a:fontRef idx="minor">
+            <a:schemeClr val="lt1"/>
+          </a:fontRef>
+        </p:style>
+        <p:txBody>
+          <a:bodyPr rtlCol="0" anchor="ctr"/>
+          <a:lstStyle/>
+          <a:p>
+            <a:pPr algn="ctr"/>
+            <a:endParaRPr lang="en-GB" dirty="0"/>
+          </a:p>
+        </p:txBody>
+      </p:sp>
+      <p:sp>
+        <p:nvSpPr>
+          <p:cNvPr id="2" name="Rettangolo 1">
+            <a:extLst>
+              <a:ext uri="{FF2B5EF4-FFF2-40B4-BE49-F238E27FC236}">
+                <a16:creationId xmlns:a16="http://schemas.microsoft.com/office/drawing/2014/main" id="{73CB77B3-6617-4E8D-BFEB-0D374D75C3CD}"/>
+              </a:ext>
+            </a:extLst>
+          </p:cNvPr>
+          <p:cNvSpPr/>
+          <p:nvPr/>
+        </p:nvSpPr>
+        <p:spPr>
+          <a:xfrm>
+            <a:off x="6848674" y="1101008"/>
+            <a:ext cx="4161453" cy="2272004"/>
+          </a:xfrm>
+          <a:prstGeom prst="rect">
+            <a:avLst/>
+          </a:prstGeom>
+          <a:noFill/>
+          <a:ln w="28575">
+            <a:solidFill>
+              <a:schemeClr val="bg1"/>
+            </a:solidFill>
+          </a:ln>
+        </p:spPr>
+        <p:style>
+          <a:lnRef idx="2">
+            <a:schemeClr val="accent6"/>
+          </a:lnRef>
+          <a:fillRef idx="1">
+            <a:schemeClr val="lt1"/>
+          </a:fillRef>
+          <a:effectRef idx="0">
+            <a:schemeClr val="accent6"/>
+          </a:effectRef>
+          <a:fontRef idx="minor">
+            <a:schemeClr val="dk1"/>
+          </a:fontRef>
+        </p:style>
+        <p:txBody>
+          <a:bodyPr rtlCol="0" anchor="ctr"/>
+          <a:lstStyle/>
+          <a:p>
+            <a:pPr algn="ctr"/>
+            <a:endParaRPr lang="en-GB"/>
+          </a:p>
+        </p:txBody>
+      </p:sp>
+      <p:sp>
+        <p:nvSpPr>
+          <p:cNvPr id="32" name="Rettangolo 31">
+            <a:extLst>
+              <a:ext uri="{FF2B5EF4-FFF2-40B4-BE49-F238E27FC236}">
+                <a16:creationId xmlns:a16="http://schemas.microsoft.com/office/drawing/2014/main" id="{1F11DECA-B11B-4546-816E-DC1536812D29}"/>
+              </a:ext>
+            </a:extLst>
+          </p:cNvPr>
+          <p:cNvSpPr/>
+          <p:nvPr/>
+        </p:nvSpPr>
+        <p:spPr>
+          <a:xfrm>
+            <a:off x="7483151" y="3524799"/>
+            <a:ext cx="3078217" cy="2402633"/>
+          </a:xfrm>
+          <a:prstGeom prst="rect">
+            <a:avLst/>
+          </a:prstGeom>
+          <a:gradFill flip="none" rotWithShape="1">
+            <a:gsLst>
+              <a:gs pos="0">
+                <a:schemeClr val="tx1"/>
+              </a:gs>
+              <a:gs pos="100000">
+                <a:srgbClr val="002060"/>
+              </a:gs>
+            </a:gsLst>
+            <a:lin ang="5400000" scaled="1"/>
+            <a:tileRect/>
+          </a:gradFill>
+          <a:ln>
+            <a:solidFill>
+              <a:srgbClr val="002060"/>
+            </a:solidFill>
+          </a:ln>
+        </p:spPr>
+        <p:style>
+          <a:lnRef idx="2">
+            <a:schemeClr val="accent1">
+              <a:shade val="50000"/>
+            </a:schemeClr>
+          </a:lnRef>
+          <a:fillRef idx="1">
+            <a:schemeClr val="accent1"/>
+          </a:fillRef>
+          <a:effectRef idx="0">
+            <a:schemeClr val="accent1"/>
+          </a:effectRef>
+          <a:fontRef idx="minor">
+            <a:schemeClr val="lt1"/>
+          </a:fontRef>
+        </p:style>
+        <p:txBody>
+          <a:bodyPr rtlCol="0" anchor="ctr"/>
+          <a:lstStyle/>
+          <a:p>
+            <a:pPr algn="ctr"/>
+            <a:endParaRPr lang="en-GB" dirty="0"/>
+          </a:p>
+        </p:txBody>
+      </p:sp>
+      <p:cxnSp>
+        <p:nvCxnSpPr>
+          <p:cNvPr id="4" name="Connettore diritto 3">
+            <a:extLst>
+              <a:ext uri="{FF2B5EF4-FFF2-40B4-BE49-F238E27FC236}">
+                <a16:creationId xmlns:a16="http://schemas.microsoft.com/office/drawing/2014/main" id="{5FC5CE17-022C-4B06-B2F6-6FA7AC53ED97}"/>
+              </a:ext>
+            </a:extLst>
+          </p:cNvPr>
+          <p:cNvCxnSpPr>
+            <a:cxnSpLocks/>
+            <a:endCxn id="2" idx="0"/>
+          </p:cNvCxnSpPr>
+          <p:nvPr/>
+        </p:nvCxnSpPr>
+        <p:spPr>
+          <a:xfrm flipV="1">
+            <a:off x="8929401" y="1101008"/>
+            <a:ext cx="0" cy="2267906"/>
+          </a:xfrm>
+          <a:prstGeom prst="line">
+            <a:avLst/>
+          </a:prstGeom>
+          <a:ln w="28575">
+            <a:solidFill>
+              <a:schemeClr val="bg1"/>
+            </a:solidFill>
+          </a:ln>
+        </p:spPr>
+        <p:style>
+          <a:lnRef idx="1">
+            <a:schemeClr val="accent1"/>
+          </a:lnRef>
+          <a:fillRef idx="0">
+            <a:schemeClr val="accent1"/>
+          </a:fillRef>
+          <a:effectRef idx="0">
+            <a:schemeClr val="accent1"/>
+          </a:effectRef>
+          <a:fontRef idx="minor">
+            <a:schemeClr val="tx1"/>
+          </a:fontRef>
+        </p:style>
+      </p:cxnSp>
+      <p:cxnSp>
+        <p:nvCxnSpPr>
+          <p:cNvPr id="9" name="Connettore diritto 8">
+            <a:extLst>
+              <a:ext uri="{FF2B5EF4-FFF2-40B4-BE49-F238E27FC236}">
+                <a16:creationId xmlns:a16="http://schemas.microsoft.com/office/drawing/2014/main" id="{20F7135C-D914-4EA1-8E0B-97C3E859451C}"/>
+              </a:ext>
+            </a:extLst>
+          </p:cNvPr>
+          <p:cNvCxnSpPr>
+            <a:stCxn id="2" idx="1"/>
+            <a:endCxn id="2" idx="3"/>
+          </p:cNvCxnSpPr>
+          <p:nvPr/>
+        </p:nvCxnSpPr>
+        <p:spPr>
+          <a:xfrm>
+            <a:off x="6848674" y="2237010"/>
+            <a:ext cx="4161453" cy="0"/>
+          </a:xfrm>
+          <a:prstGeom prst="line">
+            <a:avLst/>
+          </a:prstGeom>
+          <a:ln w="28575">
+            <a:solidFill>
+              <a:schemeClr val="bg1"/>
+            </a:solidFill>
+          </a:ln>
+        </p:spPr>
+        <p:style>
+          <a:lnRef idx="1">
+            <a:schemeClr val="accent1"/>
+          </a:lnRef>
+          <a:fillRef idx="0">
+            <a:schemeClr val="accent1"/>
+          </a:fillRef>
+          <a:effectRef idx="0">
+            <a:schemeClr val="accent1"/>
+          </a:effectRef>
+          <a:fontRef idx="minor">
+            <a:schemeClr val="tx1"/>
+          </a:fontRef>
+        </p:style>
+      </p:cxnSp>
+      <p:sp>
+        <p:nvSpPr>
+          <p:cNvPr id="10" name="Ovale 9">
+            <a:extLst>
+              <a:ext uri="{FF2B5EF4-FFF2-40B4-BE49-F238E27FC236}">
+                <a16:creationId xmlns:a16="http://schemas.microsoft.com/office/drawing/2014/main" id="{62F34E7B-A944-4AF7-B762-2D97DA25335C}"/>
+              </a:ext>
+            </a:extLst>
+          </p:cNvPr>
+          <p:cNvSpPr/>
+          <p:nvPr/>
+        </p:nvSpPr>
+        <p:spPr>
+          <a:xfrm>
+            <a:off x="8864084" y="4012163"/>
+            <a:ext cx="1483567" cy="1483567"/>
+          </a:xfrm>
+          <a:prstGeom prst="ellipse">
+            <a:avLst/>
+          </a:prstGeom>
+          <a:noFill/>
+          <a:ln w="19050">
+            <a:solidFill>
+              <a:schemeClr val="bg1"/>
+            </a:solidFill>
+          </a:ln>
+        </p:spPr>
+        <p:style>
+          <a:lnRef idx="2">
+            <a:schemeClr val="accent1">
+              <a:shade val="50000"/>
+            </a:schemeClr>
+          </a:lnRef>
+          <a:fillRef idx="1">
+            <a:schemeClr val="accent1"/>
+          </a:fillRef>
+          <a:effectRef idx="0">
+            <a:schemeClr val="accent1"/>
+          </a:effectRef>
+          <a:fontRef idx="minor">
+            <a:schemeClr val="lt1"/>
+          </a:fontRef>
+        </p:style>
+        <p:txBody>
+          <a:bodyPr rtlCol="0" anchor="ctr"/>
+          <a:lstStyle/>
+          <a:p>
+            <a:pPr algn="ctr"/>
+            <a:endParaRPr lang="en-GB"/>
+          </a:p>
+        </p:txBody>
+      </p:sp>
+      <p:sp>
+        <p:nvSpPr>
+          <p:cNvPr id="11" name="Ovale 10">
+            <a:extLst>
+              <a:ext uri="{FF2B5EF4-FFF2-40B4-BE49-F238E27FC236}">
+                <a16:creationId xmlns:a16="http://schemas.microsoft.com/office/drawing/2014/main" id="{0D776DD3-980B-49BB-BBF8-65DD22D040B2}"/>
+              </a:ext>
+            </a:extLst>
+          </p:cNvPr>
+          <p:cNvSpPr/>
+          <p:nvPr/>
+        </p:nvSpPr>
+        <p:spPr>
+          <a:xfrm>
+            <a:off x="9568545" y="4716624"/>
+            <a:ext cx="74645" cy="74645"/>
+          </a:xfrm>
+          <a:prstGeom prst="ellipse">
+            <a:avLst/>
+          </a:prstGeom>
+          <a:solidFill>
+            <a:srgbClr val="FF0000"/>
+          </a:solidFill>
+        </p:spPr>
+        <p:style>
+          <a:lnRef idx="2">
+            <a:schemeClr val="accent1">
+              <a:shade val="50000"/>
+            </a:schemeClr>
+          </a:lnRef>
+          <a:fillRef idx="1">
+            <a:schemeClr val="accent1"/>
+          </a:fillRef>
+          <a:effectRef idx="0">
+            <a:schemeClr val="accent1"/>
+          </a:effectRef>
+          <a:fontRef idx="minor">
+            <a:schemeClr val="lt1"/>
+          </a:fontRef>
+        </p:style>
+        <p:txBody>
+          <a:bodyPr rtlCol="0" anchor="ctr"/>
+          <a:lstStyle/>
+          <a:p>
+            <a:pPr algn="ctr"/>
+            <a:endParaRPr lang="en-GB">
+              <a:solidFill>
+                <a:srgbClr val="FF0000"/>
+              </a:solidFill>
+            </a:endParaRPr>
+          </a:p>
+        </p:txBody>
+      </p:sp>
+      <p:sp>
+        <p:nvSpPr>
+          <p:cNvPr id="20" name="Ovale 19">
+            <a:extLst>
+              <a:ext uri="{FF2B5EF4-FFF2-40B4-BE49-F238E27FC236}">
+                <a16:creationId xmlns:a16="http://schemas.microsoft.com/office/drawing/2014/main" id="{9CF62354-92F8-497C-AF03-CADD08DE38C8}"/>
+              </a:ext>
+            </a:extLst>
+          </p:cNvPr>
+          <p:cNvSpPr/>
+          <p:nvPr/>
+        </p:nvSpPr>
+        <p:spPr>
+          <a:xfrm>
+            <a:off x="10156730" y="1661345"/>
+            <a:ext cx="267478" cy="267478"/>
+          </a:xfrm>
+          <a:prstGeom prst="ellipse">
+            <a:avLst/>
+          </a:prstGeom>
+          <a:noFill/>
+          <a:ln w="19050">
+            <a:solidFill>
+              <a:schemeClr val="bg1"/>
+            </a:solidFill>
+          </a:ln>
+        </p:spPr>
+        <p:style>
+          <a:lnRef idx="2">
+            <a:schemeClr val="accent1">
+              <a:shade val="50000"/>
+            </a:schemeClr>
+          </a:lnRef>
+          <a:fillRef idx="1">
+            <a:schemeClr val="accent1"/>
+          </a:fillRef>
+          <a:effectRef idx="0">
+            <a:schemeClr val="accent1"/>
+          </a:effectRef>
+          <a:fontRef idx="minor">
+            <a:schemeClr val="lt1"/>
+          </a:fontRef>
+        </p:style>
+        <p:txBody>
+          <a:bodyPr rtlCol="0" anchor="ctr"/>
+          <a:lstStyle/>
+          <a:p>
+            <a:pPr algn="ctr"/>
+            <a:endParaRPr lang="en-GB"/>
+          </a:p>
+        </p:txBody>
+      </p:sp>
+      <p:sp>
+        <p:nvSpPr>
+          <p:cNvPr id="15" name="Freccia circolare a sinistra 14">
+            <a:extLst>
+              <a:ext uri="{FF2B5EF4-FFF2-40B4-BE49-F238E27FC236}">
+                <a16:creationId xmlns:a16="http://schemas.microsoft.com/office/drawing/2014/main" id="{3B830D9C-F3D4-4521-AF93-D96C3D644E99}"/>
+              </a:ext>
+            </a:extLst>
+          </p:cNvPr>
+          <p:cNvSpPr/>
+          <p:nvPr/>
+        </p:nvSpPr>
+        <p:spPr>
+          <a:xfrm>
+            <a:off x="10561368" y="1661345"/>
+            <a:ext cx="952606" cy="2891273"/>
+          </a:xfrm>
+          <a:prstGeom prst="curvedLeftArrow">
+            <a:avLst/>
+          </a:prstGeom>
+        </p:spPr>
+        <p:style>
+          <a:lnRef idx="2">
+            <a:schemeClr val="accent1">
+              <a:shade val="50000"/>
+            </a:schemeClr>
+          </a:lnRef>
+          <a:fillRef idx="1">
+            <a:schemeClr val="accent1"/>
+          </a:fillRef>
+          <a:effectRef idx="0">
+            <a:schemeClr val="accent1"/>
+          </a:effectRef>
+          <a:fontRef idx="minor">
+            <a:schemeClr val="lt1"/>
+          </a:fontRef>
+        </p:style>
+        <p:txBody>
+          <a:bodyPr rtlCol="0" anchor="ctr"/>
+          <a:lstStyle/>
+          <a:p>
+            <a:pPr algn="ctr"/>
+            <a:endParaRPr lang="en-GB">
+              <a:solidFill>
+                <a:schemeClr val="tx1"/>
+              </a:solidFill>
+            </a:endParaRPr>
+          </a:p>
+        </p:txBody>
+      </p:sp>
+      <mc:AlternateContent xmlns:mc="http://schemas.openxmlformats.org/markup-compatibility/2006">
+        <mc:Choice xmlns:p14="http://schemas.microsoft.com/office/powerpoint/2010/main" Requires="p14">
+          <p:contentPart p14:bwMode="auto" r:id="rId2">
+            <p14:nvContentPartPr>
+              <p14:cNvPr id="17" name="Input penna 16">
+                <a:extLst>
+                  <a:ext uri="{FF2B5EF4-FFF2-40B4-BE49-F238E27FC236}">
+                    <a16:creationId xmlns:a16="http://schemas.microsoft.com/office/drawing/2014/main" id="{AE22021B-7671-429C-B750-B1088A4DD4E5}"/>
+                  </a:ext>
+                </a:extLst>
+              </p14:cNvPr>
+              <p14:cNvContentPartPr/>
+              <p14:nvPr/>
+            </p14:nvContentPartPr>
+            <p14:xfrm>
+              <a:off x="9346687" y="5192721"/>
+              <a:ext cx="26280" cy="32400"/>
+            </p14:xfrm>
+          </p:contentPart>
+        </mc:Choice>
+        <mc:Fallback>
+          <p:pic>
+            <p:nvPicPr>
+              <p:cNvPr id="17" name="Input penna 16">
+                <a:extLst>
+                  <a:ext uri="{FF2B5EF4-FFF2-40B4-BE49-F238E27FC236}">
+                    <a16:creationId xmlns:a16="http://schemas.microsoft.com/office/drawing/2014/main" id="{AE22021B-7671-429C-B750-B1088A4DD4E5}"/>
+                  </a:ext>
+                </a:extLst>
+              </p:cNvPr>
+              <p:cNvPicPr/>
+              <p:nvPr/>
+            </p:nvPicPr>
+            <p:blipFill>
+              <a:blip r:embed="rId3"/>
+              <a:stretch>
+                <a:fillRect/>
+              </a:stretch>
+            </p:blipFill>
+            <p:spPr>
+              <a:xfrm>
+                <a:off x="9337687" y="5183721"/>
+                <a:ext cx="43920" cy="50040"/>
+              </a:xfrm>
+              <a:prstGeom prst="rect">
+                <a:avLst/>
+              </a:prstGeom>
+            </p:spPr>
+          </p:pic>
+        </mc:Fallback>
+      </mc:AlternateContent>
+      <mc:AlternateContent xmlns:mc="http://schemas.openxmlformats.org/markup-compatibility/2006">
+        <mc:Choice xmlns:p14="http://schemas.microsoft.com/office/powerpoint/2010/main" Requires="p14">
+          <p:contentPart p14:bwMode="auto" r:id="rId4">
+            <p14:nvContentPartPr>
+              <p14:cNvPr id="18" name="Input penna 17">
+                <a:extLst>
+                  <a:ext uri="{FF2B5EF4-FFF2-40B4-BE49-F238E27FC236}">
+                    <a16:creationId xmlns:a16="http://schemas.microsoft.com/office/drawing/2014/main" id="{C17B8F2C-9DDF-4E4E-8B66-C097540842E1}"/>
+                  </a:ext>
+                </a:extLst>
+              </p14:cNvPr>
+              <p14:cNvContentPartPr/>
+              <p14:nvPr/>
+            </p14:nvContentPartPr>
+            <p14:xfrm>
+              <a:off x="9604807" y="4178601"/>
+              <a:ext cx="101880" cy="104400"/>
+            </p14:xfrm>
+          </p:contentPart>
+        </mc:Choice>
+        <mc:Fallback>
+          <p:pic>
+            <p:nvPicPr>
+              <p:cNvPr id="18" name="Input penna 17">
+                <a:extLst>
+                  <a:ext uri="{FF2B5EF4-FFF2-40B4-BE49-F238E27FC236}">
+                    <a16:creationId xmlns:a16="http://schemas.microsoft.com/office/drawing/2014/main" id="{C17B8F2C-9DDF-4E4E-8B66-C097540842E1}"/>
+                  </a:ext>
+                </a:extLst>
+              </p:cNvPr>
+              <p:cNvPicPr/>
+              <p:nvPr/>
+            </p:nvPicPr>
+            <p:blipFill>
+              <a:blip r:embed="rId5"/>
+              <a:stretch>
+                <a:fillRect/>
+              </a:stretch>
+            </p:blipFill>
+            <p:spPr>
+              <a:xfrm>
+                <a:off x="9596167" y="4169961"/>
+                <a:ext cx="119520" cy="122040"/>
+              </a:xfrm>
+              <a:prstGeom prst="rect">
+                <a:avLst/>
+              </a:prstGeom>
+            </p:spPr>
+          </p:pic>
+        </mc:Fallback>
+      </mc:AlternateContent>
+      <mc:AlternateContent xmlns:mc="http://schemas.openxmlformats.org/markup-compatibility/2006">
+        <mc:Choice xmlns:p14="http://schemas.microsoft.com/office/powerpoint/2010/main" Requires="p14">
+          <p:contentPart p14:bwMode="auto" r:id="rId6">
+            <p14:nvContentPartPr>
+              <p14:cNvPr id="19" name="Input penna 18">
+                <a:extLst>
+                  <a:ext uri="{FF2B5EF4-FFF2-40B4-BE49-F238E27FC236}">
+                    <a16:creationId xmlns:a16="http://schemas.microsoft.com/office/drawing/2014/main" id="{EAB435F4-3FC2-48CA-A7E4-397CAD56BFDE}"/>
+                  </a:ext>
+                </a:extLst>
+              </p14:cNvPr>
+              <p14:cNvContentPartPr/>
+              <p14:nvPr/>
+            </p14:nvContentPartPr>
+            <p14:xfrm>
+              <a:off x="9796687" y="4622841"/>
+              <a:ext cx="47160" cy="51120"/>
+            </p14:xfrm>
+          </p:contentPart>
+        </mc:Choice>
+        <mc:Fallback>
+          <p:pic>
+            <p:nvPicPr>
+              <p:cNvPr id="19" name="Input penna 18">
+                <a:extLst>
+                  <a:ext uri="{FF2B5EF4-FFF2-40B4-BE49-F238E27FC236}">
+                    <a16:creationId xmlns:a16="http://schemas.microsoft.com/office/drawing/2014/main" id="{EAB435F4-3FC2-48CA-A7E4-397CAD56BFDE}"/>
+                  </a:ext>
+                </a:extLst>
+              </p:cNvPr>
+              <p:cNvPicPr/>
+              <p:nvPr/>
+            </p:nvPicPr>
+            <p:blipFill>
+              <a:blip r:embed="rId7"/>
+              <a:stretch>
+                <a:fillRect/>
+              </a:stretch>
+            </p:blipFill>
+            <p:spPr>
+              <a:xfrm>
+                <a:off x="9788047" y="4614201"/>
+                <a:ext cx="64800" cy="68760"/>
+              </a:xfrm>
+              <a:prstGeom prst="rect">
+                <a:avLst/>
+              </a:prstGeom>
+            </p:spPr>
+          </p:pic>
+        </mc:Fallback>
+      </mc:AlternateContent>
+      <mc:AlternateContent xmlns:mc="http://schemas.openxmlformats.org/markup-compatibility/2006">
+        <mc:Choice xmlns:p14="http://schemas.microsoft.com/office/powerpoint/2010/main" Requires="p14">
+          <p:contentPart p14:bwMode="auto" r:id="rId8">
+            <p14:nvContentPartPr>
+              <p14:cNvPr id="24" name="Input penna 23">
+                <a:extLst>
+                  <a:ext uri="{FF2B5EF4-FFF2-40B4-BE49-F238E27FC236}">
+                    <a16:creationId xmlns:a16="http://schemas.microsoft.com/office/drawing/2014/main" id="{61458FBC-3411-4F21-9CE8-C52273CAF309}"/>
+                  </a:ext>
+                </a:extLst>
+              </p14:cNvPr>
+              <p14:cNvContentPartPr/>
+              <p14:nvPr/>
+            </p14:nvContentPartPr>
+            <p14:xfrm>
+              <a:off x="10177207" y="5399361"/>
+              <a:ext cx="39600" cy="56160"/>
+            </p14:xfrm>
+          </p:contentPart>
+        </mc:Choice>
+        <mc:Fallback>
+          <p:pic>
+            <p:nvPicPr>
+              <p:cNvPr id="24" name="Input penna 23">
+                <a:extLst>
+                  <a:ext uri="{FF2B5EF4-FFF2-40B4-BE49-F238E27FC236}">
+                    <a16:creationId xmlns:a16="http://schemas.microsoft.com/office/drawing/2014/main" id="{61458FBC-3411-4F21-9CE8-C52273CAF309}"/>
+                  </a:ext>
+                </a:extLst>
+              </p:cNvPr>
+              <p:cNvPicPr/>
+              <p:nvPr/>
+            </p:nvPicPr>
+            <p:blipFill>
+              <a:blip r:embed="rId9"/>
+              <a:stretch>
+                <a:fillRect/>
+              </a:stretch>
+            </p:blipFill>
+            <p:spPr>
+              <a:xfrm>
+                <a:off x="10168567" y="5390361"/>
+                <a:ext cx="57240" cy="73800"/>
+              </a:xfrm>
+              <a:prstGeom prst="rect">
+                <a:avLst/>
+              </a:prstGeom>
+            </p:spPr>
+          </p:pic>
+        </mc:Fallback>
+      </mc:AlternateContent>
+      <mc:AlternateContent xmlns:mc="http://schemas.openxmlformats.org/markup-compatibility/2006">
+        <mc:Choice xmlns:p14="http://schemas.microsoft.com/office/powerpoint/2010/main" Requires="p14">
+          <p:contentPart p14:bwMode="auto" r:id="rId10">
+            <p14:nvContentPartPr>
+              <p14:cNvPr id="25" name="Input penna 24">
+                <a:extLst>
+                  <a:ext uri="{FF2B5EF4-FFF2-40B4-BE49-F238E27FC236}">
+                    <a16:creationId xmlns:a16="http://schemas.microsoft.com/office/drawing/2014/main" id="{3A777699-98BE-4597-8030-698982DE37FC}"/>
+                  </a:ext>
+                </a:extLst>
+              </p14:cNvPr>
+              <p14:cNvContentPartPr/>
+              <p14:nvPr/>
+            </p14:nvContentPartPr>
+            <p14:xfrm>
+              <a:off x="8172727" y="4777281"/>
+              <a:ext cx="131400" cy="121320"/>
+            </p14:xfrm>
+          </p:contentPart>
+        </mc:Choice>
+        <mc:Fallback>
+          <p:pic>
+            <p:nvPicPr>
+              <p:cNvPr id="25" name="Input penna 24">
+                <a:extLst>
+                  <a:ext uri="{FF2B5EF4-FFF2-40B4-BE49-F238E27FC236}">
+                    <a16:creationId xmlns:a16="http://schemas.microsoft.com/office/drawing/2014/main" id="{3A777699-98BE-4597-8030-698982DE37FC}"/>
+                  </a:ext>
+                </a:extLst>
+              </p:cNvPr>
+              <p:cNvPicPr/>
+              <p:nvPr/>
+            </p:nvPicPr>
+            <p:blipFill>
+              <a:blip r:embed="rId11"/>
+              <a:stretch>
+                <a:fillRect/>
+              </a:stretch>
+            </p:blipFill>
+            <p:spPr>
+              <a:xfrm>
+                <a:off x="8164087" y="4768641"/>
+                <a:ext cx="149040" cy="138960"/>
+              </a:xfrm>
+              <a:prstGeom prst="rect">
+                <a:avLst/>
+              </a:prstGeom>
+            </p:spPr>
+          </p:pic>
+        </mc:Fallback>
+      </mc:AlternateContent>
+      <mc:AlternateContent xmlns:mc="http://schemas.openxmlformats.org/markup-compatibility/2006">
+        <mc:Choice xmlns:p14="http://schemas.microsoft.com/office/powerpoint/2010/main" Requires="p14">
+          <p:contentPart p14:bwMode="auto" r:id="rId12">
+            <p14:nvContentPartPr>
+              <p14:cNvPr id="26" name="Input penna 25">
+                <a:extLst>
+                  <a:ext uri="{FF2B5EF4-FFF2-40B4-BE49-F238E27FC236}">
+                    <a16:creationId xmlns:a16="http://schemas.microsoft.com/office/drawing/2014/main" id="{B8756F77-4779-4F97-8F9D-BBEC75A80BCD}"/>
+                  </a:ext>
+                </a:extLst>
+              </p14:cNvPr>
+              <p14:cNvContentPartPr/>
+              <p14:nvPr/>
+            </p14:nvContentPartPr>
+            <p14:xfrm>
+              <a:off x="10083607" y="3693681"/>
+              <a:ext cx="66600" cy="48600"/>
+            </p14:xfrm>
+          </p:contentPart>
+        </mc:Choice>
+        <mc:Fallback>
+          <p:pic>
+            <p:nvPicPr>
+              <p:cNvPr id="26" name="Input penna 25">
+                <a:extLst>
+                  <a:ext uri="{FF2B5EF4-FFF2-40B4-BE49-F238E27FC236}">
+                    <a16:creationId xmlns:a16="http://schemas.microsoft.com/office/drawing/2014/main" id="{B8756F77-4779-4F97-8F9D-BBEC75A80BCD}"/>
+                  </a:ext>
+                </a:extLst>
+              </p:cNvPr>
+              <p:cNvPicPr/>
+              <p:nvPr/>
+            </p:nvPicPr>
+            <p:blipFill>
+              <a:blip r:embed="rId13"/>
+              <a:stretch>
+                <a:fillRect/>
+              </a:stretch>
+            </p:blipFill>
+            <p:spPr>
+              <a:xfrm>
+                <a:off x="10074967" y="3685041"/>
+                <a:ext cx="84240" cy="66240"/>
+              </a:xfrm>
+              <a:prstGeom prst="rect">
+                <a:avLst/>
+              </a:prstGeom>
+            </p:spPr>
+          </p:pic>
+        </mc:Fallback>
+      </mc:AlternateContent>
+      <mc:AlternateContent xmlns:mc="http://schemas.openxmlformats.org/markup-compatibility/2006">
+        <mc:Choice xmlns:p14="http://schemas.microsoft.com/office/powerpoint/2010/main" Requires="p14">
+          <p:contentPart p14:bwMode="auto" r:id="rId14">
+            <p14:nvContentPartPr>
+              <p14:cNvPr id="27" name="Input penna 26">
+                <a:extLst>
+                  <a:ext uri="{FF2B5EF4-FFF2-40B4-BE49-F238E27FC236}">
+                    <a16:creationId xmlns:a16="http://schemas.microsoft.com/office/drawing/2014/main" id="{853ABAB7-94BF-459C-84E7-9C575BC728B9}"/>
+                  </a:ext>
+                </a:extLst>
+              </p14:cNvPr>
+              <p14:cNvContentPartPr/>
+              <p14:nvPr/>
+            </p14:nvContentPartPr>
+            <p14:xfrm>
+              <a:off x="8139247" y="5364801"/>
+              <a:ext cx="33120" cy="42120"/>
+            </p14:xfrm>
+          </p:contentPart>
+        </mc:Choice>
+        <mc:Fallback>
+          <p:pic>
+            <p:nvPicPr>
+              <p:cNvPr id="27" name="Input penna 26">
+                <a:extLst>
+                  <a:ext uri="{FF2B5EF4-FFF2-40B4-BE49-F238E27FC236}">
+                    <a16:creationId xmlns:a16="http://schemas.microsoft.com/office/drawing/2014/main" id="{853ABAB7-94BF-459C-84E7-9C575BC728B9}"/>
+                  </a:ext>
+                </a:extLst>
+              </p:cNvPr>
+              <p:cNvPicPr/>
+              <p:nvPr/>
+            </p:nvPicPr>
+            <p:blipFill>
+              <a:blip r:embed="rId15"/>
+              <a:stretch>
+                <a:fillRect/>
+              </a:stretch>
+            </p:blipFill>
+            <p:spPr>
+              <a:xfrm>
+                <a:off x="8130247" y="5356161"/>
+                <a:ext cx="50760" cy="59760"/>
+              </a:xfrm>
+              <a:prstGeom prst="rect">
+                <a:avLst/>
+              </a:prstGeom>
+            </p:spPr>
+          </p:pic>
+        </mc:Fallback>
+      </mc:AlternateContent>
+      <mc:AlternateContent xmlns:mc="http://schemas.openxmlformats.org/markup-compatibility/2006">
+        <mc:Choice xmlns:p14="http://schemas.microsoft.com/office/powerpoint/2010/main" Requires="p14">
+          <p:contentPart p14:bwMode="auto" r:id="rId16">
+            <p14:nvContentPartPr>
+              <p14:cNvPr id="28" name="Input penna 27">
+                <a:extLst>
+                  <a:ext uri="{FF2B5EF4-FFF2-40B4-BE49-F238E27FC236}">
+                    <a16:creationId xmlns:a16="http://schemas.microsoft.com/office/drawing/2014/main" id="{CA765178-8613-42DE-A4DD-D9946FD5FF3A}"/>
+                  </a:ext>
+                </a:extLst>
+              </p14:cNvPr>
+              <p14:cNvContentPartPr/>
+              <p14:nvPr/>
+            </p14:nvContentPartPr>
+            <p14:xfrm>
+              <a:off x="8827567" y="5341761"/>
+              <a:ext cx="27000" cy="31320"/>
+            </p14:xfrm>
+          </p:contentPart>
+        </mc:Choice>
+        <mc:Fallback>
+          <p:pic>
+            <p:nvPicPr>
+              <p:cNvPr id="28" name="Input penna 27">
+                <a:extLst>
+                  <a:ext uri="{FF2B5EF4-FFF2-40B4-BE49-F238E27FC236}">
+                    <a16:creationId xmlns:a16="http://schemas.microsoft.com/office/drawing/2014/main" id="{CA765178-8613-42DE-A4DD-D9946FD5FF3A}"/>
+                  </a:ext>
+                </a:extLst>
+              </p:cNvPr>
+              <p:cNvPicPr/>
+              <p:nvPr/>
+            </p:nvPicPr>
+            <p:blipFill>
+              <a:blip r:embed="rId17"/>
+              <a:stretch>
+                <a:fillRect/>
+              </a:stretch>
+            </p:blipFill>
+            <p:spPr>
+              <a:xfrm>
+                <a:off x="8818567" y="5332761"/>
+                <a:ext cx="44640" cy="48960"/>
+              </a:xfrm>
+              <a:prstGeom prst="rect">
+                <a:avLst/>
+              </a:prstGeom>
+            </p:spPr>
+          </p:pic>
+        </mc:Fallback>
+      </mc:AlternateContent>
+      <mc:AlternateContent xmlns:mc="http://schemas.openxmlformats.org/markup-compatibility/2006">
+        <mc:Choice xmlns:p14="http://schemas.microsoft.com/office/powerpoint/2010/main" Requires="p14">
+          <p:contentPart p14:bwMode="auto" r:id="rId18">
+            <p14:nvContentPartPr>
+              <p14:cNvPr id="29" name="Input penna 28">
+                <a:extLst>
+                  <a:ext uri="{FF2B5EF4-FFF2-40B4-BE49-F238E27FC236}">
+                    <a16:creationId xmlns:a16="http://schemas.microsoft.com/office/drawing/2014/main" id="{D3114457-51CF-47C7-BB39-6A21D9A18E35}"/>
+                  </a:ext>
+                </a:extLst>
+              </p14:cNvPr>
+              <p14:cNvContentPartPr/>
+              <p14:nvPr/>
+            </p14:nvContentPartPr>
+            <p14:xfrm>
+              <a:off x="8807767" y="4068801"/>
+              <a:ext cx="52560" cy="18000"/>
+            </p14:xfrm>
+          </p:contentPart>
+        </mc:Choice>
+        <mc:Fallback>
+          <p:pic>
+            <p:nvPicPr>
+              <p:cNvPr id="29" name="Input penna 28">
+                <a:extLst>
+                  <a:ext uri="{FF2B5EF4-FFF2-40B4-BE49-F238E27FC236}">
+                    <a16:creationId xmlns:a16="http://schemas.microsoft.com/office/drawing/2014/main" id="{D3114457-51CF-47C7-BB39-6A21D9A18E35}"/>
+                  </a:ext>
+                </a:extLst>
+              </p:cNvPr>
+              <p:cNvPicPr/>
+              <p:nvPr/>
+            </p:nvPicPr>
+            <p:blipFill>
+              <a:blip r:embed="rId19"/>
+              <a:stretch>
+                <a:fillRect/>
+              </a:stretch>
+            </p:blipFill>
+            <p:spPr>
+              <a:xfrm>
+                <a:off x="8798767" y="4059801"/>
+                <a:ext cx="70200" cy="35640"/>
+              </a:xfrm>
+              <a:prstGeom prst="rect">
+                <a:avLst/>
+              </a:prstGeom>
+            </p:spPr>
+          </p:pic>
+        </mc:Fallback>
+      </mc:AlternateContent>
+      <mc:AlternateContent xmlns:mc="http://schemas.openxmlformats.org/markup-compatibility/2006">
+        <mc:Choice xmlns:p14="http://schemas.microsoft.com/office/powerpoint/2010/main" Requires="p14">
+          <p:contentPart p14:bwMode="auto" r:id="rId20">
+            <p14:nvContentPartPr>
+              <p14:cNvPr id="35" name="Input penna 34">
+                <a:extLst>
+                  <a:ext uri="{FF2B5EF4-FFF2-40B4-BE49-F238E27FC236}">
+                    <a16:creationId xmlns:a16="http://schemas.microsoft.com/office/drawing/2014/main" id="{E5D88088-7469-4FC8-96E2-DD7B37B2DD16}"/>
+                  </a:ext>
+                </a:extLst>
+              </p14:cNvPr>
+              <p14:cNvContentPartPr/>
+              <p14:nvPr/>
+            </p14:nvContentPartPr>
+            <p14:xfrm>
+              <a:off x="7116870" y="1336980"/>
+              <a:ext cx="360" cy="360"/>
+            </p14:xfrm>
+          </p:contentPart>
+        </mc:Choice>
+        <mc:Fallback>
+          <p:pic>
+            <p:nvPicPr>
+              <p:cNvPr id="35" name="Input penna 34">
+                <a:extLst>
+                  <a:ext uri="{FF2B5EF4-FFF2-40B4-BE49-F238E27FC236}">
+                    <a16:creationId xmlns:a16="http://schemas.microsoft.com/office/drawing/2014/main" id="{E5D88088-7469-4FC8-96E2-DD7B37B2DD16}"/>
+                  </a:ext>
+                </a:extLst>
+              </p:cNvPr>
+              <p:cNvPicPr/>
+              <p:nvPr/>
+            </p:nvPicPr>
+            <p:blipFill>
+              <a:blip r:embed="rId21"/>
+              <a:stretch>
+                <a:fillRect/>
+              </a:stretch>
+            </p:blipFill>
+            <p:spPr>
+              <a:xfrm>
+                <a:off x="7107870" y="1328340"/>
+                <a:ext cx="18000" cy="18000"/>
+              </a:xfrm>
+              <a:prstGeom prst="rect">
+                <a:avLst/>
+              </a:prstGeom>
+            </p:spPr>
+          </p:pic>
+        </mc:Fallback>
+      </mc:AlternateContent>
+      <mc:AlternateContent xmlns:mc="http://schemas.openxmlformats.org/markup-compatibility/2006">
+        <mc:Choice xmlns:p14="http://schemas.microsoft.com/office/powerpoint/2010/main" Requires="p14">
+          <p:contentPart p14:bwMode="auto" r:id="rId22">
+            <p14:nvContentPartPr>
+              <p14:cNvPr id="36" name="Input penna 35">
+                <a:extLst>
+                  <a:ext uri="{FF2B5EF4-FFF2-40B4-BE49-F238E27FC236}">
+                    <a16:creationId xmlns:a16="http://schemas.microsoft.com/office/drawing/2014/main" id="{4CF4460D-E069-457C-9661-810B7E6CD399}"/>
+                  </a:ext>
+                </a:extLst>
+              </p14:cNvPr>
+              <p14:cNvContentPartPr/>
+              <p14:nvPr/>
+            </p14:nvContentPartPr>
+            <p14:xfrm>
+              <a:off x="7288230" y="1478100"/>
+              <a:ext cx="360" cy="360"/>
+            </p14:xfrm>
+          </p:contentPart>
+        </mc:Choice>
+        <mc:Fallback>
+          <p:pic>
+            <p:nvPicPr>
+              <p:cNvPr id="36" name="Input penna 35">
+                <a:extLst>
+                  <a:ext uri="{FF2B5EF4-FFF2-40B4-BE49-F238E27FC236}">
+                    <a16:creationId xmlns:a16="http://schemas.microsoft.com/office/drawing/2014/main" id="{4CF4460D-E069-457C-9661-810B7E6CD399}"/>
+                  </a:ext>
+                </a:extLst>
+              </p:cNvPr>
+              <p:cNvPicPr/>
+              <p:nvPr/>
+            </p:nvPicPr>
+            <p:blipFill>
+              <a:blip r:embed="rId21"/>
+              <a:stretch>
+                <a:fillRect/>
+              </a:stretch>
+            </p:blipFill>
+            <p:spPr>
+              <a:xfrm>
+                <a:off x="7279230" y="1469100"/>
+                <a:ext cx="18000" cy="18000"/>
+              </a:xfrm>
+              <a:prstGeom prst="rect">
+                <a:avLst/>
+              </a:prstGeom>
+            </p:spPr>
+          </p:pic>
+        </mc:Fallback>
+      </mc:AlternateContent>
+      <mc:AlternateContent xmlns:mc="http://schemas.openxmlformats.org/markup-compatibility/2006">
+        <mc:Choice xmlns:p14="http://schemas.microsoft.com/office/powerpoint/2010/main" Requires="p14">
+          <p:contentPart p14:bwMode="auto" r:id="rId23">
+            <p14:nvContentPartPr>
+              <p14:cNvPr id="40" name="Input penna 39">
+                <a:extLst>
+                  <a:ext uri="{FF2B5EF4-FFF2-40B4-BE49-F238E27FC236}">
+                    <a16:creationId xmlns:a16="http://schemas.microsoft.com/office/drawing/2014/main" id="{6627F659-A6AC-48F9-8225-4E8C1B85D2DF}"/>
+                  </a:ext>
+                </a:extLst>
+              </p14:cNvPr>
+              <p14:cNvContentPartPr/>
+              <p14:nvPr/>
+            </p14:nvContentPartPr>
+            <p14:xfrm>
+              <a:off x="7166550" y="1748460"/>
+              <a:ext cx="1800" cy="5760"/>
+            </p14:xfrm>
+          </p:contentPart>
+        </mc:Choice>
+        <mc:Fallback>
+          <p:pic>
+            <p:nvPicPr>
+              <p:cNvPr id="40" name="Input penna 39">
+                <a:extLst>
+                  <a:ext uri="{FF2B5EF4-FFF2-40B4-BE49-F238E27FC236}">
+                    <a16:creationId xmlns:a16="http://schemas.microsoft.com/office/drawing/2014/main" id="{6627F659-A6AC-48F9-8225-4E8C1B85D2DF}"/>
+                  </a:ext>
+                </a:extLst>
+              </p:cNvPr>
+              <p:cNvPicPr/>
+              <p:nvPr/>
+            </p:nvPicPr>
+            <p:blipFill>
+              <a:blip r:embed="rId24"/>
+              <a:stretch>
+                <a:fillRect/>
+              </a:stretch>
+            </p:blipFill>
+            <p:spPr>
+              <a:xfrm>
+                <a:off x="7157550" y="1739820"/>
+                <a:ext cx="19440" cy="23400"/>
+              </a:xfrm>
+              <a:prstGeom prst="rect">
+                <a:avLst/>
+              </a:prstGeom>
+            </p:spPr>
+          </p:pic>
+        </mc:Fallback>
+      </mc:AlternateContent>
+      <mc:AlternateContent xmlns:mc="http://schemas.openxmlformats.org/markup-compatibility/2006">
+        <mc:Choice xmlns:p14="http://schemas.microsoft.com/office/powerpoint/2010/main" Requires="p14">
+          <p:contentPart p14:bwMode="auto" r:id="rId25">
+            <p14:nvContentPartPr>
+              <p14:cNvPr id="42" name="Input penna 41">
+                <a:extLst>
+                  <a:ext uri="{FF2B5EF4-FFF2-40B4-BE49-F238E27FC236}">
+                    <a16:creationId xmlns:a16="http://schemas.microsoft.com/office/drawing/2014/main" id="{552CFFBE-A323-4185-8771-A9ABDDF88E7E}"/>
+                  </a:ext>
+                </a:extLst>
+              </p14:cNvPr>
+              <p14:cNvContentPartPr/>
+              <p14:nvPr/>
+            </p14:nvContentPartPr>
+            <p14:xfrm>
+              <a:off x="7711230" y="1744860"/>
+              <a:ext cx="360" cy="360"/>
+            </p14:xfrm>
+          </p:contentPart>
+        </mc:Choice>
+        <mc:Fallback>
+          <p:pic>
+            <p:nvPicPr>
+              <p:cNvPr id="42" name="Input penna 41">
+                <a:extLst>
+                  <a:ext uri="{FF2B5EF4-FFF2-40B4-BE49-F238E27FC236}">
+                    <a16:creationId xmlns:a16="http://schemas.microsoft.com/office/drawing/2014/main" id="{552CFFBE-A323-4185-8771-A9ABDDF88E7E}"/>
+                  </a:ext>
+                </a:extLst>
+              </p:cNvPr>
+              <p:cNvPicPr/>
+              <p:nvPr/>
+            </p:nvPicPr>
+            <p:blipFill>
+              <a:blip r:embed="rId21"/>
+              <a:stretch>
+                <a:fillRect/>
+              </a:stretch>
+            </p:blipFill>
+            <p:spPr>
+              <a:xfrm>
+                <a:off x="7702230" y="1735860"/>
+                <a:ext cx="18000" cy="18000"/>
+              </a:xfrm>
+              <a:prstGeom prst="rect">
+                <a:avLst/>
+              </a:prstGeom>
+            </p:spPr>
+          </p:pic>
+        </mc:Fallback>
+      </mc:AlternateContent>
+      <mc:AlternateContent xmlns:mc="http://schemas.openxmlformats.org/markup-compatibility/2006">
+        <mc:Choice xmlns:p14="http://schemas.microsoft.com/office/powerpoint/2010/main" Requires="p14">
+          <p:contentPart p14:bwMode="auto" r:id="rId26">
+            <p14:nvContentPartPr>
+              <p14:cNvPr id="44" name="Input penna 43">
+                <a:extLst>
+                  <a:ext uri="{FF2B5EF4-FFF2-40B4-BE49-F238E27FC236}">
+                    <a16:creationId xmlns:a16="http://schemas.microsoft.com/office/drawing/2014/main" id="{81F1F304-A7C0-4415-8EAD-9AACAD683391}"/>
+                  </a:ext>
+                </a:extLst>
+              </p14:cNvPr>
+              <p14:cNvContentPartPr/>
+              <p14:nvPr/>
+            </p14:nvContentPartPr>
+            <p14:xfrm>
+              <a:off x="7962870" y="1680060"/>
+              <a:ext cx="29160" cy="360"/>
+            </p14:xfrm>
+          </p:contentPart>
+        </mc:Choice>
+        <mc:Fallback>
+          <p:pic>
+            <p:nvPicPr>
+              <p:cNvPr id="44" name="Input penna 43">
+                <a:extLst>
+                  <a:ext uri="{FF2B5EF4-FFF2-40B4-BE49-F238E27FC236}">
+                    <a16:creationId xmlns:a16="http://schemas.microsoft.com/office/drawing/2014/main" id="{81F1F304-A7C0-4415-8EAD-9AACAD683391}"/>
+                  </a:ext>
+                </a:extLst>
+              </p:cNvPr>
+              <p:cNvPicPr/>
+              <p:nvPr/>
+            </p:nvPicPr>
+            <p:blipFill>
+              <a:blip r:embed="rId27"/>
+              <a:stretch>
+                <a:fillRect/>
+              </a:stretch>
+            </p:blipFill>
+            <p:spPr>
+              <a:xfrm>
+                <a:off x="7953870" y="1671060"/>
+                <a:ext cx="46800" cy="18000"/>
+              </a:xfrm>
+              <a:prstGeom prst="rect">
+                <a:avLst/>
+              </a:prstGeom>
+            </p:spPr>
+          </p:pic>
+        </mc:Fallback>
+      </mc:AlternateContent>
+      <mc:AlternateContent xmlns:mc="http://schemas.openxmlformats.org/markup-compatibility/2006">
+        <mc:Choice xmlns:p14="http://schemas.microsoft.com/office/powerpoint/2010/main" Requires="p14">
+          <p:contentPart p14:bwMode="auto" r:id="rId28">
+            <p14:nvContentPartPr>
+              <p14:cNvPr id="45" name="Input penna 44">
+                <a:extLst>
+                  <a:ext uri="{FF2B5EF4-FFF2-40B4-BE49-F238E27FC236}">
+                    <a16:creationId xmlns:a16="http://schemas.microsoft.com/office/drawing/2014/main" id="{8AC7A7C4-92C0-41BF-BD66-9B68BB9BE52D}"/>
+                  </a:ext>
+                </a:extLst>
+              </p14:cNvPr>
+              <p14:cNvContentPartPr/>
+              <p14:nvPr/>
+            </p14:nvContentPartPr>
+            <p14:xfrm>
+              <a:off x="8076990" y="1950420"/>
+              <a:ext cx="360" cy="1080"/>
+            </p14:xfrm>
+          </p:contentPart>
+        </mc:Choice>
+        <mc:Fallback>
+          <p:pic>
+            <p:nvPicPr>
+              <p:cNvPr id="45" name="Input penna 44">
+                <a:extLst>
+                  <a:ext uri="{FF2B5EF4-FFF2-40B4-BE49-F238E27FC236}">
+                    <a16:creationId xmlns:a16="http://schemas.microsoft.com/office/drawing/2014/main" id="{8AC7A7C4-92C0-41BF-BD66-9B68BB9BE52D}"/>
+                  </a:ext>
+                </a:extLst>
+              </p:cNvPr>
+              <p:cNvPicPr/>
+              <p:nvPr/>
+            </p:nvPicPr>
+            <p:blipFill>
+              <a:blip r:embed="rId21"/>
+              <a:stretch>
+                <a:fillRect/>
+              </a:stretch>
+            </p:blipFill>
+            <p:spPr>
+              <a:xfrm>
+                <a:off x="8067990" y="1941780"/>
+                <a:ext cx="18000" cy="18720"/>
+              </a:xfrm>
+              <a:prstGeom prst="rect">
+                <a:avLst/>
+              </a:prstGeom>
+            </p:spPr>
+          </p:pic>
+        </mc:Fallback>
+      </mc:AlternateContent>
+      <mc:AlternateContent xmlns:mc="http://schemas.openxmlformats.org/markup-compatibility/2006">
+        <mc:Choice xmlns:p14="http://schemas.microsoft.com/office/powerpoint/2010/main" Requires="p14">
+          <p:contentPart p14:bwMode="auto" r:id="rId29">
+            <p14:nvContentPartPr>
+              <p14:cNvPr id="46" name="Input penna 45">
+                <a:extLst>
+                  <a:ext uri="{FF2B5EF4-FFF2-40B4-BE49-F238E27FC236}">
+                    <a16:creationId xmlns:a16="http://schemas.microsoft.com/office/drawing/2014/main" id="{84672652-AF05-450A-A38C-3A2D7E4BF9A0}"/>
+                  </a:ext>
+                </a:extLst>
+              </p14:cNvPr>
+              <p14:cNvContentPartPr/>
+              <p14:nvPr/>
+            </p14:nvContentPartPr>
+            <p14:xfrm>
+              <a:off x="8336190" y="1581060"/>
+              <a:ext cx="360" cy="360"/>
+            </p14:xfrm>
+          </p:contentPart>
+        </mc:Choice>
+        <mc:Fallback>
+          <p:pic>
+            <p:nvPicPr>
+              <p:cNvPr id="46" name="Input penna 45">
+                <a:extLst>
+                  <a:ext uri="{FF2B5EF4-FFF2-40B4-BE49-F238E27FC236}">
+                    <a16:creationId xmlns:a16="http://schemas.microsoft.com/office/drawing/2014/main" id="{84672652-AF05-450A-A38C-3A2D7E4BF9A0}"/>
+                  </a:ext>
+                </a:extLst>
+              </p:cNvPr>
+              <p:cNvPicPr/>
+              <p:nvPr/>
+            </p:nvPicPr>
+            <p:blipFill>
+              <a:blip r:embed="rId21"/>
+              <a:stretch>
+                <a:fillRect/>
+              </a:stretch>
+            </p:blipFill>
+            <p:spPr>
+              <a:xfrm>
+                <a:off x="8327190" y="1572060"/>
+                <a:ext cx="18000" cy="18000"/>
+              </a:xfrm>
+              <a:prstGeom prst="rect">
+                <a:avLst/>
+              </a:prstGeom>
+            </p:spPr>
+          </p:pic>
+        </mc:Fallback>
+      </mc:AlternateContent>
+      <mc:AlternateContent xmlns:mc="http://schemas.openxmlformats.org/markup-compatibility/2006">
+        <mc:Choice xmlns:p14="http://schemas.microsoft.com/office/powerpoint/2010/main" Requires="p14">
+          <p:contentPart p14:bwMode="auto" r:id="rId30">
+            <p14:nvContentPartPr>
+              <p14:cNvPr id="47" name="Input penna 46">
+                <a:extLst>
+                  <a:ext uri="{FF2B5EF4-FFF2-40B4-BE49-F238E27FC236}">
+                    <a16:creationId xmlns:a16="http://schemas.microsoft.com/office/drawing/2014/main" id="{BE48F35F-9E24-4AD6-9866-45DC9EB421AA}"/>
+                  </a:ext>
+                </a:extLst>
+              </p14:cNvPr>
+              <p14:cNvContentPartPr/>
+              <p14:nvPr/>
+            </p14:nvContentPartPr>
+            <p14:xfrm>
+              <a:off x="9200910" y="1824780"/>
+              <a:ext cx="360" cy="360"/>
+            </p14:xfrm>
+          </p:contentPart>
+        </mc:Choice>
+        <mc:Fallback>
+          <p:pic>
+            <p:nvPicPr>
+              <p:cNvPr id="47" name="Input penna 46">
+                <a:extLst>
+                  <a:ext uri="{FF2B5EF4-FFF2-40B4-BE49-F238E27FC236}">
+                    <a16:creationId xmlns:a16="http://schemas.microsoft.com/office/drawing/2014/main" id="{BE48F35F-9E24-4AD6-9866-45DC9EB421AA}"/>
+                  </a:ext>
+                </a:extLst>
+              </p:cNvPr>
+              <p:cNvPicPr/>
+              <p:nvPr/>
+            </p:nvPicPr>
+            <p:blipFill>
+              <a:blip r:embed="rId21"/>
+              <a:stretch>
+                <a:fillRect/>
+              </a:stretch>
+            </p:blipFill>
+            <p:spPr>
+              <a:xfrm>
+                <a:off x="9191910" y="1815780"/>
+                <a:ext cx="18000" cy="18000"/>
+              </a:xfrm>
+              <a:prstGeom prst="rect">
+                <a:avLst/>
+              </a:prstGeom>
+            </p:spPr>
+          </p:pic>
+        </mc:Fallback>
+      </mc:AlternateContent>
+      <mc:AlternateContent xmlns:mc="http://schemas.openxmlformats.org/markup-compatibility/2006">
+        <mc:Choice xmlns:p14="http://schemas.microsoft.com/office/powerpoint/2010/main" Requires="p14">
+          <p:contentPart p14:bwMode="auto" r:id="rId31">
+            <p14:nvContentPartPr>
+              <p14:cNvPr id="48" name="Input penna 47">
+                <a:extLst>
+                  <a:ext uri="{FF2B5EF4-FFF2-40B4-BE49-F238E27FC236}">
+                    <a16:creationId xmlns:a16="http://schemas.microsoft.com/office/drawing/2014/main" id="{097CC057-859D-4C58-BD06-E834106404E4}"/>
+                  </a:ext>
+                </a:extLst>
+              </p14:cNvPr>
+              <p14:cNvContentPartPr/>
+              <p14:nvPr/>
+            </p14:nvContentPartPr>
+            <p14:xfrm>
+              <a:off x="9406830" y="1536060"/>
+              <a:ext cx="1800" cy="3240"/>
+            </p14:xfrm>
+          </p:contentPart>
+        </mc:Choice>
+        <mc:Fallback>
+          <p:pic>
+            <p:nvPicPr>
+              <p:cNvPr id="48" name="Input penna 47">
+                <a:extLst>
+                  <a:ext uri="{FF2B5EF4-FFF2-40B4-BE49-F238E27FC236}">
+                    <a16:creationId xmlns:a16="http://schemas.microsoft.com/office/drawing/2014/main" id="{097CC057-859D-4C58-BD06-E834106404E4}"/>
+                  </a:ext>
+                </a:extLst>
+              </p:cNvPr>
+              <p:cNvPicPr/>
+              <p:nvPr/>
+            </p:nvPicPr>
+            <p:blipFill>
+              <a:blip r:embed="rId21"/>
+              <a:stretch>
+                <a:fillRect/>
+              </a:stretch>
+            </p:blipFill>
+            <p:spPr>
+              <a:xfrm>
+                <a:off x="9397830" y="1527420"/>
+                <a:ext cx="19440" cy="20880"/>
+              </a:xfrm>
+              <a:prstGeom prst="rect">
+                <a:avLst/>
+              </a:prstGeom>
+            </p:spPr>
+          </p:pic>
+        </mc:Fallback>
+      </mc:AlternateContent>
+      <mc:AlternateContent xmlns:mc="http://schemas.openxmlformats.org/markup-compatibility/2006">
+        <mc:Choice xmlns:p14="http://schemas.microsoft.com/office/powerpoint/2010/main" Requires="p14">
+          <p:contentPart p14:bwMode="auto" r:id="rId32">
+            <p14:nvContentPartPr>
+              <p14:cNvPr id="49" name="Input penna 48">
+                <a:extLst>
+                  <a:ext uri="{FF2B5EF4-FFF2-40B4-BE49-F238E27FC236}">
+                    <a16:creationId xmlns:a16="http://schemas.microsoft.com/office/drawing/2014/main" id="{3A837DAD-ABC3-44AE-A210-6D251AB704FD}"/>
+                  </a:ext>
+                </a:extLst>
+              </p14:cNvPr>
+              <p14:cNvContentPartPr/>
+              <p14:nvPr/>
+            </p14:nvContentPartPr>
+            <p14:xfrm>
+              <a:off x="9635430" y="1699140"/>
+              <a:ext cx="360" cy="4680"/>
+            </p14:xfrm>
+          </p:contentPart>
+        </mc:Choice>
+        <mc:Fallback>
+          <p:pic>
+            <p:nvPicPr>
+              <p:cNvPr id="49" name="Input penna 48">
+                <a:extLst>
+                  <a:ext uri="{FF2B5EF4-FFF2-40B4-BE49-F238E27FC236}">
+                    <a16:creationId xmlns:a16="http://schemas.microsoft.com/office/drawing/2014/main" id="{3A837DAD-ABC3-44AE-A210-6D251AB704FD}"/>
+                  </a:ext>
+                </a:extLst>
+              </p:cNvPr>
+              <p:cNvPicPr/>
+              <p:nvPr/>
+            </p:nvPicPr>
+            <p:blipFill>
+              <a:blip r:embed="rId21"/>
+              <a:stretch>
+                <a:fillRect/>
+              </a:stretch>
+            </p:blipFill>
+            <p:spPr>
+              <a:xfrm>
+                <a:off x="9626430" y="1690140"/>
+                <a:ext cx="18000" cy="22320"/>
+              </a:xfrm>
+              <a:prstGeom prst="rect">
+                <a:avLst/>
+              </a:prstGeom>
+            </p:spPr>
+          </p:pic>
+        </mc:Fallback>
+      </mc:AlternateContent>
+      <mc:AlternateContent xmlns:mc="http://schemas.openxmlformats.org/markup-compatibility/2006">
+        <mc:Choice xmlns:p14="http://schemas.microsoft.com/office/powerpoint/2010/main" Requires="p14">
+          <p:contentPart p14:bwMode="auto" r:id="rId33">
+            <p14:nvContentPartPr>
+              <p14:cNvPr id="50" name="Input penna 49">
+                <a:extLst>
+                  <a:ext uri="{FF2B5EF4-FFF2-40B4-BE49-F238E27FC236}">
+                    <a16:creationId xmlns:a16="http://schemas.microsoft.com/office/drawing/2014/main" id="{50E87DE1-888B-4AC7-8513-A3493431F038}"/>
+                  </a:ext>
+                </a:extLst>
+              </p14:cNvPr>
+              <p14:cNvContentPartPr/>
+              <p14:nvPr/>
+            </p14:nvContentPartPr>
+            <p14:xfrm>
+              <a:off x="8817150" y="1851420"/>
+              <a:ext cx="3240" cy="360"/>
+            </p14:xfrm>
+          </p:contentPart>
+        </mc:Choice>
+        <mc:Fallback>
+          <p:pic>
+            <p:nvPicPr>
+              <p:cNvPr id="50" name="Input penna 49">
+                <a:extLst>
+                  <a:ext uri="{FF2B5EF4-FFF2-40B4-BE49-F238E27FC236}">
+                    <a16:creationId xmlns:a16="http://schemas.microsoft.com/office/drawing/2014/main" id="{50E87DE1-888B-4AC7-8513-A3493431F038}"/>
+                  </a:ext>
+                </a:extLst>
+              </p:cNvPr>
+              <p:cNvPicPr/>
+              <p:nvPr/>
+            </p:nvPicPr>
+            <p:blipFill>
+              <a:blip r:embed="rId21"/>
+              <a:stretch>
+                <a:fillRect/>
+              </a:stretch>
+            </p:blipFill>
+            <p:spPr>
+              <a:xfrm>
+                <a:off x="8808150" y="1842780"/>
+                <a:ext cx="20880" cy="18000"/>
+              </a:xfrm>
+              <a:prstGeom prst="rect">
+                <a:avLst/>
+              </a:prstGeom>
+            </p:spPr>
+          </p:pic>
+        </mc:Fallback>
+      </mc:AlternateContent>
+      <mc:AlternateContent xmlns:mc="http://schemas.openxmlformats.org/markup-compatibility/2006">
+        <mc:Choice xmlns:p14="http://schemas.microsoft.com/office/powerpoint/2010/main" Requires="p14">
+          <p:contentPart p14:bwMode="auto" r:id="rId34">
+            <p14:nvContentPartPr>
+              <p14:cNvPr id="51" name="Input penna 50">
+                <a:extLst>
+                  <a:ext uri="{FF2B5EF4-FFF2-40B4-BE49-F238E27FC236}">
+                    <a16:creationId xmlns:a16="http://schemas.microsoft.com/office/drawing/2014/main" id="{DDD937C9-AE3A-4EE4-A944-41CA5F6D3969}"/>
+                  </a:ext>
+                </a:extLst>
+              </p14:cNvPr>
+              <p14:cNvContentPartPr/>
+              <p14:nvPr/>
+            </p14:nvContentPartPr>
+            <p14:xfrm>
+              <a:off x="9143670" y="2449740"/>
+              <a:ext cx="1800" cy="1080"/>
+            </p14:xfrm>
+          </p:contentPart>
+        </mc:Choice>
+        <mc:Fallback>
+          <p:pic>
+            <p:nvPicPr>
+              <p:cNvPr id="51" name="Input penna 50">
+                <a:extLst>
+                  <a:ext uri="{FF2B5EF4-FFF2-40B4-BE49-F238E27FC236}">
+                    <a16:creationId xmlns:a16="http://schemas.microsoft.com/office/drawing/2014/main" id="{DDD937C9-AE3A-4EE4-A944-41CA5F6D3969}"/>
+                  </a:ext>
+                </a:extLst>
+              </p:cNvPr>
+              <p:cNvPicPr/>
+              <p:nvPr/>
+            </p:nvPicPr>
+            <p:blipFill>
+              <a:blip r:embed="rId21"/>
+              <a:stretch>
+                <a:fillRect/>
+              </a:stretch>
+            </p:blipFill>
+            <p:spPr>
+              <a:xfrm>
+                <a:off x="9134670" y="2440740"/>
+                <a:ext cx="19440" cy="18720"/>
+              </a:xfrm>
+              <a:prstGeom prst="rect">
+                <a:avLst/>
+              </a:prstGeom>
+            </p:spPr>
+          </p:pic>
+        </mc:Fallback>
+      </mc:AlternateContent>
+      <mc:AlternateContent xmlns:mc="http://schemas.openxmlformats.org/markup-compatibility/2006">
+        <mc:Choice xmlns:p14="http://schemas.microsoft.com/office/powerpoint/2010/main" Requires="p14">
+          <p:contentPart p14:bwMode="auto" r:id="rId35">
+            <p14:nvContentPartPr>
+              <p14:cNvPr id="52" name="Input penna 51">
+                <a:extLst>
+                  <a:ext uri="{FF2B5EF4-FFF2-40B4-BE49-F238E27FC236}">
+                    <a16:creationId xmlns:a16="http://schemas.microsoft.com/office/drawing/2014/main" id="{058E296D-8D88-4643-B3CF-150797EB4736}"/>
+                  </a:ext>
+                </a:extLst>
+              </p14:cNvPr>
+              <p14:cNvContentPartPr/>
+              <p14:nvPr/>
+            </p14:nvContentPartPr>
+            <p14:xfrm>
+              <a:off x="9478830" y="2396100"/>
+              <a:ext cx="360" cy="360"/>
+            </p14:xfrm>
+          </p:contentPart>
+        </mc:Choice>
+        <mc:Fallback>
+          <p:pic>
+            <p:nvPicPr>
+              <p:cNvPr id="52" name="Input penna 51">
+                <a:extLst>
+                  <a:ext uri="{FF2B5EF4-FFF2-40B4-BE49-F238E27FC236}">
+                    <a16:creationId xmlns:a16="http://schemas.microsoft.com/office/drawing/2014/main" id="{058E296D-8D88-4643-B3CF-150797EB4736}"/>
+                  </a:ext>
+                </a:extLst>
+              </p:cNvPr>
+              <p:cNvPicPr/>
+              <p:nvPr/>
+            </p:nvPicPr>
+            <p:blipFill>
+              <a:blip r:embed="rId21"/>
+              <a:stretch>
+                <a:fillRect/>
+              </a:stretch>
+            </p:blipFill>
+            <p:spPr>
+              <a:xfrm>
+                <a:off x="9470190" y="2387460"/>
+                <a:ext cx="18000" cy="18000"/>
+              </a:xfrm>
+              <a:prstGeom prst="rect">
+                <a:avLst/>
+              </a:prstGeom>
+            </p:spPr>
+          </p:pic>
+        </mc:Fallback>
+      </mc:AlternateContent>
+      <mc:AlternateContent xmlns:mc="http://schemas.openxmlformats.org/markup-compatibility/2006">
+        <mc:Choice xmlns:p14="http://schemas.microsoft.com/office/powerpoint/2010/main" Requires="p14">
+          <p:contentPart p14:bwMode="auto" r:id="rId36">
+            <p14:nvContentPartPr>
+              <p14:cNvPr id="53" name="Input penna 52">
+                <a:extLst>
+                  <a:ext uri="{FF2B5EF4-FFF2-40B4-BE49-F238E27FC236}">
+                    <a16:creationId xmlns:a16="http://schemas.microsoft.com/office/drawing/2014/main" id="{5DCB0B60-1AF7-4049-8ECF-71C8A95E3A79}"/>
+                  </a:ext>
+                </a:extLst>
+              </p14:cNvPr>
+              <p14:cNvContentPartPr/>
+              <p14:nvPr/>
+            </p14:nvContentPartPr>
+            <p14:xfrm>
+              <a:off x="8648670" y="2803980"/>
+              <a:ext cx="360" cy="360"/>
+            </p14:xfrm>
+          </p:contentPart>
+        </mc:Choice>
+        <mc:Fallback>
+          <p:pic>
+            <p:nvPicPr>
+              <p:cNvPr id="53" name="Input penna 52">
+                <a:extLst>
+                  <a:ext uri="{FF2B5EF4-FFF2-40B4-BE49-F238E27FC236}">
+                    <a16:creationId xmlns:a16="http://schemas.microsoft.com/office/drawing/2014/main" id="{5DCB0B60-1AF7-4049-8ECF-71C8A95E3A79}"/>
+                  </a:ext>
+                </a:extLst>
+              </p:cNvPr>
+              <p:cNvPicPr/>
+              <p:nvPr/>
+            </p:nvPicPr>
+            <p:blipFill>
+              <a:blip r:embed="rId21"/>
+              <a:stretch>
+                <a:fillRect/>
+              </a:stretch>
+            </p:blipFill>
+            <p:spPr>
+              <a:xfrm>
+                <a:off x="8639670" y="2794980"/>
+                <a:ext cx="18000" cy="18000"/>
+              </a:xfrm>
+              <a:prstGeom prst="rect">
+                <a:avLst/>
+              </a:prstGeom>
+            </p:spPr>
+          </p:pic>
+        </mc:Fallback>
+      </mc:AlternateContent>
+      <mc:AlternateContent xmlns:mc="http://schemas.openxmlformats.org/markup-compatibility/2006">
+        <mc:Choice xmlns:p14="http://schemas.microsoft.com/office/powerpoint/2010/main" Requires="p14">
+          <p:contentPart p14:bwMode="auto" r:id="rId37">
+            <p14:nvContentPartPr>
+              <p14:cNvPr id="54" name="Input penna 53">
+                <a:extLst>
+                  <a:ext uri="{FF2B5EF4-FFF2-40B4-BE49-F238E27FC236}">
+                    <a16:creationId xmlns:a16="http://schemas.microsoft.com/office/drawing/2014/main" id="{9D3A15C1-0155-4856-B55C-0B98C6E40E72}"/>
+                  </a:ext>
+                </a:extLst>
+              </p14:cNvPr>
+              <p14:cNvContentPartPr/>
+              <p14:nvPr/>
+            </p14:nvContentPartPr>
+            <p14:xfrm>
+              <a:off x="8446710" y="2567820"/>
+              <a:ext cx="360" cy="360"/>
+            </p14:xfrm>
+          </p:contentPart>
+        </mc:Choice>
+        <mc:Fallback>
+          <p:pic>
+            <p:nvPicPr>
+              <p:cNvPr id="54" name="Input penna 53">
+                <a:extLst>
+                  <a:ext uri="{FF2B5EF4-FFF2-40B4-BE49-F238E27FC236}">
+                    <a16:creationId xmlns:a16="http://schemas.microsoft.com/office/drawing/2014/main" id="{9D3A15C1-0155-4856-B55C-0B98C6E40E72}"/>
+                  </a:ext>
+                </a:extLst>
+              </p:cNvPr>
+              <p:cNvPicPr/>
+              <p:nvPr/>
+            </p:nvPicPr>
+            <p:blipFill>
+              <a:blip r:embed="rId21"/>
+              <a:stretch>
+                <a:fillRect/>
+              </a:stretch>
+            </p:blipFill>
+            <p:spPr>
+              <a:xfrm>
+                <a:off x="8437710" y="2558820"/>
+                <a:ext cx="18000" cy="18000"/>
+              </a:xfrm>
+              <a:prstGeom prst="rect">
+                <a:avLst/>
+              </a:prstGeom>
+            </p:spPr>
+          </p:pic>
+        </mc:Fallback>
+      </mc:AlternateContent>
+      <mc:AlternateContent xmlns:mc="http://schemas.openxmlformats.org/markup-compatibility/2006">
+        <mc:Choice xmlns:p14="http://schemas.microsoft.com/office/powerpoint/2010/main" Requires="p14">
+          <p:contentPart p14:bwMode="auto" r:id="rId38">
+            <p14:nvContentPartPr>
+              <p14:cNvPr id="55" name="Input penna 54">
+                <a:extLst>
+                  <a:ext uri="{FF2B5EF4-FFF2-40B4-BE49-F238E27FC236}">
+                    <a16:creationId xmlns:a16="http://schemas.microsoft.com/office/drawing/2014/main" id="{786BBDB3-B498-4274-94B5-A08FA1DBDACE}"/>
+                  </a:ext>
+                </a:extLst>
+              </p14:cNvPr>
+              <p14:cNvContentPartPr/>
+              <p14:nvPr/>
+            </p14:nvContentPartPr>
+            <p14:xfrm>
+              <a:off x="7848390" y="2544780"/>
+              <a:ext cx="360" cy="360"/>
+            </p14:xfrm>
+          </p:contentPart>
+        </mc:Choice>
+        <mc:Fallback>
+          <p:pic>
+            <p:nvPicPr>
+              <p:cNvPr id="55" name="Input penna 54">
+                <a:extLst>
+                  <a:ext uri="{FF2B5EF4-FFF2-40B4-BE49-F238E27FC236}">
+                    <a16:creationId xmlns:a16="http://schemas.microsoft.com/office/drawing/2014/main" id="{786BBDB3-B498-4274-94B5-A08FA1DBDACE}"/>
+                  </a:ext>
+                </a:extLst>
+              </p:cNvPr>
+              <p:cNvPicPr/>
+              <p:nvPr/>
+            </p:nvPicPr>
+            <p:blipFill>
+              <a:blip r:embed="rId21"/>
+              <a:stretch>
+                <a:fillRect/>
+              </a:stretch>
+            </p:blipFill>
+            <p:spPr>
+              <a:xfrm>
+                <a:off x="7839390" y="2536140"/>
+                <a:ext cx="18000" cy="18000"/>
+              </a:xfrm>
+              <a:prstGeom prst="rect">
+                <a:avLst/>
+              </a:prstGeom>
+            </p:spPr>
+          </p:pic>
+        </mc:Fallback>
+      </mc:AlternateContent>
+      <mc:AlternateContent xmlns:mc="http://schemas.openxmlformats.org/markup-compatibility/2006">
+        <mc:Choice xmlns:p14="http://schemas.microsoft.com/office/powerpoint/2010/main" Requires="p14">
+          <p:contentPart p14:bwMode="auto" r:id="rId39">
+            <p14:nvContentPartPr>
+              <p14:cNvPr id="56" name="Input penna 55">
+                <a:extLst>
+                  <a:ext uri="{FF2B5EF4-FFF2-40B4-BE49-F238E27FC236}">
+                    <a16:creationId xmlns:a16="http://schemas.microsoft.com/office/drawing/2014/main" id="{961B73D2-3405-49F8-BE45-2422F432BF21}"/>
+                  </a:ext>
+                </a:extLst>
+              </p14:cNvPr>
+              <p14:cNvContentPartPr/>
+              <p14:nvPr/>
+            </p14:nvContentPartPr>
+            <p14:xfrm>
+              <a:off x="7356990" y="2438220"/>
+              <a:ext cx="360" cy="360"/>
+            </p14:xfrm>
+          </p:contentPart>
+        </mc:Choice>
+        <mc:Fallback>
+          <p:pic>
+            <p:nvPicPr>
+              <p:cNvPr id="56" name="Input penna 55">
+                <a:extLst>
+                  <a:ext uri="{FF2B5EF4-FFF2-40B4-BE49-F238E27FC236}">
+                    <a16:creationId xmlns:a16="http://schemas.microsoft.com/office/drawing/2014/main" id="{961B73D2-3405-49F8-BE45-2422F432BF21}"/>
+                  </a:ext>
+                </a:extLst>
+              </p:cNvPr>
+              <p:cNvPicPr/>
+              <p:nvPr/>
+            </p:nvPicPr>
+            <p:blipFill>
+              <a:blip r:embed="rId21"/>
+              <a:stretch>
+                <a:fillRect/>
+              </a:stretch>
+            </p:blipFill>
+            <p:spPr>
+              <a:xfrm>
+                <a:off x="7347990" y="2429220"/>
+                <a:ext cx="18000" cy="18000"/>
+              </a:xfrm>
+              <a:prstGeom prst="rect">
+                <a:avLst/>
+              </a:prstGeom>
+            </p:spPr>
+          </p:pic>
+        </mc:Fallback>
+      </mc:AlternateContent>
+      <mc:AlternateContent xmlns:mc="http://schemas.openxmlformats.org/markup-compatibility/2006">
+        <mc:Choice xmlns:p14="http://schemas.microsoft.com/office/powerpoint/2010/main" Requires="p14">
+          <p:contentPart p14:bwMode="auto" r:id="rId40">
+            <p14:nvContentPartPr>
+              <p14:cNvPr id="57" name="Input penna 56">
+                <a:extLst>
+                  <a:ext uri="{FF2B5EF4-FFF2-40B4-BE49-F238E27FC236}">
+                    <a16:creationId xmlns:a16="http://schemas.microsoft.com/office/drawing/2014/main" id="{A0396E9C-E468-4673-86F7-89CAD90A834A}"/>
+                  </a:ext>
+                </a:extLst>
+              </p14:cNvPr>
+              <p14:cNvContentPartPr/>
+              <p14:nvPr/>
+            </p14:nvContentPartPr>
+            <p14:xfrm>
+              <a:off x="7265550" y="3131580"/>
+              <a:ext cx="360" cy="360"/>
+            </p14:xfrm>
+          </p:contentPart>
+        </mc:Choice>
+        <mc:Fallback>
+          <p:pic>
+            <p:nvPicPr>
+              <p:cNvPr id="57" name="Input penna 56">
+                <a:extLst>
+                  <a:ext uri="{FF2B5EF4-FFF2-40B4-BE49-F238E27FC236}">
+                    <a16:creationId xmlns:a16="http://schemas.microsoft.com/office/drawing/2014/main" id="{A0396E9C-E468-4673-86F7-89CAD90A834A}"/>
+                  </a:ext>
+                </a:extLst>
+              </p:cNvPr>
+              <p:cNvPicPr/>
+              <p:nvPr/>
+            </p:nvPicPr>
+            <p:blipFill>
+              <a:blip r:embed="rId21"/>
+              <a:stretch>
+                <a:fillRect/>
+              </a:stretch>
+            </p:blipFill>
+            <p:spPr>
+              <a:xfrm>
+                <a:off x="7256550" y="3122940"/>
+                <a:ext cx="18000" cy="18000"/>
+              </a:xfrm>
+              <a:prstGeom prst="rect">
+                <a:avLst/>
+              </a:prstGeom>
+            </p:spPr>
+          </p:pic>
+        </mc:Fallback>
+      </mc:AlternateContent>
+      <mc:AlternateContent xmlns:mc="http://schemas.openxmlformats.org/markup-compatibility/2006">
+        <mc:Choice xmlns:p14="http://schemas.microsoft.com/office/powerpoint/2010/main" Requires="p14">
+          <p:contentPart p14:bwMode="auto" r:id="rId41">
+            <p14:nvContentPartPr>
+              <p14:cNvPr id="58" name="Input penna 57">
+                <a:extLst>
+                  <a:ext uri="{FF2B5EF4-FFF2-40B4-BE49-F238E27FC236}">
+                    <a16:creationId xmlns:a16="http://schemas.microsoft.com/office/drawing/2014/main" id="{3858B3FA-F1E5-4463-8B68-EF25A52BB842}"/>
+                  </a:ext>
+                </a:extLst>
+              </p14:cNvPr>
+              <p14:cNvContentPartPr/>
+              <p14:nvPr/>
+            </p14:nvContentPartPr>
+            <p14:xfrm>
+              <a:off x="7802670" y="2918100"/>
+              <a:ext cx="360" cy="360"/>
+            </p14:xfrm>
+          </p:contentPart>
+        </mc:Choice>
+        <mc:Fallback>
+          <p:pic>
+            <p:nvPicPr>
+              <p:cNvPr id="58" name="Input penna 57">
+                <a:extLst>
+                  <a:ext uri="{FF2B5EF4-FFF2-40B4-BE49-F238E27FC236}">
+                    <a16:creationId xmlns:a16="http://schemas.microsoft.com/office/drawing/2014/main" id="{3858B3FA-F1E5-4463-8B68-EF25A52BB842}"/>
+                  </a:ext>
+                </a:extLst>
+              </p:cNvPr>
+              <p:cNvPicPr/>
+              <p:nvPr/>
+            </p:nvPicPr>
+            <p:blipFill>
+              <a:blip r:embed="rId21"/>
+              <a:stretch>
+                <a:fillRect/>
+              </a:stretch>
+            </p:blipFill>
+            <p:spPr>
+              <a:xfrm>
+                <a:off x="7793670" y="2909460"/>
+                <a:ext cx="18000" cy="18000"/>
+              </a:xfrm>
+              <a:prstGeom prst="rect">
+                <a:avLst/>
+              </a:prstGeom>
+            </p:spPr>
+          </p:pic>
+        </mc:Fallback>
+      </mc:AlternateContent>
+      <mc:AlternateContent xmlns:mc="http://schemas.openxmlformats.org/markup-compatibility/2006">
+        <mc:Choice xmlns:p14="http://schemas.microsoft.com/office/powerpoint/2010/main" Requires="p14">
+          <p:contentPart p14:bwMode="auto" r:id="rId42">
+            <p14:nvContentPartPr>
+              <p14:cNvPr id="59" name="Input penna 58">
+                <a:extLst>
+                  <a:ext uri="{FF2B5EF4-FFF2-40B4-BE49-F238E27FC236}">
+                    <a16:creationId xmlns:a16="http://schemas.microsoft.com/office/drawing/2014/main" id="{DFA406A2-60AF-4A0D-A3D3-5FD7F1F6B648}"/>
+                  </a:ext>
+                </a:extLst>
+              </p14:cNvPr>
+              <p14:cNvContentPartPr/>
+              <p14:nvPr/>
+            </p14:nvContentPartPr>
+            <p14:xfrm>
+              <a:off x="8057910" y="2773380"/>
+              <a:ext cx="360" cy="360"/>
+            </p14:xfrm>
+          </p:contentPart>
+        </mc:Choice>
+        <mc:Fallback>
+          <p:pic>
+            <p:nvPicPr>
+              <p:cNvPr id="59" name="Input penna 58">
+                <a:extLst>
+                  <a:ext uri="{FF2B5EF4-FFF2-40B4-BE49-F238E27FC236}">
+                    <a16:creationId xmlns:a16="http://schemas.microsoft.com/office/drawing/2014/main" id="{DFA406A2-60AF-4A0D-A3D3-5FD7F1F6B648}"/>
+                  </a:ext>
+                </a:extLst>
+              </p:cNvPr>
+              <p:cNvPicPr/>
+              <p:nvPr/>
+            </p:nvPicPr>
+            <p:blipFill>
+              <a:blip r:embed="rId21"/>
+              <a:stretch>
+                <a:fillRect/>
+              </a:stretch>
+            </p:blipFill>
+            <p:spPr>
+              <a:xfrm>
+                <a:off x="8048910" y="2764740"/>
+                <a:ext cx="18000" cy="18000"/>
+              </a:xfrm>
+              <a:prstGeom prst="rect">
+                <a:avLst/>
+              </a:prstGeom>
+            </p:spPr>
+          </p:pic>
+        </mc:Fallback>
+      </mc:AlternateContent>
+      <mc:AlternateContent xmlns:mc="http://schemas.openxmlformats.org/markup-compatibility/2006">
+        <mc:Choice xmlns:p14="http://schemas.microsoft.com/office/powerpoint/2010/main" Requires="p14">
+          <p:contentPart p14:bwMode="auto" r:id="rId43">
+            <p14:nvContentPartPr>
+              <p14:cNvPr id="60" name="Input penna 59">
+                <a:extLst>
+                  <a:ext uri="{FF2B5EF4-FFF2-40B4-BE49-F238E27FC236}">
+                    <a16:creationId xmlns:a16="http://schemas.microsoft.com/office/drawing/2014/main" id="{FD4005E2-8302-4D66-B525-3BFADF6BEAE8}"/>
+                  </a:ext>
+                </a:extLst>
+              </p14:cNvPr>
+              <p14:cNvContentPartPr/>
+              <p14:nvPr/>
+            </p14:nvContentPartPr>
+            <p14:xfrm>
+              <a:off x="8229270" y="3013500"/>
+              <a:ext cx="360" cy="360"/>
+            </p14:xfrm>
+          </p:contentPart>
+        </mc:Choice>
+        <mc:Fallback>
+          <p:pic>
+            <p:nvPicPr>
+              <p:cNvPr id="60" name="Input penna 59">
+                <a:extLst>
+                  <a:ext uri="{FF2B5EF4-FFF2-40B4-BE49-F238E27FC236}">
+                    <a16:creationId xmlns:a16="http://schemas.microsoft.com/office/drawing/2014/main" id="{FD4005E2-8302-4D66-B525-3BFADF6BEAE8}"/>
+                  </a:ext>
+                </a:extLst>
+              </p:cNvPr>
+              <p:cNvPicPr/>
+              <p:nvPr/>
+            </p:nvPicPr>
+            <p:blipFill>
+              <a:blip r:embed="rId21"/>
+              <a:stretch>
+                <a:fillRect/>
+              </a:stretch>
+            </p:blipFill>
+            <p:spPr>
+              <a:xfrm>
+                <a:off x="8220270" y="3004500"/>
+                <a:ext cx="18000" cy="18000"/>
+              </a:xfrm>
+              <a:prstGeom prst="rect">
+                <a:avLst/>
+              </a:prstGeom>
+            </p:spPr>
+          </p:pic>
+        </mc:Fallback>
+      </mc:AlternateContent>
+      <mc:AlternateContent xmlns:mc="http://schemas.openxmlformats.org/markup-compatibility/2006">
+        <mc:Choice xmlns:p14="http://schemas.microsoft.com/office/powerpoint/2010/main" Requires="p14">
+          <p:contentPart p14:bwMode="auto" r:id="rId44">
+            <p14:nvContentPartPr>
+              <p14:cNvPr id="61" name="Input penna 60">
+                <a:extLst>
+                  <a:ext uri="{FF2B5EF4-FFF2-40B4-BE49-F238E27FC236}">
+                    <a16:creationId xmlns:a16="http://schemas.microsoft.com/office/drawing/2014/main" id="{D7B825FA-BFA5-4CFF-9B51-7BA63BD358E2}"/>
+                  </a:ext>
+                </a:extLst>
+              </p14:cNvPr>
+              <p14:cNvContentPartPr/>
+              <p14:nvPr/>
+            </p14:nvContentPartPr>
+            <p14:xfrm>
+              <a:off x="9669270" y="2750700"/>
+              <a:ext cx="360" cy="360"/>
+            </p14:xfrm>
+          </p:contentPart>
+        </mc:Choice>
+        <mc:Fallback>
+          <p:pic>
+            <p:nvPicPr>
+              <p:cNvPr id="61" name="Input penna 60">
+                <a:extLst>
+                  <a:ext uri="{FF2B5EF4-FFF2-40B4-BE49-F238E27FC236}">
+                    <a16:creationId xmlns:a16="http://schemas.microsoft.com/office/drawing/2014/main" id="{D7B825FA-BFA5-4CFF-9B51-7BA63BD358E2}"/>
+                  </a:ext>
+                </a:extLst>
+              </p:cNvPr>
+              <p:cNvPicPr/>
+              <p:nvPr/>
+            </p:nvPicPr>
+            <p:blipFill>
+              <a:blip r:embed="rId21"/>
+              <a:stretch>
+                <a:fillRect/>
+              </a:stretch>
+            </p:blipFill>
+            <p:spPr>
+              <a:xfrm>
+                <a:off x="9660630" y="2741700"/>
+                <a:ext cx="18000" cy="18000"/>
+              </a:xfrm>
+              <a:prstGeom prst="rect">
+                <a:avLst/>
+              </a:prstGeom>
+            </p:spPr>
+          </p:pic>
+        </mc:Fallback>
+      </mc:AlternateContent>
+      <mc:AlternateContent xmlns:mc="http://schemas.openxmlformats.org/markup-compatibility/2006">
+        <mc:Choice xmlns:p14="http://schemas.microsoft.com/office/powerpoint/2010/main" Requires="p14">
+          <p:contentPart p14:bwMode="auto" r:id="rId45">
+            <p14:nvContentPartPr>
+              <p14:cNvPr id="62" name="Input penna 61">
+                <a:extLst>
+                  <a:ext uri="{FF2B5EF4-FFF2-40B4-BE49-F238E27FC236}">
+                    <a16:creationId xmlns:a16="http://schemas.microsoft.com/office/drawing/2014/main" id="{08C8E2D5-E3C8-4838-9813-B5EF1C15DC22}"/>
+                  </a:ext>
+                </a:extLst>
+              </p14:cNvPr>
+              <p14:cNvContentPartPr/>
+              <p14:nvPr/>
+            </p14:nvContentPartPr>
+            <p14:xfrm>
+              <a:off x="9425550" y="2944740"/>
+              <a:ext cx="360" cy="360"/>
+            </p14:xfrm>
+          </p:contentPart>
+        </mc:Choice>
+        <mc:Fallback>
+          <p:pic>
+            <p:nvPicPr>
+              <p:cNvPr id="62" name="Input penna 61">
+                <a:extLst>
+                  <a:ext uri="{FF2B5EF4-FFF2-40B4-BE49-F238E27FC236}">
+                    <a16:creationId xmlns:a16="http://schemas.microsoft.com/office/drawing/2014/main" id="{08C8E2D5-E3C8-4838-9813-B5EF1C15DC22}"/>
+                  </a:ext>
+                </a:extLst>
+              </p:cNvPr>
+              <p:cNvPicPr/>
+              <p:nvPr/>
+            </p:nvPicPr>
+            <p:blipFill>
+              <a:blip r:embed="rId21"/>
+              <a:stretch>
+                <a:fillRect/>
+              </a:stretch>
+            </p:blipFill>
+            <p:spPr>
+              <a:xfrm>
+                <a:off x="9416910" y="2936100"/>
+                <a:ext cx="18000" cy="18000"/>
+              </a:xfrm>
+              <a:prstGeom prst="rect">
+                <a:avLst/>
+              </a:prstGeom>
+            </p:spPr>
+          </p:pic>
+        </mc:Fallback>
+      </mc:AlternateContent>
+      <mc:AlternateContent xmlns:mc="http://schemas.openxmlformats.org/markup-compatibility/2006">
+        <mc:Choice xmlns:p14="http://schemas.microsoft.com/office/powerpoint/2010/main" Requires="p14">
+          <p:contentPart p14:bwMode="auto" r:id="rId46">
+            <p14:nvContentPartPr>
+              <p14:cNvPr id="63" name="Input penna 62">
+                <a:extLst>
+                  <a:ext uri="{FF2B5EF4-FFF2-40B4-BE49-F238E27FC236}">
+                    <a16:creationId xmlns:a16="http://schemas.microsoft.com/office/drawing/2014/main" id="{DE45B442-4DB6-4669-9B2B-F4AC39407DE6}"/>
+                  </a:ext>
+                </a:extLst>
+              </p14:cNvPr>
+              <p14:cNvContentPartPr/>
+              <p14:nvPr/>
+            </p14:nvContentPartPr>
+            <p14:xfrm>
+              <a:off x="10054470" y="2853300"/>
+              <a:ext cx="360" cy="360"/>
+            </p14:xfrm>
+          </p:contentPart>
+        </mc:Choice>
+        <mc:Fallback>
+          <p:pic>
+            <p:nvPicPr>
+              <p:cNvPr id="63" name="Input penna 62">
+                <a:extLst>
+                  <a:ext uri="{FF2B5EF4-FFF2-40B4-BE49-F238E27FC236}">
+                    <a16:creationId xmlns:a16="http://schemas.microsoft.com/office/drawing/2014/main" id="{DE45B442-4DB6-4669-9B2B-F4AC39407DE6}"/>
+                  </a:ext>
+                </a:extLst>
+              </p:cNvPr>
+              <p:cNvPicPr/>
+              <p:nvPr/>
+            </p:nvPicPr>
+            <p:blipFill>
+              <a:blip r:embed="rId21"/>
+              <a:stretch>
+                <a:fillRect/>
+              </a:stretch>
+            </p:blipFill>
+            <p:spPr>
+              <a:xfrm>
+                <a:off x="10045470" y="2844660"/>
+                <a:ext cx="18000" cy="18000"/>
+              </a:xfrm>
+              <a:prstGeom prst="rect">
+                <a:avLst/>
+              </a:prstGeom>
+            </p:spPr>
+          </p:pic>
+        </mc:Fallback>
+      </mc:AlternateContent>
+      <mc:AlternateContent xmlns:mc="http://schemas.openxmlformats.org/markup-compatibility/2006">
+        <mc:Choice xmlns:p14="http://schemas.microsoft.com/office/powerpoint/2010/main" Requires="p14">
+          <p:contentPart p14:bwMode="auto" r:id="rId47">
+            <p14:nvContentPartPr>
+              <p14:cNvPr id="64" name="Input penna 63">
+                <a:extLst>
+                  <a:ext uri="{FF2B5EF4-FFF2-40B4-BE49-F238E27FC236}">
+                    <a16:creationId xmlns:a16="http://schemas.microsoft.com/office/drawing/2014/main" id="{6844BA4B-5C16-4AEA-BC99-206A1C91281A}"/>
+                  </a:ext>
+                </a:extLst>
+              </p14:cNvPr>
+              <p14:cNvContentPartPr/>
+              <p14:nvPr/>
+            </p14:nvContentPartPr>
+            <p14:xfrm>
+              <a:off x="10267950" y="2681940"/>
+              <a:ext cx="360" cy="360"/>
+            </p14:xfrm>
+          </p:contentPart>
+        </mc:Choice>
+        <mc:Fallback>
+          <p:pic>
+            <p:nvPicPr>
+              <p:cNvPr id="64" name="Input penna 63">
+                <a:extLst>
+                  <a:ext uri="{FF2B5EF4-FFF2-40B4-BE49-F238E27FC236}">
+                    <a16:creationId xmlns:a16="http://schemas.microsoft.com/office/drawing/2014/main" id="{6844BA4B-5C16-4AEA-BC99-206A1C91281A}"/>
+                  </a:ext>
+                </a:extLst>
+              </p:cNvPr>
+              <p:cNvPicPr/>
+              <p:nvPr/>
+            </p:nvPicPr>
+            <p:blipFill>
+              <a:blip r:embed="rId21"/>
+              <a:stretch>
+                <a:fillRect/>
+              </a:stretch>
+            </p:blipFill>
+            <p:spPr>
+              <a:xfrm>
+                <a:off x="10258950" y="2673300"/>
+                <a:ext cx="18000" cy="18000"/>
+              </a:xfrm>
+              <a:prstGeom prst="rect">
+                <a:avLst/>
+              </a:prstGeom>
+            </p:spPr>
+          </p:pic>
+        </mc:Fallback>
+      </mc:AlternateContent>
+      <mc:AlternateContent xmlns:mc="http://schemas.openxmlformats.org/markup-compatibility/2006">
+        <mc:Choice xmlns:p14="http://schemas.microsoft.com/office/powerpoint/2010/main" Requires="p14">
+          <p:contentPart p14:bwMode="auto" r:id="rId48">
+            <p14:nvContentPartPr>
+              <p14:cNvPr id="65" name="Input penna 64">
+                <a:extLst>
+                  <a:ext uri="{FF2B5EF4-FFF2-40B4-BE49-F238E27FC236}">
+                    <a16:creationId xmlns:a16="http://schemas.microsoft.com/office/drawing/2014/main" id="{D3DBEF04-A32B-4AB3-815F-2B54411EA75C}"/>
+                  </a:ext>
+                </a:extLst>
+              </p14:cNvPr>
+              <p14:cNvContentPartPr/>
+              <p14:nvPr/>
+            </p14:nvContentPartPr>
+            <p14:xfrm>
+              <a:off x="10492590" y="2880300"/>
+              <a:ext cx="360" cy="360"/>
+            </p14:xfrm>
+          </p:contentPart>
+        </mc:Choice>
+        <mc:Fallback>
+          <p:pic>
+            <p:nvPicPr>
+              <p:cNvPr id="65" name="Input penna 64">
+                <a:extLst>
+                  <a:ext uri="{FF2B5EF4-FFF2-40B4-BE49-F238E27FC236}">
+                    <a16:creationId xmlns:a16="http://schemas.microsoft.com/office/drawing/2014/main" id="{D3DBEF04-A32B-4AB3-815F-2B54411EA75C}"/>
+                  </a:ext>
+                </a:extLst>
+              </p:cNvPr>
+              <p:cNvPicPr/>
+              <p:nvPr/>
+            </p:nvPicPr>
+            <p:blipFill>
+              <a:blip r:embed="rId21"/>
+              <a:stretch>
+                <a:fillRect/>
+              </a:stretch>
+            </p:blipFill>
+            <p:spPr>
+              <a:xfrm>
+                <a:off x="10483590" y="2871300"/>
+                <a:ext cx="18000" cy="18000"/>
+              </a:xfrm>
+              <a:prstGeom prst="rect">
+                <a:avLst/>
+              </a:prstGeom>
+            </p:spPr>
+          </p:pic>
+        </mc:Fallback>
+      </mc:AlternateContent>
+      <mc:AlternateContent xmlns:mc="http://schemas.openxmlformats.org/markup-compatibility/2006">
+        <mc:Choice xmlns:p14="http://schemas.microsoft.com/office/powerpoint/2010/main" Requires="p14">
+          <p:contentPart p14:bwMode="auto" r:id="rId49">
+            <p14:nvContentPartPr>
+              <p14:cNvPr id="66" name="Input penna 65">
+                <a:extLst>
+                  <a:ext uri="{FF2B5EF4-FFF2-40B4-BE49-F238E27FC236}">
+                    <a16:creationId xmlns:a16="http://schemas.microsoft.com/office/drawing/2014/main" id="{B6454123-6336-46F0-8A9F-85D5497CDB1F}"/>
+                  </a:ext>
+                </a:extLst>
+              </p14:cNvPr>
+              <p14:cNvContentPartPr/>
+              <p14:nvPr/>
+            </p14:nvContentPartPr>
+            <p14:xfrm>
+              <a:off x="9886710" y="1920180"/>
+              <a:ext cx="360" cy="360"/>
+            </p14:xfrm>
+          </p:contentPart>
+        </mc:Choice>
+        <mc:Fallback>
+          <p:pic>
+            <p:nvPicPr>
+              <p:cNvPr id="66" name="Input penna 65">
+                <a:extLst>
+                  <a:ext uri="{FF2B5EF4-FFF2-40B4-BE49-F238E27FC236}">
+                    <a16:creationId xmlns:a16="http://schemas.microsoft.com/office/drawing/2014/main" id="{B6454123-6336-46F0-8A9F-85D5497CDB1F}"/>
+                  </a:ext>
+                </a:extLst>
+              </p:cNvPr>
+              <p:cNvPicPr/>
+              <p:nvPr/>
+            </p:nvPicPr>
+            <p:blipFill>
+              <a:blip r:embed="rId21"/>
+              <a:stretch>
+                <a:fillRect/>
+              </a:stretch>
+            </p:blipFill>
+            <p:spPr>
+              <a:xfrm>
+                <a:off x="9877710" y="1911180"/>
+                <a:ext cx="18000" cy="18000"/>
+              </a:xfrm>
+              <a:prstGeom prst="rect">
+                <a:avLst/>
+              </a:prstGeom>
+            </p:spPr>
+          </p:pic>
+        </mc:Fallback>
+      </mc:AlternateContent>
+      <mc:AlternateContent xmlns:mc="http://schemas.openxmlformats.org/markup-compatibility/2006">
+        <mc:Choice xmlns:p14="http://schemas.microsoft.com/office/powerpoint/2010/main" Requires="p14">
+          <p:contentPart p14:bwMode="auto" r:id="rId50">
+            <p14:nvContentPartPr>
+              <p14:cNvPr id="67" name="Input penna 66">
+                <a:extLst>
+                  <a:ext uri="{FF2B5EF4-FFF2-40B4-BE49-F238E27FC236}">
+                    <a16:creationId xmlns:a16="http://schemas.microsoft.com/office/drawing/2014/main" id="{805EF75C-31D4-4569-8A5B-021C2C477EDD}"/>
+                  </a:ext>
+                </a:extLst>
+              </p14:cNvPr>
+              <p14:cNvContentPartPr/>
+              <p14:nvPr/>
+            </p14:nvContentPartPr>
+            <p14:xfrm>
+              <a:off x="10260030" y="1828740"/>
+              <a:ext cx="360" cy="360"/>
+            </p14:xfrm>
+          </p:contentPart>
+        </mc:Choice>
+        <mc:Fallback>
+          <p:pic>
+            <p:nvPicPr>
+              <p:cNvPr id="67" name="Input penna 66">
+                <a:extLst>
+                  <a:ext uri="{FF2B5EF4-FFF2-40B4-BE49-F238E27FC236}">
+                    <a16:creationId xmlns:a16="http://schemas.microsoft.com/office/drawing/2014/main" id="{805EF75C-31D4-4569-8A5B-021C2C477EDD}"/>
+                  </a:ext>
+                </a:extLst>
+              </p:cNvPr>
+              <p:cNvPicPr/>
+              <p:nvPr/>
+            </p:nvPicPr>
+            <p:blipFill>
+              <a:blip r:embed="rId21"/>
+              <a:stretch>
+                <a:fillRect/>
+              </a:stretch>
+            </p:blipFill>
+            <p:spPr>
+              <a:xfrm>
+                <a:off x="10251030" y="1819740"/>
+                <a:ext cx="18000" cy="18000"/>
+              </a:xfrm>
+              <a:prstGeom prst="rect">
+                <a:avLst/>
+              </a:prstGeom>
+            </p:spPr>
+          </p:pic>
+        </mc:Fallback>
+      </mc:AlternateContent>
+      <mc:AlternateContent xmlns:mc="http://schemas.openxmlformats.org/markup-compatibility/2006">
+        <mc:Choice xmlns:p14="http://schemas.microsoft.com/office/powerpoint/2010/main" Requires="p14">
+          <p:contentPart p14:bwMode="auto" r:id="rId51">
+            <p14:nvContentPartPr>
+              <p14:cNvPr id="68" name="Input penna 67">
+                <a:extLst>
+                  <a:ext uri="{FF2B5EF4-FFF2-40B4-BE49-F238E27FC236}">
+                    <a16:creationId xmlns:a16="http://schemas.microsoft.com/office/drawing/2014/main" id="{C9DDA94F-B31B-428F-B44B-F66E4B600EF2}"/>
+                  </a:ext>
+                </a:extLst>
+              </p14:cNvPr>
+              <p14:cNvContentPartPr/>
+              <p14:nvPr/>
+            </p14:nvContentPartPr>
+            <p14:xfrm>
+              <a:off x="10339950" y="1390260"/>
+              <a:ext cx="360" cy="360"/>
+            </p14:xfrm>
+          </p:contentPart>
+        </mc:Choice>
+        <mc:Fallback>
+          <p:pic>
+            <p:nvPicPr>
+              <p:cNvPr id="68" name="Input penna 67">
+                <a:extLst>
+                  <a:ext uri="{FF2B5EF4-FFF2-40B4-BE49-F238E27FC236}">
+                    <a16:creationId xmlns:a16="http://schemas.microsoft.com/office/drawing/2014/main" id="{C9DDA94F-B31B-428F-B44B-F66E4B600EF2}"/>
+                  </a:ext>
+                </a:extLst>
+              </p:cNvPr>
+              <p:cNvPicPr/>
+              <p:nvPr/>
+            </p:nvPicPr>
+            <p:blipFill>
+              <a:blip r:embed="rId21"/>
+              <a:stretch>
+                <a:fillRect/>
+              </a:stretch>
+            </p:blipFill>
+            <p:spPr>
+              <a:xfrm>
+                <a:off x="10331310" y="1381620"/>
+                <a:ext cx="18000" cy="18000"/>
+              </a:xfrm>
+              <a:prstGeom prst="rect">
+                <a:avLst/>
+              </a:prstGeom>
+            </p:spPr>
+          </p:pic>
+        </mc:Fallback>
+      </mc:AlternateContent>
+      <mc:AlternateContent xmlns:mc="http://schemas.openxmlformats.org/markup-compatibility/2006">
+        <mc:Choice xmlns:p14="http://schemas.microsoft.com/office/powerpoint/2010/main" Requires="p14">
+          <p:contentPart p14:bwMode="auto" r:id="rId52">
+            <p14:nvContentPartPr>
+              <p14:cNvPr id="69" name="Input penna 68">
+                <a:extLst>
+                  <a:ext uri="{FF2B5EF4-FFF2-40B4-BE49-F238E27FC236}">
+                    <a16:creationId xmlns:a16="http://schemas.microsoft.com/office/drawing/2014/main" id="{24C5414B-8060-4EC5-BFDF-8E91AAEC2FA5}"/>
+                  </a:ext>
+                </a:extLst>
+              </p14:cNvPr>
+              <p14:cNvContentPartPr/>
+              <p14:nvPr/>
+            </p14:nvContentPartPr>
+            <p14:xfrm>
+              <a:off x="10629750" y="1435980"/>
+              <a:ext cx="1800" cy="360"/>
+            </p14:xfrm>
+          </p:contentPart>
+        </mc:Choice>
+        <mc:Fallback>
+          <p:pic>
+            <p:nvPicPr>
+              <p:cNvPr id="69" name="Input penna 68">
+                <a:extLst>
+                  <a:ext uri="{FF2B5EF4-FFF2-40B4-BE49-F238E27FC236}">
+                    <a16:creationId xmlns:a16="http://schemas.microsoft.com/office/drawing/2014/main" id="{24C5414B-8060-4EC5-BFDF-8E91AAEC2FA5}"/>
+                  </a:ext>
+                </a:extLst>
+              </p:cNvPr>
+              <p:cNvPicPr/>
+              <p:nvPr/>
+            </p:nvPicPr>
+            <p:blipFill>
+              <a:blip r:embed="rId21"/>
+              <a:stretch>
+                <a:fillRect/>
+              </a:stretch>
+            </p:blipFill>
+            <p:spPr>
+              <a:xfrm>
+                <a:off x="10620750" y="1427340"/>
+                <a:ext cx="19440" cy="18000"/>
+              </a:xfrm>
+              <a:prstGeom prst="rect">
+                <a:avLst/>
+              </a:prstGeom>
+            </p:spPr>
+          </p:pic>
+        </mc:Fallback>
+      </mc:AlternateContent>
+      <mc:AlternateContent xmlns:mc="http://schemas.openxmlformats.org/markup-compatibility/2006">
+        <mc:Choice xmlns:p14="http://schemas.microsoft.com/office/powerpoint/2010/main" Requires="p14">
+          <p:contentPart p14:bwMode="auto" r:id="rId53">
+            <p14:nvContentPartPr>
+              <p14:cNvPr id="70" name="Input penna 69">
+                <a:extLst>
+                  <a:ext uri="{FF2B5EF4-FFF2-40B4-BE49-F238E27FC236}">
+                    <a16:creationId xmlns:a16="http://schemas.microsoft.com/office/drawing/2014/main" id="{DFFC9732-BE36-4B09-AB8B-9D0A32F5C414}"/>
+                  </a:ext>
+                </a:extLst>
+              </p14:cNvPr>
+              <p14:cNvContentPartPr/>
+              <p14:nvPr/>
+            </p14:nvContentPartPr>
+            <p14:xfrm>
+              <a:off x="10343910" y="1721820"/>
+              <a:ext cx="360" cy="360"/>
+            </p14:xfrm>
+          </p:contentPart>
+        </mc:Choice>
+        <mc:Fallback>
+          <p:pic>
+            <p:nvPicPr>
+              <p:cNvPr id="70" name="Input penna 69">
+                <a:extLst>
+                  <a:ext uri="{FF2B5EF4-FFF2-40B4-BE49-F238E27FC236}">
+                    <a16:creationId xmlns:a16="http://schemas.microsoft.com/office/drawing/2014/main" id="{DFFC9732-BE36-4B09-AB8B-9D0A32F5C414}"/>
+                  </a:ext>
+                </a:extLst>
+              </p:cNvPr>
+              <p:cNvPicPr/>
+              <p:nvPr/>
+            </p:nvPicPr>
+            <p:blipFill>
+              <a:blip r:embed="rId21"/>
+              <a:stretch>
+                <a:fillRect/>
+              </a:stretch>
+            </p:blipFill>
+            <p:spPr>
+              <a:xfrm>
+                <a:off x="10334910" y="1713180"/>
+                <a:ext cx="18000" cy="18000"/>
+              </a:xfrm>
+              <a:prstGeom prst="rect">
+                <a:avLst/>
+              </a:prstGeom>
+            </p:spPr>
+          </p:pic>
+        </mc:Fallback>
+      </mc:AlternateContent>
+      <mc:AlternateContent xmlns:mc="http://schemas.openxmlformats.org/markup-compatibility/2006">
+        <mc:Choice xmlns:p14="http://schemas.microsoft.com/office/powerpoint/2010/main" Requires="p14">
+          <p:contentPart p14:bwMode="auto" r:id="rId54">
+            <p14:nvContentPartPr>
+              <p14:cNvPr id="71" name="Input penna 70">
+                <a:extLst>
+                  <a:ext uri="{FF2B5EF4-FFF2-40B4-BE49-F238E27FC236}">
+                    <a16:creationId xmlns:a16="http://schemas.microsoft.com/office/drawing/2014/main" id="{B073428F-27E2-4B88-AF6E-44C71FA83273}"/>
+                  </a:ext>
+                </a:extLst>
+              </p14:cNvPr>
+              <p14:cNvContentPartPr/>
+              <p14:nvPr/>
+            </p14:nvContentPartPr>
+            <p14:xfrm>
+              <a:off x="9905790" y="1333380"/>
+              <a:ext cx="360" cy="360"/>
+            </p14:xfrm>
+          </p:contentPart>
+        </mc:Choice>
+        <mc:Fallback>
+          <p:pic>
+            <p:nvPicPr>
+              <p:cNvPr id="71" name="Input penna 70">
+                <a:extLst>
+                  <a:ext uri="{FF2B5EF4-FFF2-40B4-BE49-F238E27FC236}">
+                    <a16:creationId xmlns:a16="http://schemas.microsoft.com/office/drawing/2014/main" id="{B073428F-27E2-4B88-AF6E-44C71FA83273}"/>
+                  </a:ext>
+                </a:extLst>
+              </p:cNvPr>
+              <p:cNvPicPr/>
+              <p:nvPr/>
+            </p:nvPicPr>
+            <p:blipFill>
+              <a:blip r:embed="rId21"/>
+              <a:stretch>
+                <a:fillRect/>
+              </a:stretch>
+            </p:blipFill>
+            <p:spPr>
+              <a:xfrm>
+                <a:off x="9896790" y="1324380"/>
+                <a:ext cx="18000" cy="18000"/>
+              </a:xfrm>
+              <a:prstGeom prst="rect">
+                <a:avLst/>
+              </a:prstGeom>
+            </p:spPr>
+          </p:pic>
+        </mc:Fallback>
+      </mc:AlternateContent>
+      <mc:AlternateContent xmlns:mc="http://schemas.openxmlformats.org/markup-compatibility/2006">
+        <mc:Choice xmlns:p14="http://schemas.microsoft.com/office/powerpoint/2010/main" Requires="p14">
+          <p:contentPart p14:bwMode="auto" r:id="rId55">
+            <p14:nvContentPartPr>
+              <p14:cNvPr id="72" name="Input penna 71">
+                <a:extLst>
+                  <a:ext uri="{FF2B5EF4-FFF2-40B4-BE49-F238E27FC236}">
+                    <a16:creationId xmlns:a16="http://schemas.microsoft.com/office/drawing/2014/main" id="{57D5E151-EE96-4A56-A4E0-23BE29BA6914}"/>
+                  </a:ext>
+                </a:extLst>
+              </p14:cNvPr>
+              <p14:cNvContentPartPr/>
+              <p14:nvPr/>
+            </p14:nvContentPartPr>
+            <p14:xfrm>
+              <a:off x="10031430" y="1737300"/>
+              <a:ext cx="360" cy="360"/>
+            </p14:xfrm>
+          </p:contentPart>
+        </mc:Choice>
+        <mc:Fallback>
+          <p:pic>
+            <p:nvPicPr>
+              <p:cNvPr id="72" name="Input penna 71">
+                <a:extLst>
+                  <a:ext uri="{FF2B5EF4-FFF2-40B4-BE49-F238E27FC236}">
+                    <a16:creationId xmlns:a16="http://schemas.microsoft.com/office/drawing/2014/main" id="{57D5E151-EE96-4A56-A4E0-23BE29BA6914}"/>
+                  </a:ext>
+                </a:extLst>
+              </p:cNvPr>
+              <p:cNvPicPr/>
+              <p:nvPr/>
+            </p:nvPicPr>
+            <p:blipFill>
+              <a:blip r:embed="rId21"/>
+              <a:stretch>
+                <a:fillRect/>
+              </a:stretch>
+            </p:blipFill>
+            <p:spPr>
+              <a:xfrm>
+                <a:off x="10022430" y="1728300"/>
+                <a:ext cx="18000" cy="18000"/>
+              </a:xfrm>
+              <a:prstGeom prst="rect">
+                <a:avLst/>
+              </a:prstGeom>
+            </p:spPr>
+          </p:pic>
+        </mc:Fallback>
+      </mc:AlternateContent>
+      <mc:AlternateContent xmlns:mc="http://schemas.openxmlformats.org/markup-compatibility/2006">
+        <mc:Choice xmlns:p14="http://schemas.microsoft.com/office/powerpoint/2010/main" Requires="p14">
+          <p:contentPart p14:bwMode="auto" r:id="rId56">
+            <p14:nvContentPartPr>
+              <p14:cNvPr id="73" name="Input penna 72">
+                <a:extLst>
+                  <a:ext uri="{FF2B5EF4-FFF2-40B4-BE49-F238E27FC236}">
+                    <a16:creationId xmlns:a16="http://schemas.microsoft.com/office/drawing/2014/main" id="{EA6A1DE4-0C3C-4553-A77F-F879EAF5B9AC}"/>
+                  </a:ext>
+                </a:extLst>
+              </p14:cNvPr>
+              <p14:cNvContentPartPr/>
+              <p14:nvPr/>
+            </p14:nvContentPartPr>
+            <p14:xfrm>
+              <a:off x="10812630" y="1253100"/>
+              <a:ext cx="360" cy="360"/>
+            </p14:xfrm>
+          </p:contentPart>
+        </mc:Choice>
+        <mc:Fallback>
+          <p:pic>
+            <p:nvPicPr>
+              <p:cNvPr id="73" name="Input penna 72">
+                <a:extLst>
+                  <a:ext uri="{FF2B5EF4-FFF2-40B4-BE49-F238E27FC236}">
+                    <a16:creationId xmlns:a16="http://schemas.microsoft.com/office/drawing/2014/main" id="{EA6A1DE4-0C3C-4553-A77F-F879EAF5B9AC}"/>
+                  </a:ext>
+                </a:extLst>
+              </p:cNvPr>
+              <p:cNvPicPr/>
+              <p:nvPr/>
+            </p:nvPicPr>
+            <p:blipFill>
+              <a:blip r:embed="rId21"/>
+              <a:stretch>
+                <a:fillRect/>
+              </a:stretch>
+            </p:blipFill>
+            <p:spPr>
+              <a:xfrm>
+                <a:off x="10803630" y="1244460"/>
+                <a:ext cx="18000" cy="18000"/>
+              </a:xfrm>
+              <a:prstGeom prst="rect">
+                <a:avLst/>
+              </a:prstGeom>
+            </p:spPr>
+          </p:pic>
+        </mc:Fallback>
+      </mc:AlternateContent>
+      <mc:AlternateContent xmlns:mc="http://schemas.openxmlformats.org/markup-compatibility/2006">
+        <mc:Choice xmlns:p14="http://schemas.microsoft.com/office/powerpoint/2010/main" Requires="p14">
+          <p:contentPart p14:bwMode="auto" r:id="rId57">
+            <p14:nvContentPartPr>
+              <p14:cNvPr id="74" name="Input penna 73">
+                <a:extLst>
+                  <a:ext uri="{FF2B5EF4-FFF2-40B4-BE49-F238E27FC236}">
+                    <a16:creationId xmlns:a16="http://schemas.microsoft.com/office/drawing/2014/main" id="{FE6D29F6-CB23-4B4F-A7B5-74212AE1D7A3}"/>
+                  </a:ext>
+                </a:extLst>
+              </p14:cNvPr>
+              <p14:cNvContentPartPr/>
+              <p14:nvPr/>
+            </p14:nvContentPartPr>
+            <p14:xfrm>
+              <a:off x="10706070" y="2468820"/>
+              <a:ext cx="360" cy="360"/>
+            </p14:xfrm>
+          </p:contentPart>
+        </mc:Choice>
+        <mc:Fallback>
+          <p:pic>
+            <p:nvPicPr>
+              <p:cNvPr id="74" name="Input penna 73">
+                <a:extLst>
+                  <a:ext uri="{FF2B5EF4-FFF2-40B4-BE49-F238E27FC236}">
+                    <a16:creationId xmlns:a16="http://schemas.microsoft.com/office/drawing/2014/main" id="{FE6D29F6-CB23-4B4F-A7B5-74212AE1D7A3}"/>
+                  </a:ext>
+                </a:extLst>
+              </p:cNvPr>
+              <p:cNvPicPr/>
+              <p:nvPr/>
+            </p:nvPicPr>
+            <p:blipFill>
+              <a:blip r:embed="rId21"/>
+              <a:stretch>
+                <a:fillRect/>
+              </a:stretch>
+            </p:blipFill>
+            <p:spPr>
+              <a:xfrm>
+                <a:off x="10697070" y="2459820"/>
+                <a:ext cx="18000" cy="18000"/>
+              </a:xfrm>
+              <a:prstGeom prst="rect">
+                <a:avLst/>
+              </a:prstGeom>
+            </p:spPr>
+          </p:pic>
+        </mc:Fallback>
+      </mc:AlternateContent>
+      <mc:AlternateContent xmlns:mc="http://schemas.openxmlformats.org/markup-compatibility/2006">
+        <mc:Choice xmlns:p14="http://schemas.microsoft.com/office/powerpoint/2010/main" Requires="p14">
+          <p:contentPart p14:bwMode="auto" r:id="rId58">
+            <p14:nvContentPartPr>
+              <p14:cNvPr id="75" name="Input penna 74">
+                <a:extLst>
+                  <a:ext uri="{FF2B5EF4-FFF2-40B4-BE49-F238E27FC236}">
+                    <a16:creationId xmlns:a16="http://schemas.microsoft.com/office/drawing/2014/main" id="{46542DE6-6677-42E1-8F8C-EA915EC987B1}"/>
+                  </a:ext>
+                </a:extLst>
+              </p14:cNvPr>
+              <p14:cNvContentPartPr/>
+              <p14:nvPr/>
+            </p14:nvContentPartPr>
+            <p14:xfrm>
+              <a:off x="10850790" y="3074340"/>
+              <a:ext cx="360" cy="360"/>
+            </p14:xfrm>
+          </p:contentPart>
+        </mc:Choice>
+        <mc:Fallback>
+          <p:pic>
+            <p:nvPicPr>
+              <p:cNvPr id="75" name="Input penna 74">
+                <a:extLst>
+                  <a:ext uri="{FF2B5EF4-FFF2-40B4-BE49-F238E27FC236}">
+                    <a16:creationId xmlns:a16="http://schemas.microsoft.com/office/drawing/2014/main" id="{46542DE6-6677-42E1-8F8C-EA915EC987B1}"/>
+                  </a:ext>
+                </a:extLst>
+              </p:cNvPr>
+              <p:cNvPicPr/>
+              <p:nvPr/>
+            </p:nvPicPr>
+            <p:blipFill>
+              <a:blip r:embed="rId21"/>
+              <a:stretch>
+                <a:fillRect/>
+              </a:stretch>
+            </p:blipFill>
+            <p:spPr>
+              <a:xfrm>
+                <a:off x="10841790" y="3065700"/>
+                <a:ext cx="18000" cy="18000"/>
+              </a:xfrm>
+              <a:prstGeom prst="rect">
+                <a:avLst/>
+              </a:prstGeom>
+            </p:spPr>
+          </p:pic>
+        </mc:Fallback>
+      </mc:AlternateContent>
+      <mc:AlternateContent xmlns:mc="http://schemas.openxmlformats.org/markup-compatibility/2006">
+        <mc:Choice xmlns:p14="http://schemas.microsoft.com/office/powerpoint/2010/main" Requires="p14">
+          <p:contentPart p14:bwMode="auto" r:id="rId59">
+            <p14:nvContentPartPr>
+              <p14:cNvPr id="76" name="Input penna 75">
+                <a:extLst>
+                  <a:ext uri="{FF2B5EF4-FFF2-40B4-BE49-F238E27FC236}">
+                    <a16:creationId xmlns:a16="http://schemas.microsoft.com/office/drawing/2014/main" id="{C2A447ED-6C24-463E-8BBD-11883707F398}"/>
+                  </a:ext>
+                </a:extLst>
+              </p14:cNvPr>
+              <p14:cNvContentPartPr/>
+              <p14:nvPr/>
+            </p14:nvContentPartPr>
+            <p14:xfrm>
+              <a:off x="10473510" y="3127620"/>
+              <a:ext cx="360" cy="360"/>
+            </p14:xfrm>
+          </p:contentPart>
+        </mc:Choice>
+        <mc:Fallback>
+          <p:pic>
+            <p:nvPicPr>
+              <p:cNvPr id="76" name="Input penna 75">
+                <a:extLst>
+                  <a:ext uri="{FF2B5EF4-FFF2-40B4-BE49-F238E27FC236}">
+                    <a16:creationId xmlns:a16="http://schemas.microsoft.com/office/drawing/2014/main" id="{C2A447ED-6C24-463E-8BBD-11883707F398}"/>
+                  </a:ext>
+                </a:extLst>
+              </p:cNvPr>
+              <p:cNvPicPr/>
+              <p:nvPr/>
+            </p:nvPicPr>
+            <p:blipFill>
+              <a:blip r:embed="rId21"/>
+              <a:stretch>
+                <a:fillRect/>
+              </a:stretch>
+            </p:blipFill>
+            <p:spPr>
+              <a:xfrm>
+                <a:off x="10464510" y="3118980"/>
+                <a:ext cx="18000" cy="18000"/>
+              </a:xfrm>
+              <a:prstGeom prst="rect">
+                <a:avLst/>
+              </a:prstGeom>
+            </p:spPr>
+          </p:pic>
+        </mc:Fallback>
+      </mc:AlternateContent>
+      <mc:AlternateContent xmlns:mc="http://schemas.openxmlformats.org/markup-compatibility/2006">
+        <mc:Choice xmlns:p14="http://schemas.microsoft.com/office/powerpoint/2010/main" Requires="p14">
+          <p:contentPart p14:bwMode="auto" r:id="rId60">
+            <p14:nvContentPartPr>
+              <p14:cNvPr id="77" name="Input penna 76">
+                <a:extLst>
+                  <a:ext uri="{FF2B5EF4-FFF2-40B4-BE49-F238E27FC236}">
+                    <a16:creationId xmlns:a16="http://schemas.microsoft.com/office/drawing/2014/main" id="{780A2A10-3870-4C6F-A837-4F460888E6E4}"/>
+                  </a:ext>
+                </a:extLst>
+              </p14:cNvPr>
+              <p14:cNvContentPartPr/>
+              <p14:nvPr/>
+            </p14:nvContentPartPr>
+            <p14:xfrm>
+              <a:off x="9696270" y="3063180"/>
+              <a:ext cx="360" cy="360"/>
+            </p14:xfrm>
+          </p:contentPart>
+        </mc:Choice>
+        <mc:Fallback>
+          <p:pic>
+            <p:nvPicPr>
+              <p:cNvPr id="77" name="Input penna 76">
+                <a:extLst>
+                  <a:ext uri="{FF2B5EF4-FFF2-40B4-BE49-F238E27FC236}">
+                    <a16:creationId xmlns:a16="http://schemas.microsoft.com/office/drawing/2014/main" id="{780A2A10-3870-4C6F-A837-4F460888E6E4}"/>
+                  </a:ext>
+                </a:extLst>
+              </p:cNvPr>
+              <p:cNvPicPr/>
+              <p:nvPr/>
+            </p:nvPicPr>
+            <p:blipFill>
+              <a:blip r:embed="rId21"/>
+              <a:stretch>
+                <a:fillRect/>
+              </a:stretch>
+            </p:blipFill>
+            <p:spPr>
+              <a:xfrm>
+                <a:off x="9687270" y="3054180"/>
+                <a:ext cx="18000" cy="18000"/>
+              </a:xfrm>
+              <a:prstGeom prst="rect">
+                <a:avLst/>
+              </a:prstGeom>
+            </p:spPr>
+          </p:pic>
+        </mc:Fallback>
+      </mc:AlternateContent>
+      <mc:AlternateContent xmlns:mc="http://schemas.openxmlformats.org/markup-compatibility/2006">
+        <mc:Choice xmlns:p14="http://schemas.microsoft.com/office/powerpoint/2010/main" Requires="p14">
+          <p:contentPart p14:bwMode="auto" r:id="rId61">
+            <p14:nvContentPartPr>
+              <p14:cNvPr id="78" name="Input penna 77">
+                <a:extLst>
+                  <a:ext uri="{FF2B5EF4-FFF2-40B4-BE49-F238E27FC236}">
+                    <a16:creationId xmlns:a16="http://schemas.microsoft.com/office/drawing/2014/main" id="{4FE956CF-D410-45B0-A33B-1B20E0F6E35E}"/>
+                  </a:ext>
+                </a:extLst>
+              </p14:cNvPr>
+              <p14:cNvContentPartPr/>
+              <p14:nvPr/>
+            </p14:nvContentPartPr>
+            <p14:xfrm>
+              <a:off x="9974190" y="2525700"/>
+              <a:ext cx="360" cy="360"/>
+            </p14:xfrm>
+          </p:contentPart>
+        </mc:Choice>
+        <mc:Fallback>
+          <p:pic>
+            <p:nvPicPr>
+              <p:cNvPr id="78" name="Input penna 77">
+                <a:extLst>
+                  <a:ext uri="{FF2B5EF4-FFF2-40B4-BE49-F238E27FC236}">
+                    <a16:creationId xmlns:a16="http://schemas.microsoft.com/office/drawing/2014/main" id="{4FE956CF-D410-45B0-A33B-1B20E0F6E35E}"/>
+                  </a:ext>
+                </a:extLst>
+              </p:cNvPr>
+              <p:cNvPicPr/>
+              <p:nvPr/>
+            </p:nvPicPr>
+            <p:blipFill>
+              <a:blip r:embed="rId21"/>
+              <a:stretch>
+                <a:fillRect/>
+              </a:stretch>
+            </p:blipFill>
+            <p:spPr>
+              <a:xfrm>
+                <a:off x="9965550" y="2517060"/>
+                <a:ext cx="18000" cy="18000"/>
+              </a:xfrm>
+              <a:prstGeom prst="rect">
+                <a:avLst/>
+              </a:prstGeom>
+            </p:spPr>
+          </p:pic>
+        </mc:Fallback>
+      </mc:AlternateContent>
+      <mc:AlternateContent xmlns:mc="http://schemas.openxmlformats.org/markup-compatibility/2006">
+        <mc:Choice xmlns:p14="http://schemas.microsoft.com/office/powerpoint/2010/main" Requires="p14">
+          <p:contentPart p14:bwMode="auto" r:id="rId62">
+            <p14:nvContentPartPr>
+              <p14:cNvPr id="79" name="Input penna 78">
+                <a:extLst>
+                  <a:ext uri="{FF2B5EF4-FFF2-40B4-BE49-F238E27FC236}">
+                    <a16:creationId xmlns:a16="http://schemas.microsoft.com/office/drawing/2014/main" id="{4AD56CFA-6461-467E-9597-CC2457448D48}"/>
+                  </a:ext>
+                </a:extLst>
+              </p14:cNvPr>
+              <p14:cNvContentPartPr/>
+              <p14:nvPr/>
+            </p14:nvContentPartPr>
+            <p14:xfrm>
+              <a:off x="8648670" y="3226980"/>
+              <a:ext cx="360" cy="360"/>
+            </p14:xfrm>
+          </p:contentPart>
+        </mc:Choice>
+        <mc:Fallback>
+          <p:pic>
+            <p:nvPicPr>
+              <p:cNvPr id="79" name="Input penna 78">
+                <a:extLst>
+                  <a:ext uri="{FF2B5EF4-FFF2-40B4-BE49-F238E27FC236}">
+                    <a16:creationId xmlns:a16="http://schemas.microsoft.com/office/drawing/2014/main" id="{4AD56CFA-6461-467E-9597-CC2457448D48}"/>
+                  </a:ext>
+                </a:extLst>
+              </p:cNvPr>
+              <p:cNvPicPr/>
+              <p:nvPr/>
+            </p:nvPicPr>
+            <p:blipFill>
+              <a:blip r:embed="rId21"/>
+              <a:stretch>
+                <a:fillRect/>
+              </a:stretch>
+            </p:blipFill>
+            <p:spPr>
+              <a:xfrm>
+                <a:off x="8639670" y="3217980"/>
+                <a:ext cx="18000" cy="18000"/>
+              </a:xfrm>
+              <a:prstGeom prst="rect">
+                <a:avLst/>
+              </a:prstGeom>
+            </p:spPr>
+          </p:pic>
+        </mc:Fallback>
+      </mc:AlternateContent>
+      <mc:AlternateContent xmlns:mc="http://schemas.openxmlformats.org/markup-compatibility/2006">
+        <mc:Choice xmlns:p14="http://schemas.microsoft.com/office/powerpoint/2010/main" Requires="p14">
+          <p:contentPart p14:bwMode="auto" r:id="rId63">
+            <p14:nvContentPartPr>
+              <p14:cNvPr id="80" name="Input penna 79">
+                <a:extLst>
+                  <a:ext uri="{FF2B5EF4-FFF2-40B4-BE49-F238E27FC236}">
+                    <a16:creationId xmlns:a16="http://schemas.microsoft.com/office/drawing/2014/main" id="{A346D8CB-3DE4-40F2-9238-EE75DD786E33}"/>
+                  </a:ext>
+                </a:extLst>
+              </p14:cNvPr>
+              <p14:cNvContentPartPr/>
+              <p14:nvPr/>
+            </p14:nvContentPartPr>
+            <p14:xfrm>
+              <a:off x="8804910" y="2396100"/>
+              <a:ext cx="360" cy="360"/>
+            </p14:xfrm>
+          </p:contentPart>
+        </mc:Choice>
+        <mc:Fallback>
+          <p:pic>
+            <p:nvPicPr>
+              <p:cNvPr id="80" name="Input penna 79">
+                <a:extLst>
+                  <a:ext uri="{FF2B5EF4-FFF2-40B4-BE49-F238E27FC236}">
+                    <a16:creationId xmlns:a16="http://schemas.microsoft.com/office/drawing/2014/main" id="{A346D8CB-3DE4-40F2-9238-EE75DD786E33}"/>
+                  </a:ext>
+                </a:extLst>
+              </p:cNvPr>
+              <p:cNvPicPr/>
+              <p:nvPr/>
+            </p:nvPicPr>
+            <p:blipFill>
+              <a:blip r:embed="rId21"/>
+              <a:stretch>
+                <a:fillRect/>
+              </a:stretch>
+            </p:blipFill>
+            <p:spPr>
+              <a:xfrm>
+                <a:off x="8795910" y="2387460"/>
+                <a:ext cx="18000" cy="18000"/>
+              </a:xfrm>
+              <a:prstGeom prst="rect">
+                <a:avLst/>
+              </a:prstGeom>
+            </p:spPr>
+          </p:pic>
+        </mc:Fallback>
+      </mc:AlternateContent>
+      <mc:AlternateContent xmlns:mc="http://schemas.openxmlformats.org/markup-compatibility/2006">
+        <mc:Choice xmlns:p14="http://schemas.microsoft.com/office/powerpoint/2010/main" Requires="p14">
+          <p:contentPart p14:bwMode="auto" r:id="rId64">
+            <p14:nvContentPartPr>
+              <p14:cNvPr id="81" name="Input penna 80">
+                <a:extLst>
+                  <a:ext uri="{FF2B5EF4-FFF2-40B4-BE49-F238E27FC236}">
+                    <a16:creationId xmlns:a16="http://schemas.microsoft.com/office/drawing/2014/main" id="{C1D41DDB-3EA9-4A2D-8097-B37AB53CB1AC}"/>
+                  </a:ext>
+                </a:extLst>
+              </p14:cNvPr>
+              <p14:cNvContentPartPr/>
+              <p14:nvPr/>
+            </p14:nvContentPartPr>
+            <p14:xfrm>
+              <a:off x="8271390" y="2392500"/>
+              <a:ext cx="360" cy="360"/>
+            </p14:xfrm>
+          </p:contentPart>
+        </mc:Choice>
+        <mc:Fallback>
+          <p:pic>
+            <p:nvPicPr>
+              <p:cNvPr id="81" name="Input penna 80">
+                <a:extLst>
+                  <a:ext uri="{FF2B5EF4-FFF2-40B4-BE49-F238E27FC236}">
+                    <a16:creationId xmlns:a16="http://schemas.microsoft.com/office/drawing/2014/main" id="{C1D41DDB-3EA9-4A2D-8097-B37AB53CB1AC}"/>
+                  </a:ext>
+                </a:extLst>
+              </p:cNvPr>
+              <p:cNvPicPr/>
+              <p:nvPr/>
+            </p:nvPicPr>
+            <p:blipFill>
+              <a:blip r:embed="rId21"/>
+              <a:stretch>
+                <a:fillRect/>
+              </a:stretch>
+            </p:blipFill>
+            <p:spPr>
+              <a:xfrm>
+                <a:off x="8262390" y="2383500"/>
+                <a:ext cx="18000" cy="18000"/>
+              </a:xfrm>
+              <a:prstGeom prst="rect">
+                <a:avLst/>
+              </a:prstGeom>
+            </p:spPr>
+          </p:pic>
+        </mc:Fallback>
+      </mc:AlternateContent>
+      <mc:AlternateContent xmlns:mc="http://schemas.openxmlformats.org/markup-compatibility/2006">
+        <mc:Choice xmlns:p14="http://schemas.microsoft.com/office/powerpoint/2010/main" Requires="p14">
+          <p:contentPart p14:bwMode="auto" r:id="rId65">
+            <p14:nvContentPartPr>
+              <p14:cNvPr id="82" name="Input penna 81">
+                <a:extLst>
+                  <a:ext uri="{FF2B5EF4-FFF2-40B4-BE49-F238E27FC236}">
+                    <a16:creationId xmlns:a16="http://schemas.microsoft.com/office/drawing/2014/main" id="{FD6002C6-F93F-4936-B76D-92539AC419BB}"/>
+                  </a:ext>
+                </a:extLst>
+              </p14:cNvPr>
+              <p14:cNvContentPartPr/>
+              <p14:nvPr/>
+            </p14:nvContentPartPr>
+            <p14:xfrm>
+              <a:off x="7505670" y="2605980"/>
+              <a:ext cx="360" cy="360"/>
+            </p14:xfrm>
+          </p:contentPart>
+        </mc:Choice>
+        <mc:Fallback>
+          <p:pic>
+            <p:nvPicPr>
+              <p:cNvPr id="82" name="Input penna 81">
+                <a:extLst>
+                  <a:ext uri="{FF2B5EF4-FFF2-40B4-BE49-F238E27FC236}">
+                    <a16:creationId xmlns:a16="http://schemas.microsoft.com/office/drawing/2014/main" id="{FD6002C6-F93F-4936-B76D-92539AC419BB}"/>
+                  </a:ext>
+                </a:extLst>
+              </p:cNvPr>
+              <p:cNvPicPr/>
+              <p:nvPr/>
+            </p:nvPicPr>
+            <p:blipFill>
+              <a:blip r:embed="rId21"/>
+              <a:stretch>
+                <a:fillRect/>
+              </a:stretch>
+            </p:blipFill>
+            <p:spPr>
+              <a:xfrm>
+                <a:off x="7496670" y="2596980"/>
+                <a:ext cx="18000" cy="18000"/>
+              </a:xfrm>
+              <a:prstGeom prst="rect">
+                <a:avLst/>
+              </a:prstGeom>
+            </p:spPr>
+          </p:pic>
+        </mc:Fallback>
+      </mc:AlternateContent>
+      <mc:AlternateContent xmlns:mc="http://schemas.openxmlformats.org/markup-compatibility/2006">
+        <mc:Choice xmlns:p14="http://schemas.microsoft.com/office/powerpoint/2010/main" Requires="p14">
+          <p:contentPart p14:bwMode="auto" r:id="rId66">
+            <p14:nvContentPartPr>
+              <p14:cNvPr id="83" name="Input penna 82">
+                <a:extLst>
+                  <a:ext uri="{FF2B5EF4-FFF2-40B4-BE49-F238E27FC236}">
+                    <a16:creationId xmlns:a16="http://schemas.microsoft.com/office/drawing/2014/main" id="{FB52EB46-AE3E-4806-8F66-C48FED0C39BB}"/>
+                  </a:ext>
+                </a:extLst>
+              </p14:cNvPr>
+              <p14:cNvContentPartPr/>
+              <p14:nvPr/>
+            </p14:nvContentPartPr>
+            <p14:xfrm>
+              <a:off x="7494150" y="2861220"/>
+              <a:ext cx="360" cy="360"/>
+            </p14:xfrm>
+          </p:contentPart>
+        </mc:Choice>
+        <mc:Fallback>
+          <p:pic>
+            <p:nvPicPr>
+              <p:cNvPr id="83" name="Input penna 82">
+                <a:extLst>
+                  <a:ext uri="{FF2B5EF4-FFF2-40B4-BE49-F238E27FC236}">
+                    <a16:creationId xmlns:a16="http://schemas.microsoft.com/office/drawing/2014/main" id="{FB52EB46-AE3E-4806-8F66-C48FED0C39BB}"/>
+                  </a:ext>
+                </a:extLst>
+              </p:cNvPr>
+              <p:cNvPicPr/>
+              <p:nvPr/>
+            </p:nvPicPr>
+            <p:blipFill>
+              <a:blip r:embed="rId21"/>
+              <a:stretch>
+                <a:fillRect/>
+              </a:stretch>
+            </p:blipFill>
+            <p:spPr>
+              <a:xfrm>
+                <a:off x="7485150" y="2852220"/>
+                <a:ext cx="18000" cy="18000"/>
+              </a:xfrm>
+              <a:prstGeom prst="rect">
+                <a:avLst/>
+              </a:prstGeom>
+            </p:spPr>
+          </p:pic>
+        </mc:Fallback>
+      </mc:AlternateContent>
+      <mc:AlternateContent xmlns:mc="http://schemas.openxmlformats.org/markup-compatibility/2006">
+        <mc:Choice xmlns:p14="http://schemas.microsoft.com/office/powerpoint/2010/main" Requires="p14">
+          <p:contentPart p14:bwMode="auto" r:id="rId67">
+            <p14:nvContentPartPr>
+              <p14:cNvPr id="84" name="Input penna 83">
+                <a:extLst>
+                  <a:ext uri="{FF2B5EF4-FFF2-40B4-BE49-F238E27FC236}">
+                    <a16:creationId xmlns:a16="http://schemas.microsoft.com/office/drawing/2014/main" id="{827DA847-6DB7-4DA2-9230-ED1ED761AAE7}"/>
+                  </a:ext>
+                </a:extLst>
+              </p14:cNvPr>
+              <p14:cNvContentPartPr/>
+              <p14:nvPr/>
+            </p14:nvContentPartPr>
+            <p14:xfrm>
+              <a:off x="7817790" y="3188820"/>
+              <a:ext cx="360" cy="360"/>
+            </p14:xfrm>
+          </p:contentPart>
+        </mc:Choice>
+        <mc:Fallback>
+          <p:pic>
+            <p:nvPicPr>
+              <p:cNvPr id="84" name="Input penna 83">
+                <a:extLst>
+                  <a:ext uri="{FF2B5EF4-FFF2-40B4-BE49-F238E27FC236}">
+                    <a16:creationId xmlns:a16="http://schemas.microsoft.com/office/drawing/2014/main" id="{827DA847-6DB7-4DA2-9230-ED1ED761AAE7}"/>
+                  </a:ext>
+                </a:extLst>
+              </p:cNvPr>
+              <p:cNvPicPr/>
+              <p:nvPr/>
+            </p:nvPicPr>
+            <p:blipFill>
+              <a:blip r:embed="rId21"/>
+              <a:stretch>
+                <a:fillRect/>
+              </a:stretch>
+            </p:blipFill>
+            <p:spPr>
+              <a:xfrm>
+                <a:off x="7809150" y="3179820"/>
+                <a:ext cx="18000" cy="18000"/>
+              </a:xfrm>
+              <a:prstGeom prst="rect">
+                <a:avLst/>
+              </a:prstGeom>
+            </p:spPr>
+          </p:pic>
+        </mc:Fallback>
+      </mc:AlternateContent>
+      <mc:AlternateContent xmlns:mc="http://schemas.openxmlformats.org/markup-compatibility/2006">
+        <mc:Choice xmlns:p14="http://schemas.microsoft.com/office/powerpoint/2010/main" Requires="p14">
+          <p:contentPart p14:bwMode="auto" r:id="rId68">
+            <p14:nvContentPartPr>
+              <p14:cNvPr id="85" name="Input penna 84">
+                <a:extLst>
+                  <a:ext uri="{FF2B5EF4-FFF2-40B4-BE49-F238E27FC236}">
+                    <a16:creationId xmlns:a16="http://schemas.microsoft.com/office/drawing/2014/main" id="{6D77BB33-246E-44A5-B722-7B0F2F7AE821}"/>
+                  </a:ext>
+                </a:extLst>
+              </p14:cNvPr>
+              <p14:cNvContentPartPr/>
+              <p14:nvPr/>
+            </p14:nvContentPartPr>
+            <p14:xfrm>
+              <a:off x="7025430" y="2819100"/>
+              <a:ext cx="360" cy="360"/>
+            </p14:xfrm>
+          </p:contentPart>
+        </mc:Choice>
+        <mc:Fallback>
+          <p:pic>
+            <p:nvPicPr>
+              <p:cNvPr id="85" name="Input penna 84">
+                <a:extLst>
+                  <a:ext uri="{FF2B5EF4-FFF2-40B4-BE49-F238E27FC236}">
+                    <a16:creationId xmlns:a16="http://schemas.microsoft.com/office/drawing/2014/main" id="{6D77BB33-246E-44A5-B722-7B0F2F7AE821}"/>
+                  </a:ext>
+                </a:extLst>
+              </p:cNvPr>
+              <p:cNvPicPr/>
+              <p:nvPr/>
+            </p:nvPicPr>
+            <p:blipFill>
+              <a:blip r:embed="rId21"/>
+              <a:stretch>
+                <a:fillRect/>
+              </a:stretch>
+            </p:blipFill>
+            <p:spPr>
+              <a:xfrm>
+                <a:off x="7016430" y="2810460"/>
+                <a:ext cx="18000" cy="18000"/>
+              </a:xfrm>
+              <a:prstGeom prst="rect">
+                <a:avLst/>
+              </a:prstGeom>
+            </p:spPr>
+          </p:pic>
+        </mc:Fallback>
+      </mc:AlternateContent>
+      <mc:AlternateContent xmlns:mc="http://schemas.openxmlformats.org/markup-compatibility/2006">
+        <mc:Choice xmlns:p14="http://schemas.microsoft.com/office/powerpoint/2010/main" Requires="p14">
+          <p:contentPart p14:bwMode="auto" r:id="rId69">
+            <p14:nvContentPartPr>
+              <p14:cNvPr id="86" name="Input penna 85">
+                <a:extLst>
+                  <a:ext uri="{FF2B5EF4-FFF2-40B4-BE49-F238E27FC236}">
+                    <a16:creationId xmlns:a16="http://schemas.microsoft.com/office/drawing/2014/main" id="{8E3BD71E-7608-48DD-8DAB-0EC983B63AB2}"/>
+                  </a:ext>
+                </a:extLst>
+              </p14:cNvPr>
+              <p14:cNvContentPartPr/>
+              <p14:nvPr/>
+            </p14:nvContentPartPr>
+            <p14:xfrm>
+              <a:off x="7246470" y="2647740"/>
+              <a:ext cx="360" cy="360"/>
+            </p14:xfrm>
+          </p:contentPart>
+        </mc:Choice>
+        <mc:Fallback>
+          <p:pic>
+            <p:nvPicPr>
+              <p:cNvPr id="86" name="Input penna 85">
+                <a:extLst>
+                  <a:ext uri="{FF2B5EF4-FFF2-40B4-BE49-F238E27FC236}">
+                    <a16:creationId xmlns:a16="http://schemas.microsoft.com/office/drawing/2014/main" id="{8E3BD71E-7608-48DD-8DAB-0EC983B63AB2}"/>
+                  </a:ext>
+                </a:extLst>
+              </p:cNvPr>
+              <p:cNvPicPr/>
+              <p:nvPr/>
+            </p:nvPicPr>
+            <p:blipFill>
+              <a:blip r:embed="rId21"/>
+              <a:stretch>
+                <a:fillRect/>
+              </a:stretch>
+            </p:blipFill>
+            <p:spPr>
+              <a:xfrm>
+                <a:off x="7237470" y="2638740"/>
+                <a:ext cx="18000" cy="18000"/>
+              </a:xfrm>
+              <a:prstGeom prst="rect">
+                <a:avLst/>
+              </a:prstGeom>
+            </p:spPr>
+          </p:pic>
+        </mc:Fallback>
+      </mc:AlternateContent>
+      <mc:AlternateContent xmlns:mc="http://schemas.openxmlformats.org/markup-compatibility/2006">
+        <mc:Choice xmlns:p14="http://schemas.microsoft.com/office/powerpoint/2010/main" Requires="p14">
+          <p:contentPart p14:bwMode="auto" r:id="rId70">
+            <p14:nvContentPartPr>
+              <p14:cNvPr id="87" name="Input penna 86">
+                <a:extLst>
+                  <a:ext uri="{FF2B5EF4-FFF2-40B4-BE49-F238E27FC236}">
+                    <a16:creationId xmlns:a16="http://schemas.microsoft.com/office/drawing/2014/main" id="{1EC12A4B-EC0E-47C5-86DE-BFA503F9BB35}"/>
+                  </a:ext>
+                </a:extLst>
+              </p14:cNvPr>
+              <p14:cNvContentPartPr/>
+              <p14:nvPr/>
+            </p14:nvContentPartPr>
+            <p14:xfrm>
+              <a:off x="7894110" y="1401780"/>
+              <a:ext cx="360" cy="360"/>
+            </p14:xfrm>
+          </p:contentPart>
+        </mc:Choice>
+        <mc:Fallback>
+          <p:pic>
+            <p:nvPicPr>
+              <p:cNvPr id="87" name="Input penna 86">
+                <a:extLst>
+                  <a:ext uri="{FF2B5EF4-FFF2-40B4-BE49-F238E27FC236}">
+                    <a16:creationId xmlns:a16="http://schemas.microsoft.com/office/drawing/2014/main" id="{1EC12A4B-EC0E-47C5-86DE-BFA503F9BB35}"/>
+                  </a:ext>
+                </a:extLst>
+              </p:cNvPr>
+              <p:cNvPicPr/>
+              <p:nvPr/>
+            </p:nvPicPr>
+            <p:blipFill>
+              <a:blip r:embed="rId21"/>
+              <a:stretch>
+                <a:fillRect/>
+              </a:stretch>
+            </p:blipFill>
+            <p:spPr>
+              <a:xfrm>
+                <a:off x="7885110" y="1393140"/>
+                <a:ext cx="18000" cy="18000"/>
+              </a:xfrm>
+              <a:prstGeom prst="rect">
+                <a:avLst/>
+              </a:prstGeom>
+            </p:spPr>
+          </p:pic>
+        </mc:Fallback>
+      </mc:AlternateContent>
+      <mc:AlternateContent xmlns:mc="http://schemas.openxmlformats.org/markup-compatibility/2006">
+        <mc:Choice xmlns:p14="http://schemas.microsoft.com/office/powerpoint/2010/main" Requires="p14">
+          <p:contentPart p14:bwMode="auto" r:id="rId71">
+            <p14:nvContentPartPr>
+              <p14:cNvPr id="88" name="Input penna 87">
+                <a:extLst>
+                  <a:ext uri="{FF2B5EF4-FFF2-40B4-BE49-F238E27FC236}">
+                    <a16:creationId xmlns:a16="http://schemas.microsoft.com/office/drawing/2014/main" id="{D3275CB0-7F05-4EAC-BA46-21BBD5E70C50}"/>
+                  </a:ext>
+                </a:extLst>
+              </p14:cNvPr>
+              <p14:cNvContentPartPr/>
+              <p14:nvPr/>
+            </p14:nvContentPartPr>
+            <p14:xfrm>
+              <a:off x="8126670" y="1314300"/>
+              <a:ext cx="360" cy="360"/>
+            </p14:xfrm>
+          </p:contentPart>
+        </mc:Choice>
+        <mc:Fallback>
+          <p:pic>
+            <p:nvPicPr>
+              <p:cNvPr id="88" name="Input penna 87">
+                <a:extLst>
+                  <a:ext uri="{FF2B5EF4-FFF2-40B4-BE49-F238E27FC236}">
+                    <a16:creationId xmlns:a16="http://schemas.microsoft.com/office/drawing/2014/main" id="{D3275CB0-7F05-4EAC-BA46-21BBD5E70C50}"/>
+                  </a:ext>
+                </a:extLst>
+              </p:cNvPr>
+              <p:cNvPicPr/>
+              <p:nvPr/>
+            </p:nvPicPr>
+            <p:blipFill>
+              <a:blip r:embed="rId21"/>
+              <a:stretch>
+                <a:fillRect/>
+              </a:stretch>
+            </p:blipFill>
+            <p:spPr>
+              <a:xfrm>
+                <a:off x="8117670" y="1305300"/>
+                <a:ext cx="18000" cy="18000"/>
+              </a:xfrm>
+              <a:prstGeom prst="rect">
+                <a:avLst/>
+              </a:prstGeom>
+            </p:spPr>
+          </p:pic>
+        </mc:Fallback>
+      </mc:AlternateContent>
+      <mc:AlternateContent xmlns:mc="http://schemas.openxmlformats.org/markup-compatibility/2006">
+        <mc:Choice xmlns:p14="http://schemas.microsoft.com/office/powerpoint/2010/main" Requires="p14">
+          <p:contentPart p14:bwMode="auto" r:id="rId72">
+            <p14:nvContentPartPr>
+              <p14:cNvPr id="89" name="Input penna 88">
+                <a:extLst>
+                  <a:ext uri="{FF2B5EF4-FFF2-40B4-BE49-F238E27FC236}">
+                    <a16:creationId xmlns:a16="http://schemas.microsoft.com/office/drawing/2014/main" id="{CE4081CE-84EB-4137-A020-9B4653E5B33F}"/>
+                  </a:ext>
+                </a:extLst>
+              </p14:cNvPr>
+              <p14:cNvContentPartPr/>
+              <p14:nvPr/>
+            </p14:nvContentPartPr>
+            <p14:xfrm>
+              <a:off x="7722750" y="1287660"/>
+              <a:ext cx="360" cy="360"/>
+            </p14:xfrm>
+          </p:contentPart>
+        </mc:Choice>
+        <mc:Fallback>
+          <p:pic>
+            <p:nvPicPr>
+              <p:cNvPr id="89" name="Input penna 88">
+                <a:extLst>
+                  <a:ext uri="{FF2B5EF4-FFF2-40B4-BE49-F238E27FC236}">
+                    <a16:creationId xmlns:a16="http://schemas.microsoft.com/office/drawing/2014/main" id="{CE4081CE-84EB-4137-A020-9B4653E5B33F}"/>
+                  </a:ext>
+                </a:extLst>
+              </p:cNvPr>
+              <p:cNvPicPr/>
+              <p:nvPr/>
+            </p:nvPicPr>
+            <p:blipFill>
+              <a:blip r:embed="rId21"/>
+              <a:stretch>
+                <a:fillRect/>
+              </a:stretch>
+            </p:blipFill>
+            <p:spPr>
+              <a:xfrm>
+                <a:off x="7713750" y="1278660"/>
+                <a:ext cx="18000" cy="18000"/>
+              </a:xfrm>
+              <a:prstGeom prst="rect">
+                <a:avLst/>
+              </a:prstGeom>
+            </p:spPr>
+          </p:pic>
+        </mc:Fallback>
+      </mc:AlternateContent>
+      <mc:AlternateContent xmlns:mc="http://schemas.openxmlformats.org/markup-compatibility/2006">
+        <mc:Choice xmlns:p14="http://schemas.microsoft.com/office/powerpoint/2010/main" Requires="p14">
+          <p:contentPart p14:bwMode="auto" r:id="rId73">
+            <p14:nvContentPartPr>
+              <p14:cNvPr id="90" name="Input penna 89">
+                <a:extLst>
+                  <a:ext uri="{FF2B5EF4-FFF2-40B4-BE49-F238E27FC236}">
+                    <a16:creationId xmlns:a16="http://schemas.microsoft.com/office/drawing/2014/main" id="{62DF4C04-AD02-4800-9B38-AF45A2312F76}"/>
+                  </a:ext>
+                </a:extLst>
+              </p14:cNvPr>
+              <p14:cNvContentPartPr/>
+              <p14:nvPr/>
+            </p14:nvContentPartPr>
+            <p14:xfrm>
+              <a:off x="7619790" y="1954380"/>
+              <a:ext cx="360" cy="360"/>
+            </p14:xfrm>
+          </p:contentPart>
+        </mc:Choice>
+        <mc:Fallback>
+          <p:pic>
+            <p:nvPicPr>
+              <p:cNvPr id="90" name="Input penna 89">
+                <a:extLst>
+                  <a:ext uri="{FF2B5EF4-FFF2-40B4-BE49-F238E27FC236}">
+                    <a16:creationId xmlns:a16="http://schemas.microsoft.com/office/drawing/2014/main" id="{62DF4C04-AD02-4800-9B38-AF45A2312F76}"/>
+                  </a:ext>
+                </a:extLst>
+              </p:cNvPr>
+              <p:cNvPicPr/>
+              <p:nvPr/>
+            </p:nvPicPr>
+            <p:blipFill>
+              <a:blip r:embed="rId21"/>
+              <a:stretch>
+                <a:fillRect/>
+              </a:stretch>
+            </p:blipFill>
+            <p:spPr>
+              <a:xfrm>
+                <a:off x="7610790" y="1945380"/>
+                <a:ext cx="18000" cy="18000"/>
+              </a:xfrm>
+              <a:prstGeom prst="rect">
+                <a:avLst/>
+              </a:prstGeom>
+            </p:spPr>
+          </p:pic>
+        </mc:Fallback>
+      </mc:AlternateContent>
+      <mc:AlternateContent xmlns:mc="http://schemas.openxmlformats.org/markup-compatibility/2006">
+        <mc:Choice xmlns:p14="http://schemas.microsoft.com/office/powerpoint/2010/main" Requires="p14">
+          <p:contentPart p14:bwMode="auto" r:id="rId74">
+            <p14:nvContentPartPr>
+              <p14:cNvPr id="91" name="Input penna 90">
+                <a:extLst>
+                  <a:ext uri="{FF2B5EF4-FFF2-40B4-BE49-F238E27FC236}">
+                    <a16:creationId xmlns:a16="http://schemas.microsoft.com/office/drawing/2014/main" id="{DAB64EAC-EA67-40CE-92B9-A864E4060F07}"/>
+                  </a:ext>
+                </a:extLst>
+              </p14:cNvPr>
+              <p14:cNvContentPartPr/>
+              <p14:nvPr/>
+            </p14:nvContentPartPr>
+            <p14:xfrm>
+              <a:off x="7406310" y="1977060"/>
+              <a:ext cx="360" cy="360"/>
+            </p14:xfrm>
+          </p:contentPart>
+        </mc:Choice>
+        <mc:Fallback>
+          <p:pic>
+            <p:nvPicPr>
+              <p:cNvPr id="91" name="Input penna 90">
+                <a:extLst>
+                  <a:ext uri="{FF2B5EF4-FFF2-40B4-BE49-F238E27FC236}">
+                    <a16:creationId xmlns:a16="http://schemas.microsoft.com/office/drawing/2014/main" id="{DAB64EAC-EA67-40CE-92B9-A864E4060F07}"/>
+                  </a:ext>
+                </a:extLst>
+              </p:cNvPr>
+              <p:cNvPicPr/>
+              <p:nvPr/>
+            </p:nvPicPr>
+            <p:blipFill>
+              <a:blip r:embed="rId21"/>
+              <a:stretch>
+                <a:fillRect/>
+              </a:stretch>
+            </p:blipFill>
+            <p:spPr>
+              <a:xfrm>
+                <a:off x="7397310" y="1968420"/>
+                <a:ext cx="18000" cy="18000"/>
+              </a:xfrm>
+              <a:prstGeom prst="rect">
+                <a:avLst/>
+              </a:prstGeom>
+            </p:spPr>
+          </p:pic>
+        </mc:Fallback>
+      </mc:AlternateContent>
+      <mc:AlternateContent xmlns:mc="http://schemas.openxmlformats.org/markup-compatibility/2006">
+        <mc:Choice xmlns:p14="http://schemas.microsoft.com/office/powerpoint/2010/main" Requires="p14">
+          <p:contentPart p14:bwMode="auto" r:id="rId75">
+            <p14:nvContentPartPr>
+              <p14:cNvPr id="92" name="Input penna 91">
+                <a:extLst>
+                  <a:ext uri="{FF2B5EF4-FFF2-40B4-BE49-F238E27FC236}">
+                    <a16:creationId xmlns:a16="http://schemas.microsoft.com/office/drawing/2014/main" id="{DBB0E97F-8FAB-498F-80FA-92EC79F25F20}"/>
+                  </a:ext>
+                </a:extLst>
+              </p14:cNvPr>
+              <p14:cNvContentPartPr/>
+              <p14:nvPr/>
+            </p14:nvContentPartPr>
+            <p14:xfrm>
+              <a:off x="8740110" y="1348500"/>
+              <a:ext cx="360" cy="360"/>
+            </p14:xfrm>
+          </p:contentPart>
+        </mc:Choice>
+        <mc:Fallback>
+          <p:pic>
+            <p:nvPicPr>
+              <p:cNvPr id="92" name="Input penna 91">
+                <a:extLst>
+                  <a:ext uri="{FF2B5EF4-FFF2-40B4-BE49-F238E27FC236}">
+                    <a16:creationId xmlns:a16="http://schemas.microsoft.com/office/drawing/2014/main" id="{DBB0E97F-8FAB-498F-80FA-92EC79F25F20}"/>
+                  </a:ext>
+                </a:extLst>
+              </p:cNvPr>
+              <p:cNvPicPr/>
+              <p:nvPr/>
+            </p:nvPicPr>
+            <p:blipFill>
+              <a:blip r:embed="rId21"/>
+              <a:stretch>
+                <a:fillRect/>
+              </a:stretch>
+            </p:blipFill>
+            <p:spPr>
+              <a:xfrm>
+                <a:off x="8731110" y="1339860"/>
+                <a:ext cx="18000" cy="18000"/>
+              </a:xfrm>
+              <a:prstGeom prst="rect">
+                <a:avLst/>
+              </a:prstGeom>
+            </p:spPr>
+          </p:pic>
+        </mc:Fallback>
+      </mc:AlternateContent>
+      <mc:AlternateContent xmlns:mc="http://schemas.openxmlformats.org/markup-compatibility/2006">
+        <mc:Choice xmlns:p14="http://schemas.microsoft.com/office/powerpoint/2010/main" Requires="p14">
+          <p:contentPart p14:bwMode="auto" r:id="rId76">
+            <p14:nvContentPartPr>
+              <p14:cNvPr id="93" name="Input penna 92">
+                <a:extLst>
+                  <a:ext uri="{FF2B5EF4-FFF2-40B4-BE49-F238E27FC236}">
+                    <a16:creationId xmlns:a16="http://schemas.microsoft.com/office/drawing/2014/main" id="{15AFF660-BA45-4621-896D-0B9D95E0A8D1}"/>
+                  </a:ext>
+                </a:extLst>
+              </p14:cNvPr>
+              <p14:cNvContentPartPr/>
+              <p14:nvPr/>
+            </p14:nvContentPartPr>
+            <p14:xfrm>
+              <a:off x="8587470" y="1912260"/>
+              <a:ext cx="360" cy="360"/>
+            </p14:xfrm>
+          </p:contentPart>
+        </mc:Choice>
+        <mc:Fallback>
+          <p:pic>
+            <p:nvPicPr>
+              <p:cNvPr id="93" name="Input penna 92">
+                <a:extLst>
+                  <a:ext uri="{FF2B5EF4-FFF2-40B4-BE49-F238E27FC236}">
+                    <a16:creationId xmlns:a16="http://schemas.microsoft.com/office/drawing/2014/main" id="{15AFF660-BA45-4621-896D-0B9D95E0A8D1}"/>
+                  </a:ext>
+                </a:extLst>
+              </p:cNvPr>
+              <p:cNvPicPr/>
+              <p:nvPr/>
+            </p:nvPicPr>
+            <p:blipFill>
+              <a:blip r:embed="rId21"/>
+              <a:stretch>
+                <a:fillRect/>
+              </a:stretch>
+            </p:blipFill>
+            <p:spPr>
+              <a:xfrm>
+                <a:off x="8578470" y="1903620"/>
+                <a:ext cx="18000" cy="18000"/>
+              </a:xfrm>
+              <a:prstGeom prst="rect">
+                <a:avLst/>
+              </a:prstGeom>
+            </p:spPr>
+          </p:pic>
+        </mc:Fallback>
+      </mc:AlternateContent>
+      <mc:AlternateContent xmlns:mc="http://schemas.openxmlformats.org/markup-compatibility/2006">
+        <mc:Choice xmlns:p14="http://schemas.microsoft.com/office/powerpoint/2010/main" Requires="p14">
+          <p:contentPart p14:bwMode="auto" r:id="rId77">
+            <p14:nvContentPartPr>
+              <p14:cNvPr id="94" name="Input penna 93">
+                <a:extLst>
+                  <a:ext uri="{FF2B5EF4-FFF2-40B4-BE49-F238E27FC236}">
+                    <a16:creationId xmlns:a16="http://schemas.microsoft.com/office/drawing/2014/main" id="{E29F7C7B-0EA9-4E3F-8128-BE2607561F00}"/>
+                  </a:ext>
+                </a:extLst>
+              </p14:cNvPr>
+              <p14:cNvContentPartPr/>
+              <p14:nvPr/>
+            </p14:nvContentPartPr>
+            <p14:xfrm>
+              <a:off x="8694390" y="2030340"/>
+              <a:ext cx="360" cy="360"/>
+            </p14:xfrm>
+          </p:contentPart>
+        </mc:Choice>
+        <mc:Fallback>
+          <p:pic>
+            <p:nvPicPr>
+              <p:cNvPr id="94" name="Input penna 93">
+                <a:extLst>
+                  <a:ext uri="{FF2B5EF4-FFF2-40B4-BE49-F238E27FC236}">
+                    <a16:creationId xmlns:a16="http://schemas.microsoft.com/office/drawing/2014/main" id="{E29F7C7B-0EA9-4E3F-8128-BE2607561F00}"/>
+                  </a:ext>
+                </a:extLst>
+              </p:cNvPr>
+              <p:cNvPicPr/>
+              <p:nvPr/>
+            </p:nvPicPr>
+            <p:blipFill>
+              <a:blip r:embed="rId21"/>
+              <a:stretch>
+                <a:fillRect/>
+              </a:stretch>
+            </p:blipFill>
+            <p:spPr>
+              <a:xfrm>
+                <a:off x="8685390" y="2021700"/>
+                <a:ext cx="18000" cy="18000"/>
+              </a:xfrm>
+              <a:prstGeom prst="rect">
+                <a:avLst/>
+              </a:prstGeom>
+            </p:spPr>
+          </p:pic>
+        </mc:Fallback>
+      </mc:AlternateContent>
+      <p:cxnSp>
+        <p:nvCxnSpPr>
+          <p:cNvPr id="98" name="Connettore 2 97">
+            <a:extLst>
+              <a:ext uri="{FF2B5EF4-FFF2-40B4-BE49-F238E27FC236}">
+                <a16:creationId xmlns:a16="http://schemas.microsoft.com/office/drawing/2014/main" id="{77E64716-AF6C-4F04-8D26-ACC46AB89600}"/>
+              </a:ext>
+            </a:extLst>
+          </p:cNvPr>
+          <p:cNvCxnSpPr/>
+          <p:nvPr/>
+        </p:nvCxnSpPr>
+        <p:spPr>
+          <a:xfrm flipV="1">
+            <a:off x="9372967" y="4791269"/>
+            <a:ext cx="195578" cy="401452"/>
+          </a:xfrm>
+          <a:prstGeom prst="straightConnector1">
+            <a:avLst/>
+          </a:prstGeom>
+          <a:ln w="9525">
+            <a:tailEnd type="triangle"/>
+          </a:ln>
+        </p:spPr>
+        <p:style>
+          <a:lnRef idx="1">
+            <a:schemeClr val="accent2"/>
+          </a:lnRef>
+          <a:fillRef idx="0">
+            <a:schemeClr val="accent2"/>
+          </a:fillRef>
+          <a:effectRef idx="0">
+            <a:schemeClr val="accent2"/>
+          </a:effectRef>
+          <a:fontRef idx="minor">
+            <a:schemeClr val="tx1"/>
+          </a:fontRef>
+        </p:style>
+      </p:cxnSp>
+      <p:cxnSp>
+        <p:nvCxnSpPr>
+          <p:cNvPr id="100" name="Connettore 2 99">
+            <a:extLst>
+              <a:ext uri="{FF2B5EF4-FFF2-40B4-BE49-F238E27FC236}">
+                <a16:creationId xmlns:a16="http://schemas.microsoft.com/office/drawing/2014/main" id="{B136B0AA-A4CE-4E20-BD6A-295920B9E2EF}"/>
+              </a:ext>
+            </a:extLst>
+          </p:cNvPr>
+          <p:cNvCxnSpPr/>
+          <p:nvPr/>
+        </p:nvCxnSpPr>
+        <p:spPr>
+          <a:xfrm flipH="1">
+            <a:off x="9604807" y="4283001"/>
+            <a:ext cx="38383" cy="390960"/>
+          </a:xfrm>
+          <a:prstGeom prst="straightConnector1">
+            <a:avLst/>
+          </a:prstGeom>
+          <a:ln w="9525">
+            <a:tailEnd type="triangle"/>
+          </a:ln>
+        </p:spPr>
+        <p:style>
+          <a:lnRef idx="1">
+            <a:schemeClr val="accent2"/>
+          </a:lnRef>
+          <a:fillRef idx="0">
+            <a:schemeClr val="accent2"/>
+          </a:fillRef>
+          <a:effectRef idx="0">
+            <a:schemeClr val="accent2"/>
+          </a:effectRef>
+          <a:fontRef idx="minor">
+            <a:schemeClr val="tx1"/>
+          </a:fontRef>
+        </p:style>
+      </p:cxnSp>
+      <p:cxnSp>
+        <p:nvCxnSpPr>
+          <p:cNvPr id="102" name="Connettore 2 101">
+            <a:extLst>
+              <a:ext uri="{FF2B5EF4-FFF2-40B4-BE49-F238E27FC236}">
+                <a16:creationId xmlns:a16="http://schemas.microsoft.com/office/drawing/2014/main" id="{7184E4D4-5A58-4465-AB14-4D2E0D54402A}"/>
+              </a:ext>
+            </a:extLst>
+          </p:cNvPr>
+          <p:cNvCxnSpPr>
+            <a:endCxn id="11" idx="7"/>
+          </p:cNvCxnSpPr>
+          <p:nvPr/>
+        </p:nvCxnSpPr>
+        <p:spPr>
+          <a:xfrm flipH="1">
+            <a:off x="9632258" y="4673961"/>
+            <a:ext cx="121342" cy="53595"/>
+          </a:xfrm>
+          <a:prstGeom prst="straightConnector1">
+            <a:avLst/>
+          </a:prstGeom>
+          <a:ln w="9525">
+            <a:tailEnd type="triangle"/>
+          </a:ln>
+        </p:spPr>
+        <p:style>
+          <a:lnRef idx="1">
+            <a:schemeClr val="accent2"/>
+          </a:lnRef>
+          <a:fillRef idx="0">
+            <a:schemeClr val="accent2"/>
+          </a:fillRef>
+          <a:effectRef idx="0">
+            <a:schemeClr val="accent2"/>
+          </a:effectRef>
+          <a:fontRef idx="minor">
+            <a:schemeClr val="tx1"/>
+          </a:fontRef>
+        </p:style>
+      </p:cxnSp>
+      <p:sp>
+        <p:nvSpPr>
+          <p:cNvPr id="103" name="CasellaDiTesto 102">
+            <a:extLst>
+              <a:ext uri="{FF2B5EF4-FFF2-40B4-BE49-F238E27FC236}">
+                <a16:creationId xmlns:a16="http://schemas.microsoft.com/office/drawing/2014/main" id="{7789263A-DF14-495B-9728-F6705E86945C}"/>
+              </a:ext>
+            </a:extLst>
+          </p:cNvPr>
+          <p:cNvSpPr txBox="1"/>
+          <p:nvPr/>
+        </p:nvSpPr>
+        <p:spPr>
+          <a:xfrm>
+            <a:off x="620880" y="926469"/>
+            <a:ext cx="4415265" cy="646331"/>
+          </a:xfrm>
+          <a:prstGeom prst="rect">
+            <a:avLst/>
+          </a:prstGeom>
+          <a:noFill/>
+        </p:spPr>
+        <p:txBody>
+          <a:bodyPr wrap="square" rtlCol="0">
+            <a:spAutoFit/>
+          </a:bodyPr>
+          <a:lstStyle/>
+          <a:p>
+            <a:r>
+              <a:rPr lang="it-IT" sz="3600" b="1" dirty="0" err="1">
+                <a:solidFill>
+                  <a:schemeClr val="bg1"/>
+                </a:solidFill>
+                <a:latin typeface="Avenir Next LT Pro Light" panose="020B0304020202020204" pitchFamily="34" charset="0"/>
+              </a:rPr>
+              <a:t>Pointing</a:t>
+            </a:r>
+            <a:r>
+              <a:rPr lang="it-IT" sz="3600" b="1" dirty="0">
+                <a:solidFill>
+                  <a:schemeClr val="bg1"/>
+                </a:solidFill>
+                <a:latin typeface="Avenir Next LT Pro Light" panose="020B0304020202020204" pitchFamily="34" charset="0"/>
+              </a:rPr>
+              <a:t> </a:t>
+            </a:r>
+            <a:r>
+              <a:rPr lang="it-IT" sz="3600" b="1" dirty="0" err="1">
+                <a:solidFill>
+                  <a:schemeClr val="bg1"/>
+                </a:solidFill>
+                <a:latin typeface="Avenir Next LT Pro Light" panose="020B0304020202020204" pitchFamily="34" charset="0"/>
+              </a:rPr>
+              <a:t>Mechanism</a:t>
+            </a:r>
+            <a:endParaRPr lang="en-GB" sz="3600" b="1" dirty="0">
+              <a:solidFill>
+                <a:schemeClr val="bg1"/>
+              </a:solidFill>
+              <a:latin typeface="Avenir Next LT Pro Light" panose="020B0304020202020204" pitchFamily="34" charset="0"/>
+            </a:endParaRPr>
+          </a:p>
+        </p:txBody>
+      </p:sp>
+      <p:sp>
+        <p:nvSpPr>
+          <p:cNvPr id="104" name="CasellaDiTesto 103">
+            <a:extLst>
+              <a:ext uri="{FF2B5EF4-FFF2-40B4-BE49-F238E27FC236}">
+                <a16:creationId xmlns:a16="http://schemas.microsoft.com/office/drawing/2014/main" id="{542C762D-CC5C-43E4-8CD5-BC00590ED225}"/>
+              </a:ext>
+            </a:extLst>
+          </p:cNvPr>
+          <p:cNvSpPr txBox="1"/>
+          <p:nvPr/>
+        </p:nvSpPr>
+        <p:spPr>
+          <a:xfrm>
+            <a:off x="627017" y="1790334"/>
+            <a:ext cx="4494800" cy="4154984"/>
+          </a:xfrm>
+          <a:prstGeom prst="rect">
+            <a:avLst/>
+          </a:prstGeom>
+          <a:noFill/>
+        </p:spPr>
+        <p:txBody>
+          <a:bodyPr wrap="square" rtlCol="0">
+            <a:spAutoFit/>
+          </a:bodyPr>
+          <a:lstStyle/>
+          <a:p>
+            <a:r>
+              <a:rPr lang="it-IT" sz="2400" dirty="0">
+                <a:solidFill>
+                  <a:schemeClr val="bg1"/>
+                </a:solidFill>
+                <a:latin typeface="Avenir Next LT Pro Light" panose="020B0304020202020204" pitchFamily="34" charset="0"/>
+              </a:rPr>
+              <a:t>The «</a:t>
+            </a:r>
+            <a:r>
+              <a:rPr lang="it-IT" sz="2400" dirty="0" err="1">
+                <a:solidFill>
+                  <a:schemeClr val="bg1"/>
+                </a:solidFill>
+                <a:latin typeface="Avenir Next LT Pro Light" panose="020B0304020202020204" pitchFamily="34" charset="0"/>
+              </a:rPr>
+              <a:t>torch</a:t>
+            </a:r>
+            <a:r>
+              <a:rPr lang="it-IT" sz="2400" dirty="0">
+                <a:solidFill>
+                  <a:schemeClr val="bg1"/>
+                </a:solidFill>
+                <a:latin typeface="Avenir Next LT Pro Light" panose="020B0304020202020204" pitchFamily="34" charset="0"/>
+              </a:rPr>
+              <a:t>» </a:t>
+            </a:r>
+            <a:r>
+              <a:rPr lang="it-IT" sz="2400" dirty="0" err="1">
+                <a:solidFill>
+                  <a:schemeClr val="bg1"/>
+                </a:solidFill>
+                <a:latin typeface="Avenir Next LT Pro Light" panose="020B0304020202020204" pitchFamily="34" charset="0"/>
+              </a:rPr>
+              <a:t>indicates</a:t>
+            </a:r>
+            <a:r>
+              <a:rPr lang="it-IT" sz="2400" dirty="0">
+                <a:solidFill>
+                  <a:schemeClr val="bg1"/>
+                </a:solidFill>
+                <a:latin typeface="Avenir Next LT Pro Light" panose="020B0304020202020204" pitchFamily="34" charset="0"/>
+              </a:rPr>
+              <a:t> a point on the screen (the red one) </a:t>
+            </a:r>
+            <a:r>
+              <a:rPr lang="it-IT" sz="2400" dirty="0" err="1">
+                <a:solidFill>
+                  <a:schemeClr val="bg1"/>
+                </a:solidFill>
+                <a:latin typeface="Avenir Next LT Pro Light" panose="020B0304020202020204" pitchFamily="34" charset="0"/>
+              </a:rPr>
+              <a:t>that</a:t>
+            </a:r>
+            <a:r>
+              <a:rPr lang="it-IT" sz="2400" dirty="0">
+                <a:solidFill>
+                  <a:schemeClr val="bg1"/>
+                </a:solidFill>
+                <a:latin typeface="Avenir Next LT Pro Light" panose="020B0304020202020204" pitchFamily="34" charset="0"/>
+              </a:rPr>
+              <a:t> </a:t>
+            </a:r>
+            <a:r>
+              <a:rPr lang="it-IT" sz="2400" dirty="0" err="1">
+                <a:solidFill>
+                  <a:schemeClr val="bg1"/>
+                </a:solidFill>
+                <a:latin typeface="Avenir Next LT Pro Light" panose="020B0304020202020204" pitchFamily="34" charset="0"/>
+              </a:rPr>
+              <a:t>is</a:t>
+            </a:r>
+            <a:r>
+              <a:rPr lang="it-IT" sz="2400" dirty="0">
+                <a:solidFill>
+                  <a:schemeClr val="bg1"/>
+                </a:solidFill>
+                <a:latin typeface="Avenir Next LT Pro Light" panose="020B0304020202020204" pitchFamily="34" charset="0"/>
+              </a:rPr>
+              <a:t> the center of a </a:t>
+            </a:r>
+            <a:r>
+              <a:rPr lang="it-IT" sz="2400" dirty="0" err="1">
+                <a:solidFill>
+                  <a:schemeClr val="bg1"/>
+                </a:solidFill>
+                <a:latin typeface="Avenir Next LT Pro Light" panose="020B0304020202020204" pitchFamily="34" charset="0"/>
+              </a:rPr>
+              <a:t>circle</a:t>
+            </a:r>
+            <a:r>
+              <a:rPr lang="it-IT" sz="2400" dirty="0">
+                <a:solidFill>
+                  <a:schemeClr val="bg1"/>
+                </a:solidFill>
+                <a:latin typeface="Avenir Next LT Pro Light" panose="020B0304020202020204" pitchFamily="34" charset="0"/>
+              </a:rPr>
+              <a:t>.</a:t>
+            </a:r>
+          </a:p>
+          <a:p>
+            <a:r>
+              <a:rPr lang="it-IT" sz="2400" dirty="0" err="1">
+                <a:solidFill>
+                  <a:schemeClr val="bg1"/>
+                </a:solidFill>
+                <a:latin typeface="Avenir Next LT Pro Light" panose="020B0304020202020204" pitchFamily="34" charset="0"/>
+              </a:rPr>
+              <a:t>Every</a:t>
+            </a:r>
+            <a:r>
+              <a:rPr lang="it-IT" sz="2400" dirty="0">
+                <a:solidFill>
+                  <a:schemeClr val="bg1"/>
+                </a:solidFill>
+                <a:latin typeface="Avenir Next LT Pro Light" panose="020B0304020202020204" pitchFamily="34" charset="0"/>
+              </a:rPr>
+              <a:t> star </a:t>
+            </a:r>
+            <a:r>
+              <a:rPr lang="it-IT" sz="2400" dirty="0" err="1">
+                <a:solidFill>
+                  <a:schemeClr val="bg1"/>
+                </a:solidFill>
+                <a:latin typeface="Avenir Next LT Pro Light" panose="020B0304020202020204" pitchFamily="34" charset="0"/>
+              </a:rPr>
+              <a:t>that</a:t>
+            </a:r>
+            <a:r>
+              <a:rPr lang="it-IT" sz="2400" dirty="0">
+                <a:solidFill>
+                  <a:schemeClr val="bg1"/>
+                </a:solidFill>
+                <a:latin typeface="Avenir Next LT Pro Light" panose="020B0304020202020204" pitchFamily="34" charset="0"/>
+              </a:rPr>
+              <a:t> </a:t>
+            </a:r>
+            <a:r>
+              <a:rPr lang="it-IT" sz="2400" dirty="0" err="1">
+                <a:solidFill>
+                  <a:schemeClr val="bg1"/>
+                </a:solidFill>
+                <a:latin typeface="Avenir Next LT Pro Light" panose="020B0304020202020204" pitchFamily="34" charset="0"/>
+              </a:rPr>
+              <a:t>is</a:t>
+            </a:r>
+            <a:r>
+              <a:rPr lang="it-IT" sz="2400" dirty="0">
+                <a:solidFill>
+                  <a:schemeClr val="bg1"/>
+                </a:solidFill>
+                <a:latin typeface="Avenir Next LT Pro Light" panose="020B0304020202020204" pitchFamily="34" charset="0"/>
+              </a:rPr>
+              <a:t> in the </a:t>
+            </a:r>
+            <a:r>
+              <a:rPr lang="it-IT" sz="2400" dirty="0" err="1">
+                <a:solidFill>
+                  <a:schemeClr val="bg1"/>
+                </a:solidFill>
+                <a:latin typeface="Avenir Next LT Pro Light" panose="020B0304020202020204" pitchFamily="34" charset="0"/>
+              </a:rPr>
+              <a:t>circle</a:t>
+            </a:r>
+            <a:r>
+              <a:rPr lang="it-IT" sz="2400" dirty="0">
+                <a:solidFill>
+                  <a:schemeClr val="bg1"/>
+                </a:solidFill>
+                <a:latin typeface="Avenir Next LT Pro Light" panose="020B0304020202020204" pitchFamily="34" charset="0"/>
+              </a:rPr>
+              <a:t> </a:t>
+            </a:r>
+            <a:r>
+              <a:rPr lang="it-IT" sz="2400" dirty="0" err="1">
+                <a:solidFill>
+                  <a:schemeClr val="bg1"/>
+                </a:solidFill>
+                <a:latin typeface="Avenir Next LT Pro Light" panose="020B0304020202020204" pitchFamily="34" charset="0"/>
+              </a:rPr>
+              <a:t>interact</a:t>
+            </a:r>
+            <a:r>
+              <a:rPr lang="it-IT" sz="2400" dirty="0">
+                <a:solidFill>
+                  <a:schemeClr val="bg1"/>
+                </a:solidFill>
+                <a:latin typeface="Avenir Next LT Pro Light" panose="020B0304020202020204" pitchFamily="34" charset="0"/>
+              </a:rPr>
+              <a:t> </a:t>
+            </a:r>
+            <a:r>
+              <a:rPr lang="it-IT" sz="2400" dirty="0" err="1">
+                <a:solidFill>
+                  <a:schemeClr val="bg1"/>
+                </a:solidFill>
+                <a:latin typeface="Avenir Next LT Pro Light" panose="020B0304020202020204" pitchFamily="34" charset="0"/>
+              </a:rPr>
+              <a:t>froma</a:t>
+            </a:r>
+            <a:r>
+              <a:rPr lang="it-IT" sz="2400" dirty="0">
+                <a:solidFill>
+                  <a:schemeClr val="bg1"/>
+                </a:solidFill>
+                <a:latin typeface="Avenir Next LT Pro Light" panose="020B0304020202020204" pitchFamily="34" charset="0"/>
+              </a:rPr>
+              <a:t> sounding point of </a:t>
+            </a:r>
+            <a:r>
+              <a:rPr lang="it-IT" sz="2400" dirty="0" err="1">
+                <a:solidFill>
+                  <a:schemeClr val="bg1"/>
+                </a:solidFill>
+                <a:latin typeface="Avenir Next LT Pro Light" panose="020B0304020202020204" pitchFamily="34" charset="0"/>
+              </a:rPr>
+              <a:t>view</a:t>
+            </a:r>
+            <a:r>
+              <a:rPr lang="it-IT" sz="2400" dirty="0">
+                <a:solidFill>
+                  <a:schemeClr val="bg1"/>
+                </a:solidFill>
+                <a:latin typeface="Avenir Next LT Pro Light" panose="020B0304020202020204" pitchFamily="34" charset="0"/>
+              </a:rPr>
+              <a:t> </a:t>
+            </a:r>
+            <a:r>
+              <a:rPr lang="it-IT" sz="2400" dirty="0" err="1">
+                <a:solidFill>
+                  <a:schemeClr val="bg1"/>
+                </a:solidFill>
+                <a:latin typeface="Avenir Next LT Pro Light" panose="020B0304020202020204" pitchFamily="34" charset="0"/>
+              </a:rPr>
+              <a:t>depending</a:t>
+            </a:r>
+            <a:r>
+              <a:rPr lang="it-IT" sz="2400" dirty="0">
+                <a:solidFill>
+                  <a:schemeClr val="bg1"/>
+                </a:solidFill>
+                <a:latin typeface="Avenir Next LT Pro Light" panose="020B0304020202020204" pitchFamily="34" charset="0"/>
+              </a:rPr>
+              <a:t> on:</a:t>
+            </a:r>
+          </a:p>
+          <a:p>
+            <a:endParaRPr lang="it-IT" sz="2400" dirty="0">
+              <a:solidFill>
+                <a:schemeClr val="bg1"/>
+              </a:solidFill>
+              <a:latin typeface="Avenir Next LT Pro Light" panose="020B0304020202020204" pitchFamily="34" charset="0"/>
+            </a:endParaRPr>
+          </a:p>
+          <a:p>
+            <a:pPr marL="285750" indent="-285750">
+              <a:buFont typeface="Arial" panose="020B0604020202020204" pitchFamily="34" charset="0"/>
+              <a:buChar char="•"/>
+            </a:pPr>
+            <a:r>
+              <a:rPr lang="it-IT" sz="2400" dirty="0" err="1">
+                <a:solidFill>
+                  <a:schemeClr val="bg1"/>
+                </a:solidFill>
+                <a:latin typeface="Avenir Next LT Pro Light" panose="020B0304020202020204" pitchFamily="34" charset="0"/>
+              </a:rPr>
+              <a:t>Distance</a:t>
+            </a:r>
+            <a:r>
+              <a:rPr lang="it-IT" sz="2400" dirty="0">
+                <a:solidFill>
+                  <a:schemeClr val="bg1"/>
+                </a:solidFill>
+                <a:latin typeface="Avenir Next LT Pro Light" panose="020B0304020202020204" pitchFamily="34" charset="0"/>
+              </a:rPr>
+              <a:t> from the center</a:t>
+            </a:r>
+          </a:p>
+          <a:p>
+            <a:pPr marL="285750" indent="-285750">
+              <a:buFont typeface="Arial" panose="020B0604020202020204" pitchFamily="34" charset="0"/>
+              <a:buChar char="•"/>
+            </a:pPr>
+            <a:r>
+              <a:rPr lang="en-GB" sz="2400" dirty="0">
+                <a:solidFill>
+                  <a:schemeClr val="bg1"/>
+                </a:solidFill>
+                <a:latin typeface="Avenir Next LT Pro Light" panose="020B0304020202020204" pitchFamily="34" charset="0"/>
+              </a:rPr>
+              <a:t>Dimensions</a:t>
+            </a:r>
+          </a:p>
+          <a:p>
+            <a:pPr marL="285750" indent="-285750">
+              <a:buFont typeface="Arial" panose="020B0604020202020204" pitchFamily="34" charset="0"/>
+              <a:buChar char="•"/>
+            </a:pPr>
+            <a:r>
+              <a:rPr lang="en-GB" sz="2400" dirty="0" err="1">
+                <a:solidFill>
+                  <a:schemeClr val="bg1"/>
+                </a:solidFill>
+                <a:latin typeface="Avenir Next LT Pro Light" panose="020B0304020202020204" pitchFamily="34" charset="0"/>
+              </a:rPr>
+              <a:t>Brillance</a:t>
+            </a:r>
+            <a:endParaRPr lang="en-GB" sz="2400" dirty="0">
+              <a:solidFill>
+                <a:schemeClr val="bg1"/>
+              </a:solidFill>
+              <a:latin typeface="Avenir Next LT Pro Light" panose="020B0304020202020204" pitchFamily="34" charset="0"/>
+            </a:endParaRPr>
+          </a:p>
+          <a:p>
+            <a:pPr marL="285750" indent="-285750">
+              <a:buFont typeface="Arial" panose="020B0604020202020204" pitchFamily="34" charset="0"/>
+              <a:buChar char="•"/>
+            </a:pPr>
+            <a:r>
+              <a:rPr lang="en-GB" sz="2400" dirty="0" err="1">
+                <a:solidFill>
+                  <a:schemeClr val="bg1"/>
+                </a:solidFill>
+                <a:latin typeface="Avenir Next LT Pro Light" panose="020B0304020202020204" pitchFamily="34" charset="0"/>
+              </a:rPr>
+              <a:t>Color</a:t>
+            </a:r>
+            <a:endParaRPr lang="en-GB" sz="2400" dirty="0">
+              <a:solidFill>
+                <a:schemeClr val="bg1"/>
+              </a:solidFill>
+              <a:latin typeface="Avenir Next LT Pro Light" panose="020B0304020202020204" pitchFamily="34" charset="0"/>
+            </a:endParaRPr>
+          </a:p>
+        </p:txBody>
+      </p:sp>
     </p:spTree>
     <p:extLst>
       <p:ext uri="{BB962C8B-B14F-4D97-AF65-F5344CB8AC3E}">
-        <p14:creationId xmlns:p14="http://schemas.microsoft.com/office/powerpoint/2010/main" val="2291842543"/>
+        <p14:creationId xmlns:p14="http://schemas.microsoft.com/office/powerpoint/2010/main" val="4167743882"/>
+      </p:ext>
+    </p:extLst>
+  </p:cSld>
+  <p:clrMapOvr>
+    <a:masterClrMapping/>
+  </p:clrMapOvr>
+</p:sld>
+</file>
+
+<file path=ppt/slides/slide7.xml><?xml version="1.0" encoding="utf-8"?>
+<p:sld xmlns:a="http://schemas.openxmlformats.org/drawingml/2006/main" xmlns:r="http://schemas.openxmlformats.org/officeDocument/2006/relationships" xmlns:p="http://schemas.openxmlformats.org/presentationml/2006/main">
+  <p:cSld>
+    <p:spTree>
+      <p:nvGrpSpPr>
+        <p:cNvPr id="1" name=""/>
+        <p:cNvGrpSpPr/>
+        <p:nvPr/>
+      </p:nvGrpSpPr>
+      <p:grpSpPr>
+        <a:xfrm>
+          <a:off x="0" y="0"/>
+          <a:ext cx="0" cy="0"/>
+          <a:chOff x="0" y="0"/>
+          <a:chExt cx="0" cy="0"/>
+        </a:xfrm>
+      </p:grpSpPr>
+      <p:sp useBgFill="1">
+        <p:nvSpPr>
+          <p:cNvPr id="37" name="Rectangle 36">
+            <a:extLst>
+              <a:ext uri="{FF2B5EF4-FFF2-40B4-BE49-F238E27FC236}">
+                <a16:creationId xmlns:a16="http://schemas.microsoft.com/office/drawing/2014/main" id="{1E94681D-2A4C-4A8D-B9B5-31D440D0328D}"/>
+              </a:ext>
+              <a:ext uri="{C183D7F6-B498-43B3-948B-1728B52AA6E4}">
+                <adec:decorative xmlns:adec="http://schemas.microsoft.com/office/drawing/2017/decorative" val="1"/>
+              </a:ext>
+            </a:extLst>
+          </p:cNvPr>
+          <p:cNvSpPr>
+            <a:spLocks noGrp="1" noRot="1" noChangeAspect="1" noMove="1" noResize="1" noEditPoints="1" noAdjustHandles="1" noChangeArrowheads="1" noChangeShapeType="1" noTextEdit="1"/>
+          </p:cNvSpPr>
+          <p:nvPr>
+            <p:extLst>
+              <p:ext uri="{386F3935-93C4-4BCD-93E2-E3B085C9AB24}">
+                <p16:designElem xmlns:p16="http://schemas.microsoft.com/office/powerpoint/2015/main" val="1"/>
+              </p:ext>
+            </p:extLst>
+          </p:nvPr>
+        </p:nvSpPr>
+        <p:spPr>
+          <a:xfrm>
+            <a:off x="0" y="0"/>
+            <a:ext cx="12192000" cy="6858000"/>
+          </a:xfrm>
+          <a:prstGeom prst="rect">
+            <a:avLst/>
+          </a:prstGeom>
+          <a:ln>
+            <a:noFill/>
+          </a:ln>
+        </p:spPr>
+        <p:style>
+          <a:lnRef idx="2">
+            <a:schemeClr val="accent1">
+              <a:shade val="50000"/>
+            </a:schemeClr>
+          </a:lnRef>
+          <a:fillRef idx="1">
+            <a:schemeClr val="accent1"/>
+          </a:fillRef>
+          <a:effectRef idx="0">
+            <a:schemeClr val="accent1"/>
+          </a:effectRef>
+          <a:fontRef idx="minor">
+            <a:schemeClr val="lt1"/>
+          </a:fontRef>
+        </p:style>
+        <p:txBody>
+          <a:bodyPr rtlCol="0" anchor="ctr"/>
+          <a:lstStyle/>
+          <a:p>
+            <a:pPr algn="ctr"/>
+            <a:endParaRPr lang="en-US"/>
+          </a:p>
+        </p:txBody>
+      </p:sp>
+      <p:sp>
+        <p:nvSpPr>
+          <p:cNvPr id="39" name="Rectangle 38">
+            <a:extLst>
+              <a:ext uri="{FF2B5EF4-FFF2-40B4-BE49-F238E27FC236}">
+                <a16:creationId xmlns:a16="http://schemas.microsoft.com/office/drawing/2014/main" id="{4EC7E010-C712-408D-9787-0842AFC9F4BB}"/>
+              </a:ext>
+              <a:ext uri="{C183D7F6-B498-43B3-948B-1728B52AA6E4}">
+                <adec:decorative xmlns:adec="http://schemas.microsoft.com/office/drawing/2017/decorative" val="1"/>
+              </a:ext>
+            </a:extLst>
+          </p:cNvPr>
+          <p:cNvSpPr>
+            <a:spLocks noGrp="1" noRot="1" noChangeAspect="1" noMove="1" noResize="1" noEditPoints="1" noAdjustHandles="1" noChangeArrowheads="1" noChangeShapeType="1" noTextEdit="1"/>
+          </p:cNvSpPr>
+          <p:nvPr>
+            <p:extLst>
+              <p:ext uri="{386F3935-93C4-4BCD-93E2-E3B085C9AB24}">
+                <p16:designElem xmlns:p16="http://schemas.microsoft.com/office/powerpoint/2015/main" val="1"/>
+              </p:ext>
+            </p:extLst>
+          </p:nvPr>
+        </p:nvSpPr>
+        <p:spPr>
+          <a:xfrm>
+            <a:off x="234696" y="237744"/>
+            <a:ext cx="11722608" cy="6382512"/>
+          </a:xfrm>
+          <a:prstGeom prst="rect">
+            <a:avLst/>
+          </a:prstGeom>
+          <a:solidFill>
+            <a:schemeClr val="bg1">
+              <a:lumMod val="75000"/>
+              <a:alpha val="60000"/>
+            </a:schemeClr>
+          </a:solidFill>
+          <a:ln w="6350" cap="flat" cmpd="sng" algn="ctr">
+            <a:noFill/>
+            <a:prstDash val="solid"/>
+          </a:ln>
+          <a:effectLst>
+            <a:softEdge rad="0"/>
+          </a:effectLst>
+        </p:spPr>
+      </p:sp>
+      <p:sp>
+        <p:nvSpPr>
+          <p:cNvPr id="41" name="Rectangle 40">
+            <a:extLst>
+              <a:ext uri="{FF2B5EF4-FFF2-40B4-BE49-F238E27FC236}">
+                <a16:creationId xmlns:a16="http://schemas.microsoft.com/office/drawing/2014/main" id="{0503FCEF-A9BA-4991-9220-E36615FB8B53}"/>
+              </a:ext>
+              <a:ext uri="{C183D7F6-B498-43B3-948B-1728B52AA6E4}">
+                <adec:decorative xmlns:adec="http://schemas.microsoft.com/office/drawing/2017/decorative" val="1"/>
+              </a:ext>
+            </a:extLst>
+          </p:cNvPr>
+          <p:cNvSpPr>
+            <a:spLocks noGrp="1" noRot="1" noChangeAspect="1" noMove="1" noResize="1" noEditPoints="1" noAdjustHandles="1" noChangeArrowheads="1" noChangeShapeType="1" noTextEdit="1"/>
+          </p:cNvSpPr>
+          <p:nvPr>
+            <p:extLst>
+              <p:ext uri="{386F3935-93C4-4BCD-93E2-E3B085C9AB24}">
+                <p16:designElem xmlns:p16="http://schemas.microsoft.com/office/powerpoint/2015/main" val="1"/>
+              </p:ext>
+            </p:extLst>
+          </p:nvPr>
+        </p:nvSpPr>
+        <p:spPr>
+          <a:xfrm>
+            <a:off x="371856" y="374904"/>
+            <a:ext cx="11448288" cy="6108192"/>
+          </a:xfrm>
+          <a:prstGeom prst="rect">
+            <a:avLst/>
+          </a:prstGeom>
+          <a:noFill/>
+          <a:ln w="6350" cap="sq" cmpd="sng" algn="ctr">
+            <a:solidFill>
+              <a:schemeClr val="tx1">
+                <a:lumMod val="85000"/>
+                <a:lumOff val="15000"/>
+              </a:schemeClr>
+            </a:solidFill>
+            <a:prstDash val="solid"/>
+            <a:miter lim="800000"/>
+          </a:ln>
+          <a:effectLst/>
+        </p:spPr>
+      </p:sp>
+      <p:sp useBgFill="1">
+        <p:nvSpPr>
+          <p:cNvPr id="43" name="Rectangle 42">
+            <a:extLst>
+              <a:ext uri="{FF2B5EF4-FFF2-40B4-BE49-F238E27FC236}">
+                <a16:creationId xmlns:a16="http://schemas.microsoft.com/office/drawing/2014/main" id="{A069235B-22DB-4231-8291-D64DA2CDEB4E}"/>
+              </a:ext>
+              <a:ext uri="{C183D7F6-B498-43B3-948B-1728B52AA6E4}">
+                <adec:decorative xmlns:adec="http://schemas.microsoft.com/office/drawing/2017/decorative" val="1"/>
+              </a:ext>
+            </a:extLst>
+          </p:cNvPr>
+          <p:cNvSpPr>
+            <a:spLocks noGrp="1" noRot="1" noChangeAspect="1" noMove="1" noResize="1" noEditPoints="1" noAdjustHandles="1" noChangeArrowheads="1" noChangeShapeType="1" noTextEdit="1"/>
+          </p:cNvSpPr>
+          <p:nvPr>
+            <p:extLst>
+              <p:ext uri="{386F3935-93C4-4BCD-93E2-E3B085C9AB24}">
+                <p16:designElem xmlns:p16="http://schemas.microsoft.com/office/powerpoint/2015/main" val="1"/>
+              </p:ext>
+            </p:extLst>
+          </p:nvPr>
+        </p:nvSpPr>
+        <p:spPr>
+          <a:xfrm>
+            <a:off x="0" y="0"/>
+            <a:ext cx="12192000" cy="6858000"/>
+          </a:xfrm>
+          <a:prstGeom prst="rect">
+            <a:avLst/>
+          </a:prstGeom>
+          <a:ln>
+            <a:noFill/>
+          </a:ln>
+        </p:spPr>
+        <p:style>
+          <a:lnRef idx="2">
+            <a:schemeClr val="accent1">
+              <a:shade val="50000"/>
+            </a:schemeClr>
+          </a:lnRef>
+          <a:fillRef idx="1002">
+            <a:schemeClr val="lt2"/>
+          </a:fillRef>
+          <a:effectRef idx="0">
+            <a:schemeClr val="accent1"/>
+          </a:effectRef>
+          <a:fontRef idx="minor">
+            <a:schemeClr val="lt1"/>
+          </a:fontRef>
+        </p:style>
+        <p:txBody>
+          <a:bodyPr rtlCol="0" anchor="ctr"/>
+          <a:lstStyle/>
+          <a:p>
+            <a:pPr algn="ctr"/>
+            <a:endParaRPr lang="en-US"/>
+          </a:p>
+        </p:txBody>
+      </p:sp>
+      <p:sp>
+        <p:nvSpPr>
+          <p:cNvPr id="16" name="Rettangolo 15">
+            <a:extLst>
+              <a:ext uri="{FF2B5EF4-FFF2-40B4-BE49-F238E27FC236}">
+                <a16:creationId xmlns:a16="http://schemas.microsoft.com/office/drawing/2014/main" id="{2BCBDF65-D7DA-47EE-9942-52F4E2D54548}"/>
+              </a:ext>
+            </a:extLst>
+          </p:cNvPr>
+          <p:cNvSpPr/>
+          <p:nvPr/>
+        </p:nvSpPr>
+        <p:spPr>
+          <a:xfrm>
+            <a:off x="0" y="6369268"/>
+            <a:ext cx="12192000" cy="488732"/>
+          </a:xfrm>
+          <a:prstGeom prst="rect">
+            <a:avLst/>
+          </a:prstGeom>
+          <a:solidFill>
+            <a:schemeClr val="bg2">
+              <a:lumMod val="90000"/>
+            </a:schemeClr>
+          </a:solidFill>
+        </p:spPr>
+        <p:style>
+          <a:lnRef idx="2">
+            <a:schemeClr val="accent1">
+              <a:shade val="50000"/>
+            </a:schemeClr>
+          </a:lnRef>
+          <a:fillRef idx="1">
+            <a:schemeClr val="accent1"/>
+          </a:fillRef>
+          <a:effectRef idx="0">
+            <a:schemeClr val="accent1"/>
+          </a:effectRef>
+          <a:fontRef idx="minor">
+            <a:schemeClr val="lt1"/>
+          </a:fontRef>
+        </p:style>
+        <p:txBody>
+          <a:bodyPr rtlCol="0" anchor="ctr"/>
+          <a:lstStyle/>
+          <a:p>
+            <a:r>
+              <a:rPr lang="it-IT" dirty="0">
+                <a:solidFill>
+                  <a:schemeClr val="tx1"/>
+                </a:solidFill>
+                <a:latin typeface="Avenir Next LT Pro Light" panose="020B0304020202020204" pitchFamily="34" charset="0"/>
+              </a:rPr>
+              <a:t>Gian Marco De Bortoli – Federico Ceriola</a:t>
+            </a:r>
+            <a:endParaRPr lang="en-GB" dirty="0">
+              <a:solidFill>
+                <a:schemeClr val="tx1"/>
+              </a:solidFill>
+              <a:latin typeface="Avenir Next LT Pro Light" panose="020B0304020202020204" pitchFamily="34" charset="0"/>
+            </a:endParaRPr>
+          </a:p>
+        </p:txBody>
+      </p:sp>
+      <p:sp>
+        <p:nvSpPr>
+          <p:cNvPr id="31" name="Rettangolo 30">
+            <a:extLst>
+              <a:ext uri="{FF2B5EF4-FFF2-40B4-BE49-F238E27FC236}">
+                <a16:creationId xmlns:a16="http://schemas.microsoft.com/office/drawing/2014/main" id="{BA6AB1C9-6239-4C9D-BEFF-A249FA7FBC7A}"/>
+              </a:ext>
+            </a:extLst>
+          </p:cNvPr>
+          <p:cNvSpPr/>
+          <p:nvPr/>
+        </p:nvSpPr>
+        <p:spPr>
+          <a:xfrm>
+            <a:off x="0" y="-4099"/>
+            <a:ext cx="12192000" cy="488732"/>
+          </a:xfrm>
+          <a:prstGeom prst="rect">
+            <a:avLst/>
+          </a:prstGeom>
+          <a:solidFill>
+            <a:schemeClr val="bg2">
+              <a:lumMod val="90000"/>
+            </a:schemeClr>
+          </a:solidFill>
+        </p:spPr>
+        <p:style>
+          <a:lnRef idx="2">
+            <a:schemeClr val="accent1">
+              <a:shade val="50000"/>
+            </a:schemeClr>
+          </a:lnRef>
+          <a:fillRef idx="1">
+            <a:schemeClr val="accent1"/>
+          </a:fillRef>
+          <a:effectRef idx="0">
+            <a:schemeClr val="accent1"/>
+          </a:effectRef>
+          <a:fontRef idx="minor">
+            <a:schemeClr val="lt1"/>
+          </a:fontRef>
+        </p:style>
+        <p:txBody>
+          <a:bodyPr rtlCol="0" anchor="ctr"/>
+          <a:lstStyle/>
+          <a:p>
+            <a:r>
+              <a:rPr lang="it-IT" dirty="0">
+                <a:solidFill>
+                  <a:schemeClr val="tx1"/>
+                </a:solidFill>
+                <a:latin typeface="Avenir Next LT Pro Light" panose="020B0304020202020204" pitchFamily="34" charset="0"/>
+              </a:rPr>
+              <a:t>Creative Programming and Computing</a:t>
+            </a:r>
+            <a:endParaRPr lang="en-GB" dirty="0">
+              <a:solidFill>
+                <a:schemeClr val="tx1"/>
+              </a:solidFill>
+              <a:latin typeface="Avenir Next LT Pro Light" panose="020B0304020202020204" pitchFamily="34" charset="0"/>
+            </a:endParaRPr>
+          </a:p>
+        </p:txBody>
+      </p:sp>
+      <p:sp>
+        <p:nvSpPr>
+          <p:cNvPr id="21" name="CasellaDiTesto 20">
+            <a:extLst>
+              <a:ext uri="{FF2B5EF4-FFF2-40B4-BE49-F238E27FC236}">
+                <a16:creationId xmlns:a16="http://schemas.microsoft.com/office/drawing/2014/main" id="{7FB5C28F-6EA9-4DE6-8815-90DE7F647974}"/>
+              </a:ext>
+            </a:extLst>
+          </p:cNvPr>
+          <p:cNvSpPr txBox="1"/>
+          <p:nvPr/>
+        </p:nvSpPr>
+        <p:spPr>
+          <a:xfrm>
+            <a:off x="10347319" y="6428968"/>
+            <a:ext cx="1747145" cy="369332"/>
+          </a:xfrm>
+          <a:prstGeom prst="rect">
+            <a:avLst/>
+          </a:prstGeom>
+          <a:noFill/>
+        </p:spPr>
+        <p:txBody>
+          <a:bodyPr wrap="none" rtlCol="0">
+            <a:spAutoFit/>
+          </a:bodyPr>
+          <a:lstStyle/>
+          <a:p>
+            <a:pPr algn="r"/>
+            <a:r>
+              <a:rPr lang="it-IT" dirty="0" err="1">
+                <a:latin typeface="Avenir Next LT Pro Light" panose="020B0304020202020204" pitchFamily="34" charset="0"/>
+              </a:rPr>
+              <a:t>a.a</a:t>
+            </a:r>
+            <a:r>
+              <a:rPr lang="it-IT" dirty="0">
+                <a:latin typeface="Avenir Next LT Pro Light" panose="020B0304020202020204" pitchFamily="34" charset="0"/>
+              </a:rPr>
+              <a:t>. 2021/2022</a:t>
+            </a:r>
+            <a:endParaRPr lang="en-GB" dirty="0">
+              <a:latin typeface="Avenir Next LT Pro Light" panose="020B0304020202020204" pitchFamily="34" charset="0"/>
+            </a:endParaRPr>
+          </a:p>
+        </p:txBody>
+      </p:sp>
+      <p:sp>
+        <p:nvSpPr>
+          <p:cNvPr id="22" name="CasellaDiTesto 21">
+            <a:extLst>
+              <a:ext uri="{FF2B5EF4-FFF2-40B4-BE49-F238E27FC236}">
+                <a16:creationId xmlns:a16="http://schemas.microsoft.com/office/drawing/2014/main" id="{1012BF64-F99D-4F21-8EDC-ABD35A1F616E}"/>
+              </a:ext>
+            </a:extLst>
+          </p:cNvPr>
+          <p:cNvSpPr txBox="1"/>
+          <p:nvPr/>
+        </p:nvSpPr>
+        <p:spPr>
+          <a:xfrm>
+            <a:off x="8656417" y="51029"/>
+            <a:ext cx="3535583" cy="369332"/>
+          </a:xfrm>
+          <a:prstGeom prst="rect">
+            <a:avLst/>
+          </a:prstGeom>
+          <a:noFill/>
+        </p:spPr>
+        <p:txBody>
+          <a:bodyPr wrap="none" rtlCol="0">
+            <a:spAutoFit/>
+          </a:bodyPr>
+          <a:lstStyle/>
+          <a:p>
+            <a:pPr algn="r"/>
+            <a:r>
+              <a:rPr lang="it-IT" dirty="0">
+                <a:latin typeface="Avenir Next LT Pro Light" panose="020B0304020202020204" pitchFamily="34" charset="0"/>
+              </a:rPr>
+              <a:t>Music and Acoustic Engineering</a:t>
+            </a:r>
+            <a:endParaRPr lang="en-GB" dirty="0">
+              <a:latin typeface="Avenir Next LT Pro Light" panose="020B0304020202020204" pitchFamily="34" charset="0"/>
+            </a:endParaRPr>
+          </a:p>
+        </p:txBody>
+      </p:sp>
+    </p:spTree>
+    <p:extLst>
+      <p:ext uri="{BB962C8B-B14F-4D97-AF65-F5344CB8AC3E}">
+        <p14:creationId xmlns:p14="http://schemas.microsoft.com/office/powerpoint/2010/main" val="2609837593"/>
+      </p:ext>
+    </p:extLst>
+  </p:cSld>
+  <p:clrMapOvr>
+    <a:masterClrMapping/>
+  </p:clrMapOvr>
+</p:sld>
+</file>
+
+<file path=ppt/slides/slide8.xml><?xml version="1.0" encoding="utf-8"?>
+<p:sld xmlns:a="http://schemas.openxmlformats.org/drawingml/2006/main" xmlns:r="http://schemas.openxmlformats.org/officeDocument/2006/relationships" xmlns:p="http://schemas.openxmlformats.org/presentationml/2006/main">
+  <p:cSld>
+    <p:spTree>
+      <p:nvGrpSpPr>
+        <p:cNvPr id="1" name=""/>
+        <p:cNvGrpSpPr/>
+        <p:nvPr/>
+      </p:nvGrpSpPr>
+      <p:grpSpPr>
+        <a:xfrm>
+          <a:off x="0" y="0"/>
+          <a:ext cx="0" cy="0"/>
+          <a:chOff x="0" y="0"/>
+          <a:chExt cx="0" cy="0"/>
+        </a:xfrm>
+      </p:grpSpPr>
+      <p:sp useBgFill="1">
+        <p:nvSpPr>
+          <p:cNvPr id="37" name="Rectangle 36">
+            <a:extLst>
+              <a:ext uri="{FF2B5EF4-FFF2-40B4-BE49-F238E27FC236}">
+                <a16:creationId xmlns:a16="http://schemas.microsoft.com/office/drawing/2014/main" id="{1E94681D-2A4C-4A8D-B9B5-31D440D0328D}"/>
+              </a:ext>
+              <a:ext uri="{C183D7F6-B498-43B3-948B-1728B52AA6E4}">
+                <adec:decorative xmlns:adec="http://schemas.microsoft.com/office/drawing/2017/decorative" val="1"/>
+              </a:ext>
+            </a:extLst>
+          </p:cNvPr>
+          <p:cNvSpPr>
+            <a:spLocks noGrp="1" noRot="1" noChangeAspect="1" noMove="1" noResize="1" noEditPoints="1" noAdjustHandles="1" noChangeArrowheads="1" noChangeShapeType="1" noTextEdit="1"/>
+          </p:cNvSpPr>
+          <p:nvPr>
+            <p:extLst>
+              <p:ext uri="{386F3935-93C4-4BCD-93E2-E3B085C9AB24}">
+                <p16:designElem xmlns:p16="http://schemas.microsoft.com/office/powerpoint/2015/main" val="1"/>
+              </p:ext>
+            </p:extLst>
+          </p:nvPr>
+        </p:nvSpPr>
+        <p:spPr>
+          <a:xfrm>
+            <a:off x="0" y="0"/>
+            <a:ext cx="12192000" cy="6858000"/>
+          </a:xfrm>
+          <a:prstGeom prst="rect">
+            <a:avLst/>
+          </a:prstGeom>
+          <a:ln>
+            <a:noFill/>
+          </a:ln>
+        </p:spPr>
+        <p:style>
+          <a:lnRef idx="2">
+            <a:schemeClr val="accent1">
+              <a:shade val="50000"/>
+            </a:schemeClr>
+          </a:lnRef>
+          <a:fillRef idx="1">
+            <a:schemeClr val="accent1"/>
+          </a:fillRef>
+          <a:effectRef idx="0">
+            <a:schemeClr val="accent1"/>
+          </a:effectRef>
+          <a:fontRef idx="minor">
+            <a:schemeClr val="lt1"/>
+          </a:fontRef>
+        </p:style>
+        <p:txBody>
+          <a:bodyPr rtlCol="0" anchor="ctr"/>
+          <a:lstStyle/>
+          <a:p>
+            <a:pPr algn="ctr"/>
+            <a:endParaRPr lang="en-US"/>
+          </a:p>
+        </p:txBody>
+      </p:sp>
+      <p:sp>
+        <p:nvSpPr>
+          <p:cNvPr id="39" name="Rectangle 38">
+            <a:extLst>
+              <a:ext uri="{FF2B5EF4-FFF2-40B4-BE49-F238E27FC236}">
+                <a16:creationId xmlns:a16="http://schemas.microsoft.com/office/drawing/2014/main" id="{4EC7E010-C712-408D-9787-0842AFC9F4BB}"/>
+              </a:ext>
+              <a:ext uri="{C183D7F6-B498-43B3-948B-1728B52AA6E4}">
+                <adec:decorative xmlns:adec="http://schemas.microsoft.com/office/drawing/2017/decorative" val="1"/>
+              </a:ext>
+            </a:extLst>
+          </p:cNvPr>
+          <p:cNvSpPr>
+            <a:spLocks noGrp="1" noRot="1" noChangeAspect="1" noMove="1" noResize="1" noEditPoints="1" noAdjustHandles="1" noChangeArrowheads="1" noChangeShapeType="1" noTextEdit="1"/>
+          </p:cNvSpPr>
+          <p:nvPr>
+            <p:extLst>
+              <p:ext uri="{386F3935-93C4-4BCD-93E2-E3B085C9AB24}">
+                <p16:designElem xmlns:p16="http://schemas.microsoft.com/office/powerpoint/2015/main" val="1"/>
+              </p:ext>
+            </p:extLst>
+          </p:nvPr>
+        </p:nvSpPr>
+        <p:spPr>
+          <a:xfrm>
+            <a:off x="234696" y="237744"/>
+            <a:ext cx="11722608" cy="6382512"/>
+          </a:xfrm>
+          <a:prstGeom prst="rect">
+            <a:avLst/>
+          </a:prstGeom>
+          <a:solidFill>
+            <a:schemeClr val="bg1">
+              <a:lumMod val="75000"/>
+              <a:alpha val="60000"/>
+            </a:schemeClr>
+          </a:solidFill>
+          <a:ln w="6350" cap="flat" cmpd="sng" algn="ctr">
+            <a:noFill/>
+            <a:prstDash val="solid"/>
+          </a:ln>
+          <a:effectLst>
+            <a:softEdge rad="0"/>
+          </a:effectLst>
+        </p:spPr>
+      </p:sp>
+      <p:sp>
+        <p:nvSpPr>
+          <p:cNvPr id="41" name="Rectangle 40">
+            <a:extLst>
+              <a:ext uri="{FF2B5EF4-FFF2-40B4-BE49-F238E27FC236}">
+                <a16:creationId xmlns:a16="http://schemas.microsoft.com/office/drawing/2014/main" id="{0503FCEF-A9BA-4991-9220-E36615FB8B53}"/>
+              </a:ext>
+              <a:ext uri="{C183D7F6-B498-43B3-948B-1728B52AA6E4}">
+                <adec:decorative xmlns:adec="http://schemas.microsoft.com/office/drawing/2017/decorative" val="1"/>
+              </a:ext>
+            </a:extLst>
+          </p:cNvPr>
+          <p:cNvSpPr>
+            <a:spLocks noGrp="1" noRot="1" noChangeAspect="1" noMove="1" noResize="1" noEditPoints="1" noAdjustHandles="1" noChangeArrowheads="1" noChangeShapeType="1" noTextEdit="1"/>
+          </p:cNvSpPr>
+          <p:nvPr>
+            <p:extLst>
+              <p:ext uri="{386F3935-93C4-4BCD-93E2-E3B085C9AB24}">
+                <p16:designElem xmlns:p16="http://schemas.microsoft.com/office/powerpoint/2015/main" val="1"/>
+              </p:ext>
+            </p:extLst>
+          </p:nvPr>
+        </p:nvSpPr>
+        <p:spPr>
+          <a:xfrm>
+            <a:off x="371856" y="374904"/>
+            <a:ext cx="11448288" cy="6108192"/>
+          </a:xfrm>
+          <a:prstGeom prst="rect">
+            <a:avLst/>
+          </a:prstGeom>
+          <a:noFill/>
+          <a:ln w="6350" cap="sq" cmpd="sng" algn="ctr">
+            <a:solidFill>
+              <a:schemeClr val="tx1">
+                <a:lumMod val="85000"/>
+                <a:lumOff val="15000"/>
+              </a:schemeClr>
+            </a:solidFill>
+            <a:prstDash val="solid"/>
+            <a:miter lim="800000"/>
+          </a:ln>
+          <a:effectLst/>
+        </p:spPr>
+      </p:sp>
+      <p:sp useBgFill="1">
+        <p:nvSpPr>
+          <p:cNvPr id="43" name="Rectangle 42">
+            <a:extLst>
+              <a:ext uri="{FF2B5EF4-FFF2-40B4-BE49-F238E27FC236}">
+                <a16:creationId xmlns:a16="http://schemas.microsoft.com/office/drawing/2014/main" id="{A069235B-22DB-4231-8291-D64DA2CDEB4E}"/>
+              </a:ext>
+              <a:ext uri="{C183D7F6-B498-43B3-948B-1728B52AA6E4}">
+                <adec:decorative xmlns:adec="http://schemas.microsoft.com/office/drawing/2017/decorative" val="1"/>
+              </a:ext>
+            </a:extLst>
+          </p:cNvPr>
+          <p:cNvSpPr>
+            <a:spLocks noGrp="1" noRot="1" noChangeAspect="1" noMove="1" noResize="1" noEditPoints="1" noAdjustHandles="1" noChangeArrowheads="1" noChangeShapeType="1" noTextEdit="1"/>
+          </p:cNvSpPr>
+          <p:nvPr>
+            <p:extLst>
+              <p:ext uri="{386F3935-93C4-4BCD-93E2-E3B085C9AB24}">
+                <p16:designElem xmlns:p16="http://schemas.microsoft.com/office/powerpoint/2015/main" val="1"/>
+              </p:ext>
+            </p:extLst>
+          </p:nvPr>
+        </p:nvSpPr>
+        <p:spPr>
+          <a:xfrm>
+            <a:off x="0" y="0"/>
+            <a:ext cx="12192000" cy="6858000"/>
+          </a:xfrm>
+          <a:prstGeom prst="rect">
+            <a:avLst/>
+          </a:prstGeom>
+          <a:ln>
+            <a:noFill/>
+          </a:ln>
+        </p:spPr>
+        <p:style>
+          <a:lnRef idx="2">
+            <a:schemeClr val="accent1">
+              <a:shade val="50000"/>
+            </a:schemeClr>
+          </a:lnRef>
+          <a:fillRef idx="1002">
+            <a:schemeClr val="lt2"/>
+          </a:fillRef>
+          <a:effectRef idx="0">
+            <a:schemeClr val="accent1"/>
+          </a:effectRef>
+          <a:fontRef idx="minor">
+            <a:schemeClr val="lt1"/>
+          </a:fontRef>
+        </p:style>
+        <p:txBody>
+          <a:bodyPr rtlCol="0" anchor="ctr"/>
+          <a:lstStyle/>
+          <a:p>
+            <a:pPr algn="ctr"/>
+            <a:endParaRPr lang="en-US"/>
+          </a:p>
+        </p:txBody>
+      </p:sp>
+      <p:sp>
+        <p:nvSpPr>
+          <p:cNvPr id="16" name="Rettangolo 15">
+            <a:extLst>
+              <a:ext uri="{FF2B5EF4-FFF2-40B4-BE49-F238E27FC236}">
+                <a16:creationId xmlns:a16="http://schemas.microsoft.com/office/drawing/2014/main" id="{2BCBDF65-D7DA-47EE-9942-52F4E2D54548}"/>
+              </a:ext>
+            </a:extLst>
+          </p:cNvPr>
+          <p:cNvSpPr/>
+          <p:nvPr/>
+        </p:nvSpPr>
+        <p:spPr>
+          <a:xfrm>
+            <a:off x="0" y="6369268"/>
+            <a:ext cx="12192000" cy="488732"/>
+          </a:xfrm>
+          <a:prstGeom prst="rect">
+            <a:avLst/>
+          </a:prstGeom>
+          <a:solidFill>
+            <a:schemeClr val="bg2">
+              <a:lumMod val="90000"/>
+            </a:schemeClr>
+          </a:solidFill>
+        </p:spPr>
+        <p:style>
+          <a:lnRef idx="2">
+            <a:schemeClr val="accent1">
+              <a:shade val="50000"/>
+            </a:schemeClr>
+          </a:lnRef>
+          <a:fillRef idx="1">
+            <a:schemeClr val="accent1"/>
+          </a:fillRef>
+          <a:effectRef idx="0">
+            <a:schemeClr val="accent1"/>
+          </a:effectRef>
+          <a:fontRef idx="minor">
+            <a:schemeClr val="lt1"/>
+          </a:fontRef>
+        </p:style>
+        <p:txBody>
+          <a:bodyPr rtlCol="0" anchor="ctr"/>
+          <a:lstStyle/>
+          <a:p>
+            <a:r>
+              <a:rPr lang="it-IT" dirty="0">
+                <a:solidFill>
+                  <a:schemeClr val="tx1"/>
+                </a:solidFill>
+                <a:latin typeface="Avenir Next LT Pro Light" panose="020B0304020202020204" pitchFamily="34" charset="0"/>
+              </a:rPr>
+              <a:t>Gian Marco De Bortoli – Federico Ceriola</a:t>
+            </a:r>
+            <a:endParaRPr lang="en-GB" dirty="0">
+              <a:solidFill>
+                <a:schemeClr val="tx1"/>
+              </a:solidFill>
+              <a:latin typeface="Avenir Next LT Pro Light" panose="020B0304020202020204" pitchFamily="34" charset="0"/>
+            </a:endParaRPr>
+          </a:p>
+        </p:txBody>
+      </p:sp>
+      <p:sp>
+        <p:nvSpPr>
+          <p:cNvPr id="31" name="Rettangolo 30">
+            <a:extLst>
+              <a:ext uri="{FF2B5EF4-FFF2-40B4-BE49-F238E27FC236}">
+                <a16:creationId xmlns:a16="http://schemas.microsoft.com/office/drawing/2014/main" id="{BA6AB1C9-6239-4C9D-BEFF-A249FA7FBC7A}"/>
+              </a:ext>
+            </a:extLst>
+          </p:cNvPr>
+          <p:cNvSpPr/>
+          <p:nvPr/>
+        </p:nvSpPr>
+        <p:spPr>
+          <a:xfrm>
+            <a:off x="0" y="-4099"/>
+            <a:ext cx="12192000" cy="488732"/>
+          </a:xfrm>
+          <a:prstGeom prst="rect">
+            <a:avLst/>
+          </a:prstGeom>
+          <a:solidFill>
+            <a:schemeClr val="bg2">
+              <a:lumMod val="90000"/>
+            </a:schemeClr>
+          </a:solidFill>
+        </p:spPr>
+        <p:style>
+          <a:lnRef idx="2">
+            <a:schemeClr val="accent1">
+              <a:shade val="50000"/>
+            </a:schemeClr>
+          </a:lnRef>
+          <a:fillRef idx="1">
+            <a:schemeClr val="accent1"/>
+          </a:fillRef>
+          <a:effectRef idx="0">
+            <a:schemeClr val="accent1"/>
+          </a:effectRef>
+          <a:fontRef idx="minor">
+            <a:schemeClr val="lt1"/>
+          </a:fontRef>
+        </p:style>
+        <p:txBody>
+          <a:bodyPr rtlCol="0" anchor="ctr"/>
+          <a:lstStyle/>
+          <a:p>
+            <a:r>
+              <a:rPr lang="it-IT" dirty="0">
+                <a:solidFill>
+                  <a:schemeClr val="tx1"/>
+                </a:solidFill>
+                <a:latin typeface="Avenir Next LT Pro Light" panose="020B0304020202020204" pitchFamily="34" charset="0"/>
+              </a:rPr>
+              <a:t>Creative Programming and Computing</a:t>
+            </a:r>
+            <a:endParaRPr lang="en-GB" dirty="0">
+              <a:solidFill>
+                <a:schemeClr val="tx1"/>
+              </a:solidFill>
+              <a:latin typeface="Avenir Next LT Pro Light" panose="020B0304020202020204" pitchFamily="34" charset="0"/>
+            </a:endParaRPr>
+          </a:p>
+        </p:txBody>
+      </p:sp>
+      <p:sp>
+        <p:nvSpPr>
+          <p:cNvPr id="21" name="CasellaDiTesto 20">
+            <a:extLst>
+              <a:ext uri="{FF2B5EF4-FFF2-40B4-BE49-F238E27FC236}">
+                <a16:creationId xmlns:a16="http://schemas.microsoft.com/office/drawing/2014/main" id="{7FB5C28F-6EA9-4DE6-8815-90DE7F647974}"/>
+              </a:ext>
+            </a:extLst>
+          </p:cNvPr>
+          <p:cNvSpPr txBox="1"/>
+          <p:nvPr/>
+        </p:nvSpPr>
+        <p:spPr>
+          <a:xfrm>
+            <a:off x="10347319" y="6428968"/>
+            <a:ext cx="1747145" cy="369332"/>
+          </a:xfrm>
+          <a:prstGeom prst="rect">
+            <a:avLst/>
+          </a:prstGeom>
+          <a:noFill/>
+        </p:spPr>
+        <p:txBody>
+          <a:bodyPr wrap="none" rtlCol="0">
+            <a:spAutoFit/>
+          </a:bodyPr>
+          <a:lstStyle/>
+          <a:p>
+            <a:pPr algn="r"/>
+            <a:r>
+              <a:rPr lang="it-IT" dirty="0" err="1">
+                <a:latin typeface="Avenir Next LT Pro Light" panose="020B0304020202020204" pitchFamily="34" charset="0"/>
+              </a:rPr>
+              <a:t>a.a</a:t>
+            </a:r>
+            <a:r>
+              <a:rPr lang="it-IT" dirty="0">
+                <a:latin typeface="Avenir Next LT Pro Light" panose="020B0304020202020204" pitchFamily="34" charset="0"/>
+              </a:rPr>
+              <a:t>. 2021/2022</a:t>
+            </a:r>
+            <a:endParaRPr lang="en-GB" dirty="0">
+              <a:latin typeface="Avenir Next LT Pro Light" panose="020B0304020202020204" pitchFamily="34" charset="0"/>
+            </a:endParaRPr>
+          </a:p>
+        </p:txBody>
+      </p:sp>
+      <p:sp>
+        <p:nvSpPr>
+          <p:cNvPr id="22" name="CasellaDiTesto 21">
+            <a:extLst>
+              <a:ext uri="{FF2B5EF4-FFF2-40B4-BE49-F238E27FC236}">
+                <a16:creationId xmlns:a16="http://schemas.microsoft.com/office/drawing/2014/main" id="{1012BF64-F99D-4F21-8EDC-ABD35A1F616E}"/>
+              </a:ext>
+            </a:extLst>
+          </p:cNvPr>
+          <p:cNvSpPr txBox="1"/>
+          <p:nvPr/>
+        </p:nvSpPr>
+        <p:spPr>
+          <a:xfrm>
+            <a:off x="8656417" y="51029"/>
+            <a:ext cx="3535583" cy="369332"/>
+          </a:xfrm>
+          <a:prstGeom prst="rect">
+            <a:avLst/>
+          </a:prstGeom>
+          <a:noFill/>
+        </p:spPr>
+        <p:txBody>
+          <a:bodyPr wrap="none" rtlCol="0">
+            <a:spAutoFit/>
+          </a:bodyPr>
+          <a:lstStyle/>
+          <a:p>
+            <a:pPr algn="r"/>
+            <a:r>
+              <a:rPr lang="it-IT" dirty="0">
+                <a:latin typeface="Avenir Next LT Pro Light" panose="020B0304020202020204" pitchFamily="34" charset="0"/>
+              </a:rPr>
+              <a:t>Music and Acoustic Engineering</a:t>
+            </a:r>
+            <a:endParaRPr lang="en-GB" dirty="0">
+              <a:latin typeface="Avenir Next LT Pro Light" panose="020B0304020202020204" pitchFamily="34" charset="0"/>
+            </a:endParaRPr>
+          </a:p>
+        </p:txBody>
+      </p:sp>
+    </p:spTree>
+    <p:extLst>
+      <p:ext uri="{BB962C8B-B14F-4D97-AF65-F5344CB8AC3E}">
+        <p14:creationId xmlns:p14="http://schemas.microsoft.com/office/powerpoint/2010/main" val="3575256729"/>
+      </p:ext>
+    </p:extLst>
+  </p:cSld>
+  <p:clrMapOvr>
+    <a:masterClrMapping/>
+  </p:clrMapOvr>
+</p:sld>
+</file>
+
+<file path=ppt/slides/slide9.xml><?xml version="1.0" encoding="utf-8"?>
+<p:sld xmlns:a="http://schemas.openxmlformats.org/drawingml/2006/main" xmlns:r="http://schemas.openxmlformats.org/officeDocument/2006/relationships" xmlns:p="http://schemas.openxmlformats.org/presentationml/2006/main">
+  <p:cSld>
+    <p:spTree>
+      <p:nvGrpSpPr>
+        <p:cNvPr id="1" name=""/>
+        <p:cNvGrpSpPr/>
+        <p:nvPr/>
+      </p:nvGrpSpPr>
+      <p:grpSpPr>
+        <a:xfrm>
+          <a:off x="0" y="0"/>
+          <a:ext cx="0" cy="0"/>
+          <a:chOff x="0" y="0"/>
+          <a:chExt cx="0" cy="0"/>
+        </a:xfrm>
+      </p:grpSpPr>
+      <p:sp useBgFill="1">
+        <p:nvSpPr>
+          <p:cNvPr id="37" name="Rectangle 36">
+            <a:extLst>
+              <a:ext uri="{FF2B5EF4-FFF2-40B4-BE49-F238E27FC236}">
+                <a16:creationId xmlns:a16="http://schemas.microsoft.com/office/drawing/2014/main" id="{1E94681D-2A4C-4A8D-B9B5-31D440D0328D}"/>
+              </a:ext>
+              <a:ext uri="{C183D7F6-B498-43B3-948B-1728B52AA6E4}">
+                <adec:decorative xmlns:adec="http://schemas.microsoft.com/office/drawing/2017/decorative" val="1"/>
+              </a:ext>
+            </a:extLst>
+          </p:cNvPr>
+          <p:cNvSpPr>
+            <a:spLocks noGrp="1" noRot="1" noChangeAspect="1" noMove="1" noResize="1" noEditPoints="1" noAdjustHandles="1" noChangeArrowheads="1" noChangeShapeType="1" noTextEdit="1"/>
+          </p:cNvSpPr>
+          <p:nvPr>
+            <p:extLst>
+              <p:ext uri="{386F3935-93C4-4BCD-93E2-E3B085C9AB24}">
+                <p16:designElem xmlns:p16="http://schemas.microsoft.com/office/powerpoint/2015/main" val="1"/>
+              </p:ext>
+            </p:extLst>
+          </p:nvPr>
+        </p:nvSpPr>
+        <p:spPr>
+          <a:xfrm>
+            <a:off x="0" y="0"/>
+            <a:ext cx="12192000" cy="6858000"/>
+          </a:xfrm>
+          <a:prstGeom prst="rect">
+            <a:avLst/>
+          </a:prstGeom>
+          <a:ln>
+            <a:noFill/>
+          </a:ln>
+        </p:spPr>
+        <p:style>
+          <a:lnRef idx="2">
+            <a:schemeClr val="accent1">
+              <a:shade val="50000"/>
+            </a:schemeClr>
+          </a:lnRef>
+          <a:fillRef idx="1">
+            <a:schemeClr val="accent1"/>
+          </a:fillRef>
+          <a:effectRef idx="0">
+            <a:schemeClr val="accent1"/>
+          </a:effectRef>
+          <a:fontRef idx="minor">
+            <a:schemeClr val="lt1"/>
+          </a:fontRef>
+        </p:style>
+        <p:txBody>
+          <a:bodyPr rtlCol="0" anchor="ctr"/>
+          <a:lstStyle/>
+          <a:p>
+            <a:pPr algn="ctr"/>
+            <a:endParaRPr lang="en-US"/>
+          </a:p>
+        </p:txBody>
+      </p:sp>
+      <p:sp>
+        <p:nvSpPr>
+          <p:cNvPr id="39" name="Rectangle 38">
+            <a:extLst>
+              <a:ext uri="{FF2B5EF4-FFF2-40B4-BE49-F238E27FC236}">
+                <a16:creationId xmlns:a16="http://schemas.microsoft.com/office/drawing/2014/main" id="{4EC7E010-C712-408D-9787-0842AFC9F4BB}"/>
+              </a:ext>
+              <a:ext uri="{C183D7F6-B498-43B3-948B-1728B52AA6E4}">
+                <adec:decorative xmlns:adec="http://schemas.microsoft.com/office/drawing/2017/decorative" val="1"/>
+              </a:ext>
+            </a:extLst>
+          </p:cNvPr>
+          <p:cNvSpPr>
+            <a:spLocks noGrp="1" noRot="1" noChangeAspect="1" noMove="1" noResize="1" noEditPoints="1" noAdjustHandles="1" noChangeArrowheads="1" noChangeShapeType="1" noTextEdit="1"/>
+          </p:cNvSpPr>
+          <p:nvPr>
+            <p:extLst>
+              <p:ext uri="{386F3935-93C4-4BCD-93E2-E3B085C9AB24}">
+                <p16:designElem xmlns:p16="http://schemas.microsoft.com/office/powerpoint/2015/main" val="1"/>
+              </p:ext>
+            </p:extLst>
+          </p:nvPr>
+        </p:nvSpPr>
+        <p:spPr>
+          <a:xfrm>
+            <a:off x="234696" y="237744"/>
+            <a:ext cx="11722608" cy="6382512"/>
+          </a:xfrm>
+          <a:prstGeom prst="rect">
+            <a:avLst/>
+          </a:prstGeom>
+          <a:solidFill>
+            <a:schemeClr val="bg1">
+              <a:lumMod val="75000"/>
+              <a:alpha val="60000"/>
+            </a:schemeClr>
+          </a:solidFill>
+          <a:ln w="6350" cap="flat" cmpd="sng" algn="ctr">
+            <a:noFill/>
+            <a:prstDash val="solid"/>
+          </a:ln>
+          <a:effectLst>
+            <a:softEdge rad="0"/>
+          </a:effectLst>
+        </p:spPr>
+      </p:sp>
+      <p:sp>
+        <p:nvSpPr>
+          <p:cNvPr id="41" name="Rectangle 40">
+            <a:extLst>
+              <a:ext uri="{FF2B5EF4-FFF2-40B4-BE49-F238E27FC236}">
+                <a16:creationId xmlns:a16="http://schemas.microsoft.com/office/drawing/2014/main" id="{0503FCEF-A9BA-4991-9220-E36615FB8B53}"/>
+              </a:ext>
+              <a:ext uri="{C183D7F6-B498-43B3-948B-1728B52AA6E4}">
+                <adec:decorative xmlns:adec="http://schemas.microsoft.com/office/drawing/2017/decorative" val="1"/>
+              </a:ext>
+            </a:extLst>
+          </p:cNvPr>
+          <p:cNvSpPr>
+            <a:spLocks noGrp="1" noRot="1" noChangeAspect="1" noMove="1" noResize="1" noEditPoints="1" noAdjustHandles="1" noChangeArrowheads="1" noChangeShapeType="1" noTextEdit="1"/>
+          </p:cNvSpPr>
+          <p:nvPr>
+            <p:extLst>
+              <p:ext uri="{386F3935-93C4-4BCD-93E2-E3B085C9AB24}">
+                <p16:designElem xmlns:p16="http://schemas.microsoft.com/office/powerpoint/2015/main" val="1"/>
+              </p:ext>
+            </p:extLst>
+          </p:nvPr>
+        </p:nvSpPr>
+        <p:spPr>
+          <a:xfrm>
+            <a:off x="371856" y="374904"/>
+            <a:ext cx="11448288" cy="6108192"/>
+          </a:xfrm>
+          <a:prstGeom prst="rect">
+            <a:avLst/>
+          </a:prstGeom>
+          <a:noFill/>
+          <a:ln w="6350" cap="sq" cmpd="sng" algn="ctr">
+            <a:solidFill>
+              <a:schemeClr val="tx1">
+                <a:lumMod val="85000"/>
+                <a:lumOff val="15000"/>
+              </a:schemeClr>
+            </a:solidFill>
+            <a:prstDash val="solid"/>
+            <a:miter lim="800000"/>
+          </a:ln>
+          <a:effectLst/>
+        </p:spPr>
+      </p:sp>
+      <p:sp useBgFill="1">
+        <p:nvSpPr>
+          <p:cNvPr id="43" name="Rectangle 42">
+            <a:extLst>
+              <a:ext uri="{FF2B5EF4-FFF2-40B4-BE49-F238E27FC236}">
+                <a16:creationId xmlns:a16="http://schemas.microsoft.com/office/drawing/2014/main" id="{A069235B-22DB-4231-8291-D64DA2CDEB4E}"/>
+              </a:ext>
+              <a:ext uri="{C183D7F6-B498-43B3-948B-1728B52AA6E4}">
+                <adec:decorative xmlns:adec="http://schemas.microsoft.com/office/drawing/2017/decorative" val="1"/>
+              </a:ext>
+            </a:extLst>
+          </p:cNvPr>
+          <p:cNvSpPr>
+            <a:spLocks noGrp="1" noRot="1" noChangeAspect="1" noMove="1" noResize="1" noEditPoints="1" noAdjustHandles="1" noChangeArrowheads="1" noChangeShapeType="1" noTextEdit="1"/>
+          </p:cNvSpPr>
+          <p:nvPr>
+            <p:extLst>
+              <p:ext uri="{386F3935-93C4-4BCD-93E2-E3B085C9AB24}">
+                <p16:designElem xmlns:p16="http://schemas.microsoft.com/office/powerpoint/2015/main" val="1"/>
+              </p:ext>
+            </p:extLst>
+          </p:nvPr>
+        </p:nvSpPr>
+        <p:spPr>
+          <a:xfrm>
+            <a:off x="0" y="0"/>
+            <a:ext cx="12192000" cy="6858000"/>
+          </a:xfrm>
+          <a:prstGeom prst="rect">
+            <a:avLst/>
+          </a:prstGeom>
+          <a:ln>
+            <a:noFill/>
+          </a:ln>
+        </p:spPr>
+        <p:style>
+          <a:lnRef idx="2">
+            <a:schemeClr val="accent1">
+              <a:shade val="50000"/>
+            </a:schemeClr>
+          </a:lnRef>
+          <a:fillRef idx="1002">
+            <a:schemeClr val="lt2"/>
+          </a:fillRef>
+          <a:effectRef idx="0">
+            <a:schemeClr val="accent1"/>
+          </a:effectRef>
+          <a:fontRef idx="minor">
+            <a:schemeClr val="lt1"/>
+          </a:fontRef>
+        </p:style>
+        <p:txBody>
+          <a:bodyPr rtlCol="0" anchor="ctr"/>
+          <a:lstStyle/>
+          <a:p>
+            <a:pPr algn="ctr"/>
+            <a:endParaRPr lang="en-US"/>
+          </a:p>
+        </p:txBody>
+      </p:sp>
+      <p:sp>
+        <p:nvSpPr>
+          <p:cNvPr id="16" name="Rettangolo 15">
+            <a:extLst>
+              <a:ext uri="{FF2B5EF4-FFF2-40B4-BE49-F238E27FC236}">
+                <a16:creationId xmlns:a16="http://schemas.microsoft.com/office/drawing/2014/main" id="{2BCBDF65-D7DA-47EE-9942-52F4E2D54548}"/>
+              </a:ext>
+            </a:extLst>
+          </p:cNvPr>
+          <p:cNvSpPr/>
+          <p:nvPr/>
+        </p:nvSpPr>
+        <p:spPr>
+          <a:xfrm>
+            <a:off x="0" y="6369268"/>
+            <a:ext cx="12192000" cy="488732"/>
+          </a:xfrm>
+          <a:prstGeom prst="rect">
+            <a:avLst/>
+          </a:prstGeom>
+          <a:solidFill>
+            <a:schemeClr val="bg2">
+              <a:lumMod val="90000"/>
+            </a:schemeClr>
+          </a:solidFill>
+        </p:spPr>
+        <p:style>
+          <a:lnRef idx="2">
+            <a:schemeClr val="accent1">
+              <a:shade val="50000"/>
+            </a:schemeClr>
+          </a:lnRef>
+          <a:fillRef idx="1">
+            <a:schemeClr val="accent1"/>
+          </a:fillRef>
+          <a:effectRef idx="0">
+            <a:schemeClr val="accent1"/>
+          </a:effectRef>
+          <a:fontRef idx="minor">
+            <a:schemeClr val="lt1"/>
+          </a:fontRef>
+        </p:style>
+        <p:txBody>
+          <a:bodyPr rtlCol="0" anchor="ctr"/>
+          <a:lstStyle/>
+          <a:p>
+            <a:r>
+              <a:rPr lang="it-IT" dirty="0">
+                <a:solidFill>
+                  <a:schemeClr val="tx1"/>
+                </a:solidFill>
+                <a:latin typeface="Avenir Next LT Pro Light" panose="020B0304020202020204" pitchFamily="34" charset="0"/>
+              </a:rPr>
+              <a:t>Gian Marco De Bortoli – Federico Ceriola</a:t>
+            </a:r>
+            <a:endParaRPr lang="en-GB" dirty="0">
+              <a:solidFill>
+                <a:schemeClr val="tx1"/>
+              </a:solidFill>
+              <a:latin typeface="Avenir Next LT Pro Light" panose="020B0304020202020204" pitchFamily="34" charset="0"/>
+            </a:endParaRPr>
+          </a:p>
+        </p:txBody>
+      </p:sp>
+      <p:sp>
+        <p:nvSpPr>
+          <p:cNvPr id="31" name="Rettangolo 30">
+            <a:extLst>
+              <a:ext uri="{FF2B5EF4-FFF2-40B4-BE49-F238E27FC236}">
+                <a16:creationId xmlns:a16="http://schemas.microsoft.com/office/drawing/2014/main" id="{BA6AB1C9-6239-4C9D-BEFF-A249FA7FBC7A}"/>
+              </a:ext>
+            </a:extLst>
+          </p:cNvPr>
+          <p:cNvSpPr/>
+          <p:nvPr/>
+        </p:nvSpPr>
+        <p:spPr>
+          <a:xfrm>
+            <a:off x="0" y="-4099"/>
+            <a:ext cx="12192000" cy="488732"/>
+          </a:xfrm>
+          <a:prstGeom prst="rect">
+            <a:avLst/>
+          </a:prstGeom>
+          <a:solidFill>
+            <a:schemeClr val="bg2">
+              <a:lumMod val="90000"/>
+            </a:schemeClr>
+          </a:solidFill>
+        </p:spPr>
+        <p:style>
+          <a:lnRef idx="2">
+            <a:schemeClr val="accent1">
+              <a:shade val="50000"/>
+            </a:schemeClr>
+          </a:lnRef>
+          <a:fillRef idx="1">
+            <a:schemeClr val="accent1"/>
+          </a:fillRef>
+          <a:effectRef idx="0">
+            <a:schemeClr val="accent1"/>
+          </a:effectRef>
+          <a:fontRef idx="minor">
+            <a:schemeClr val="lt1"/>
+          </a:fontRef>
+        </p:style>
+        <p:txBody>
+          <a:bodyPr rtlCol="0" anchor="ctr"/>
+          <a:lstStyle/>
+          <a:p>
+            <a:r>
+              <a:rPr lang="it-IT" dirty="0">
+                <a:solidFill>
+                  <a:schemeClr val="tx1"/>
+                </a:solidFill>
+                <a:latin typeface="Avenir Next LT Pro Light" panose="020B0304020202020204" pitchFamily="34" charset="0"/>
+              </a:rPr>
+              <a:t>Creative Programming and Computing</a:t>
+            </a:r>
+            <a:endParaRPr lang="en-GB" dirty="0">
+              <a:solidFill>
+                <a:schemeClr val="tx1"/>
+              </a:solidFill>
+              <a:latin typeface="Avenir Next LT Pro Light" panose="020B0304020202020204" pitchFamily="34" charset="0"/>
+            </a:endParaRPr>
+          </a:p>
+        </p:txBody>
+      </p:sp>
+      <p:sp>
+        <p:nvSpPr>
+          <p:cNvPr id="21" name="CasellaDiTesto 20">
+            <a:extLst>
+              <a:ext uri="{FF2B5EF4-FFF2-40B4-BE49-F238E27FC236}">
+                <a16:creationId xmlns:a16="http://schemas.microsoft.com/office/drawing/2014/main" id="{7FB5C28F-6EA9-4DE6-8815-90DE7F647974}"/>
+              </a:ext>
+            </a:extLst>
+          </p:cNvPr>
+          <p:cNvSpPr txBox="1"/>
+          <p:nvPr/>
+        </p:nvSpPr>
+        <p:spPr>
+          <a:xfrm>
+            <a:off x="10347319" y="6428968"/>
+            <a:ext cx="1747145" cy="369332"/>
+          </a:xfrm>
+          <a:prstGeom prst="rect">
+            <a:avLst/>
+          </a:prstGeom>
+          <a:noFill/>
+        </p:spPr>
+        <p:txBody>
+          <a:bodyPr wrap="none" rtlCol="0">
+            <a:spAutoFit/>
+          </a:bodyPr>
+          <a:lstStyle/>
+          <a:p>
+            <a:pPr algn="r"/>
+            <a:r>
+              <a:rPr lang="it-IT" dirty="0" err="1">
+                <a:latin typeface="Avenir Next LT Pro Light" panose="020B0304020202020204" pitchFamily="34" charset="0"/>
+              </a:rPr>
+              <a:t>a.a</a:t>
+            </a:r>
+            <a:r>
+              <a:rPr lang="it-IT" dirty="0">
+                <a:latin typeface="Avenir Next LT Pro Light" panose="020B0304020202020204" pitchFamily="34" charset="0"/>
+              </a:rPr>
+              <a:t>. 2021/2022</a:t>
+            </a:r>
+            <a:endParaRPr lang="en-GB" dirty="0">
+              <a:latin typeface="Avenir Next LT Pro Light" panose="020B0304020202020204" pitchFamily="34" charset="0"/>
+            </a:endParaRPr>
+          </a:p>
+        </p:txBody>
+      </p:sp>
+      <p:sp>
+        <p:nvSpPr>
+          <p:cNvPr id="22" name="CasellaDiTesto 21">
+            <a:extLst>
+              <a:ext uri="{FF2B5EF4-FFF2-40B4-BE49-F238E27FC236}">
+                <a16:creationId xmlns:a16="http://schemas.microsoft.com/office/drawing/2014/main" id="{1012BF64-F99D-4F21-8EDC-ABD35A1F616E}"/>
+              </a:ext>
+            </a:extLst>
+          </p:cNvPr>
+          <p:cNvSpPr txBox="1"/>
+          <p:nvPr/>
+        </p:nvSpPr>
+        <p:spPr>
+          <a:xfrm>
+            <a:off x="8656417" y="51029"/>
+            <a:ext cx="3535583" cy="369332"/>
+          </a:xfrm>
+          <a:prstGeom prst="rect">
+            <a:avLst/>
+          </a:prstGeom>
+          <a:noFill/>
+        </p:spPr>
+        <p:txBody>
+          <a:bodyPr wrap="none" rtlCol="0">
+            <a:spAutoFit/>
+          </a:bodyPr>
+          <a:lstStyle/>
+          <a:p>
+            <a:pPr algn="r"/>
+            <a:r>
+              <a:rPr lang="it-IT" dirty="0">
+                <a:latin typeface="Avenir Next LT Pro Light" panose="020B0304020202020204" pitchFamily="34" charset="0"/>
+              </a:rPr>
+              <a:t>Music and Acoustic Engineering</a:t>
+            </a:r>
+            <a:endParaRPr lang="en-GB" dirty="0">
+              <a:latin typeface="Avenir Next LT Pro Light" panose="020B0304020202020204" pitchFamily="34" charset="0"/>
+            </a:endParaRPr>
+          </a:p>
+        </p:txBody>
+      </p:sp>
+    </p:spTree>
+    <p:extLst>
+      <p:ext uri="{BB962C8B-B14F-4D97-AF65-F5344CB8AC3E}">
+        <p14:creationId xmlns:p14="http://schemas.microsoft.com/office/powerpoint/2010/main" val="2928816608"/>
       </p:ext>
     </p:extLst>
   </p:cSld>

--- a/Proposta progetto.pptx
+++ b/Proposta progetto.pptx
@@ -2381,7 +2381,7 @@
           <a:p>
             <a:fld id="{EA0C0817-A112-4847-8014-A94B7D2A4EA3}" type="datetime1">
               <a:rPr lang="en-US" smtClean="0"/>
-              <a:t>12/2/2021</a:t>
+              <a:t>12/3/2021</a:t>
             </a:fld>
             <a:endParaRPr lang="en-US" dirty="0"/>
           </a:p>
@@ -2583,7 +2583,7 @@
           <a:p>
             <a:fld id="{134F40B7-36AB-4376-BE14-EF7004D79BB9}" type="datetime1">
               <a:rPr lang="en-US" smtClean="0"/>
-              <a:t>12/2/2021</a:t>
+              <a:t>12/3/2021</a:t>
             </a:fld>
             <a:endParaRPr lang="en-US"/>
           </a:p>
@@ -2763,7 +2763,7 @@
           <a:p>
             <a:fld id="{FF87CAB8-DCAE-46A5-AADA-B3FAD11A54E0}" type="datetime1">
               <a:rPr lang="en-US" smtClean="0"/>
-              <a:t>12/2/2021</a:t>
+              <a:t>12/3/2021</a:t>
             </a:fld>
             <a:endParaRPr lang="en-US"/>
           </a:p>
@@ -2933,7 +2933,7 @@
           <a:p>
             <a:fld id="{7332B432-ACDA-4023-A761-2BAB76577B62}" type="datetime1">
               <a:rPr lang="en-US" smtClean="0"/>
-              <a:t>12/2/2021</a:t>
+              <a:t>12/3/2021</a:t>
             </a:fld>
             <a:endParaRPr lang="en-US"/>
           </a:p>
@@ -3532,7 +3532,7 @@
           <a:p>
             <a:fld id="{D9C646AA-F36E-4540-911D-FFFC0A0EF24A}" type="datetime1">
               <a:rPr lang="en-US" smtClean="0"/>
-              <a:t>12/2/2021</a:t>
+              <a:t>12/3/2021</a:t>
             </a:fld>
             <a:endParaRPr lang="en-US" dirty="0"/>
           </a:p>
@@ -3852,7 +3852,7 @@
           <a:p>
             <a:fld id="{69186D26-FA5F-4637-B602-B7C2DC34CFD4}" type="datetime1">
               <a:rPr lang="en-US" smtClean="0"/>
-              <a:t>12/2/2021</a:t>
+              <a:t>12/3/2021</a:t>
             </a:fld>
             <a:endParaRPr lang="en-US"/>
           </a:p>
@@ -4287,7 +4287,7 @@
           <a:p>
             <a:fld id="{8A7F15D8-96D1-4781-BC50-CA8A088B2FE4}" type="datetime1">
               <a:rPr lang="en-US" smtClean="0"/>
-              <a:t>12/2/2021</a:t>
+              <a:t>12/3/2021</a:t>
             </a:fld>
             <a:endParaRPr lang="en-US"/>
           </a:p>
@@ -4405,7 +4405,7 @@
           <a:p>
             <a:fld id="{F9A96C99-B8F8-4528-BD05-0E16E943DC09}" type="datetime1">
               <a:rPr lang="en-US" smtClean="0"/>
-              <a:t>12/2/2021</a:t>
+              <a:t>12/3/2021</a:t>
             </a:fld>
             <a:endParaRPr lang="en-US"/>
           </a:p>
@@ -4500,7 +4500,7 @@
           <a:p>
             <a:fld id="{03636942-C211-4B28-8DBD-C953E00AF71B}" type="datetime1">
               <a:rPr lang="en-US" smtClean="0"/>
-              <a:t>12/2/2021</a:t>
+              <a:t>12/3/2021</a:t>
             </a:fld>
             <a:endParaRPr lang="en-US"/>
           </a:p>
@@ -4917,7 +4917,7 @@
           <a:p>
             <a:fld id="{7E8D12A6-918A-48BD-8CB9-CA713993B0EA}" type="datetime1">
               <a:rPr lang="en-US" smtClean="0"/>
-              <a:t>12/2/2021</a:t>
+              <a:t>12/3/2021</a:t>
             </a:fld>
             <a:endParaRPr lang="en-US"/>
           </a:p>
@@ -5179,7 +5179,7 @@
             <a:fld id="{E778CE86-875F-4587-BCF6-FA054AFC0D53}" type="datetime1">
               <a:rPr lang="en-US" smtClean="0"/>
               <a:pPr/>
-              <a:t>12/2/2021</a:t>
+              <a:t>12/3/2021</a:t>
             </a:fld>
             <a:endParaRPr lang="en-US" dirty="0"/>
           </a:p>
@@ -5701,7 +5701,7 @@
           <a:p>
             <a:fld id="{F6FA2B21-3FCD-4721-B95C-427943F61125}" type="datetime1">
               <a:rPr lang="en-US" smtClean="0"/>
-              <a:t>12/2/2021</a:t>
+              <a:t>12/3/2021</a:t>
             </a:fld>
             <a:endParaRPr lang="en-US"/>
           </a:p>
@@ -8025,7 +8025,7 @@
         </p:nvSpPr>
         <p:spPr>
           <a:xfrm>
-            <a:off x="844823" y="2193419"/>
+            <a:off x="844823" y="2395353"/>
             <a:ext cx="4740164" cy="2862322"/>
           </a:xfrm>
           <a:prstGeom prst="rect">
@@ -8206,7 +8206,7 @@
                 </a:solidFill>
                 <a:latin typeface="Avenir Next LT Pro Light" panose="020B0304020202020204" pitchFamily="34" charset="0"/>
               </a:rPr>
-              <a:t>It would be the same experience of a child discovering the world, with the same curiosity and same astonishment.</a:t>
+              <a:t>It would be the same experience of a child discovering the world, with equal curiosity and astonishment.</a:t>
             </a:r>
           </a:p>
         </p:txBody>
@@ -8316,7 +8316,7 @@
         </p:nvSpPr>
         <p:spPr>
           <a:xfrm>
-            <a:off x="6736331" y="2670473"/>
+            <a:off x="6736331" y="2537034"/>
             <a:ext cx="4170210" cy="954107"/>
           </a:xfrm>
           <a:prstGeom prst="rect">
@@ -8404,7 +8404,7 @@
         </p:blipFill>
         <p:spPr>
           <a:xfrm>
-            <a:off x="7083172" y="4002687"/>
+            <a:off x="7083172" y="3869248"/>
             <a:ext cx="1258191" cy="1258191"/>
           </a:xfrm>
           <a:prstGeom prst="rect">
@@ -8440,7 +8440,7 @@
         </p:blipFill>
         <p:spPr>
           <a:xfrm>
-            <a:off x="9325934" y="4020603"/>
+            <a:off x="9325934" y="3887164"/>
             <a:ext cx="1258192" cy="1258192"/>
           </a:xfrm>
           <a:prstGeom prst="rect">
@@ -10184,6 +10184,860 @@
           </a:p>
         </p:txBody>
       </p:sp>
+      <p:sp>
+        <p:nvSpPr>
+          <p:cNvPr id="10" name="CasellaDiTesto 9">
+            <a:extLst>
+              <a:ext uri="{FF2B5EF4-FFF2-40B4-BE49-F238E27FC236}">
+                <a16:creationId xmlns:a16="http://schemas.microsoft.com/office/drawing/2014/main" id="{ECCD4553-2388-4FAB-88FA-DB7D68B866EE}"/>
+              </a:ext>
+            </a:extLst>
+          </p:cNvPr>
+          <p:cNvSpPr txBox="1"/>
+          <p:nvPr/>
+        </p:nvSpPr>
+        <p:spPr>
+          <a:xfrm>
+            <a:off x="1360763" y="1187668"/>
+            <a:ext cx="1726435" cy="646331"/>
+          </a:xfrm>
+          <a:prstGeom prst="rect">
+            <a:avLst/>
+          </a:prstGeom>
+          <a:noFill/>
+        </p:spPr>
+        <p:txBody>
+          <a:bodyPr wrap="none" rtlCol="0">
+            <a:spAutoFit/>
+          </a:bodyPr>
+          <a:lstStyle/>
+          <a:p>
+            <a:r>
+              <a:rPr lang="it-IT" sz="3600" b="1" dirty="0">
+                <a:solidFill>
+                  <a:schemeClr val="bg1"/>
+                </a:solidFill>
+                <a:latin typeface="Avenir Next LT Pro Light" panose="020B0304020202020204" pitchFamily="34" charset="0"/>
+              </a:rPr>
+              <a:t>The </a:t>
+            </a:r>
+            <a:r>
+              <a:rPr lang="it-IT" sz="3600" b="1" dirty="0" err="1">
+                <a:solidFill>
+                  <a:schemeClr val="bg1"/>
+                </a:solidFill>
+                <a:latin typeface="Avenir Next LT Pro Light" panose="020B0304020202020204" pitchFamily="34" charset="0"/>
+              </a:rPr>
+              <a:t>sky</a:t>
+            </a:r>
+            <a:endParaRPr lang="en-GB" sz="3600" b="1" dirty="0">
+              <a:solidFill>
+                <a:schemeClr val="bg1"/>
+              </a:solidFill>
+              <a:latin typeface="Avenir Next LT Pro Light" panose="020B0304020202020204" pitchFamily="34" charset="0"/>
+            </a:endParaRPr>
+          </a:p>
+        </p:txBody>
+      </p:sp>
+      <p:sp>
+        <p:nvSpPr>
+          <p:cNvPr id="11" name="CasellaDiTesto 10">
+            <a:extLst>
+              <a:ext uri="{FF2B5EF4-FFF2-40B4-BE49-F238E27FC236}">
+                <a16:creationId xmlns:a16="http://schemas.microsoft.com/office/drawing/2014/main" id="{C99C92B6-3BE5-454A-91AF-963FDA799DF6}"/>
+              </a:ext>
+            </a:extLst>
+          </p:cNvPr>
+          <p:cNvSpPr txBox="1"/>
+          <p:nvPr/>
+        </p:nvSpPr>
+        <p:spPr>
+          <a:xfrm>
+            <a:off x="5164655" y="1833999"/>
+            <a:ext cx="1862689" cy="461665"/>
+          </a:xfrm>
+          <a:prstGeom prst="rect">
+            <a:avLst/>
+          </a:prstGeom>
+          <a:noFill/>
+        </p:spPr>
+        <p:txBody>
+          <a:bodyPr wrap="square" rtlCol="0">
+            <a:spAutoFit/>
+          </a:bodyPr>
+          <a:lstStyle/>
+          <a:p>
+            <a:pPr algn="just"/>
+            <a:r>
+              <a:rPr lang="it-IT" sz="2400" b="1" dirty="0">
+                <a:solidFill>
+                  <a:schemeClr val="bg1"/>
+                </a:solidFill>
+                <a:latin typeface="Avenir Next LT Pro Light" panose="020B0304020202020204" pitchFamily="34" charset="0"/>
+              </a:rPr>
+              <a:t>Three </a:t>
+            </a:r>
+            <a:r>
+              <a:rPr lang="it-IT" sz="2400" b="1" dirty="0" err="1">
+                <a:solidFill>
+                  <a:schemeClr val="bg1"/>
+                </a:solidFill>
+                <a:latin typeface="Avenir Next LT Pro Light" panose="020B0304020202020204" pitchFamily="34" charset="0"/>
+              </a:rPr>
+              <a:t>layers</a:t>
+            </a:r>
+            <a:endParaRPr lang="it-IT" sz="2400" b="1" dirty="0">
+              <a:solidFill>
+                <a:schemeClr val="bg1"/>
+              </a:solidFill>
+              <a:latin typeface="Avenir Next LT Pro Light" panose="020B0304020202020204" pitchFamily="34" charset="0"/>
+            </a:endParaRPr>
+          </a:p>
+        </p:txBody>
+      </p:sp>
+      <p:sp>
+        <p:nvSpPr>
+          <p:cNvPr id="12" name="CasellaDiTesto 11">
+            <a:extLst>
+              <a:ext uri="{FF2B5EF4-FFF2-40B4-BE49-F238E27FC236}">
+                <a16:creationId xmlns:a16="http://schemas.microsoft.com/office/drawing/2014/main" id="{DBDF2BB1-B9AD-47E6-98B9-37CF00236AAD}"/>
+              </a:ext>
+            </a:extLst>
+          </p:cNvPr>
+          <p:cNvSpPr txBox="1"/>
+          <p:nvPr/>
+        </p:nvSpPr>
+        <p:spPr>
+          <a:xfrm>
+            <a:off x="4716841" y="3530700"/>
+            <a:ext cx="2758316" cy="1846659"/>
+          </a:xfrm>
+          <a:prstGeom prst="rect">
+            <a:avLst/>
+          </a:prstGeom>
+          <a:noFill/>
+        </p:spPr>
+        <p:txBody>
+          <a:bodyPr wrap="square" rtlCol="0">
+            <a:spAutoFit/>
+          </a:bodyPr>
+          <a:lstStyle/>
+          <a:p>
+            <a:pPr algn="ctr"/>
+            <a:r>
+              <a:rPr lang="it-IT" sz="2400" b="1" dirty="0">
+                <a:solidFill>
+                  <a:schemeClr val="bg1"/>
+                </a:solidFill>
+                <a:latin typeface="Avenir Next LT Pro Light" panose="020B0304020202020204" pitchFamily="34" charset="0"/>
+              </a:rPr>
+              <a:t>2. Stars</a:t>
+            </a:r>
+          </a:p>
+          <a:p>
+            <a:pPr algn="just"/>
+            <a:r>
+              <a:rPr lang="it-IT" dirty="0" err="1">
+                <a:solidFill>
+                  <a:schemeClr val="bg1"/>
+                </a:solidFill>
+                <a:latin typeface="Avenir Next LT Pro Light" panose="020B0304020202020204" pitchFamily="34" charset="0"/>
+              </a:rPr>
+              <a:t>Glowing</a:t>
+            </a:r>
+            <a:r>
+              <a:rPr lang="it-IT" dirty="0">
+                <a:solidFill>
+                  <a:schemeClr val="bg1"/>
+                </a:solidFill>
+                <a:latin typeface="Avenir Next LT Pro Light" panose="020B0304020202020204" pitchFamily="34" charset="0"/>
+              </a:rPr>
+              <a:t> points of </a:t>
+            </a:r>
+            <a:r>
+              <a:rPr lang="it-IT" dirty="0" err="1">
+                <a:solidFill>
+                  <a:schemeClr val="bg1"/>
+                </a:solidFill>
+                <a:latin typeface="Avenir Next LT Pro Light" panose="020B0304020202020204" pitchFamily="34" charset="0"/>
+              </a:rPr>
+              <a:t>different</a:t>
+            </a:r>
+            <a:r>
+              <a:rPr lang="it-IT" dirty="0">
+                <a:solidFill>
+                  <a:schemeClr val="bg1"/>
+                </a:solidFill>
+                <a:latin typeface="Avenir Next LT Pro Light" panose="020B0304020202020204" pitchFamily="34" charset="0"/>
+              </a:rPr>
+              <a:t> pale colors and </a:t>
+            </a:r>
+            <a:r>
+              <a:rPr lang="it-IT" dirty="0" err="1">
+                <a:solidFill>
+                  <a:schemeClr val="bg1"/>
+                </a:solidFill>
+                <a:latin typeface="Avenir Next LT Pro Light" panose="020B0304020202020204" pitchFamily="34" charset="0"/>
+              </a:rPr>
+              <a:t>dimensions</a:t>
+            </a:r>
+            <a:r>
+              <a:rPr lang="it-IT" dirty="0">
+                <a:solidFill>
+                  <a:schemeClr val="bg1"/>
+                </a:solidFill>
+                <a:latin typeface="Avenir Next LT Pro Light" panose="020B0304020202020204" pitchFamily="34" charset="0"/>
+              </a:rPr>
+              <a:t> </a:t>
+            </a:r>
+            <a:r>
+              <a:rPr lang="it-IT" dirty="0" err="1">
+                <a:solidFill>
+                  <a:schemeClr val="bg1"/>
+                </a:solidFill>
+                <a:latin typeface="Avenir Next LT Pro Light" panose="020B0304020202020204" pitchFamily="34" charset="0"/>
+              </a:rPr>
+              <a:t>distributed</a:t>
+            </a:r>
+            <a:r>
+              <a:rPr lang="it-IT" dirty="0">
+                <a:solidFill>
+                  <a:schemeClr val="bg1"/>
+                </a:solidFill>
+                <a:latin typeface="Avenir Next LT Pro Light" panose="020B0304020202020204" pitchFamily="34" charset="0"/>
+              </a:rPr>
+              <a:t> </a:t>
+            </a:r>
+            <a:r>
+              <a:rPr lang="it-IT" dirty="0" err="1">
+                <a:solidFill>
+                  <a:schemeClr val="bg1"/>
+                </a:solidFill>
+                <a:latin typeface="Avenir Next LT Pro Light" panose="020B0304020202020204" pitchFamily="34" charset="0"/>
+              </a:rPr>
+              <a:t>all</a:t>
+            </a:r>
+            <a:r>
+              <a:rPr lang="it-IT" dirty="0">
+                <a:solidFill>
+                  <a:schemeClr val="bg1"/>
+                </a:solidFill>
+                <a:latin typeface="Avenir Next LT Pro Light" panose="020B0304020202020204" pitchFamily="34" charset="0"/>
+              </a:rPr>
+              <a:t> over the screen for the user to </a:t>
+            </a:r>
+            <a:r>
+              <a:rPr lang="it-IT" dirty="0" err="1">
+                <a:solidFill>
+                  <a:schemeClr val="bg1"/>
+                </a:solidFill>
+                <a:latin typeface="Avenir Next LT Pro Light" panose="020B0304020202020204" pitchFamily="34" charset="0"/>
+              </a:rPr>
+              <a:t>interact</a:t>
+            </a:r>
+            <a:r>
+              <a:rPr lang="it-IT" dirty="0">
+                <a:solidFill>
+                  <a:schemeClr val="bg1"/>
+                </a:solidFill>
+                <a:latin typeface="Avenir Next LT Pro Light" panose="020B0304020202020204" pitchFamily="34" charset="0"/>
+              </a:rPr>
+              <a:t> with.</a:t>
+            </a:r>
+          </a:p>
+        </p:txBody>
+      </p:sp>
+      <p:sp>
+        <p:nvSpPr>
+          <p:cNvPr id="13" name="CasellaDiTesto 12">
+            <a:extLst>
+              <a:ext uri="{FF2B5EF4-FFF2-40B4-BE49-F238E27FC236}">
+                <a16:creationId xmlns:a16="http://schemas.microsoft.com/office/drawing/2014/main" id="{DBEFF2C3-933B-4FDC-B29C-44E8B9A06F86}"/>
+              </a:ext>
+            </a:extLst>
+          </p:cNvPr>
+          <p:cNvSpPr txBox="1"/>
+          <p:nvPr/>
+        </p:nvSpPr>
+        <p:spPr>
+          <a:xfrm>
+            <a:off x="8588859" y="2867635"/>
+            <a:ext cx="2758316" cy="1846659"/>
+          </a:xfrm>
+          <a:prstGeom prst="rect">
+            <a:avLst/>
+          </a:prstGeom>
+          <a:noFill/>
+        </p:spPr>
+        <p:txBody>
+          <a:bodyPr wrap="square" rtlCol="0">
+            <a:spAutoFit/>
+          </a:bodyPr>
+          <a:lstStyle/>
+          <a:p>
+            <a:pPr algn="ctr"/>
+            <a:r>
+              <a:rPr lang="it-IT" sz="2400" b="1" dirty="0">
+                <a:solidFill>
+                  <a:schemeClr val="bg1"/>
+                </a:solidFill>
+                <a:latin typeface="Avenir Next LT Pro Light" panose="020B0304020202020204" pitchFamily="34" charset="0"/>
+              </a:rPr>
+              <a:t>3. </a:t>
+            </a:r>
+            <a:r>
+              <a:rPr lang="it-IT" sz="2400" b="1" dirty="0" err="1">
+                <a:solidFill>
+                  <a:schemeClr val="bg1"/>
+                </a:solidFill>
+                <a:latin typeface="Avenir Next LT Pro Light" panose="020B0304020202020204" pitchFamily="34" charset="0"/>
+              </a:rPr>
+              <a:t>Universe</a:t>
+            </a:r>
+            <a:endParaRPr lang="it-IT" sz="2400" b="1" dirty="0">
+              <a:solidFill>
+                <a:schemeClr val="bg1"/>
+              </a:solidFill>
+              <a:latin typeface="Avenir Next LT Pro Light" panose="020B0304020202020204" pitchFamily="34" charset="0"/>
+            </a:endParaRPr>
+          </a:p>
+          <a:p>
+            <a:pPr algn="just"/>
+            <a:r>
+              <a:rPr lang="it-IT" dirty="0">
+                <a:solidFill>
+                  <a:schemeClr val="bg1"/>
+                </a:solidFill>
+                <a:latin typeface="Avenir Next LT Pro Light" panose="020B0304020202020204" pitchFamily="34" charset="0"/>
+              </a:rPr>
+              <a:t>A clear night </a:t>
+            </a:r>
+            <a:r>
+              <a:rPr lang="it-IT" dirty="0" err="1">
+                <a:solidFill>
+                  <a:schemeClr val="bg1"/>
+                </a:solidFill>
+                <a:latin typeface="Avenir Next LT Pro Light" panose="020B0304020202020204" pitchFamily="34" charset="0"/>
+              </a:rPr>
+              <a:t>sky</a:t>
+            </a:r>
+            <a:r>
+              <a:rPr lang="it-IT" dirty="0">
+                <a:solidFill>
+                  <a:schemeClr val="bg1"/>
+                </a:solidFill>
+                <a:latin typeface="Avenir Next LT Pro Light" panose="020B0304020202020204" pitchFamily="34" charset="0"/>
+              </a:rPr>
+              <a:t> with </a:t>
+            </a:r>
+            <a:r>
+              <a:rPr lang="it-IT" dirty="0" err="1">
+                <a:solidFill>
+                  <a:schemeClr val="bg1"/>
+                </a:solidFill>
+                <a:latin typeface="Avenir Next LT Pro Light" panose="020B0304020202020204" pitchFamily="34" charset="0"/>
+              </a:rPr>
+              <a:t>diffused</a:t>
+            </a:r>
+            <a:r>
+              <a:rPr lang="it-IT" dirty="0">
+                <a:solidFill>
+                  <a:schemeClr val="bg1"/>
+                </a:solidFill>
+                <a:latin typeface="Avenir Next LT Pro Light" panose="020B0304020202020204" pitchFamily="34" charset="0"/>
+              </a:rPr>
+              <a:t> colors </a:t>
+            </a:r>
+            <a:r>
+              <a:rPr lang="it-IT" dirty="0" err="1">
+                <a:solidFill>
+                  <a:schemeClr val="bg1"/>
+                </a:solidFill>
+                <a:latin typeface="Avenir Next LT Pro Light" panose="020B0304020202020204" pitchFamily="34" charset="0"/>
+              </a:rPr>
+              <a:t>recalling</a:t>
+            </a:r>
+            <a:r>
+              <a:rPr lang="it-IT" dirty="0">
+                <a:solidFill>
+                  <a:schemeClr val="bg1"/>
+                </a:solidFill>
+                <a:latin typeface="Avenir Next LT Pro Light" panose="020B0304020202020204" pitchFamily="34" charset="0"/>
+              </a:rPr>
+              <a:t> </a:t>
+            </a:r>
+            <a:r>
+              <a:rPr lang="it-IT" dirty="0" err="1">
+                <a:solidFill>
+                  <a:schemeClr val="bg1"/>
+                </a:solidFill>
+                <a:latin typeface="Avenir Next LT Pro Light" panose="020B0304020202020204" pitchFamily="34" charset="0"/>
+              </a:rPr>
+              <a:t>different</a:t>
+            </a:r>
+            <a:r>
+              <a:rPr lang="it-IT" dirty="0">
+                <a:solidFill>
+                  <a:schemeClr val="bg1"/>
+                </a:solidFill>
+                <a:latin typeface="Avenir Next LT Pro Light" panose="020B0304020202020204" pitchFamily="34" charset="0"/>
+              </a:rPr>
+              <a:t> </a:t>
+            </a:r>
+            <a:r>
+              <a:rPr lang="it-IT" dirty="0" err="1">
+                <a:solidFill>
+                  <a:schemeClr val="bg1"/>
+                </a:solidFill>
+                <a:latin typeface="Avenir Next LT Pro Light" panose="020B0304020202020204" pitchFamily="34" charset="0"/>
+              </a:rPr>
+              <a:t>galaxies</a:t>
+            </a:r>
+            <a:r>
+              <a:rPr lang="it-IT" dirty="0">
+                <a:solidFill>
+                  <a:schemeClr val="bg1"/>
+                </a:solidFill>
+                <a:latin typeface="Avenir Next LT Pro Light" panose="020B0304020202020204" pitchFamily="34" charset="0"/>
+              </a:rPr>
+              <a:t> </a:t>
+            </a:r>
+            <a:r>
+              <a:rPr lang="it-IT" dirty="0" err="1">
+                <a:solidFill>
+                  <a:schemeClr val="bg1"/>
+                </a:solidFill>
+                <a:latin typeface="Avenir Next LT Pro Light" panose="020B0304020202020204" pitchFamily="34" charset="0"/>
+              </a:rPr>
+              <a:t>serves</a:t>
+            </a:r>
+            <a:r>
+              <a:rPr lang="it-IT" dirty="0">
+                <a:solidFill>
+                  <a:schemeClr val="bg1"/>
+                </a:solidFill>
+                <a:latin typeface="Avenir Next LT Pro Light" panose="020B0304020202020204" pitchFamily="34" charset="0"/>
+              </a:rPr>
+              <a:t> </a:t>
+            </a:r>
+            <a:r>
+              <a:rPr lang="it-IT" dirty="0" err="1">
+                <a:solidFill>
+                  <a:schemeClr val="bg1"/>
+                </a:solidFill>
+                <a:latin typeface="Avenir Next LT Pro Light" panose="020B0304020202020204" pitchFamily="34" charset="0"/>
+              </a:rPr>
+              <a:t>as</a:t>
+            </a:r>
+            <a:r>
+              <a:rPr lang="it-IT" dirty="0">
+                <a:solidFill>
+                  <a:schemeClr val="bg1"/>
+                </a:solidFill>
+                <a:latin typeface="Avenir Next LT Pro Light" panose="020B0304020202020204" pitchFamily="34" charset="0"/>
+              </a:rPr>
+              <a:t> background for the picture.</a:t>
+            </a:r>
+          </a:p>
+        </p:txBody>
+      </p:sp>
+      <p:sp>
+        <p:nvSpPr>
+          <p:cNvPr id="14" name="CasellaDiTesto 13">
+            <a:extLst>
+              <a:ext uri="{FF2B5EF4-FFF2-40B4-BE49-F238E27FC236}">
+                <a16:creationId xmlns:a16="http://schemas.microsoft.com/office/drawing/2014/main" id="{1C8A8FA5-0726-46CF-9230-D30349C6F6F2}"/>
+              </a:ext>
+            </a:extLst>
+          </p:cNvPr>
+          <p:cNvSpPr txBox="1"/>
+          <p:nvPr/>
+        </p:nvSpPr>
+        <p:spPr>
+          <a:xfrm>
+            <a:off x="844823" y="2867635"/>
+            <a:ext cx="2758316" cy="2492990"/>
+          </a:xfrm>
+          <a:prstGeom prst="rect">
+            <a:avLst/>
+          </a:prstGeom>
+          <a:noFill/>
+        </p:spPr>
+        <p:txBody>
+          <a:bodyPr wrap="square" rtlCol="0">
+            <a:spAutoFit/>
+          </a:bodyPr>
+          <a:lstStyle/>
+          <a:p>
+            <a:pPr algn="ctr"/>
+            <a:r>
+              <a:rPr lang="it-IT" sz="2400" b="1" dirty="0">
+                <a:solidFill>
+                  <a:schemeClr val="bg1"/>
+                </a:solidFill>
+                <a:latin typeface="Avenir Next LT Pro Light" panose="020B0304020202020204" pitchFamily="34" charset="0"/>
+              </a:rPr>
+              <a:t>1. </a:t>
+            </a:r>
+            <a:r>
+              <a:rPr lang="it-IT" sz="2400" b="1" dirty="0" err="1">
+                <a:solidFill>
+                  <a:schemeClr val="bg1"/>
+                </a:solidFill>
+                <a:latin typeface="Avenir Next LT Pro Light" panose="020B0304020202020204" pitchFamily="34" charset="0"/>
+              </a:rPr>
+              <a:t>Pollution</a:t>
+            </a:r>
+            <a:endParaRPr lang="it-IT" sz="2400" b="1" dirty="0">
+              <a:solidFill>
+                <a:schemeClr val="bg1"/>
+              </a:solidFill>
+              <a:latin typeface="Avenir Next LT Pro Light" panose="020B0304020202020204" pitchFamily="34" charset="0"/>
+            </a:endParaRPr>
+          </a:p>
+          <a:p>
+            <a:pPr algn="just"/>
+            <a:r>
+              <a:rPr lang="it-IT" dirty="0">
+                <a:solidFill>
+                  <a:schemeClr val="bg1"/>
+                </a:solidFill>
+                <a:latin typeface="Avenir Next LT Pro Light" panose="020B0304020202020204" pitchFamily="34" charset="0"/>
+              </a:rPr>
+              <a:t>An oppressive </a:t>
+            </a:r>
+            <a:r>
+              <a:rPr lang="it-IT" dirty="0" err="1">
+                <a:solidFill>
+                  <a:schemeClr val="bg1"/>
+                </a:solidFill>
+                <a:latin typeface="Avenir Next LT Pro Light" panose="020B0304020202020204" pitchFamily="34" charset="0"/>
+              </a:rPr>
+              <a:t>veil</a:t>
+            </a:r>
+            <a:r>
+              <a:rPr lang="it-IT" dirty="0">
+                <a:solidFill>
+                  <a:schemeClr val="bg1"/>
+                </a:solidFill>
+                <a:latin typeface="Avenir Next LT Pro Light" panose="020B0304020202020204" pitchFamily="34" charset="0"/>
+              </a:rPr>
+              <a:t> of </a:t>
+            </a:r>
+            <a:r>
+              <a:rPr lang="it-IT" dirty="0" err="1">
+                <a:solidFill>
+                  <a:schemeClr val="bg1"/>
+                </a:solidFill>
+                <a:latin typeface="Avenir Next LT Pro Light" panose="020B0304020202020204" pitchFamily="34" charset="0"/>
+              </a:rPr>
+              <a:t>smokey</a:t>
+            </a:r>
+            <a:r>
+              <a:rPr lang="it-IT" dirty="0">
+                <a:solidFill>
+                  <a:schemeClr val="bg1"/>
+                </a:solidFill>
+                <a:latin typeface="Avenir Next LT Pro Light" panose="020B0304020202020204" pitchFamily="34" charset="0"/>
+              </a:rPr>
+              <a:t> </a:t>
+            </a:r>
+            <a:r>
+              <a:rPr lang="it-IT" dirty="0" err="1">
+                <a:solidFill>
+                  <a:schemeClr val="bg1"/>
+                </a:solidFill>
+                <a:latin typeface="Avenir Next LT Pro Light" panose="020B0304020202020204" pitchFamily="34" charset="0"/>
+              </a:rPr>
+              <a:t>glare</a:t>
+            </a:r>
+            <a:r>
+              <a:rPr lang="it-IT" dirty="0">
+                <a:solidFill>
+                  <a:schemeClr val="bg1"/>
+                </a:solidFill>
+                <a:latin typeface="Avenir Next LT Pro Light" panose="020B0304020202020204" pitchFamily="34" charset="0"/>
+              </a:rPr>
+              <a:t> from the city </a:t>
+            </a:r>
+            <a:r>
+              <a:rPr lang="it-IT" dirty="0" err="1">
+                <a:solidFill>
+                  <a:schemeClr val="bg1"/>
+                </a:solidFill>
+                <a:latin typeface="Avenir Next LT Pro Light" panose="020B0304020202020204" pitchFamily="34" charset="0"/>
+              </a:rPr>
+              <a:t>lights</a:t>
+            </a:r>
+            <a:r>
+              <a:rPr lang="it-IT" dirty="0">
+                <a:solidFill>
+                  <a:schemeClr val="bg1"/>
+                </a:solidFill>
+                <a:latin typeface="Avenir Next LT Pro Light" panose="020B0304020202020204" pitchFamily="34" charset="0"/>
+              </a:rPr>
+              <a:t> covers the </a:t>
+            </a:r>
+            <a:r>
+              <a:rPr lang="it-IT" dirty="0" err="1">
+                <a:solidFill>
+                  <a:schemeClr val="bg1"/>
+                </a:solidFill>
+                <a:latin typeface="Avenir Next LT Pro Light" panose="020B0304020202020204" pitchFamily="34" charset="0"/>
+              </a:rPr>
+              <a:t>view</a:t>
+            </a:r>
+            <a:r>
+              <a:rPr lang="it-IT" dirty="0">
+                <a:solidFill>
+                  <a:schemeClr val="bg1"/>
+                </a:solidFill>
+                <a:latin typeface="Avenir Next LT Pro Light" panose="020B0304020202020204" pitchFamily="34" charset="0"/>
+              </a:rPr>
+              <a:t> of the stars.</a:t>
+            </a:r>
+          </a:p>
+          <a:p>
+            <a:pPr algn="just"/>
+            <a:r>
+              <a:rPr lang="it-IT" dirty="0">
+                <a:solidFill>
+                  <a:schemeClr val="bg1"/>
+                </a:solidFill>
+                <a:latin typeface="Avenir Next LT Pro Light" panose="020B0304020202020204" pitchFamily="34" charset="0"/>
+              </a:rPr>
+              <a:t>The </a:t>
+            </a:r>
+            <a:r>
+              <a:rPr lang="it-IT" dirty="0" err="1">
+                <a:solidFill>
+                  <a:schemeClr val="bg1"/>
+                </a:solidFill>
+                <a:latin typeface="Avenir Next LT Pro Light" panose="020B0304020202020204" pitchFamily="34" charset="0"/>
+              </a:rPr>
+              <a:t>flashlight</a:t>
+            </a:r>
+            <a:r>
+              <a:rPr lang="it-IT" dirty="0">
+                <a:solidFill>
+                  <a:schemeClr val="bg1"/>
+                </a:solidFill>
+                <a:latin typeface="Avenir Next LT Pro Light" panose="020B0304020202020204" pitchFamily="34" charset="0"/>
+              </a:rPr>
+              <a:t> </a:t>
+            </a:r>
+            <a:r>
+              <a:rPr lang="it-IT" dirty="0" err="1">
+                <a:solidFill>
+                  <a:schemeClr val="bg1"/>
+                </a:solidFill>
+                <a:latin typeface="Avenir Next LT Pro Light" panose="020B0304020202020204" pitchFamily="34" charset="0"/>
+              </a:rPr>
+              <a:t>is</a:t>
+            </a:r>
+            <a:r>
+              <a:rPr lang="it-IT" dirty="0">
+                <a:solidFill>
+                  <a:schemeClr val="bg1"/>
+                </a:solidFill>
+                <a:latin typeface="Avenir Next LT Pro Light" panose="020B0304020202020204" pitchFamily="34" charset="0"/>
+              </a:rPr>
+              <a:t> the tool </a:t>
+            </a:r>
+            <a:r>
+              <a:rPr lang="it-IT" dirty="0" err="1">
+                <a:solidFill>
+                  <a:schemeClr val="bg1"/>
+                </a:solidFill>
+                <a:latin typeface="Avenir Next LT Pro Light" panose="020B0304020202020204" pitchFamily="34" charset="0"/>
+              </a:rPr>
+              <a:t>able</a:t>
+            </a:r>
+            <a:r>
+              <a:rPr lang="it-IT" dirty="0">
+                <a:solidFill>
+                  <a:schemeClr val="bg1"/>
+                </a:solidFill>
+                <a:latin typeface="Avenir Next LT Pro Light" panose="020B0304020202020204" pitchFamily="34" charset="0"/>
+              </a:rPr>
+              <a:t> to «</a:t>
+            </a:r>
+            <a:r>
+              <a:rPr lang="it-IT" dirty="0" err="1">
+                <a:solidFill>
+                  <a:schemeClr val="bg1"/>
+                </a:solidFill>
+                <a:latin typeface="Avenir Next LT Pro Light" panose="020B0304020202020204" pitchFamily="34" charset="0"/>
+              </a:rPr>
+              <a:t>clean</a:t>
+            </a:r>
+            <a:r>
+              <a:rPr lang="it-IT" dirty="0">
+                <a:solidFill>
+                  <a:schemeClr val="bg1"/>
+                </a:solidFill>
+                <a:latin typeface="Avenir Next LT Pro Light" panose="020B0304020202020204" pitchFamily="34" charset="0"/>
+              </a:rPr>
+              <a:t> the </a:t>
+            </a:r>
+            <a:r>
+              <a:rPr lang="it-IT" dirty="0" err="1">
+                <a:solidFill>
+                  <a:schemeClr val="bg1"/>
+                </a:solidFill>
+                <a:latin typeface="Avenir Next LT Pro Light" panose="020B0304020202020204" pitchFamily="34" charset="0"/>
+              </a:rPr>
+              <a:t>dirt</a:t>
+            </a:r>
+            <a:r>
+              <a:rPr lang="it-IT" dirty="0">
+                <a:solidFill>
+                  <a:schemeClr val="bg1"/>
+                </a:solidFill>
+                <a:latin typeface="Avenir Next LT Pro Light" panose="020B0304020202020204" pitchFamily="34" charset="0"/>
+              </a:rPr>
+              <a:t>».</a:t>
+            </a:r>
+          </a:p>
+          <a:p>
+            <a:pPr algn="just"/>
+            <a:endParaRPr lang="it-IT" sz="2400" dirty="0">
+              <a:solidFill>
+                <a:schemeClr val="bg1"/>
+              </a:solidFill>
+              <a:latin typeface="Avenir Next LT Pro Light" panose="020B0304020202020204" pitchFamily="34" charset="0"/>
+            </a:endParaRPr>
+          </a:p>
+        </p:txBody>
+      </p:sp>
+      <p:cxnSp>
+        <p:nvCxnSpPr>
+          <p:cNvPr id="3" name="Connettore 2 2">
+            <a:extLst>
+              <a:ext uri="{FF2B5EF4-FFF2-40B4-BE49-F238E27FC236}">
+                <a16:creationId xmlns:a16="http://schemas.microsoft.com/office/drawing/2014/main" id="{3727DE92-E565-4CC9-A842-76C135525718}"/>
+              </a:ext>
+            </a:extLst>
+          </p:cNvPr>
+          <p:cNvCxnSpPr/>
+          <p:nvPr/>
+        </p:nvCxnSpPr>
+        <p:spPr>
+          <a:xfrm flipH="1">
+            <a:off x="3743058" y="2295664"/>
+            <a:ext cx="1153682" cy="571971"/>
+          </a:xfrm>
+          <a:prstGeom prst="straightConnector1">
+            <a:avLst/>
+          </a:prstGeom>
+          <a:ln>
+            <a:solidFill>
+              <a:schemeClr val="bg1"/>
+            </a:solidFill>
+            <a:tailEnd type="triangle"/>
+          </a:ln>
+        </p:spPr>
+        <p:style>
+          <a:lnRef idx="1">
+            <a:schemeClr val="accent1"/>
+          </a:lnRef>
+          <a:fillRef idx="0">
+            <a:schemeClr val="accent1"/>
+          </a:fillRef>
+          <a:effectRef idx="0">
+            <a:schemeClr val="accent1"/>
+          </a:effectRef>
+          <a:fontRef idx="minor">
+            <a:schemeClr val="tx1"/>
+          </a:fontRef>
+        </p:style>
+      </p:cxnSp>
+      <p:cxnSp>
+        <p:nvCxnSpPr>
+          <p:cNvPr id="17" name="Connettore 2 16">
+            <a:extLst>
+              <a:ext uri="{FF2B5EF4-FFF2-40B4-BE49-F238E27FC236}">
+                <a16:creationId xmlns:a16="http://schemas.microsoft.com/office/drawing/2014/main" id="{44031015-347D-46B5-9049-3A85642450B8}"/>
+              </a:ext>
+            </a:extLst>
+          </p:cNvPr>
+          <p:cNvCxnSpPr>
+            <a:cxnSpLocks/>
+          </p:cNvCxnSpPr>
+          <p:nvPr/>
+        </p:nvCxnSpPr>
+        <p:spPr>
+          <a:xfrm>
+            <a:off x="7295259" y="2295663"/>
+            <a:ext cx="1153682" cy="571971"/>
+          </a:xfrm>
+          <a:prstGeom prst="straightConnector1">
+            <a:avLst/>
+          </a:prstGeom>
+          <a:ln>
+            <a:solidFill>
+              <a:schemeClr val="bg1"/>
+            </a:solidFill>
+            <a:tailEnd type="triangle"/>
+          </a:ln>
+        </p:spPr>
+        <p:style>
+          <a:lnRef idx="1">
+            <a:schemeClr val="accent1"/>
+          </a:lnRef>
+          <a:fillRef idx="0">
+            <a:schemeClr val="accent1"/>
+          </a:fillRef>
+          <a:effectRef idx="0">
+            <a:schemeClr val="accent1"/>
+          </a:effectRef>
+          <a:fontRef idx="minor">
+            <a:schemeClr val="tx1"/>
+          </a:fontRef>
+        </p:style>
+      </p:cxnSp>
+      <p:cxnSp>
+        <p:nvCxnSpPr>
+          <p:cNvPr id="5" name="Connettore 2 4">
+            <a:extLst>
+              <a:ext uri="{FF2B5EF4-FFF2-40B4-BE49-F238E27FC236}">
+                <a16:creationId xmlns:a16="http://schemas.microsoft.com/office/drawing/2014/main" id="{0E224F13-AF43-4856-A241-37CC124E2329}"/>
+              </a:ext>
+            </a:extLst>
+          </p:cNvPr>
+          <p:cNvCxnSpPr/>
+          <p:nvPr/>
+        </p:nvCxnSpPr>
+        <p:spPr>
+          <a:xfrm>
+            <a:off x="6113090" y="2457436"/>
+            <a:ext cx="0" cy="820396"/>
+          </a:xfrm>
+          <a:prstGeom prst="straightConnector1">
+            <a:avLst/>
+          </a:prstGeom>
+          <a:ln>
+            <a:solidFill>
+              <a:schemeClr val="bg1"/>
+            </a:solidFill>
+            <a:tailEnd type="triangle"/>
+          </a:ln>
+        </p:spPr>
+        <p:style>
+          <a:lnRef idx="1">
+            <a:schemeClr val="accent1"/>
+          </a:lnRef>
+          <a:fillRef idx="0">
+            <a:schemeClr val="accent1"/>
+          </a:fillRef>
+          <a:effectRef idx="0">
+            <a:schemeClr val="accent1"/>
+          </a:effectRef>
+          <a:fontRef idx="minor">
+            <a:schemeClr val="tx1"/>
+          </a:fontRef>
+        </p:style>
+      </p:cxnSp>
     </p:spTree>
     <p:extLst>
       <p:ext uri="{BB962C8B-B14F-4D97-AF65-F5344CB8AC3E}">
@@ -11112,8 +11966,8 @@
           </a:p>
         </p:txBody>
       </p:sp>
-      <mc:AlternateContent xmlns:mc="http://schemas.openxmlformats.org/markup-compatibility/2006">
-        <mc:Choice xmlns:p14="http://schemas.microsoft.com/office/powerpoint/2010/main" Requires="p14">
+      <mc:AlternateContent xmlns:mc="http://schemas.openxmlformats.org/markup-compatibility/2006" xmlns:p14="http://schemas.microsoft.com/office/powerpoint/2010/main">
+        <mc:Choice Requires="p14">
           <p:contentPart p14:bwMode="auto" r:id="rId2">
             <p14:nvContentPartPr>
               <p14:cNvPr id="17" name="Input penna 16">
@@ -11132,7 +11986,7 @@
             </p14:xfrm>
           </p:contentPart>
         </mc:Choice>
-        <mc:Fallback>
+        <mc:Fallback xmlns="">
           <p:pic>
             <p:nvPicPr>
               <p:cNvPr id="17" name="Input penna 16">
@@ -11163,8 +12017,8 @@
           </p:pic>
         </mc:Fallback>
       </mc:AlternateContent>
-      <mc:AlternateContent xmlns:mc="http://schemas.openxmlformats.org/markup-compatibility/2006">
-        <mc:Choice xmlns:p14="http://schemas.microsoft.com/office/powerpoint/2010/main" Requires="p14">
+      <mc:AlternateContent xmlns:mc="http://schemas.openxmlformats.org/markup-compatibility/2006" xmlns:p14="http://schemas.microsoft.com/office/powerpoint/2010/main">
+        <mc:Choice Requires="p14">
           <p:contentPart p14:bwMode="auto" r:id="rId4">
             <p14:nvContentPartPr>
               <p14:cNvPr id="18" name="Input penna 17">
@@ -11183,7 +12037,7 @@
             </p14:xfrm>
           </p:contentPart>
         </mc:Choice>
-        <mc:Fallback>
+        <mc:Fallback xmlns="">
           <p:pic>
             <p:nvPicPr>
               <p:cNvPr id="18" name="Input penna 17">
@@ -11214,8 +12068,8 @@
           </p:pic>
         </mc:Fallback>
       </mc:AlternateContent>
-      <mc:AlternateContent xmlns:mc="http://schemas.openxmlformats.org/markup-compatibility/2006">
-        <mc:Choice xmlns:p14="http://schemas.microsoft.com/office/powerpoint/2010/main" Requires="p14">
+      <mc:AlternateContent xmlns:mc="http://schemas.openxmlformats.org/markup-compatibility/2006" xmlns:p14="http://schemas.microsoft.com/office/powerpoint/2010/main">
+        <mc:Choice Requires="p14">
           <p:contentPart p14:bwMode="auto" r:id="rId6">
             <p14:nvContentPartPr>
               <p14:cNvPr id="19" name="Input penna 18">
@@ -11234,7 +12088,7 @@
             </p14:xfrm>
           </p:contentPart>
         </mc:Choice>
-        <mc:Fallback>
+        <mc:Fallback xmlns="">
           <p:pic>
             <p:nvPicPr>
               <p:cNvPr id="19" name="Input penna 18">
@@ -11265,8 +12119,8 @@
           </p:pic>
         </mc:Fallback>
       </mc:AlternateContent>
-      <mc:AlternateContent xmlns:mc="http://schemas.openxmlformats.org/markup-compatibility/2006">
-        <mc:Choice xmlns:p14="http://schemas.microsoft.com/office/powerpoint/2010/main" Requires="p14">
+      <mc:AlternateContent xmlns:mc="http://schemas.openxmlformats.org/markup-compatibility/2006" xmlns:p14="http://schemas.microsoft.com/office/powerpoint/2010/main">
+        <mc:Choice Requires="p14">
           <p:contentPart p14:bwMode="auto" r:id="rId8">
             <p14:nvContentPartPr>
               <p14:cNvPr id="24" name="Input penna 23">
@@ -11285,7 +12139,7 @@
             </p14:xfrm>
           </p:contentPart>
         </mc:Choice>
-        <mc:Fallback>
+        <mc:Fallback xmlns="">
           <p:pic>
             <p:nvPicPr>
               <p:cNvPr id="24" name="Input penna 23">
@@ -11316,8 +12170,8 @@
           </p:pic>
         </mc:Fallback>
       </mc:AlternateContent>
-      <mc:AlternateContent xmlns:mc="http://schemas.openxmlformats.org/markup-compatibility/2006">
-        <mc:Choice xmlns:p14="http://schemas.microsoft.com/office/powerpoint/2010/main" Requires="p14">
+      <mc:AlternateContent xmlns:mc="http://schemas.openxmlformats.org/markup-compatibility/2006" xmlns:p14="http://schemas.microsoft.com/office/powerpoint/2010/main">
+        <mc:Choice Requires="p14">
           <p:contentPart p14:bwMode="auto" r:id="rId10">
             <p14:nvContentPartPr>
               <p14:cNvPr id="25" name="Input penna 24">
@@ -11336,7 +12190,7 @@
             </p14:xfrm>
           </p:contentPart>
         </mc:Choice>
-        <mc:Fallback>
+        <mc:Fallback xmlns="">
           <p:pic>
             <p:nvPicPr>
               <p:cNvPr id="25" name="Input penna 24">
@@ -11367,8 +12221,8 @@
           </p:pic>
         </mc:Fallback>
       </mc:AlternateContent>
-      <mc:AlternateContent xmlns:mc="http://schemas.openxmlformats.org/markup-compatibility/2006">
-        <mc:Choice xmlns:p14="http://schemas.microsoft.com/office/powerpoint/2010/main" Requires="p14">
+      <mc:AlternateContent xmlns:mc="http://schemas.openxmlformats.org/markup-compatibility/2006" xmlns:p14="http://schemas.microsoft.com/office/powerpoint/2010/main">
+        <mc:Choice Requires="p14">
           <p:contentPart p14:bwMode="auto" r:id="rId12">
             <p14:nvContentPartPr>
               <p14:cNvPr id="26" name="Input penna 25">
@@ -11387,7 +12241,7 @@
             </p14:xfrm>
           </p:contentPart>
         </mc:Choice>
-        <mc:Fallback>
+        <mc:Fallback xmlns="">
           <p:pic>
             <p:nvPicPr>
               <p:cNvPr id="26" name="Input penna 25">
@@ -11418,8 +12272,8 @@
           </p:pic>
         </mc:Fallback>
       </mc:AlternateContent>
-      <mc:AlternateContent xmlns:mc="http://schemas.openxmlformats.org/markup-compatibility/2006">
-        <mc:Choice xmlns:p14="http://schemas.microsoft.com/office/powerpoint/2010/main" Requires="p14">
+      <mc:AlternateContent xmlns:mc="http://schemas.openxmlformats.org/markup-compatibility/2006" xmlns:p14="http://schemas.microsoft.com/office/powerpoint/2010/main">
+        <mc:Choice Requires="p14">
           <p:contentPart p14:bwMode="auto" r:id="rId14">
             <p14:nvContentPartPr>
               <p14:cNvPr id="27" name="Input penna 26">
@@ -11438,7 +12292,7 @@
             </p14:xfrm>
           </p:contentPart>
         </mc:Choice>
-        <mc:Fallback>
+        <mc:Fallback xmlns="">
           <p:pic>
             <p:nvPicPr>
               <p:cNvPr id="27" name="Input penna 26">
@@ -11469,8 +12323,8 @@
           </p:pic>
         </mc:Fallback>
       </mc:AlternateContent>
-      <mc:AlternateContent xmlns:mc="http://schemas.openxmlformats.org/markup-compatibility/2006">
-        <mc:Choice xmlns:p14="http://schemas.microsoft.com/office/powerpoint/2010/main" Requires="p14">
+      <mc:AlternateContent xmlns:mc="http://schemas.openxmlformats.org/markup-compatibility/2006" xmlns:p14="http://schemas.microsoft.com/office/powerpoint/2010/main">
+        <mc:Choice Requires="p14">
           <p:contentPart p14:bwMode="auto" r:id="rId16">
             <p14:nvContentPartPr>
               <p14:cNvPr id="28" name="Input penna 27">
@@ -11489,7 +12343,7 @@
             </p14:xfrm>
           </p:contentPart>
         </mc:Choice>
-        <mc:Fallback>
+        <mc:Fallback xmlns="">
           <p:pic>
             <p:nvPicPr>
               <p:cNvPr id="28" name="Input penna 27">
@@ -11520,8 +12374,8 @@
           </p:pic>
         </mc:Fallback>
       </mc:AlternateContent>
-      <mc:AlternateContent xmlns:mc="http://schemas.openxmlformats.org/markup-compatibility/2006">
-        <mc:Choice xmlns:p14="http://schemas.microsoft.com/office/powerpoint/2010/main" Requires="p14">
+      <mc:AlternateContent xmlns:mc="http://schemas.openxmlformats.org/markup-compatibility/2006" xmlns:p14="http://schemas.microsoft.com/office/powerpoint/2010/main">
+        <mc:Choice Requires="p14">
           <p:contentPart p14:bwMode="auto" r:id="rId18">
             <p14:nvContentPartPr>
               <p14:cNvPr id="29" name="Input penna 28">
@@ -11540,7 +12394,7 @@
             </p14:xfrm>
           </p:contentPart>
         </mc:Choice>
-        <mc:Fallback>
+        <mc:Fallback xmlns="">
           <p:pic>
             <p:nvPicPr>
               <p:cNvPr id="29" name="Input penna 28">
@@ -11571,8 +12425,8 @@
           </p:pic>
         </mc:Fallback>
       </mc:AlternateContent>
-      <mc:AlternateContent xmlns:mc="http://schemas.openxmlformats.org/markup-compatibility/2006">
-        <mc:Choice xmlns:p14="http://schemas.microsoft.com/office/powerpoint/2010/main" Requires="p14">
+      <mc:AlternateContent xmlns:mc="http://schemas.openxmlformats.org/markup-compatibility/2006" xmlns:p14="http://schemas.microsoft.com/office/powerpoint/2010/main">
+        <mc:Choice Requires="p14">
           <p:contentPart p14:bwMode="auto" r:id="rId20">
             <p14:nvContentPartPr>
               <p14:cNvPr id="35" name="Input penna 34">
@@ -11591,7 +12445,7 @@
             </p14:xfrm>
           </p:contentPart>
         </mc:Choice>
-        <mc:Fallback>
+        <mc:Fallback xmlns="">
           <p:pic>
             <p:nvPicPr>
               <p:cNvPr id="35" name="Input penna 34">
@@ -11622,8 +12476,8 @@
           </p:pic>
         </mc:Fallback>
       </mc:AlternateContent>
-      <mc:AlternateContent xmlns:mc="http://schemas.openxmlformats.org/markup-compatibility/2006">
-        <mc:Choice xmlns:p14="http://schemas.microsoft.com/office/powerpoint/2010/main" Requires="p14">
+      <mc:AlternateContent xmlns:mc="http://schemas.openxmlformats.org/markup-compatibility/2006" xmlns:p14="http://schemas.microsoft.com/office/powerpoint/2010/main">
+        <mc:Choice Requires="p14">
           <p:contentPart p14:bwMode="auto" r:id="rId22">
             <p14:nvContentPartPr>
               <p14:cNvPr id="36" name="Input penna 35">
@@ -11642,7 +12496,7 @@
             </p14:xfrm>
           </p:contentPart>
         </mc:Choice>
-        <mc:Fallback>
+        <mc:Fallback xmlns="">
           <p:pic>
             <p:nvPicPr>
               <p:cNvPr id="36" name="Input penna 35">
@@ -11673,8 +12527,8 @@
           </p:pic>
         </mc:Fallback>
       </mc:AlternateContent>
-      <mc:AlternateContent xmlns:mc="http://schemas.openxmlformats.org/markup-compatibility/2006">
-        <mc:Choice xmlns:p14="http://schemas.microsoft.com/office/powerpoint/2010/main" Requires="p14">
+      <mc:AlternateContent xmlns:mc="http://schemas.openxmlformats.org/markup-compatibility/2006" xmlns:p14="http://schemas.microsoft.com/office/powerpoint/2010/main">
+        <mc:Choice Requires="p14">
           <p:contentPart p14:bwMode="auto" r:id="rId23">
             <p14:nvContentPartPr>
               <p14:cNvPr id="40" name="Input penna 39">
@@ -11693,7 +12547,7 @@
             </p14:xfrm>
           </p:contentPart>
         </mc:Choice>
-        <mc:Fallback>
+        <mc:Fallback xmlns="">
           <p:pic>
             <p:nvPicPr>
               <p:cNvPr id="40" name="Input penna 39">
@@ -11724,8 +12578,8 @@
           </p:pic>
         </mc:Fallback>
       </mc:AlternateContent>
-      <mc:AlternateContent xmlns:mc="http://schemas.openxmlformats.org/markup-compatibility/2006">
-        <mc:Choice xmlns:p14="http://schemas.microsoft.com/office/powerpoint/2010/main" Requires="p14">
+      <mc:AlternateContent xmlns:mc="http://schemas.openxmlformats.org/markup-compatibility/2006" xmlns:p14="http://schemas.microsoft.com/office/powerpoint/2010/main">
+        <mc:Choice Requires="p14">
           <p:contentPart p14:bwMode="auto" r:id="rId25">
             <p14:nvContentPartPr>
               <p14:cNvPr id="42" name="Input penna 41">
@@ -11744,7 +12598,7 @@
             </p14:xfrm>
           </p:contentPart>
         </mc:Choice>
-        <mc:Fallback>
+        <mc:Fallback xmlns="">
           <p:pic>
             <p:nvPicPr>
               <p:cNvPr id="42" name="Input penna 41">
@@ -11775,8 +12629,8 @@
           </p:pic>
         </mc:Fallback>
       </mc:AlternateContent>
-      <mc:AlternateContent xmlns:mc="http://schemas.openxmlformats.org/markup-compatibility/2006">
-        <mc:Choice xmlns:p14="http://schemas.microsoft.com/office/powerpoint/2010/main" Requires="p14">
+      <mc:AlternateContent xmlns:mc="http://schemas.openxmlformats.org/markup-compatibility/2006" xmlns:p14="http://schemas.microsoft.com/office/powerpoint/2010/main">
+        <mc:Choice Requires="p14">
           <p:contentPart p14:bwMode="auto" r:id="rId26">
             <p14:nvContentPartPr>
               <p14:cNvPr id="44" name="Input penna 43">
@@ -11795,7 +12649,7 @@
             </p14:xfrm>
           </p:contentPart>
         </mc:Choice>
-        <mc:Fallback>
+        <mc:Fallback xmlns="">
           <p:pic>
             <p:nvPicPr>
               <p:cNvPr id="44" name="Input penna 43">
@@ -11826,8 +12680,8 @@
           </p:pic>
         </mc:Fallback>
       </mc:AlternateContent>
-      <mc:AlternateContent xmlns:mc="http://schemas.openxmlformats.org/markup-compatibility/2006">
-        <mc:Choice xmlns:p14="http://schemas.microsoft.com/office/powerpoint/2010/main" Requires="p14">
+      <mc:AlternateContent xmlns:mc="http://schemas.openxmlformats.org/markup-compatibility/2006" xmlns:p14="http://schemas.microsoft.com/office/powerpoint/2010/main">
+        <mc:Choice Requires="p14">
           <p:contentPart p14:bwMode="auto" r:id="rId28">
             <p14:nvContentPartPr>
               <p14:cNvPr id="45" name="Input penna 44">
@@ -11846,7 +12700,7 @@
             </p14:xfrm>
           </p:contentPart>
         </mc:Choice>
-        <mc:Fallback>
+        <mc:Fallback xmlns="">
           <p:pic>
             <p:nvPicPr>
               <p:cNvPr id="45" name="Input penna 44">
@@ -11877,8 +12731,8 @@
           </p:pic>
         </mc:Fallback>
       </mc:AlternateContent>
-      <mc:AlternateContent xmlns:mc="http://schemas.openxmlformats.org/markup-compatibility/2006">
-        <mc:Choice xmlns:p14="http://schemas.microsoft.com/office/powerpoint/2010/main" Requires="p14">
+      <mc:AlternateContent xmlns:mc="http://schemas.openxmlformats.org/markup-compatibility/2006" xmlns:p14="http://schemas.microsoft.com/office/powerpoint/2010/main">
+        <mc:Choice Requires="p14">
           <p:contentPart p14:bwMode="auto" r:id="rId29">
             <p14:nvContentPartPr>
               <p14:cNvPr id="46" name="Input penna 45">
@@ -11897,7 +12751,7 @@
             </p14:xfrm>
           </p:contentPart>
         </mc:Choice>
-        <mc:Fallback>
+        <mc:Fallback xmlns="">
           <p:pic>
             <p:nvPicPr>
               <p:cNvPr id="46" name="Input penna 45">
@@ -11928,8 +12782,8 @@
           </p:pic>
         </mc:Fallback>
       </mc:AlternateContent>
-      <mc:AlternateContent xmlns:mc="http://schemas.openxmlformats.org/markup-compatibility/2006">
-        <mc:Choice xmlns:p14="http://schemas.microsoft.com/office/powerpoint/2010/main" Requires="p14">
+      <mc:AlternateContent xmlns:mc="http://schemas.openxmlformats.org/markup-compatibility/2006" xmlns:p14="http://schemas.microsoft.com/office/powerpoint/2010/main">
+        <mc:Choice Requires="p14">
           <p:contentPart p14:bwMode="auto" r:id="rId30">
             <p14:nvContentPartPr>
               <p14:cNvPr id="47" name="Input penna 46">
@@ -11948,7 +12802,7 @@
             </p14:xfrm>
           </p:contentPart>
         </mc:Choice>
-        <mc:Fallback>
+        <mc:Fallback xmlns="">
           <p:pic>
             <p:nvPicPr>
               <p:cNvPr id="47" name="Input penna 46">
@@ -11979,8 +12833,8 @@
           </p:pic>
         </mc:Fallback>
       </mc:AlternateContent>
-      <mc:AlternateContent xmlns:mc="http://schemas.openxmlformats.org/markup-compatibility/2006">
-        <mc:Choice xmlns:p14="http://schemas.microsoft.com/office/powerpoint/2010/main" Requires="p14">
+      <mc:AlternateContent xmlns:mc="http://schemas.openxmlformats.org/markup-compatibility/2006" xmlns:p14="http://schemas.microsoft.com/office/powerpoint/2010/main">
+        <mc:Choice Requires="p14">
           <p:contentPart p14:bwMode="auto" r:id="rId31">
             <p14:nvContentPartPr>
               <p14:cNvPr id="48" name="Input penna 47">
@@ -11999,7 +12853,7 @@
             </p14:xfrm>
           </p:contentPart>
         </mc:Choice>
-        <mc:Fallback>
+        <mc:Fallback xmlns="">
           <p:pic>
             <p:nvPicPr>
               <p:cNvPr id="48" name="Input penna 47">
@@ -12030,8 +12884,8 @@
           </p:pic>
         </mc:Fallback>
       </mc:AlternateContent>
-      <mc:AlternateContent xmlns:mc="http://schemas.openxmlformats.org/markup-compatibility/2006">
-        <mc:Choice xmlns:p14="http://schemas.microsoft.com/office/powerpoint/2010/main" Requires="p14">
+      <mc:AlternateContent xmlns:mc="http://schemas.openxmlformats.org/markup-compatibility/2006" xmlns:p14="http://schemas.microsoft.com/office/powerpoint/2010/main">
+        <mc:Choice Requires="p14">
           <p:contentPart p14:bwMode="auto" r:id="rId32">
             <p14:nvContentPartPr>
               <p14:cNvPr id="49" name="Input penna 48">
@@ -12050,7 +12904,7 @@
             </p14:xfrm>
           </p:contentPart>
         </mc:Choice>
-        <mc:Fallback>
+        <mc:Fallback xmlns="">
           <p:pic>
             <p:nvPicPr>
               <p:cNvPr id="49" name="Input penna 48">
@@ -12081,8 +12935,8 @@
           </p:pic>
         </mc:Fallback>
       </mc:AlternateContent>
-      <mc:AlternateContent xmlns:mc="http://schemas.openxmlformats.org/markup-compatibility/2006">
-        <mc:Choice xmlns:p14="http://schemas.microsoft.com/office/powerpoint/2010/main" Requires="p14">
+      <mc:AlternateContent xmlns:mc="http://schemas.openxmlformats.org/markup-compatibility/2006" xmlns:p14="http://schemas.microsoft.com/office/powerpoint/2010/main">
+        <mc:Choice Requires="p14">
           <p:contentPart p14:bwMode="auto" r:id="rId33">
             <p14:nvContentPartPr>
               <p14:cNvPr id="50" name="Input penna 49">
@@ -12101,7 +12955,7 @@
             </p14:xfrm>
           </p:contentPart>
         </mc:Choice>
-        <mc:Fallback>
+        <mc:Fallback xmlns="">
           <p:pic>
             <p:nvPicPr>
               <p:cNvPr id="50" name="Input penna 49">
@@ -12132,8 +12986,8 @@
           </p:pic>
         </mc:Fallback>
       </mc:AlternateContent>
-      <mc:AlternateContent xmlns:mc="http://schemas.openxmlformats.org/markup-compatibility/2006">
-        <mc:Choice xmlns:p14="http://schemas.microsoft.com/office/powerpoint/2010/main" Requires="p14">
+      <mc:AlternateContent xmlns:mc="http://schemas.openxmlformats.org/markup-compatibility/2006" xmlns:p14="http://schemas.microsoft.com/office/powerpoint/2010/main">
+        <mc:Choice Requires="p14">
           <p:contentPart p14:bwMode="auto" r:id="rId34">
             <p14:nvContentPartPr>
               <p14:cNvPr id="51" name="Input penna 50">
@@ -12152,7 +13006,7 @@
             </p14:xfrm>
           </p:contentPart>
         </mc:Choice>
-        <mc:Fallback>
+        <mc:Fallback xmlns="">
           <p:pic>
             <p:nvPicPr>
               <p:cNvPr id="51" name="Input penna 50">
@@ -12183,8 +13037,8 @@
           </p:pic>
         </mc:Fallback>
       </mc:AlternateContent>
-      <mc:AlternateContent xmlns:mc="http://schemas.openxmlformats.org/markup-compatibility/2006">
-        <mc:Choice xmlns:p14="http://schemas.microsoft.com/office/powerpoint/2010/main" Requires="p14">
+      <mc:AlternateContent xmlns:mc="http://schemas.openxmlformats.org/markup-compatibility/2006" xmlns:p14="http://schemas.microsoft.com/office/powerpoint/2010/main">
+        <mc:Choice Requires="p14">
           <p:contentPart p14:bwMode="auto" r:id="rId35">
             <p14:nvContentPartPr>
               <p14:cNvPr id="52" name="Input penna 51">
@@ -12203,7 +13057,7 @@
             </p14:xfrm>
           </p:contentPart>
         </mc:Choice>
-        <mc:Fallback>
+        <mc:Fallback xmlns="">
           <p:pic>
             <p:nvPicPr>
               <p:cNvPr id="52" name="Input penna 51">
@@ -12234,8 +13088,8 @@
           </p:pic>
         </mc:Fallback>
       </mc:AlternateContent>
-      <mc:AlternateContent xmlns:mc="http://schemas.openxmlformats.org/markup-compatibility/2006">
-        <mc:Choice xmlns:p14="http://schemas.microsoft.com/office/powerpoint/2010/main" Requires="p14">
+      <mc:AlternateContent xmlns:mc="http://schemas.openxmlformats.org/markup-compatibility/2006" xmlns:p14="http://schemas.microsoft.com/office/powerpoint/2010/main">
+        <mc:Choice Requires="p14">
           <p:contentPart p14:bwMode="auto" r:id="rId36">
             <p14:nvContentPartPr>
               <p14:cNvPr id="53" name="Input penna 52">
@@ -12254,7 +13108,7 @@
             </p14:xfrm>
           </p:contentPart>
         </mc:Choice>
-        <mc:Fallback>
+        <mc:Fallback xmlns="">
           <p:pic>
             <p:nvPicPr>
               <p:cNvPr id="53" name="Input penna 52">
@@ -12285,8 +13139,8 @@
           </p:pic>
         </mc:Fallback>
       </mc:AlternateContent>
-      <mc:AlternateContent xmlns:mc="http://schemas.openxmlformats.org/markup-compatibility/2006">
-        <mc:Choice xmlns:p14="http://schemas.microsoft.com/office/powerpoint/2010/main" Requires="p14">
+      <mc:AlternateContent xmlns:mc="http://schemas.openxmlformats.org/markup-compatibility/2006" xmlns:p14="http://schemas.microsoft.com/office/powerpoint/2010/main">
+        <mc:Choice Requires="p14">
           <p:contentPart p14:bwMode="auto" r:id="rId37">
             <p14:nvContentPartPr>
               <p14:cNvPr id="54" name="Input penna 53">
@@ -12305,7 +13159,7 @@
             </p14:xfrm>
           </p:contentPart>
         </mc:Choice>
-        <mc:Fallback>
+        <mc:Fallback xmlns="">
           <p:pic>
             <p:nvPicPr>
               <p:cNvPr id="54" name="Input penna 53">
@@ -12336,8 +13190,8 @@
           </p:pic>
         </mc:Fallback>
       </mc:AlternateContent>
-      <mc:AlternateContent xmlns:mc="http://schemas.openxmlformats.org/markup-compatibility/2006">
-        <mc:Choice xmlns:p14="http://schemas.microsoft.com/office/powerpoint/2010/main" Requires="p14">
+      <mc:AlternateContent xmlns:mc="http://schemas.openxmlformats.org/markup-compatibility/2006" xmlns:p14="http://schemas.microsoft.com/office/powerpoint/2010/main">
+        <mc:Choice Requires="p14">
           <p:contentPart p14:bwMode="auto" r:id="rId38">
             <p14:nvContentPartPr>
               <p14:cNvPr id="55" name="Input penna 54">
@@ -12356,7 +13210,7 @@
             </p14:xfrm>
           </p:contentPart>
         </mc:Choice>
-        <mc:Fallback>
+        <mc:Fallback xmlns="">
           <p:pic>
             <p:nvPicPr>
               <p:cNvPr id="55" name="Input penna 54">
@@ -12387,8 +13241,8 @@
           </p:pic>
         </mc:Fallback>
       </mc:AlternateContent>
-      <mc:AlternateContent xmlns:mc="http://schemas.openxmlformats.org/markup-compatibility/2006">
-        <mc:Choice xmlns:p14="http://schemas.microsoft.com/office/powerpoint/2010/main" Requires="p14">
+      <mc:AlternateContent xmlns:mc="http://schemas.openxmlformats.org/markup-compatibility/2006" xmlns:p14="http://schemas.microsoft.com/office/powerpoint/2010/main">
+        <mc:Choice Requires="p14">
           <p:contentPart p14:bwMode="auto" r:id="rId39">
             <p14:nvContentPartPr>
               <p14:cNvPr id="56" name="Input penna 55">
@@ -12407,7 +13261,7 @@
             </p14:xfrm>
           </p:contentPart>
         </mc:Choice>
-        <mc:Fallback>
+        <mc:Fallback xmlns="">
           <p:pic>
             <p:nvPicPr>
               <p:cNvPr id="56" name="Input penna 55">
@@ -12438,8 +13292,8 @@
           </p:pic>
         </mc:Fallback>
       </mc:AlternateContent>
-      <mc:AlternateContent xmlns:mc="http://schemas.openxmlformats.org/markup-compatibility/2006">
-        <mc:Choice xmlns:p14="http://schemas.microsoft.com/office/powerpoint/2010/main" Requires="p14">
+      <mc:AlternateContent xmlns:mc="http://schemas.openxmlformats.org/markup-compatibility/2006" xmlns:p14="http://schemas.microsoft.com/office/powerpoint/2010/main">
+        <mc:Choice Requires="p14">
           <p:contentPart p14:bwMode="auto" r:id="rId40">
             <p14:nvContentPartPr>
               <p14:cNvPr id="57" name="Input penna 56">
@@ -12458,7 +13312,7 @@
             </p14:xfrm>
           </p:contentPart>
         </mc:Choice>
-        <mc:Fallback>
+        <mc:Fallback xmlns="">
           <p:pic>
             <p:nvPicPr>
               <p:cNvPr id="57" name="Input penna 56">
@@ -12489,8 +13343,8 @@
           </p:pic>
         </mc:Fallback>
       </mc:AlternateContent>
-      <mc:AlternateContent xmlns:mc="http://schemas.openxmlformats.org/markup-compatibility/2006">
-        <mc:Choice xmlns:p14="http://schemas.microsoft.com/office/powerpoint/2010/main" Requires="p14">
+      <mc:AlternateContent xmlns:mc="http://schemas.openxmlformats.org/markup-compatibility/2006" xmlns:p14="http://schemas.microsoft.com/office/powerpoint/2010/main">
+        <mc:Choice Requires="p14">
           <p:contentPart p14:bwMode="auto" r:id="rId41">
             <p14:nvContentPartPr>
               <p14:cNvPr id="58" name="Input penna 57">
@@ -12509,7 +13363,7 @@
             </p14:xfrm>
           </p:contentPart>
         </mc:Choice>
-        <mc:Fallback>
+        <mc:Fallback xmlns="">
           <p:pic>
             <p:nvPicPr>
               <p:cNvPr id="58" name="Input penna 57">
@@ -12540,8 +13394,8 @@
           </p:pic>
         </mc:Fallback>
       </mc:AlternateContent>
-      <mc:AlternateContent xmlns:mc="http://schemas.openxmlformats.org/markup-compatibility/2006">
-        <mc:Choice xmlns:p14="http://schemas.microsoft.com/office/powerpoint/2010/main" Requires="p14">
+      <mc:AlternateContent xmlns:mc="http://schemas.openxmlformats.org/markup-compatibility/2006" xmlns:p14="http://schemas.microsoft.com/office/powerpoint/2010/main">
+        <mc:Choice Requires="p14">
           <p:contentPart p14:bwMode="auto" r:id="rId42">
             <p14:nvContentPartPr>
               <p14:cNvPr id="59" name="Input penna 58">
@@ -12560,7 +13414,7 @@
             </p14:xfrm>
           </p:contentPart>
         </mc:Choice>
-        <mc:Fallback>
+        <mc:Fallback xmlns="">
           <p:pic>
             <p:nvPicPr>
               <p:cNvPr id="59" name="Input penna 58">
@@ -12591,8 +13445,8 @@
           </p:pic>
         </mc:Fallback>
       </mc:AlternateContent>
-      <mc:AlternateContent xmlns:mc="http://schemas.openxmlformats.org/markup-compatibility/2006">
-        <mc:Choice xmlns:p14="http://schemas.microsoft.com/office/powerpoint/2010/main" Requires="p14">
+      <mc:AlternateContent xmlns:mc="http://schemas.openxmlformats.org/markup-compatibility/2006" xmlns:p14="http://schemas.microsoft.com/office/powerpoint/2010/main">
+        <mc:Choice Requires="p14">
           <p:contentPart p14:bwMode="auto" r:id="rId43">
             <p14:nvContentPartPr>
               <p14:cNvPr id="60" name="Input penna 59">
@@ -12611,7 +13465,7 @@
             </p14:xfrm>
           </p:contentPart>
         </mc:Choice>
-        <mc:Fallback>
+        <mc:Fallback xmlns="">
           <p:pic>
             <p:nvPicPr>
               <p:cNvPr id="60" name="Input penna 59">
@@ -12642,8 +13496,8 @@
           </p:pic>
         </mc:Fallback>
       </mc:AlternateContent>
-      <mc:AlternateContent xmlns:mc="http://schemas.openxmlformats.org/markup-compatibility/2006">
-        <mc:Choice xmlns:p14="http://schemas.microsoft.com/office/powerpoint/2010/main" Requires="p14">
+      <mc:AlternateContent xmlns:mc="http://schemas.openxmlformats.org/markup-compatibility/2006" xmlns:p14="http://schemas.microsoft.com/office/powerpoint/2010/main">
+        <mc:Choice Requires="p14">
           <p:contentPart p14:bwMode="auto" r:id="rId44">
             <p14:nvContentPartPr>
               <p14:cNvPr id="61" name="Input penna 60">
@@ -12662,7 +13516,7 @@
             </p14:xfrm>
           </p:contentPart>
         </mc:Choice>
-        <mc:Fallback>
+        <mc:Fallback xmlns="">
           <p:pic>
             <p:nvPicPr>
               <p:cNvPr id="61" name="Input penna 60">
@@ -12693,8 +13547,8 @@
           </p:pic>
         </mc:Fallback>
       </mc:AlternateContent>
-      <mc:AlternateContent xmlns:mc="http://schemas.openxmlformats.org/markup-compatibility/2006">
-        <mc:Choice xmlns:p14="http://schemas.microsoft.com/office/powerpoint/2010/main" Requires="p14">
+      <mc:AlternateContent xmlns:mc="http://schemas.openxmlformats.org/markup-compatibility/2006" xmlns:p14="http://schemas.microsoft.com/office/powerpoint/2010/main">
+        <mc:Choice Requires="p14">
           <p:contentPart p14:bwMode="auto" r:id="rId45">
             <p14:nvContentPartPr>
               <p14:cNvPr id="62" name="Input penna 61">
@@ -12713,7 +13567,7 @@
             </p14:xfrm>
           </p:contentPart>
         </mc:Choice>
-        <mc:Fallback>
+        <mc:Fallback xmlns="">
           <p:pic>
             <p:nvPicPr>
               <p:cNvPr id="62" name="Input penna 61">
@@ -12744,8 +13598,8 @@
           </p:pic>
         </mc:Fallback>
       </mc:AlternateContent>
-      <mc:AlternateContent xmlns:mc="http://schemas.openxmlformats.org/markup-compatibility/2006">
-        <mc:Choice xmlns:p14="http://schemas.microsoft.com/office/powerpoint/2010/main" Requires="p14">
+      <mc:AlternateContent xmlns:mc="http://schemas.openxmlformats.org/markup-compatibility/2006" xmlns:p14="http://schemas.microsoft.com/office/powerpoint/2010/main">
+        <mc:Choice Requires="p14">
           <p:contentPart p14:bwMode="auto" r:id="rId46">
             <p14:nvContentPartPr>
               <p14:cNvPr id="63" name="Input penna 62">
@@ -12764,7 +13618,7 @@
             </p14:xfrm>
           </p:contentPart>
         </mc:Choice>
-        <mc:Fallback>
+        <mc:Fallback xmlns="">
           <p:pic>
             <p:nvPicPr>
               <p:cNvPr id="63" name="Input penna 62">
@@ -12795,8 +13649,8 @@
           </p:pic>
         </mc:Fallback>
       </mc:AlternateContent>
-      <mc:AlternateContent xmlns:mc="http://schemas.openxmlformats.org/markup-compatibility/2006">
-        <mc:Choice xmlns:p14="http://schemas.microsoft.com/office/powerpoint/2010/main" Requires="p14">
+      <mc:AlternateContent xmlns:mc="http://schemas.openxmlformats.org/markup-compatibility/2006" xmlns:p14="http://schemas.microsoft.com/office/powerpoint/2010/main">
+        <mc:Choice Requires="p14">
           <p:contentPart p14:bwMode="auto" r:id="rId47">
             <p14:nvContentPartPr>
               <p14:cNvPr id="64" name="Input penna 63">
@@ -12815,7 +13669,7 @@
             </p14:xfrm>
           </p:contentPart>
         </mc:Choice>
-        <mc:Fallback>
+        <mc:Fallback xmlns="">
           <p:pic>
             <p:nvPicPr>
               <p:cNvPr id="64" name="Input penna 63">
@@ -12846,8 +13700,8 @@
           </p:pic>
         </mc:Fallback>
       </mc:AlternateContent>
-      <mc:AlternateContent xmlns:mc="http://schemas.openxmlformats.org/markup-compatibility/2006">
-        <mc:Choice xmlns:p14="http://schemas.microsoft.com/office/powerpoint/2010/main" Requires="p14">
+      <mc:AlternateContent xmlns:mc="http://schemas.openxmlformats.org/markup-compatibility/2006" xmlns:p14="http://schemas.microsoft.com/office/powerpoint/2010/main">
+        <mc:Choice Requires="p14">
           <p:contentPart p14:bwMode="auto" r:id="rId48">
             <p14:nvContentPartPr>
               <p14:cNvPr id="65" name="Input penna 64">
@@ -12866,7 +13720,7 @@
             </p14:xfrm>
           </p:contentPart>
         </mc:Choice>
-        <mc:Fallback>
+        <mc:Fallback xmlns="">
           <p:pic>
             <p:nvPicPr>
               <p:cNvPr id="65" name="Input penna 64">
@@ -12897,8 +13751,8 @@
           </p:pic>
         </mc:Fallback>
       </mc:AlternateContent>
-      <mc:AlternateContent xmlns:mc="http://schemas.openxmlformats.org/markup-compatibility/2006">
-        <mc:Choice xmlns:p14="http://schemas.microsoft.com/office/powerpoint/2010/main" Requires="p14">
+      <mc:AlternateContent xmlns:mc="http://schemas.openxmlformats.org/markup-compatibility/2006" xmlns:p14="http://schemas.microsoft.com/office/powerpoint/2010/main">
+        <mc:Choice Requires="p14">
           <p:contentPart p14:bwMode="auto" r:id="rId49">
             <p14:nvContentPartPr>
               <p14:cNvPr id="66" name="Input penna 65">
@@ -12917,7 +13771,7 @@
             </p14:xfrm>
           </p:contentPart>
         </mc:Choice>
-        <mc:Fallback>
+        <mc:Fallback xmlns="">
           <p:pic>
             <p:nvPicPr>
               <p:cNvPr id="66" name="Input penna 65">
@@ -12948,8 +13802,8 @@
           </p:pic>
         </mc:Fallback>
       </mc:AlternateContent>
-      <mc:AlternateContent xmlns:mc="http://schemas.openxmlformats.org/markup-compatibility/2006">
-        <mc:Choice xmlns:p14="http://schemas.microsoft.com/office/powerpoint/2010/main" Requires="p14">
+      <mc:AlternateContent xmlns:mc="http://schemas.openxmlformats.org/markup-compatibility/2006" xmlns:p14="http://schemas.microsoft.com/office/powerpoint/2010/main">
+        <mc:Choice Requires="p14">
           <p:contentPart p14:bwMode="auto" r:id="rId50">
             <p14:nvContentPartPr>
               <p14:cNvPr id="67" name="Input penna 66">
@@ -12968,7 +13822,7 @@
             </p14:xfrm>
           </p:contentPart>
         </mc:Choice>
-        <mc:Fallback>
+        <mc:Fallback xmlns="">
           <p:pic>
             <p:nvPicPr>
               <p:cNvPr id="67" name="Input penna 66">
@@ -12999,8 +13853,8 @@
           </p:pic>
         </mc:Fallback>
       </mc:AlternateContent>
-      <mc:AlternateContent xmlns:mc="http://schemas.openxmlformats.org/markup-compatibility/2006">
-        <mc:Choice xmlns:p14="http://schemas.microsoft.com/office/powerpoint/2010/main" Requires="p14">
+      <mc:AlternateContent xmlns:mc="http://schemas.openxmlformats.org/markup-compatibility/2006" xmlns:p14="http://schemas.microsoft.com/office/powerpoint/2010/main">
+        <mc:Choice Requires="p14">
           <p:contentPart p14:bwMode="auto" r:id="rId51">
             <p14:nvContentPartPr>
               <p14:cNvPr id="68" name="Input penna 67">
@@ -13019,7 +13873,7 @@
             </p14:xfrm>
           </p:contentPart>
         </mc:Choice>
-        <mc:Fallback>
+        <mc:Fallback xmlns="">
           <p:pic>
             <p:nvPicPr>
               <p:cNvPr id="68" name="Input penna 67">
@@ -13050,8 +13904,8 @@
           </p:pic>
         </mc:Fallback>
       </mc:AlternateContent>
-      <mc:AlternateContent xmlns:mc="http://schemas.openxmlformats.org/markup-compatibility/2006">
-        <mc:Choice xmlns:p14="http://schemas.microsoft.com/office/powerpoint/2010/main" Requires="p14">
+      <mc:AlternateContent xmlns:mc="http://schemas.openxmlformats.org/markup-compatibility/2006" xmlns:p14="http://schemas.microsoft.com/office/powerpoint/2010/main">
+        <mc:Choice Requires="p14">
           <p:contentPart p14:bwMode="auto" r:id="rId52">
             <p14:nvContentPartPr>
               <p14:cNvPr id="69" name="Input penna 68">
@@ -13070,7 +13924,7 @@
             </p14:xfrm>
           </p:contentPart>
         </mc:Choice>
-        <mc:Fallback>
+        <mc:Fallback xmlns="">
           <p:pic>
             <p:nvPicPr>
               <p:cNvPr id="69" name="Input penna 68">
@@ -13101,8 +13955,8 @@
           </p:pic>
         </mc:Fallback>
       </mc:AlternateContent>
-      <mc:AlternateContent xmlns:mc="http://schemas.openxmlformats.org/markup-compatibility/2006">
-        <mc:Choice xmlns:p14="http://schemas.microsoft.com/office/powerpoint/2010/main" Requires="p14">
+      <mc:AlternateContent xmlns:mc="http://schemas.openxmlformats.org/markup-compatibility/2006" xmlns:p14="http://schemas.microsoft.com/office/powerpoint/2010/main">
+        <mc:Choice Requires="p14">
           <p:contentPart p14:bwMode="auto" r:id="rId53">
             <p14:nvContentPartPr>
               <p14:cNvPr id="70" name="Input penna 69">
@@ -13121,7 +13975,7 @@
             </p14:xfrm>
           </p:contentPart>
         </mc:Choice>
-        <mc:Fallback>
+        <mc:Fallback xmlns="">
           <p:pic>
             <p:nvPicPr>
               <p:cNvPr id="70" name="Input penna 69">
@@ -13152,8 +14006,8 @@
           </p:pic>
         </mc:Fallback>
       </mc:AlternateContent>
-      <mc:AlternateContent xmlns:mc="http://schemas.openxmlformats.org/markup-compatibility/2006">
-        <mc:Choice xmlns:p14="http://schemas.microsoft.com/office/powerpoint/2010/main" Requires="p14">
+      <mc:AlternateContent xmlns:mc="http://schemas.openxmlformats.org/markup-compatibility/2006" xmlns:p14="http://schemas.microsoft.com/office/powerpoint/2010/main">
+        <mc:Choice Requires="p14">
           <p:contentPart p14:bwMode="auto" r:id="rId54">
             <p14:nvContentPartPr>
               <p14:cNvPr id="71" name="Input penna 70">
@@ -13172,7 +14026,7 @@
             </p14:xfrm>
           </p:contentPart>
         </mc:Choice>
-        <mc:Fallback>
+        <mc:Fallback xmlns="">
           <p:pic>
             <p:nvPicPr>
               <p:cNvPr id="71" name="Input penna 70">
@@ -13203,8 +14057,8 @@
           </p:pic>
         </mc:Fallback>
       </mc:AlternateContent>
-      <mc:AlternateContent xmlns:mc="http://schemas.openxmlformats.org/markup-compatibility/2006">
-        <mc:Choice xmlns:p14="http://schemas.microsoft.com/office/powerpoint/2010/main" Requires="p14">
+      <mc:AlternateContent xmlns:mc="http://schemas.openxmlformats.org/markup-compatibility/2006" xmlns:p14="http://schemas.microsoft.com/office/powerpoint/2010/main">
+        <mc:Choice Requires="p14">
           <p:contentPart p14:bwMode="auto" r:id="rId55">
             <p14:nvContentPartPr>
               <p14:cNvPr id="72" name="Input penna 71">
@@ -13223,7 +14077,7 @@
             </p14:xfrm>
           </p:contentPart>
         </mc:Choice>
-        <mc:Fallback>
+        <mc:Fallback xmlns="">
           <p:pic>
             <p:nvPicPr>
               <p:cNvPr id="72" name="Input penna 71">
@@ -13254,8 +14108,8 @@
           </p:pic>
         </mc:Fallback>
       </mc:AlternateContent>
-      <mc:AlternateContent xmlns:mc="http://schemas.openxmlformats.org/markup-compatibility/2006">
-        <mc:Choice xmlns:p14="http://schemas.microsoft.com/office/powerpoint/2010/main" Requires="p14">
+      <mc:AlternateContent xmlns:mc="http://schemas.openxmlformats.org/markup-compatibility/2006" xmlns:p14="http://schemas.microsoft.com/office/powerpoint/2010/main">
+        <mc:Choice Requires="p14">
           <p:contentPart p14:bwMode="auto" r:id="rId56">
             <p14:nvContentPartPr>
               <p14:cNvPr id="73" name="Input penna 72">
@@ -13274,7 +14128,7 @@
             </p14:xfrm>
           </p:contentPart>
         </mc:Choice>
-        <mc:Fallback>
+        <mc:Fallback xmlns="">
           <p:pic>
             <p:nvPicPr>
               <p:cNvPr id="73" name="Input penna 72">
@@ -13305,8 +14159,8 @@
           </p:pic>
         </mc:Fallback>
       </mc:AlternateContent>
-      <mc:AlternateContent xmlns:mc="http://schemas.openxmlformats.org/markup-compatibility/2006">
-        <mc:Choice xmlns:p14="http://schemas.microsoft.com/office/powerpoint/2010/main" Requires="p14">
+      <mc:AlternateContent xmlns:mc="http://schemas.openxmlformats.org/markup-compatibility/2006" xmlns:p14="http://schemas.microsoft.com/office/powerpoint/2010/main">
+        <mc:Choice Requires="p14">
           <p:contentPart p14:bwMode="auto" r:id="rId57">
             <p14:nvContentPartPr>
               <p14:cNvPr id="74" name="Input penna 73">
@@ -13325,7 +14179,7 @@
             </p14:xfrm>
           </p:contentPart>
         </mc:Choice>
-        <mc:Fallback>
+        <mc:Fallback xmlns="">
           <p:pic>
             <p:nvPicPr>
               <p:cNvPr id="74" name="Input penna 73">
@@ -13356,8 +14210,8 @@
           </p:pic>
         </mc:Fallback>
       </mc:AlternateContent>
-      <mc:AlternateContent xmlns:mc="http://schemas.openxmlformats.org/markup-compatibility/2006">
-        <mc:Choice xmlns:p14="http://schemas.microsoft.com/office/powerpoint/2010/main" Requires="p14">
+      <mc:AlternateContent xmlns:mc="http://schemas.openxmlformats.org/markup-compatibility/2006" xmlns:p14="http://schemas.microsoft.com/office/powerpoint/2010/main">
+        <mc:Choice Requires="p14">
           <p:contentPart p14:bwMode="auto" r:id="rId58">
             <p14:nvContentPartPr>
               <p14:cNvPr id="75" name="Input penna 74">
@@ -13376,7 +14230,7 @@
             </p14:xfrm>
           </p:contentPart>
         </mc:Choice>
-        <mc:Fallback>
+        <mc:Fallback xmlns="">
           <p:pic>
             <p:nvPicPr>
               <p:cNvPr id="75" name="Input penna 74">
@@ -13407,8 +14261,8 @@
           </p:pic>
         </mc:Fallback>
       </mc:AlternateContent>
-      <mc:AlternateContent xmlns:mc="http://schemas.openxmlformats.org/markup-compatibility/2006">
-        <mc:Choice xmlns:p14="http://schemas.microsoft.com/office/powerpoint/2010/main" Requires="p14">
+      <mc:AlternateContent xmlns:mc="http://schemas.openxmlformats.org/markup-compatibility/2006" xmlns:p14="http://schemas.microsoft.com/office/powerpoint/2010/main">
+        <mc:Choice Requires="p14">
           <p:contentPart p14:bwMode="auto" r:id="rId59">
             <p14:nvContentPartPr>
               <p14:cNvPr id="76" name="Input penna 75">
@@ -13427,7 +14281,7 @@
             </p14:xfrm>
           </p:contentPart>
         </mc:Choice>
-        <mc:Fallback>
+        <mc:Fallback xmlns="">
           <p:pic>
             <p:nvPicPr>
               <p:cNvPr id="76" name="Input penna 75">
@@ -13458,8 +14312,8 @@
           </p:pic>
         </mc:Fallback>
       </mc:AlternateContent>
-      <mc:AlternateContent xmlns:mc="http://schemas.openxmlformats.org/markup-compatibility/2006">
-        <mc:Choice xmlns:p14="http://schemas.microsoft.com/office/powerpoint/2010/main" Requires="p14">
+      <mc:AlternateContent xmlns:mc="http://schemas.openxmlformats.org/markup-compatibility/2006" xmlns:p14="http://schemas.microsoft.com/office/powerpoint/2010/main">
+        <mc:Choice Requires="p14">
           <p:contentPart p14:bwMode="auto" r:id="rId60">
             <p14:nvContentPartPr>
               <p14:cNvPr id="77" name="Input penna 76">
@@ -13478,7 +14332,7 @@
             </p14:xfrm>
           </p:contentPart>
         </mc:Choice>
-        <mc:Fallback>
+        <mc:Fallback xmlns="">
           <p:pic>
             <p:nvPicPr>
               <p:cNvPr id="77" name="Input penna 76">
@@ -13509,8 +14363,8 @@
           </p:pic>
         </mc:Fallback>
       </mc:AlternateContent>
-      <mc:AlternateContent xmlns:mc="http://schemas.openxmlformats.org/markup-compatibility/2006">
-        <mc:Choice xmlns:p14="http://schemas.microsoft.com/office/powerpoint/2010/main" Requires="p14">
+      <mc:AlternateContent xmlns:mc="http://schemas.openxmlformats.org/markup-compatibility/2006" xmlns:p14="http://schemas.microsoft.com/office/powerpoint/2010/main">
+        <mc:Choice Requires="p14">
           <p:contentPart p14:bwMode="auto" r:id="rId61">
             <p14:nvContentPartPr>
               <p14:cNvPr id="78" name="Input penna 77">
@@ -13529,7 +14383,7 @@
             </p14:xfrm>
           </p:contentPart>
         </mc:Choice>
-        <mc:Fallback>
+        <mc:Fallback xmlns="">
           <p:pic>
             <p:nvPicPr>
               <p:cNvPr id="78" name="Input penna 77">
@@ -13560,8 +14414,8 @@
           </p:pic>
         </mc:Fallback>
       </mc:AlternateContent>
-      <mc:AlternateContent xmlns:mc="http://schemas.openxmlformats.org/markup-compatibility/2006">
-        <mc:Choice xmlns:p14="http://schemas.microsoft.com/office/powerpoint/2010/main" Requires="p14">
+      <mc:AlternateContent xmlns:mc="http://schemas.openxmlformats.org/markup-compatibility/2006" xmlns:p14="http://schemas.microsoft.com/office/powerpoint/2010/main">
+        <mc:Choice Requires="p14">
           <p:contentPart p14:bwMode="auto" r:id="rId62">
             <p14:nvContentPartPr>
               <p14:cNvPr id="79" name="Input penna 78">
@@ -13580,7 +14434,7 @@
             </p14:xfrm>
           </p:contentPart>
         </mc:Choice>
-        <mc:Fallback>
+        <mc:Fallback xmlns="">
           <p:pic>
             <p:nvPicPr>
               <p:cNvPr id="79" name="Input penna 78">
@@ -13611,8 +14465,8 @@
           </p:pic>
         </mc:Fallback>
       </mc:AlternateContent>
-      <mc:AlternateContent xmlns:mc="http://schemas.openxmlformats.org/markup-compatibility/2006">
-        <mc:Choice xmlns:p14="http://schemas.microsoft.com/office/powerpoint/2010/main" Requires="p14">
+      <mc:AlternateContent xmlns:mc="http://schemas.openxmlformats.org/markup-compatibility/2006" xmlns:p14="http://schemas.microsoft.com/office/powerpoint/2010/main">
+        <mc:Choice Requires="p14">
           <p:contentPart p14:bwMode="auto" r:id="rId63">
             <p14:nvContentPartPr>
               <p14:cNvPr id="80" name="Input penna 79">
@@ -13631,7 +14485,7 @@
             </p14:xfrm>
           </p:contentPart>
         </mc:Choice>
-        <mc:Fallback>
+        <mc:Fallback xmlns="">
           <p:pic>
             <p:nvPicPr>
               <p:cNvPr id="80" name="Input penna 79">
@@ -13662,8 +14516,8 @@
           </p:pic>
         </mc:Fallback>
       </mc:AlternateContent>
-      <mc:AlternateContent xmlns:mc="http://schemas.openxmlformats.org/markup-compatibility/2006">
-        <mc:Choice xmlns:p14="http://schemas.microsoft.com/office/powerpoint/2010/main" Requires="p14">
+      <mc:AlternateContent xmlns:mc="http://schemas.openxmlformats.org/markup-compatibility/2006" xmlns:p14="http://schemas.microsoft.com/office/powerpoint/2010/main">
+        <mc:Choice Requires="p14">
           <p:contentPart p14:bwMode="auto" r:id="rId64">
             <p14:nvContentPartPr>
               <p14:cNvPr id="81" name="Input penna 80">
@@ -13682,7 +14536,7 @@
             </p14:xfrm>
           </p:contentPart>
         </mc:Choice>
-        <mc:Fallback>
+        <mc:Fallback xmlns="">
           <p:pic>
             <p:nvPicPr>
               <p:cNvPr id="81" name="Input penna 80">
@@ -13713,8 +14567,8 @@
           </p:pic>
         </mc:Fallback>
       </mc:AlternateContent>
-      <mc:AlternateContent xmlns:mc="http://schemas.openxmlformats.org/markup-compatibility/2006">
-        <mc:Choice xmlns:p14="http://schemas.microsoft.com/office/powerpoint/2010/main" Requires="p14">
+      <mc:AlternateContent xmlns:mc="http://schemas.openxmlformats.org/markup-compatibility/2006" xmlns:p14="http://schemas.microsoft.com/office/powerpoint/2010/main">
+        <mc:Choice Requires="p14">
           <p:contentPart p14:bwMode="auto" r:id="rId65">
             <p14:nvContentPartPr>
               <p14:cNvPr id="82" name="Input penna 81">
@@ -13733,7 +14587,7 @@
             </p14:xfrm>
           </p:contentPart>
         </mc:Choice>
-        <mc:Fallback>
+        <mc:Fallback xmlns="">
           <p:pic>
             <p:nvPicPr>
               <p:cNvPr id="82" name="Input penna 81">
@@ -13764,8 +14618,8 @@
           </p:pic>
         </mc:Fallback>
       </mc:AlternateContent>
-      <mc:AlternateContent xmlns:mc="http://schemas.openxmlformats.org/markup-compatibility/2006">
-        <mc:Choice xmlns:p14="http://schemas.microsoft.com/office/powerpoint/2010/main" Requires="p14">
+      <mc:AlternateContent xmlns:mc="http://schemas.openxmlformats.org/markup-compatibility/2006" xmlns:p14="http://schemas.microsoft.com/office/powerpoint/2010/main">
+        <mc:Choice Requires="p14">
           <p:contentPart p14:bwMode="auto" r:id="rId66">
             <p14:nvContentPartPr>
               <p14:cNvPr id="83" name="Input penna 82">
@@ -13784,7 +14638,7 @@
             </p14:xfrm>
           </p:contentPart>
         </mc:Choice>
-        <mc:Fallback>
+        <mc:Fallback xmlns="">
           <p:pic>
             <p:nvPicPr>
               <p:cNvPr id="83" name="Input penna 82">
@@ -13815,8 +14669,8 @@
           </p:pic>
         </mc:Fallback>
       </mc:AlternateContent>
-      <mc:AlternateContent xmlns:mc="http://schemas.openxmlformats.org/markup-compatibility/2006">
-        <mc:Choice xmlns:p14="http://schemas.microsoft.com/office/powerpoint/2010/main" Requires="p14">
+      <mc:AlternateContent xmlns:mc="http://schemas.openxmlformats.org/markup-compatibility/2006" xmlns:p14="http://schemas.microsoft.com/office/powerpoint/2010/main">
+        <mc:Choice Requires="p14">
           <p:contentPart p14:bwMode="auto" r:id="rId67">
             <p14:nvContentPartPr>
               <p14:cNvPr id="84" name="Input penna 83">
@@ -13835,7 +14689,7 @@
             </p14:xfrm>
           </p:contentPart>
         </mc:Choice>
-        <mc:Fallback>
+        <mc:Fallback xmlns="">
           <p:pic>
             <p:nvPicPr>
               <p:cNvPr id="84" name="Input penna 83">
@@ -13866,8 +14720,8 @@
           </p:pic>
         </mc:Fallback>
       </mc:AlternateContent>
-      <mc:AlternateContent xmlns:mc="http://schemas.openxmlformats.org/markup-compatibility/2006">
-        <mc:Choice xmlns:p14="http://schemas.microsoft.com/office/powerpoint/2010/main" Requires="p14">
+      <mc:AlternateContent xmlns:mc="http://schemas.openxmlformats.org/markup-compatibility/2006" xmlns:p14="http://schemas.microsoft.com/office/powerpoint/2010/main">
+        <mc:Choice Requires="p14">
           <p:contentPart p14:bwMode="auto" r:id="rId68">
             <p14:nvContentPartPr>
               <p14:cNvPr id="85" name="Input penna 84">
@@ -13886,7 +14740,7 @@
             </p14:xfrm>
           </p:contentPart>
         </mc:Choice>
-        <mc:Fallback>
+        <mc:Fallback xmlns="">
           <p:pic>
             <p:nvPicPr>
               <p:cNvPr id="85" name="Input penna 84">
@@ -13917,8 +14771,8 @@
           </p:pic>
         </mc:Fallback>
       </mc:AlternateContent>
-      <mc:AlternateContent xmlns:mc="http://schemas.openxmlformats.org/markup-compatibility/2006">
-        <mc:Choice xmlns:p14="http://schemas.microsoft.com/office/powerpoint/2010/main" Requires="p14">
+      <mc:AlternateContent xmlns:mc="http://schemas.openxmlformats.org/markup-compatibility/2006" xmlns:p14="http://schemas.microsoft.com/office/powerpoint/2010/main">
+        <mc:Choice Requires="p14">
           <p:contentPart p14:bwMode="auto" r:id="rId69">
             <p14:nvContentPartPr>
               <p14:cNvPr id="86" name="Input penna 85">
@@ -13937,7 +14791,7 @@
             </p14:xfrm>
           </p:contentPart>
         </mc:Choice>
-        <mc:Fallback>
+        <mc:Fallback xmlns="">
           <p:pic>
             <p:nvPicPr>
               <p:cNvPr id="86" name="Input penna 85">
@@ -13968,8 +14822,8 @@
           </p:pic>
         </mc:Fallback>
       </mc:AlternateContent>
-      <mc:AlternateContent xmlns:mc="http://schemas.openxmlformats.org/markup-compatibility/2006">
-        <mc:Choice xmlns:p14="http://schemas.microsoft.com/office/powerpoint/2010/main" Requires="p14">
+      <mc:AlternateContent xmlns:mc="http://schemas.openxmlformats.org/markup-compatibility/2006" xmlns:p14="http://schemas.microsoft.com/office/powerpoint/2010/main">
+        <mc:Choice Requires="p14">
           <p:contentPart p14:bwMode="auto" r:id="rId70">
             <p14:nvContentPartPr>
               <p14:cNvPr id="87" name="Input penna 86">
@@ -13988,7 +14842,7 @@
             </p14:xfrm>
           </p:contentPart>
         </mc:Choice>
-        <mc:Fallback>
+        <mc:Fallback xmlns="">
           <p:pic>
             <p:nvPicPr>
               <p:cNvPr id="87" name="Input penna 86">
@@ -14019,8 +14873,8 @@
           </p:pic>
         </mc:Fallback>
       </mc:AlternateContent>
-      <mc:AlternateContent xmlns:mc="http://schemas.openxmlformats.org/markup-compatibility/2006">
-        <mc:Choice xmlns:p14="http://schemas.microsoft.com/office/powerpoint/2010/main" Requires="p14">
+      <mc:AlternateContent xmlns:mc="http://schemas.openxmlformats.org/markup-compatibility/2006" xmlns:p14="http://schemas.microsoft.com/office/powerpoint/2010/main">
+        <mc:Choice Requires="p14">
           <p:contentPart p14:bwMode="auto" r:id="rId71">
             <p14:nvContentPartPr>
               <p14:cNvPr id="88" name="Input penna 87">
@@ -14039,7 +14893,7 @@
             </p14:xfrm>
           </p:contentPart>
         </mc:Choice>
-        <mc:Fallback>
+        <mc:Fallback xmlns="">
           <p:pic>
             <p:nvPicPr>
               <p:cNvPr id="88" name="Input penna 87">
@@ -14070,8 +14924,8 @@
           </p:pic>
         </mc:Fallback>
       </mc:AlternateContent>
-      <mc:AlternateContent xmlns:mc="http://schemas.openxmlformats.org/markup-compatibility/2006">
-        <mc:Choice xmlns:p14="http://schemas.microsoft.com/office/powerpoint/2010/main" Requires="p14">
+      <mc:AlternateContent xmlns:mc="http://schemas.openxmlformats.org/markup-compatibility/2006" xmlns:p14="http://schemas.microsoft.com/office/powerpoint/2010/main">
+        <mc:Choice Requires="p14">
           <p:contentPart p14:bwMode="auto" r:id="rId72">
             <p14:nvContentPartPr>
               <p14:cNvPr id="89" name="Input penna 88">
@@ -14090,7 +14944,7 @@
             </p14:xfrm>
           </p:contentPart>
         </mc:Choice>
-        <mc:Fallback>
+        <mc:Fallback xmlns="">
           <p:pic>
             <p:nvPicPr>
               <p:cNvPr id="89" name="Input penna 88">
@@ -14121,8 +14975,8 @@
           </p:pic>
         </mc:Fallback>
       </mc:AlternateContent>
-      <mc:AlternateContent xmlns:mc="http://schemas.openxmlformats.org/markup-compatibility/2006">
-        <mc:Choice xmlns:p14="http://schemas.microsoft.com/office/powerpoint/2010/main" Requires="p14">
+      <mc:AlternateContent xmlns:mc="http://schemas.openxmlformats.org/markup-compatibility/2006" xmlns:p14="http://schemas.microsoft.com/office/powerpoint/2010/main">
+        <mc:Choice Requires="p14">
           <p:contentPart p14:bwMode="auto" r:id="rId73">
             <p14:nvContentPartPr>
               <p14:cNvPr id="90" name="Input penna 89">
@@ -14141,7 +14995,7 @@
             </p14:xfrm>
           </p:contentPart>
         </mc:Choice>
-        <mc:Fallback>
+        <mc:Fallback xmlns="">
           <p:pic>
             <p:nvPicPr>
               <p:cNvPr id="90" name="Input penna 89">
@@ -14172,8 +15026,8 @@
           </p:pic>
         </mc:Fallback>
       </mc:AlternateContent>
-      <mc:AlternateContent xmlns:mc="http://schemas.openxmlformats.org/markup-compatibility/2006">
-        <mc:Choice xmlns:p14="http://schemas.microsoft.com/office/powerpoint/2010/main" Requires="p14">
+      <mc:AlternateContent xmlns:mc="http://schemas.openxmlformats.org/markup-compatibility/2006" xmlns:p14="http://schemas.microsoft.com/office/powerpoint/2010/main">
+        <mc:Choice Requires="p14">
           <p:contentPart p14:bwMode="auto" r:id="rId74">
             <p14:nvContentPartPr>
               <p14:cNvPr id="91" name="Input penna 90">
@@ -14192,7 +15046,7 @@
             </p14:xfrm>
           </p:contentPart>
         </mc:Choice>
-        <mc:Fallback>
+        <mc:Fallback xmlns="">
           <p:pic>
             <p:nvPicPr>
               <p:cNvPr id="91" name="Input penna 90">
@@ -14223,8 +15077,8 @@
           </p:pic>
         </mc:Fallback>
       </mc:AlternateContent>
-      <mc:AlternateContent xmlns:mc="http://schemas.openxmlformats.org/markup-compatibility/2006">
-        <mc:Choice xmlns:p14="http://schemas.microsoft.com/office/powerpoint/2010/main" Requires="p14">
+      <mc:AlternateContent xmlns:mc="http://schemas.openxmlformats.org/markup-compatibility/2006" xmlns:p14="http://schemas.microsoft.com/office/powerpoint/2010/main">
+        <mc:Choice Requires="p14">
           <p:contentPart p14:bwMode="auto" r:id="rId75">
             <p14:nvContentPartPr>
               <p14:cNvPr id="92" name="Input penna 91">
@@ -14243,7 +15097,7 @@
             </p14:xfrm>
           </p:contentPart>
         </mc:Choice>
-        <mc:Fallback>
+        <mc:Fallback xmlns="">
           <p:pic>
             <p:nvPicPr>
               <p:cNvPr id="92" name="Input penna 91">
@@ -14274,8 +15128,8 @@
           </p:pic>
         </mc:Fallback>
       </mc:AlternateContent>
-      <mc:AlternateContent xmlns:mc="http://schemas.openxmlformats.org/markup-compatibility/2006">
-        <mc:Choice xmlns:p14="http://schemas.microsoft.com/office/powerpoint/2010/main" Requires="p14">
+      <mc:AlternateContent xmlns:mc="http://schemas.openxmlformats.org/markup-compatibility/2006" xmlns:p14="http://schemas.microsoft.com/office/powerpoint/2010/main">
+        <mc:Choice Requires="p14">
           <p:contentPart p14:bwMode="auto" r:id="rId76">
             <p14:nvContentPartPr>
               <p14:cNvPr id="93" name="Input penna 92">
@@ -14294,7 +15148,7 @@
             </p14:xfrm>
           </p:contentPart>
         </mc:Choice>
-        <mc:Fallback>
+        <mc:Fallback xmlns="">
           <p:pic>
             <p:nvPicPr>
               <p:cNvPr id="93" name="Input penna 92">
@@ -14325,8 +15179,8 @@
           </p:pic>
         </mc:Fallback>
       </mc:AlternateContent>
-      <mc:AlternateContent xmlns:mc="http://schemas.openxmlformats.org/markup-compatibility/2006">
-        <mc:Choice xmlns:p14="http://schemas.microsoft.com/office/powerpoint/2010/main" Requires="p14">
+      <mc:AlternateContent xmlns:mc="http://schemas.openxmlformats.org/markup-compatibility/2006" xmlns:p14="http://schemas.microsoft.com/office/powerpoint/2010/main">
+        <mc:Choice Requires="p14">
           <p:contentPart p14:bwMode="auto" r:id="rId77">
             <p14:nvContentPartPr>
               <p14:cNvPr id="94" name="Input penna 93">
@@ -14345,7 +15199,7 @@
             </p14:xfrm>
           </p:contentPart>
         </mc:Choice>
-        <mc:Fallback>
+        <mc:Fallback xmlns="">
           <p:pic>
             <p:nvPicPr>
               <p:cNvPr id="94" name="Input penna 93">
@@ -14587,6 +15441,7 @@
           </a:bodyPr>
           <a:lstStyle/>
           <a:p>
+            <a:pPr algn="just"/>
             <a:r>
               <a:rPr lang="it-IT" sz="2400" dirty="0">
                 <a:solidFill>
@@ -14688,6 +15543,7 @@
             </a:r>
           </a:p>
           <a:p>
+            <a:pPr algn="just"/>
             <a:r>
               <a:rPr lang="it-IT" sz="2400" dirty="0" err="1">
                 <a:solidFill>
@@ -14722,6 +15578,24 @@
                 </a:solidFill>
                 <a:latin typeface="Avenir Next LT Pro Light" panose="020B0304020202020204" pitchFamily="34" charset="0"/>
               </a:rPr>
+              <a:t> inside the </a:t>
+            </a:r>
+            <a:r>
+              <a:rPr lang="it-IT" sz="2400" dirty="0" err="1">
+                <a:solidFill>
+                  <a:schemeClr val="bg1"/>
+                </a:solidFill>
+                <a:latin typeface="Avenir Next LT Pro Light" panose="020B0304020202020204" pitchFamily="34" charset="0"/>
+              </a:rPr>
+              <a:t>circle</a:t>
+            </a:r>
+            <a:r>
+              <a:rPr lang="it-IT" sz="2400" dirty="0">
+                <a:solidFill>
+                  <a:schemeClr val="bg1"/>
+                </a:solidFill>
+                <a:latin typeface="Avenir Next LT Pro Light" panose="020B0304020202020204" pitchFamily="34" charset="0"/>
+              </a:rPr>
               <a:t> </a:t>
             </a:r>
             <a:r>
@@ -14731,7 +15605,7 @@
                 </a:solidFill>
                 <a:latin typeface="Avenir Next LT Pro Light" panose="020B0304020202020204" pitchFamily="34" charset="0"/>
               </a:rPr>
-              <a:t>is</a:t>
+              <a:t>interact</a:t>
             </a:r>
             <a:r>
               <a:rPr lang="it-IT" sz="2400" dirty="0">
@@ -14740,61 +15614,7 @@
                 </a:solidFill>
                 <a:latin typeface="Avenir Next LT Pro Light" panose="020B0304020202020204" pitchFamily="34" charset="0"/>
               </a:rPr>
-              <a:t> in the </a:t>
-            </a:r>
-            <a:r>
-              <a:rPr lang="it-IT" sz="2400" dirty="0" err="1">
-                <a:solidFill>
-                  <a:schemeClr val="bg1"/>
-                </a:solidFill>
-                <a:latin typeface="Avenir Next LT Pro Light" panose="020B0304020202020204" pitchFamily="34" charset="0"/>
-              </a:rPr>
-              <a:t>circle</a:t>
-            </a:r>
-            <a:r>
-              <a:rPr lang="it-IT" sz="2400" dirty="0">
-                <a:solidFill>
-                  <a:schemeClr val="bg1"/>
-                </a:solidFill>
-                <a:latin typeface="Avenir Next LT Pro Light" panose="020B0304020202020204" pitchFamily="34" charset="0"/>
-              </a:rPr>
-              <a:t> </a:t>
-            </a:r>
-            <a:r>
-              <a:rPr lang="it-IT" sz="2400" dirty="0" err="1">
-                <a:solidFill>
-                  <a:schemeClr val="bg1"/>
-                </a:solidFill>
-                <a:latin typeface="Avenir Next LT Pro Light" panose="020B0304020202020204" pitchFamily="34" charset="0"/>
-              </a:rPr>
-              <a:t>interact</a:t>
-            </a:r>
-            <a:r>
-              <a:rPr lang="it-IT" sz="2400" dirty="0">
-                <a:solidFill>
-                  <a:schemeClr val="bg1"/>
-                </a:solidFill>
-                <a:latin typeface="Avenir Next LT Pro Light" panose="020B0304020202020204" pitchFamily="34" charset="0"/>
-              </a:rPr>
-              <a:t> </a:t>
-            </a:r>
-            <a:r>
-              <a:rPr lang="it-IT" sz="2400" dirty="0" err="1">
-                <a:solidFill>
-                  <a:schemeClr val="bg1"/>
-                </a:solidFill>
-                <a:latin typeface="Avenir Next LT Pro Light" panose="020B0304020202020204" pitchFamily="34" charset="0"/>
-              </a:rPr>
-              <a:t>froma</a:t>
-            </a:r>
-            <a:r>
-              <a:rPr lang="it-IT" sz="2400" dirty="0">
-                <a:solidFill>
-                  <a:schemeClr val="bg1"/>
-                </a:solidFill>
-                <a:latin typeface="Avenir Next LT Pro Light" panose="020B0304020202020204" pitchFamily="34" charset="0"/>
-              </a:rPr>
-              <a:t> sounding point of </a:t>
+              <a:t> from a sounding point of </a:t>
             </a:r>
             <a:r>
               <a:rPr lang="it-IT" sz="2400" dirty="0" err="1">
@@ -15835,6 +16655,265 @@
             <a:endParaRPr lang="en-GB" dirty="0">
               <a:latin typeface="Avenir Next LT Pro Light" panose="020B0304020202020204" pitchFamily="34" charset="0"/>
             </a:endParaRPr>
+          </a:p>
+        </p:txBody>
+      </p:sp>
+      <p:sp>
+        <p:nvSpPr>
+          <p:cNvPr id="10" name="CasellaDiTesto 9">
+            <a:extLst>
+              <a:ext uri="{FF2B5EF4-FFF2-40B4-BE49-F238E27FC236}">
+                <a16:creationId xmlns:a16="http://schemas.microsoft.com/office/drawing/2014/main" id="{D45DDE03-13C5-4A38-883E-9E8459426C9B}"/>
+              </a:ext>
+            </a:extLst>
+          </p:cNvPr>
+          <p:cNvSpPr txBox="1"/>
+          <p:nvPr/>
+        </p:nvSpPr>
+        <p:spPr>
+          <a:xfrm>
+            <a:off x="898617" y="1011909"/>
+            <a:ext cx="4592055" cy="646331"/>
+          </a:xfrm>
+          <a:prstGeom prst="rect">
+            <a:avLst/>
+          </a:prstGeom>
+          <a:noFill/>
+        </p:spPr>
+        <p:txBody>
+          <a:bodyPr wrap="square" rtlCol="0">
+            <a:spAutoFit/>
+          </a:bodyPr>
+          <a:lstStyle/>
+          <a:p>
+            <a:r>
+              <a:rPr lang="it-IT" sz="3600" b="1" dirty="0" err="1">
+                <a:solidFill>
+                  <a:schemeClr val="bg1"/>
+                </a:solidFill>
+                <a:latin typeface="Avenir Next LT Pro Light" panose="020B0304020202020204" pitchFamily="34" charset="0"/>
+              </a:rPr>
+              <a:t>Additional</a:t>
+            </a:r>
+            <a:r>
+              <a:rPr lang="it-IT" sz="3600" b="1" dirty="0">
+                <a:solidFill>
+                  <a:schemeClr val="bg1"/>
+                </a:solidFill>
+                <a:latin typeface="Avenir Next LT Pro Light" panose="020B0304020202020204" pitchFamily="34" charset="0"/>
+              </a:rPr>
+              <a:t> </a:t>
+            </a:r>
+            <a:r>
+              <a:rPr lang="it-IT" sz="3600" b="1" dirty="0" err="1">
+                <a:solidFill>
+                  <a:schemeClr val="bg1"/>
+                </a:solidFill>
+                <a:latin typeface="Avenir Next LT Pro Light" panose="020B0304020202020204" pitchFamily="34" charset="0"/>
+              </a:rPr>
+              <a:t>elements</a:t>
+            </a:r>
+            <a:endParaRPr lang="en-GB" sz="3600" b="1" dirty="0">
+              <a:solidFill>
+                <a:schemeClr val="bg1"/>
+              </a:solidFill>
+              <a:latin typeface="Avenir Next LT Pro Light" panose="020B0304020202020204" pitchFamily="34" charset="0"/>
+            </a:endParaRPr>
+          </a:p>
+        </p:txBody>
+      </p:sp>
+      <p:sp>
+        <p:nvSpPr>
+          <p:cNvPr id="11" name="CasellaDiTesto 10">
+            <a:extLst>
+              <a:ext uri="{FF2B5EF4-FFF2-40B4-BE49-F238E27FC236}">
+                <a16:creationId xmlns:a16="http://schemas.microsoft.com/office/drawing/2014/main" id="{D27EF613-B83A-43AA-95DF-3232E9DB369E}"/>
+              </a:ext>
+            </a:extLst>
+          </p:cNvPr>
+          <p:cNvSpPr txBox="1"/>
+          <p:nvPr/>
+        </p:nvSpPr>
+        <p:spPr>
+          <a:xfrm>
+            <a:off x="898617" y="2185517"/>
+            <a:ext cx="4092127" cy="3046988"/>
+          </a:xfrm>
+          <a:prstGeom prst="rect">
+            <a:avLst/>
+          </a:prstGeom>
+          <a:noFill/>
+        </p:spPr>
+        <p:txBody>
+          <a:bodyPr wrap="square" rtlCol="0">
+            <a:spAutoFit/>
+          </a:bodyPr>
+          <a:lstStyle/>
+          <a:p>
+            <a:r>
+              <a:rPr lang="it-IT" sz="2400" b="1" dirty="0">
+                <a:solidFill>
+                  <a:schemeClr val="bg1"/>
+                </a:solidFill>
+                <a:latin typeface="Avenir Next LT Pro Light" panose="020B0304020202020204" pitchFamily="34" charset="0"/>
+              </a:rPr>
+              <a:t>The </a:t>
+            </a:r>
+            <a:r>
+              <a:rPr lang="it-IT" sz="2400" b="1" dirty="0" err="1">
+                <a:solidFill>
+                  <a:schemeClr val="bg1"/>
+                </a:solidFill>
+                <a:latin typeface="Avenir Next LT Pro Light" panose="020B0304020202020204" pitchFamily="34" charset="0"/>
+              </a:rPr>
+              <a:t>sun</a:t>
+            </a:r>
+            <a:r>
+              <a:rPr lang="it-IT" sz="2400" b="1" dirty="0">
+                <a:solidFill>
+                  <a:schemeClr val="bg1"/>
+                </a:solidFill>
+                <a:latin typeface="Avenir Next LT Pro Light" panose="020B0304020202020204" pitchFamily="34" charset="0"/>
+              </a:rPr>
+              <a:t>:</a:t>
+            </a:r>
+          </a:p>
+          <a:p>
+            <a:endParaRPr lang="it-IT" sz="2400" b="1" dirty="0">
+              <a:solidFill>
+                <a:schemeClr val="bg1"/>
+              </a:solidFill>
+              <a:latin typeface="Avenir Next LT Pro Light" panose="020B0304020202020204" pitchFamily="34" charset="0"/>
+            </a:endParaRPr>
+          </a:p>
+          <a:p>
+            <a:pPr algn="just"/>
+            <a:r>
+              <a:rPr lang="en-GB" dirty="0">
+                <a:solidFill>
+                  <a:schemeClr val="bg1"/>
+                </a:solidFill>
+                <a:latin typeface="Avenir Next LT Pro Light" panose="020B0304020202020204" pitchFamily="34" charset="0"/>
+              </a:rPr>
+              <a:t>The sensation of time flow is introduced by the presence of the sun.</a:t>
+            </a:r>
+          </a:p>
+          <a:p>
+            <a:pPr algn="just"/>
+            <a:r>
+              <a:rPr lang="en-GB" dirty="0">
+                <a:solidFill>
+                  <a:schemeClr val="bg1"/>
+                </a:solidFill>
+                <a:latin typeface="Avenir Next LT Pro Light" panose="020B0304020202020204" pitchFamily="34" charset="0"/>
+              </a:rPr>
+              <a:t>The user is in mid-interaction with the application when this entity enters the scene stealing the control away from the user’s hands and recalling the feeling of a life inside a polluted city.</a:t>
+            </a:r>
+            <a:endParaRPr lang="en-GB" b="1" dirty="0">
+              <a:solidFill>
+                <a:schemeClr val="bg1"/>
+              </a:solidFill>
+              <a:latin typeface="Avenir Next LT Pro Light" panose="020B0304020202020204" pitchFamily="34" charset="0"/>
+            </a:endParaRPr>
+          </a:p>
+        </p:txBody>
+      </p:sp>
+      <p:sp>
+        <p:nvSpPr>
+          <p:cNvPr id="12" name="CasellaDiTesto 11">
+            <a:extLst>
+              <a:ext uri="{FF2B5EF4-FFF2-40B4-BE49-F238E27FC236}">
+                <a16:creationId xmlns:a16="http://schemas.microsoft.com/office/drawing/2014/main" id="{03E6A42B-116E-4481-A038-C78186F9236E}"/>
+              </a:ext>
+            </a:extLst>
+          </p:cNvPr>
+          <p:cNvSpPr txBox="1"/>
+          <p:nvPr/>
+        </p:nvSpPr>
+        <p:spPr>
+          <a:xfrm>
+            <a:off x="6359379" y="2185517"/>
+            <a:ext cx="4934003" cy="3046988"/>
+          </a:xfrm>
+          <a:prstGeom prst="rect">
+            <a:avLst/>
+          </a:prstGeom>
+          <a:noFill/>
+        </p:spPr>
+        <p:txBody>
+          <a:bodyPr wrap="square" rtlCol="0">
+            <a:spAutoFit/>
+          </a:bodyPr>
+          <a:lstStyle/>
+          <a:p>
+            <a:r>
+              <a:rPr lang="it-IT" sz="2400" b="1" dirty="0">
+                <a:solidFill>
+                  <a:schemeClr val="bg1"/>
+                </a:solidFill>
+                <a:latin typeface="Avenir Next LT Pro Light" panose="020B0304020202020204" pitchFamily="34" charset="0"/>
+              </a:rPr>
+              <a:t>An immersive </a:t>
+            </a:r>
+            <a:r>
+              <a:rPr lang="it-IT" sz="2400" b="1" dirty="0" err="1">
+                <a:solidFill>
+                  <a:schemeClr val="bg1"/>
+                </a:solidFill>
+                <a:latin typeface="Avenir Next LT Pro Light" panose="020B0304020202020204" pitchFamily="34" charset="0"/>
+              </a:rPr>
+              <a:t>experience</a:t>
+            </a:r>
+            <a:r>
+              <a:rPr lang="it-IT" sz="2400" b="1" dirty="0">
+                <a:solidFill>
+                  <a:schemeClr val="bg1"/>
+                </a:solidFill>
+                <a:latin typeface="Avenir Next LT Pro Light" panose="020B0304020202020204" pitchFamily="34" charset="0"/>
+              </a:rPr>
+              <a:t>:</a:t>
+            </a:r>
+          </a:p>
+          <a:p>
+            <a:endParaRPr lang="it-IT" sz="2400" b="1" dirty="0">
+              <a:solidFill>
+                <a:schemeClr val="bg1"/>
+              </a:solidFill>
+              <a:latin typeface="Avenir Next LT Pro Light" panose="020B0304020202020204" pitchFamily="34" charset="0"/>
+            </a:endParaRPr>
+          </a:p>
+          <a:p>
+            <a:pPr algn="just"/>
+            <a:r>
+              <a:rPr lang="en-GB" dirty="0">
+                <a:solidFill>
+                  <a:schemeClr val="bg1"/>
+                </a:solidFill>
+                <a:latin typeface="Avenir Next LT Pro Light" panose="020B0304020202020204" pitchFamily="34" charset="0"/>
+              </a:rPr>
+              <a:t>The user is not just a spectator, he/she is the main character of the story.</a:t>
+            </a:r>
+          </a:p>
+          <a:p>
+            <a:pPr algn="just"/>
+            <a:endParaRPr lang="en-GB" dirty="0">
+              <a:solidFill>
+                <a:schemeClr val="bg1"/>
+              </a:solidFill>
+              <a:latin typeface="Avenir Next LT Pro Light" panose="020B0304020202020204" pitchFamily="34" charset="0"/>
+            </a:endParaRPr>
+          </a:p>
+          <a:p>
+            <a:pPr algn="just"/>
+            <a:r>
+              <a:rPr lang="en-GB" dirty="0">
+                <a:solidFill>
+                  <a:schemeClr val="bg1"/>
+                </a:solidFill>
+                <a:latin typeface="Avenir Next LT Pro Light" panose="020B0304020202020204" pitchFamily="34" charset="0"/>
+              </a:rPr>
+              <a:t>From the camera we capture the scene and we project it onto the screen as if the separation between the physical world and the virtual world was just the same window separating the child from the city.</a:t>
+            </a:r>
           </a:p>
         </p:txBody>
       </p:sp>

--- a/Proposta progetto.pptx
+++ b/Proposta progetto.pptx
@@ -15578,6 +15578,24 @@
                 </a:solidFill>
                 <a:latin typeface="Avenir Next LT Pro Light" panose="020B0304020202020204" pitchFamily="34" charset="0"/>
               </a:rPr>
+              <a:t> </a:t>
+            </a:r>
+            <a:r>
+              <a:rPr lang="it-IT" sz="2400" dirty="0" err="1">
+                <a:solidFill>
+                  <a:schemeClr val="bg1"/>
+                </a:solidFill>
+                <a:latin typeface="Avenir Next LT Pro Light" panose="020B0304020202020204" pitchFamily="34" charset="0"/>
+              </a:rPr>
+              <a:t>is</a:t>
+            </a:r>
+            <a:r>
+              <a:rPr lang="it-IT" sz="2400" dirty="0">
+                <a:solidFill>
+                  <a:schemeClr val="bg1"/>
+                </a:solidFill>
+                <a:latin typeface="Avenir Next LT Pro Light" panose="020B0304020202020204" pitchFamily="34" charset="0"/>
+              </a:rPr>
               <a:t> inside the </a:t>
             </a:r>
             <a:r>

--- a/Proposta progetto.pptx
+++ b/Proposta progetto.pptx
@@ -2381,7 +2381,7 @@
           <a:p>
             <a:fld id="{EA0C0817-A112-4847-8014-A94B7D2A4EA3}" type="datetime1">
               <a:rPr lang="en-US" smtClean="0"/>
-              <a:t>12/3/2021</a:t>
+              <a:t>12/21/21</a:t>
             </a:fld>
             <a:endParaRPr lang="en-US" dirty="0"/>
           </a:p>
@@ -2583,7 +2583,7 @@
           <a:p>
             <a:fld id="{134F40B7-36AB-4376-BE14-EF7004D79BB9}" type="datetime1">
               <a:rPr lang="en-US" smtClean="0"/>
-              <a:t>12/3/2021</a:t>
+              <a:t>12/21/21</a:t>
             </a:fld>
             <a:endParaRPr lang="en-US"/>
           </a:p>
@@ -2763,7 +2763,7 @@
           <a:p>
             <a:fld id="{FF87CAB8-DCAE-46A5-AADA-B3FAD11A54E0}" type="datetime1">
               <a:rPr lang="en-US" smtClean="0"/>
-              <a:t>12/3/2021</a:t>
+              <a:t>12/21/21</a:t>
             </a:fld>
             <a:endParaRPr lang="en-US"/>
           </a:p>
@@ -2933,7 +2933,7 @@
           <a:p>
             <a:fld id="{7332B432-ACDA-4023-A761-2BAB76577B62}" type="datetime1">
               <a:rPr lang="en-US" smtClean="0"/>
-              <a:t>12/3/2021</a:t>
+              <a:t>12/21/21</a:t>
             </a:fld>
             <a:endParaRPr lang="en-US"/>
           </a:p>
@@ -3532,7 +3532,7 @@
           <a:p>
             <a:fld id="{D9C646AA-F36E-4540-911D-FFFC0A0EF24A}" type="datetime1">
               <a:rPr lang="en-US" smtClean="0"/>
-              <a:t>12/3/2021</a:t>
+              <a:t>12/21/21</a:t>
             </a:fld>
             <a:endParaRPr lang="en-US" dirty="0"/>
           </a:p>
@@ -3852,7 +3852,7 @@
           <a:p>
             <a:fld id="{69186D26-FA5F-4637-B602-B7C2DC34CFD4}" type="datetime1">
               <a:rPr lang="en-US" smtClean="0"/>
-              <a:t>12/3/2021</a:t>
+              <a:t>12/21/21</a:t>
             </a:fld>
             <a:endParaRPr lang="en-US"/>
           </a:p>
@@ -4287,7 +4287,7 @@
           <a:p>
             <a:fld id="{8A7F15D8-96D1-4781-BC50-CA8A088B2FE4}" type="datetime1">
               <a:rPr lang="en-US" smtClean="0"/>
-              <a:t>12/3/2021</a:t>
+              <a:t>12/21/21</a:t>
             </a:fld>
             <a:endParaRPr lang="en-US"/>
           </a:p>
@@ -4405,7 +4405,7 @@
           <a:p>
             <a:fld id="{F9A96C99-B8F8-4528-BD05-0E16E943DC09}" type="datetime1">
               <a:rPr lang="en-US" smtClean="0"/>
-              <a:t>12/3/2021</a:t>
+              <a:t>12/21/21</a:t>
             </a:fld>
             <a:endParaRPr lang="en-US"/>
           </a:p>
@@ -4500,7 +4500,7 @@
           <a:p>
             <a:fld id="{03636942-C211-4B28-8DBD-C953E00AF71B}" type="datetime1">
               <a:rPr lang="en-US" smtClean="0"/>
-              <a:t>12/3/2021</a:t>
+              <a:t>12/21/21</a:t>
             </a:fld>
             <a:endParaRPr lang="en-US"/>
           </a:p>
@@ -4917,7 +4917,7 @@
           <a:p>
             <a:fld id="{7E8D12A6-918A-48BD-8CB9-CA713993B0EA}" type="datetime1">
               <a:rPr lang="en-US" smtClean="0"/>
-              <a:t>12/3/2021</a:t>
+              <a:t>12/21/21</a:t>
             </a:fld>
             <a:endParaRPr lang="en-US"/>
           </a:p>
@@ -5179,7 +5179,7 @@
             <a:fld id="{E778CE86-875F-4587-BCF6-FA054AFC0D53}" type="datetime1">
               <a:rPr lang="en-US" smtClean="0"/>
               <a:pPr/>
-              <a:t>12/3/2021</a:t>
+              <a:t>12/21/21</a:t>
             </a:fld>
             <a:endParaRPr lang="en-US" dirty="0"/>
           </a:p>
@@ -5701,7 +5701,7 @@
           <a:p>
             <a:fld id="{F6FA2B21-3FCD-4721-B95C-427943F61125}" type="datetime1">
               <a:rPr lang="en-US" smtClean="0"/>
-              <a:t>12/3/2021</a:t>
+              <a:t>12/21/21</a:t>
             </a:fld>
             <a:endParaRPr lang="en-US"/>
           </a:p>
@@ -16219,6 +16219,925 @@
           </a:p>
         </p:txBody>
       </p:sp>
+      <p:sp>
+        <p:nvSpPr>
+          <p:cNvPr id="2" name="CasellaDiTesto 1">
+            <a:extLst>
+              <a:ext uri="{FF2B5EF4-FFF2-40B4-BE49-F238E27FC236}">
+                <a16:creationId xmlns:a16="http://schemas.microsoft.com/office/drawing/2014/main" id="{335A2880-DDB4-5F4A-9C95-4B5593497ACC}"/>
+              </a:ext>
+            </a:extLst>
+          </p:cNvPr>
+          <p:cNvSpPr txBox="1"/>
+          <p:nvPr/>
+        </p:nvSpPr>
+        <p:spPr>
+          <a:xfrm>
+            <a:off x="371856" y="1093076"/>
+            <a:ext cx="3884834" cy="646331"/>
+          </a:xfrm>
+          <a:prstGeom prst="rect">
+            <a:avLst/>
+          </a:prstGeom>
+          <a:noFill/>
+        </p:spPr>
+        <p:txBody>
+          <a:bodyPr wrap="square" rtlCol="0">
+            <a:spAutoFit/>
+          </a:bodyPr>
+          <a:lstStyle/>
+          <a:p>
+            <a:r>
+              <a:rPr lang="it-IT" sz="3600" dirty="0" err="1">
+                <a:solidFill>
+                  <a:schemeClr val="bg1"/>
+                </a:solidFill>
+                <a:latin typeface="Avenir Next" panose="020B0503020202020204" pitchFamily="34" charset="0"/>
+                <a:ea typeface="Apple Symbols" panose="02000000000000000000" pitchFamily="2" charset="-79"/>
+                <a:cs typeface="Apple Symbols" panose="02000000000000000000" pitchFamily="2" charset="-79"/>
+              </a:rPr>
+              <a:t>Messages</a:t>
+            </a:r>
+            <a:r>
+              <a:rPr lang="it-IT" sz="3600" dirty="0">
+                <a:solidFill>
+                  <a:schemeClr val="bg1"/>
+                </a:solidFill>
+                <a:latin typeface="Avenir Next" panose="020B0503020202020204" pitchFamily="34" charset="0"/>
+                <a:ea typeface="Apple Symbols" panose="02000000000000000000" pitchFamily="2" charset="-79"/>
+                <a:cs typeface="Apple Symbols" panose="02000000000000000000" pitchFamily="2" charset="-79"/>
+              </a:rPr>
+              <a:t> Chain</a:t>
+            </a:r>
+          </a:p>
+        </p:txBody>
+      </p:sp>
+      <p:sp>
+        <p:nvSpPr>
+          <p:cNvPr id="3" name="CasellaDiTesto 2">
+            <a:extLst>
+              <a:ext uri="{FF2B5EF4-FFF2-40B4-BE49-F238E27FC236}">
+                <a16:creationId xmlns:a16="http://schemas.microsoft.com/office/drawing/2014/main" id="{42AA3EFD-E978-7C47-9F8A-25DEC4C6D802}"/>
+              </a:ext>
+            </a:extLst>
+          </p:cNvPr>
+          <p:cNvSpPr txBox="1"/>
+          <p:nvPr/>
+        </p:nvSpPr>
+        <p:spPr>
+          <a:xfrm>
+            <a:off x="361872" y="2463410"/>
+            <a:ext cx="1312530" cy="646331"/>
+          </a:xfrm>
+          <a:prstGeom prst="rect">
+            <a:avLst/>
+          </a:prstGeom>
+          <a:noFill/>
+          <a:ln>
+            <a:solidFill>
+              <a:schemeClr val="bg1"/>
+            </a:solidFill>
+          </a:ln>
+        </p:spPr>
+        <p:txBody>
+          <a:bodyPr wrap="square" rtlCol="0">
+            <a:spAutoFit/>
+          </a:bodyPr>
+          <a:lstStyle/>
+          <a:p>
+            <a:r>
+              <a:rPr lang="it-IT" dirty="0">
+                <a:solidFill>
+                  <a:schemeClr val="bg1"/>
+                </a:solidFill>
+                <a:latin typeface="Avenir Next" panose="020B0503020202020204" pitchFamily="34" charset="0"/>
+              </a:rPr>
+              <a:t>Video </a:t>
+            </a:r>
+            <a:r>
+              <a:rPr lang="it-IT" dirty="0" err="1">
+                <a:solidFill>
+                  <a:schemeClr val="bg1"/>
+                </a:solidFill>
+                <a:latin typeface="Avenir Next" panose="020B0503020202020204" pitchFamily="34" charset="0"/>
+              </a:rPr>
+              <a:t>Interaction</a:t>
+            </a:r>
+            <a:endParaRPr lang="it-IT" dirty="0">
+              <a:solidFill>
+                <a:schemeClr val="bg1"/>
+              </a:solidFill>
+              <a:latin typeface="Avenir Next" panose="020B0503020202020204" pitchFamily="34" charset="0"/>
+            </a:endParaRPr>
+          </a:p>
+        </p:txBody>
+      </p:sp>
+      <p:sp>
+        <p:nvSpPr>
+          <p:cNvPr id="12" name="CasellaDiTesto 11">
+            <a:extLst>
+              <a:ext uri="{FF2B5EF4-FFF2-40B4-BE49-F238E27FC236}">
+                <a16:creationId xmlns:a16="http://schemas.microsoft.com/office/drawing/2014/main" id="{9EB6AA7F-CF9C-2548-96F0-8D57BB70AF03}"/>
+              </a:ext>
+            </a:extLst>
+          </p:cNvPr>
+          <p:cNvSpPr txBox="1"/>
+          <p:nvPr/>
+        </p:nvSpPr>
+        <p:spPr>
+          <a:xfrm>
+            <a:off x="2195032" y="2463411"/>
+            <a:ext cx="1642872" cy="646331"/>
+          </a:xfrm>
+          <a:prstGeom prst="rect">
+            <a:avLst/>
+          </a:prstGeom>
+          <a:noFill/>
+          <a:ln>
+            <a:solidFill>
+              <a:schemeClr val="bg1"/>
+            </a:solidFill>
+          </a:ln>
+        </p:spPr>
+        <p:txBody>
+          <a:bodyPr wrap="square" rtlCol="0">
+            <a:spAutoFit/>
+          </a:bodyPr>
+          <a:lstStyle/>
+          <a:p>
+            <a:r>
+              <a:rPr lang="it-IT" dirty="0">
+                <a:solidFill>
+                  <a:schemeClr val="bg1"/>
+                </a:solidFill>
+                <a:latin typeface="Avenir Next" panose="020B0503020202020204" pitchFamily="34" charset="0"/>
+              </a:rPr>
+              <a:t>Processing</a:t>
+            </a:r>
+          </a:p>
+          <a:p>
+            <a:pPr marL="285750" indent="-285750">
+              <a:buFont typeface="Arial" panose="020B0604020202020204" pitchFamily="34" charset="0"/>
+              <a:buChar char="•"/>
+            </a:pPr>
+            <a:r>
+              <a:rPr lang="it-IT" dirty="0">
+                <a:solidFill>
+                  <a:schemeClr val="bg1"/>
+                </a:solidFill>
+                <a:latin typeface="Avenir Next" panose="020B0503020202020204" pitchFamily="34" charset="0"/>
+              </a:rPr>
+              <a:t>OSC </a:t>
+            </a:r>
+            <a:r>
+              <a:rPr lang="it-IT" dirty="0" err="1">
+                <a:solidFill>
+                  <a:schemeClr val="bg1"/>
+                </a:solidFill>
+                <a:latin typeface="Avenir Next" panose="020B0503020202020204" pitchFamily="34" charset="0"/>
+              </a:rPr>
+              <a:t>send</a:t>
+            </a:r>
+            <a:endParaRPr lang="it-IT" dirty="0">
+              <a:solidFill>
+                <a:schemeClr val="bg1"/>
+              </a:solidFill>
+              <a:latin typeface="Avenir Next" panose="020B0503020202020204" pitchFamily="34" charset="0"/>
+            </a:endParaRPr>
+          </a:p>
+        </p:txBody>
+      </p:sp>
+      <p:sp>
+        <p:nvSpPr>
+          <p:cNvPr id="13" name="CasellaDiTesto 12">
+            <a:extLst>
+              <a:ext uri="{FF2B5EF4-FFF2-40B4-BE49-F238E27FC236}">
+                <a16:creationId xmlns:a16="http://schemas.microsoft.com/office/drawing/2014/main" id="{6634D689-A6BC-A546-A59E-5575404659F4}"/>
+              </a:ext>
+            </a:extLst>
+          </p:cNvPr>
+          <p:cNvSpPr txBox="1"/>
+          <p:nvPr/>
+        </p:nvSpPr>
+        <p:spPr>
+          <a:xfrm>
+            <a:off x="4358534" y="2457454"/>
+            <a:ext cx="2420637" cy="923330"/>
+          </a:xfrm>
+          <a:prstGeom prst="rect">
+            <a:avLst/>
+          </a:prstGeom>
+          <a:noFill/>
+          <a:ln>
+            <a:solidFill>
+              <a:schemeClr val="bg1"/>
+            </a:solidFill>
+          </a:ln>
+        </p:spPr>
+        <p:txBody>
+          <a:bodyPr wrap="square" rtlCol="0">
+            <a:spAutoFit/>
+          </a:bodyPr>
+          <a:lstStyle/>
+          <a:p>
+            <a:r>
+              <a:rPr lang="it-IT" dirty="0" err="1">
+                <a:solidFill>
+                  <a:schemeClr val="bg1"/>
+                </a:solidFill>
+                <a:latin typeface="Avenir Next" panose="020B0503020202020204" pitchFamily="34" charset="0"/>
+              </a:rPr>
+              <a:t>Ableton</a:t>
+            </a:r>
+            <a:r>
+              <a:rPr lang="it-IT" dirty="0">
+                <a:solidFill>
+                  <a:schemeClr val="bg1"/>
+                </a:solidFill>
+                <a:latin typeface="Avenir Next" panose="020B0503020202020204" pitchFamily="34" charset="0"/>
+              </a:rPr>
+              <a:t>:</a:t>
+            </a:r>
+          </a:p>
+          <a:p>
+            <a:pPr marL="285750" indent="-285750">
+              <a:buFont typeface="Arial" panose="020B0604020202020204" pitchFamily="34" charset="0"/>
+              <a:buChar char="•"/>
+            </a:pPr>
+            <a:r>
+              <a:rPr lang="it-IT" dirty="0">
+                <a:solidFill>
+                  <a:schemeClr val="bg1"/>
+                </a:solidFill>
+                <a:latin typeface="Avenir Next" panose="020B0503020202020204" pitchFamily="34" charset="0"/>
+              </a:rPr>
+              <a:t>OSC </a:t>
+            </a:r>
+            <a:r>
+              <a:rPr lang="it-IT" dirty="0" err="1">
+                <a:solidFill>
+                  <a:schemeClr val="bg1"/>
+                </a:solidFill>
+                <a:latin typeface="Avenir Next" panose="020B0503020202020204" pitchFamily="34" charset="0"/>
+              </a:rPr>
+              <a:t>receiver</a:t>
+            </a:r>
+            <a:endParaRPr lang="it-IT" dirty="0">
+              <a:solidFill>
+                <a:schemeClr val="bg1"/>
+              </a:solidFill>
+              <a:latin typeface="Avenir Next" panose="020B0503020202020204" pitchFamily="34" charset="0"/>
+            </a:endParaRPr>
+          </a:p>
+          <a:p>
+            <a:pPr marL="285750" indent="-285750">
+              <a:buFont typeface="Arial" panose="020B0604020202020204" pitchFamily="34" charset="0"/>
+              <a:buChar char="•"/>
+            </a:pPr>
+            <a:r>
+              <a:rPr lang="it-IT" dirty="0">
+                <a:solidFill>
+                  <a:schemeClr val="bg1"/>
+                </a:solidFill>
+                <a:latin typeface="Avenir Next" panose="020B0503020202020204" pitchFamily="34" charset="0"/>
+              </a:rPr>
+              <a:t>Sound Generation</a:t>
+            </a:r>
+          </a:p>
+        </p:txBody>
+      </p:sp>
+      <p:sp>
+        <p:nvSpPr>
+          <p:cNvPr id="14" name="CasellaDiTesto 13">
+            <a:extLst>
+              <a:ext uri="{FF2B5EF4-FFF2-40B4-BE49-F238E27FC236}">
+                <a16:creationId xmlns:a16="http://schemas.microsoft.com/office/drawing/2014/main" id="{3AB9DC64-9DC9-9F42-BE90-821EB95C19AD}"/>
+              </a:ext>
+            </a:extLst>
+          </p:cNvPr>
+          <p:cNvSpPr txBox="1"/>
+          <p:nvPr/>
+        </p:nvSpPr>
+        <p:spPr>
+          <a:xfrm>
+            <a:off x="4358534" y="4055604"/>
+            <a:ext cx="2851564" cy="1200329"/>
+          </a:xfrm>
+          <a:prstGeom prst="rect">
+            <a:avLst/>
+          </a:prstGeom>
+          <a:noFill/>
+          <a:ln>
+            <a:solidFill>
+              <a:schemeClr val="bg1"/>
+            </a:solidFill>
+          </a:ln>
+        </p:spPr>
+        <p:txBody>
+          <a:bodyPr wrap="square" rtlCol="0">
+            <a:spAutoFit/>
+          </a:bodyPr>
+          <a:lstStyle/>
+          <a:p>
+            <a:r>
+              <a:rPr lang="it-IT" dirty="0" err="1">
+                <a:solidFill>
+                  <a:schemeClr val="bg1"/>
+                </a:solidFill>
+                <a:latin typeface="Avenir Next" panose="020B0503020202020204" pitchFamily="34" charset="0"/>
+              </a:rPr>
+              <a:t>SuperCollider</a:t>
+            </a:r>
+            <a:r>
+              <a:rPr lang="it-IT" dirty="0">
+                <a:solidFill>
+                  <a:schemeClr val="bg1"/>
+                </a:solidFill>
+                <a:latin typeface="Avenir Next" panose="020B0503020202020204" pitchFamily="34" charset="0"/>
+              </a:rPr>
+              <a:t>:</a:t>
+            </a:r>
+          </a:p>
+          <a:p>
+            <a:pPr marL="285750" indent="-285750">
+              <a:buFont typeface="Arial" panose="020B0604020202020204" pitchFamily="34" charset="0"/>
+              <a:buChar char="•"/>
+            </a:pPr>
+            <a:r>
+              <a:rPr lang="it-IT" dirty="0">
+                <a:solidFill>
+                  <a:schemeClr val="bg1"/>
+                </a:solidFill>
+                <a:latin typeface="Avenir Next" panose="020B0503020202020204" pitchFamily="34" charset="0"/>
+              </a:rPr>
+              <a:t>OSC </a:t>
+            </a:r>
+            <a:r>
+              <a:rPr lang="it-IT" dirty="0" err="1">
+                <a:solidFill>
+                  <a:schemeClr val="bg1"/>
+                </a:solidFill>
+                <a:latin typeface="Avenir Next" panose="020B0503020202020204" pitchFamily="34" charset="0"/>
+              </a:rPr>
+              <a:t>receiver</a:t>
+            </a:r>
+            <a:endParaRPr lang="it-IT" dirty="0">
+              <a:solidFill>
+                <a:schemeClr val="bg1"/>
+              </a:solidFill>
+              <a:latin typeface="Avenir Next" panose="020B0503020202020204" pitchFamily="34" charset="0"/>
+            </a:endParaRPr>
+          </a:p>
+          <a:p>
+            <a:pPr marL="285750" indent="-285750">
+              <a:buFont typeface="Arial" panose="020B0604020202020204" pitchFamily="34" charset="0"/>
+              <a:buChar char="•"/>
+            </a:pPr>
+            <a:r>
+              <a:rPr lang="it-IT" dirty="0">
+                <a:solidFill>
+                  <a:schemeClr val="bg1"/>
+                </a:solidFill>
+                <a:latin typeface="Avenir Next" panose="020B0503020202020204" pitchFamily="34" charset="0"/>
+              </a:rPr>
+              <a:t>MIDI notes generator</a:t>
+            </a:r>
+          </a:p>
+          <a:p>
+            <a:pPr marL="285750" indent="-285750">
+              <a:buFont typeface="Arial" panose="020B0604020202020204" pitchFamily="34" charset="0"/>
+              <a:buChar char="•"/>
+            </a:pPr>
+            <a:r>
+              <a:rPr lang="it-IT" dirty="0">
+                <a:solidFill>
+                  <a:schemeClr val="bg1"/>
+                </a:solidFill>
+                <a:latin typeface="Avenir Next" panose="020B0503020202020204" pitchFamily="34" charset="0"/>
+              </a:rPr>
+              <a:t>OSC </a:t>
+            </a:r>
+            <a:r>
+              <a:rPr lang="it-IT" dirty="0" err="1">
+                <a:solidFill>
+                  <a:schemeClr val="bg1"/>
+                </a:solidFill>
+                <a:latin typeface="Avenir Next" panose="020B0503020202020204" pitchFamily="34" charset="0"/>
+              </a:rPr>
+              <a:t>send</a:t>
+            </a:r>
+            <a:endParaRPr lang="it-IT" dirty="0">
+              <a:solidFill>
+                <a:schemeClr val="bg1"/>
+              </a:solidFill>
+              <a:latin typeface="Avenir Next" panose="020B0503020202020204" pitchFamily="34" charset="0"/>
+            </a:endParaRPr>
+          </a:p>
+        </p:txBody>
+      </p:sp>
+      <p:sp>
+        <p:nvSpPr>
+          <p:cNvPr id="4" name="CasellaDiTesto 3">
+            <a:extLst>
+              <a:ext uri="{FF2B5EF4-FFF2-40B4-BE49-F238E27FC236}">
+                <a16:creationId xmlns:a16="http://schemas.microsoft.com/office/drawing/2014/main" id="{95B2D31B-C0DF-4240-A1A1-50AB60C7BD09}"/>
+              </a:ext>
+            </a:extLst>
+          </p:cNvPr>
+          <p:cNvSpPr txBox="1"/>
+          <p:nvPr/>
+        </p:nvSpPr>
+        <p:spPr>
+          <a:xfrm>
+            <a:off x="7824582" y="2549290"/>
+            <a:ext cx="1350050" cy="369332"/>
+          </a:xfrm>
+          <a:prstGeom prst="rect">
+            <a:avLst/>
+          </a:prstGeom>
+          <a:noFill/>
+          <a:ln>
+            <a:solidFill>
+              <a:schemeClr val="bg1"/>
+            </a:solidFill>
+          </a:ln>
+        </p:spPr>
+        <p:txBody>
+          <a:bodyPr wrap="none" rtlCol="0">
+            <a:spAutoFit/>
+          </a:bodyPr>
+          <a:lstStyle/>
+          <a:p>
+            <a:r>
+              <a:rPr lang="it-IT" dirty="0">
+                <a:solidFill>
+                  <a:schemeClr val="bg1"/>
+                </a:solidFill>
+                <a:latin typeface="Avenir Next" panose="020B0503020202020204" pitchFamily="34" charset="0"/>
+              </a:rPr>
+              <a:t>Audio Split</a:t>
+            </a:r>
+          </a:p>
+        </p:txBody>
+      </p:sp>
+      <p:sp>
+        <p:nvSpPr>
+          <p:cNvPr id="5" name="CasellaDiTesto 4">
+            <a:extLst>
+              <a:ext uri="{FF2B5EF4-FFF2-40B4-BE49-F238E27FC236}">
+                <a16:creationId xmlns:a16="http://schemas.microsoft.com/office/drawing/2014/main" id="{FC43F0FD-B523-1548-99ED-DA0BBDEC7CFC}"/>
+              </a:ext>
+            </a:extLst>
+          </p:cNvPr>
+          <p:cNvSpPr txBox="1"/>
+          <p:nvPr/>
+        </p:nvSpPr>
+        <p:spPr>
+          <a:xfrm>
+            <a:off x="9751835" y="2434458"/>
+            <a:ext cx="1190967" cy="646331"/>
+          </a:xfrm>
+          <a:prstGeom prst="rect">
+            <a:avLst/>
+          </a:prstGeom>
+          <a:noFill/>
+          <a:ln>
+            <a:solidFill>
+              <a:schemeClr val="bg1"/>
+            </a:solidFill>
+          </a:ln>
+        </p:spPr>
+        <p:txBody>
+          <a:bodyPr wrap="none" rtlCol="0">
+            <a:spAutoFit/>
+          </a:bodyPr>
+          <a:lstStyle/>
+          <a:p>
+            <a:r>
+              <a:rPr lang="it-IT" dirty="0">
+                <a:solidFill>
+                  <a:schemeClr val="bg1"/>
+                </a:solidFill>
+                <a:latin typeface="Avenir Next" panose="020B0503020202020204" pitchFamily="34" charset="0"/>
+              </a:rPr>
+              <a:t>OUT 1-2</a:t>
+            </a:r>
+          </a:p>
+          <a:p>
+            <a:r>
+              <a:rPr lang="it-IT" dirty="0">
+                <a:solidFill>
+                  <a:schemeClr val="bg1"/>
+                </a:solidFill>
+                <a:latin typeface="Avenir Next" panose="020B0503020202020204" pitchFamily="34" charset="0"/>
+              </a:rPr>
+              <a:t>to the PA </a:t>
+            </a:r>
+          </a:p>
+        </p:txBody>
+      </p:sp>
+      <p:sp>
+        <p:nvSpPr>
+          <p:cNvPr id="18" name="CasellaDiTesto 17">
+            <a:extLst>
+              <a:ext uri="{FF2B5EF4-FFF2-40B4-BE49-F238E27FC236}">
+                <a16:creationId xmlns:a16="http://schemas.microsoft.com/office/drawing/2014/main" id="{642BB601-98C7-FB46-8370-9F51FB272D4F}"/>
+              </a:ext>
+            </a:extLst>
+          </p:cNvPr>
+          <p:cNvSpPr txBox="1"/>
+          <p:nvPr/>
+        </p:nvSpPr>
+        <p:spPr>
+          <a:xfrm>
+            <a:off x="9751835" y="3392301"/>
+            <a:ext cx="1070421" cy="369332"/>
+          </a:xfrm>
+          <a:prstGeom prst="rect">
+            <a:avLst/>
+          </a:prstGeom>
+          <a:noFill/>
+          <a:ln>
+            <a:solidFill>
+              <a:schemeClr val="bg1"/>
+            </a:solidFill>
+          </a:ln>
+        </p:spPr>
+        <p:txBody>
+          <a:bodyPr wrap="none" rtlCol="0">
+            <a:spAutoFit/>
+          </a:bodyPr>
+          <a:lstStyle/>
+          <a:p>
+            <a:r>
+              <a:rPr lang="it-IT" dirty="0">
+                <a:solidFill>
+                  <a:schemeClr val="bg1"/>
+                </a:solidFill>
+                <a:latin typeface="Avenir Next" panose="020B0503020202020204" pitchFamily="34" charset="0"/>
+              </a:rPr>
+              <a:t>OUT 3-4</a:t>
+            </a:r>
+          </a:p>
+        </p:txBody>
+      </p:sp>
+      <p:cxnSp>
+        <p:nvCxnSpPr>
+          <p:cNvPr id="8" name="Connettore 2 7">
+            <a:extLst>
+              <a:ext uri="{FF2B5EF4-FFF2-40B4-BE49-F238E27FC236}">
+                <a16:creationId xmlns:a16="http://schemas.microsoft.com/office/drawing/2014/main" id="{D9A5559F-E2AB-9342-8E62-95F82DFA4477}"/>
+              </a:ext>
+            </a:extLst>
+          </p:cNvPr>
+          <p:cNvCxnSpPr>
+            <a:stCxn id="3" idx="3"/>
+            <a:endCxn id="12" idx="1"/>
+          </p:cNvCxnSpPr>
+          <p:nvPr/>
+        </p:nvCxnSpPr>
+        <p:spPr>
+          <a:xfrm>
+            <a:off x="1674402" y="2786576"/>
+            <a:ext cx="520630" cy="1"/>
+          </a:xfrm>
+          <a:prstGeom prst="straightConnector1">
+            <a:avLst/>
+          </a:prstGeom>
+          <a:ln>
+            <a:solidFill>
+              <a:schemeClr val="bg1"/>
+            </a:solidFill>
+            <a:tailEnd type="triangle"/>
+          </a:ln>
+        </p:spPr>
+        <p:style>
+          <a:lnRef idx="2">
+            <a:schemeClr val="accent1"/>
+          </a:lnRef>
+          <a:fillRef idx="0">
+            <a:schemeClr val="accent1"/>
+          </a:fillRef>
+          <a:effectRef idx="1">
+            <a:schemeClr val="accent1"/>
+          </a:effectRef>
+          <a:fontRef idx="minor">
+            <a:schemeClr val="tx1"/>
+          </a:fontRef>
+        </p:style>
+      </p:cxnSp>
+      <p:cxnSp>
+        <p:nvCxnSpPr>
+          <p:cNvPr id="23" name="Connettore 2 22">
+            <a:extLst>
+              <a:ext uri="{FF2B5EF4-FFF2-40B4-BE49-F238E27FC236}">
+                <a16:creationId xmlns:a16="http://schemas.microsoft.com/office/drawing/2014/main" id="{6A2CD53F-D4B4-9C4A-81B4-D2A3CAEC28FA}"/>
+              </a:ext>
+            </a:extLst>
+          </p:cNvPr>
+          <p:cNvCxnSpPr/>
+          <p:nvPr/>
+        </p:nvCxnSpPr>
+        <p:spPr>
+          <a:xfrm>
+            <a:off x="3832912" y="2786575"/>
+            <a:ext cx="520630" cy="1"/>
+          </a:xfrm>
+          <a:prstGeom prst="straightConnector1">
+            <a:avLst/>
+          </a:prstGeom>
+          <a:ln>
+            <a:solidFill>
+              <a:schemeClr val="bg1"/>
+            </a:solidFill>
+            <a:tailEnd type="triangle"/>
+          </a:ln>
+        </p:spPr>
+        <p:style>
+          <a:lnRef idx="2">
+            <a:schemeClr val="accent1"/>
+          </a:lnRef>
+          <a:fillRef idx="0">
+            <a:schemeClr val="accent1"/>
+          </a:fillRef>
+          <a:effectRef idx="1">
+            <a:schemeClr val="accent1"/>
+          </a:effectRef>
+          <a:fontRef idx="minor">
+            <a:schemeClr val="tx1"/>
+          </a:fontRef>
+        </p:style>
+      </p:cxnSp>
+      <p:cxnSp>
+        <p:nvCxnSpPr>
+          <p:cNvPr id="24" name="Connettore 2 23">
+            <a:extLst>
+              <a:ext uri="{FF2B5EF4-FFF2-40B4-BE49-F238E27FC236}">
+                <a16:creationId xmlns:a16="http://schemas.microsoft.com/office/drawing/2014/main" id="{EDB0F7A5-6010-9641-937E-8BEAE04A7B54}"/>
+              </a:ext>
+            </a:extLst>
+          </p:cNvPr>
+          <p:cNvCxnSpPr>
+            <a:cxnSpLocks/>
+            <a:endCxn id="4" idx="1"/>
+          </p:cNvCxnSpPr>
+          <p:nvPr/>
+        </p:nvCxnSpPr>
+        <p:spPr>
+          <a:xfrm flipV="1">
+            <a:off x="6807457" y="2733956"/>
+            <a:ext cx="1017125" cy="17830"/>
+          </a:xfrm>
+          <a:prstGeom prst="straightConnector1">
+            <a:avLst/>
+          </a:prstGeom>
+          <a:ln>
+            <a:solidFill>
+              <a:schemeClr val="bg1"/>
+            </a:solidFill>
+            <a:tailEnd type="triangle"/>
+          </a:ln>
+        </p:spPr>
+        <p:style>
+          <a:lnRef idx="2">
+            <a:schemeClr val="accent1"/>
+          </a:lnRef>
+          <a:fillRef idx="0">
+            <a:schemeClr val="accent1"/>
+          </a:fillRef>
+          <a:effectRef idx="1">
+            <a:schemeClr val="accent1"/>
+          </a:effectRef>
+          <a:fontRef idx="minor">
+            <a:schemeClr val="tx1"/>
+          </a:fontRef>
+        </p:style>
+      </p:cxnSp>
+      <p:cxnSp>
+        <p:nvCxnSpPr>
+          <p:cNvPr id="25" name="Connettore 2 24">
+            <a:extLst>
+              <a:ext uri="{FF2B5EF4-FFF2-40B4-BE49-F238E27FC236}">
+                <a16:creationId xmlns:a16="http://schemas.microsoft.com/office/drawing/2014/main" id="{0B235F80-9D65-0148-862F-1451B24FF9FB}"/>
+              </a:ext>
+            </a:extLst>
+          </p:cNvPr>
+          <p:cNvCxnSpPr>
+            <a:cxnSpLocks/>
+          </p:cNvCxnSpPr>
+          <p:nvPr/>
+        </p:nvCxnSpPr>
+        <p:spPr>
+          <a:xfrm>
+            <a:off x="9162625" y="2733955"/>
+            <a:ext cx="520630" cy="1"/>
+          </a:xfrm>
+          <a:prstGeom prst="straightConnector1">
+            <a:avLst/>
+          </a:prstGeom>
+          <a:ln>
+            <a:solidFill>
+              <a:schemeClr val="bg1"/>
+            </a:solidFill>
+            <a:tailEnd type="triangle"/>
+          </a:ln>
+        </p:spPr>
+        <p:style>
+          <a:lnRef idx="2">
+            <a:schemeClr val="accent1"/>
+          </a:lnRef>
+          <a:fillRef idx="0">
+            <a:schemeClr val="accent1"/>
+          </a:fillRef>
+          <a:effectRef idx="1">
+            <a:schemeClr val="accent1"/>
+          </a:effectRef>
+          <a:fontRef idx="minor">
+            <a:schemeClr val="tx1"/>
+          </a:fontRef>
+        </p:style>
+      </p:cxnSp>
+      <p:cxnSp>
+        <p:nvCxnSpPr>
+          <p:cNvPr id="26" name="Connettore 2 25">
+            <a:extLst>
+              <a:ext uri="{FF2B5EF4-FFF2-40B4-BE49-F238E27FC236}">
+                <a16:creationId xmlns:a16="http://schemas.microsoft.com/office/drawing/2014/main" id="{0BD50DC6-1F7D-3A42-A839-B3509F8335B2}"/>
+              </a:ext>
+            </a:extLst>
+          </p:cNvPr>
+          <p:cNvCxnSpPr>
+            <a:cxnSpLocks/>
+          </p:cNvCxnSpPr>
+          <p:nvPr/>
+        </p:nvCxnSpPr>
+        <p:spPr>
+          <a:xfrm flipV="1">
+            <a:off x="5587437" y="3517944"/>
+            <a:ext cx="0" cy="405203"/>
+          </a:xfrm>
+          <a:prstGeom prst="straightConnector1">
+            <a:avLst/>
+          </a:prstGeom>
+          <a:ln>
+            <a:solidFill>
+              <a:schemeClr val="bg1"/>
+            </a:solidFill>
+            <a:tailEnd type="triangle"/>
+          </a:ln>
+        </p:spPr>
+        <p:style>
+          <a:lnRef idx="2">
+            <a:schemeClr val="accent1"/>
+          </a:lnRef>
+          <a:fillRef idx="0">
+            <a:schemeClr val="accent1"/>
+          </a:fillRef>
+          <a:effectRef idx="1">
+            <a:schemeClr val="accent1"/>
+          </a:effectRef>
+          <a:fontRef idx="minor">
+            <a:schemeClr val="tx1"/>
+          </a:fontRef>
+        </p:style>
+      </p:cxnSp>
+      <p:cxnSp>
+        <p:nvCxnSpPr>
+          <p:cNvPr id="29" name="Connettore 4 28">
+            <a:extLst>
+              <a:ext uri="{FF2B5EF4-FFF2-40B4-BE49-F238E27FC236}">
+                <a16:creationId xmlns:a16="http://schemas.microsoft.com/office/drawing/2014/main" id="{A9F49FDF-5D61-CC4D-BD96-D7068784D336}"/>
+              </a:ext>
+            </a:extLst>
+          </p:cNvPr>
+          <p:cNvCxnSpPr>
+            <a:stCxn id="12" idx="2"/>
+            <a:endCxn id="14" idx="1"/>
+          </p:cNvCxnSpPr>
+          <p:nvPr/>
+        </p:nvCxnSpPr>
+        <p:spPr>
+          <a:xfrm rot="16200000" flipH="1">
+            <a:off x="2914488" y="3211722"/>
+            <a:ext cx="1546027" cy="1342066"/>
+          </a:xfrm>
+          <a:prstGeom prst="bentConnector2">
+            <a:avLst/>
+          </a:prstGeom>
+          <a:ln>
+            <a:solidFill>
+              <a:schemeClr val="bg1"/>
+            </a:solidFill>
+            <a:tailEnd type="triangle"/>
+          </a:ln>
+        </p:spPr>
+        <p:style>
+          <a:lnRef idx="1">
+            <a:schemeClr val="accent1"/>
+          </a:lnRef>
+          <a:fillRef idx="0">
+            <a:schemeClr val="accent1"/>
+          </a:fillRef>
+          <a:effectRef idx="0">
+            <a:schemeClr val="accent1"/>
+          </a:effectRef>
+          <a:fontRef idx="minor">
+            <a:schemeClr val="tx1"/>
+          </a:fontRef>
+        </p:style>
+      </p:cxnSp>
+      <p:cxnSp>
+        <p:nvCxnSpPr>
+          <p:cNvPr id="32" name="Connettore 4 31">
+            <a:extLst>
+              <a:ext uri="{FF2B5EF4-FFF2-40B4-BE49-F238E27FC236}">
+                <a16:creationId xmlns:a16="http://schemas.microsoft.com/office/drawing/2014/main" id="{64EFFC60-53A0-4749-B729-FD9F1569456C}"/>
+              </a:ext>
+            </a:extLst>
+          </p:cNvPr>
+          <p:cNvCxnSpPr>
+            <a:stCxn id="4" idx="2"/>
+            <a:endCxn id="18" idx="1"/>
+          </p:cNvCxnSpPr>
+          <p:nvPr/>
+        </p:nvCxnSpPr>
+        <p:spPr>
+          <a:xfrm rot="16200000" flipH="1">
+            <a:off x="8796549" y="2621680"/>
+            <a:ext cx="658345" cy="1252228"/>
+          </a:xfrm>
+          <a:prstGeom prst="bentConnector2">
+            <a:avLst/>
+          </a:prstGeom>
+          <a:ln>
+            <a:solidFill>
+              <a:schemeClr val="bg1"/>
+            </a:solidFill>
+            <a:tailEnd type="triangle"/>
+          </a:ln>
+        </p:spPr>
+        <p:style>
+          <a:lnRef idx="1">
+            <a:schemeClr val="accent1"/>
+          </a:lnRef>
+          <a:fillRef idx="0">
+            <a:schemeClr val="accent1"/>
+          </a:fillRef>
+          <a:effectRef idx="0">
+            <a:schemeClr val="accent1"/>
+          </a:effectRef>
+          <a:fontRef idx="minor">
+            <a:schemeClr val="tx1"/>
+          </a:fontRef>
+        </p:style>
+      </p:cxnSp>
+      <p:cxnSp>
+        <p:nvCxnSpPr>
+          <p:cNvPr id="34" name="Connettore 4 33">
+            <a:extLst>
+              <a:ext uri="{FF2B5EF4-FFF2-40B4-BE49-F238E27FC236}">
+                <a16:creationId xmlns:a16="http://schemas.microsoft.com/office/drawing/2014/main" id="{1D51B90C-B4E6-0442-9024-38A275EDFA0A}"/>
+              </a:ext>
+            </a:extLst>
+          </p:cNvPr>
+          <p:cNvCxnSpPr>
+            <a:stCxn id="18" idx="2"/>
+            <a:endCxn id="3" idx="2"/>
+          </p:cNvCxnSpPr>
+          <p:nvPr/>
+        </p:nvCxnSpPr>
+        <p:spPr>
+          <a:xfrm rot="5400000" flipH="1">
+            <a:off x="5326646" y="-1198767"/>
+            <a:ext cx="651892" cy="9268909"/>
+          </a:xfrm>
+          <a:prstGeom prst="bentConnector3">
+            <a:avLst>
+              <a:gd name="adj1" fmla="val -302706"/>
+            </a:avLst>
+          </a:prstGeom>
+          <a:ln>
+            <a:solidFill>
+              <a:schemeClr val="bg1"/>
+            </a:solidFill>
+            <a:tailEnd type="triangle"/>
+          </a:ln>
+        </p:spPr>
+        <p:style>
+          <a:lnRef idx="1">
+            <a:schemeClr val="accent1"/>
+          </a:lnRef>
+          <a:fillRef idx="0">
+            <a:schemeClr val="accent1"/>
+          </a:fillRef>
+          <a:effectRef idx="0">
+            <a:schemeClr val="accent1"/>
+          </a:effectRef>
+          <a:fontRef idx="minor">
+            <a:schemeClr val="tx1"/>
+          </a:fontRef>
+        </p:style>
+      </p:cxnSp>
     </p:spTree>
     <p:extLst>
       <p:ext uri="{BB962C8B-B14F-4D97-AF65-F5344CB8AC3E}">
